--- a/ML_Project.pptx
+++ b/ML_Project.pptx
@@ -5,7 +5,7 @@
     <p:sldMasterId id="2147483648" r:id="rId4"/>
   </p:sldMasterIdLst>
   <p:notesMasterIdLst>
-    <p:notesMasterId r:id="rId17"/>
+    <p:notesMasterId r:id="rId29"/>
   </p:notesMasterIdLst>
   <p:sldIdLst>
     <p:sldId id="256" r:id="rId5"/>
@@ -19,7 +19,19 @@
     <p:sldId id="282" r:id="rId13"/>
     <p:sldId id="283" r:id="rId14"/>
     <p:sldId id="284" r:id="rId15"/>
-    <p:sldId id="275" r:id="rId16"/>
+    <p:sldId id="285" r:id="rId16"/>
+    <p:sldId id="286" r:id="rId17"/>
+    <p:sldId id="287" r:id="rId18"/>
+    <p:sldId id="288" r:id="rId19"/>
+    <p:sldId id="289" r:id="rId20"/>
+    <p:sldId id="290" r:id="rId21"/>
+    <p:sldId id="291" r:id="rId22"/>
+    <p:sldId id="292" r:id="rId23"/>
+    <p:sldId id="293" r:id="rId24"/>
+    <p:sldId id="294" r:id="rId25"/>
+    <p:sldId id="295" r:id="rId26"/>
+    <p:sldId id="297" r:id="rId27"/>
+    <p:sldId id="275" r:id="rId28"/>
   </p:sldIdLst>
   <p:sldSz cx="12192000" cy="6858000"/>
   <p:notesSz cx="6858000" cy="9144000"/>
@@ -138,6 +150,528 @@
 </p:cmAuthorLst>
 </file>
 
+<file path=ppt/ink/ink1.xml><?xml version="1.0" encoding="utf-8"?>
+<inkml:ink xmlns:inkml="http://www.w3.org/2003/InkML">
+  <inkml:definitions>
+    <inkml:context xml:id="ctx0">
+      <inkml:inkSource xml:id="inkSrc0">
+        <inkml:traceFormat>
+          <inkml:channel name="X" type="integer" min="-2.14748E9" max="2.14748E9" units="cm"/>
+          <inkml:channel name="Y" type="integer" min="-2.14748E9" max="2.14748E9" units="cm"/>
+        </inkml:traceFormat>
+        <inkml:channelProperties>
+          <inkml:channelProperty channel="X" name="resolution" value="1000" units="1/cm"/>
+          <inkml:channelProperty channel="Y" name="resolution" value="1000" units="1/cm"/>
+        </inkml:channelProperties>
+      </inkml:inkSource>
+      <inkml:timestamp xml:id="ts0" timeString="2022-04-07T20:41:08.190"/>
+    </inkml:context>
+    <inkml:brush xml:id="br0">
+      <inkml:brushProperty name="width" value="0.3" units="cm"/>
+      <inkml:brushProperty name="height" value="0.6" units="cm"/>
+      <inkml:brushProperty name="color" value="#FFFC00"/>
+      <inkml:brushProperty name="tip" value="rectangle"/>
+      <inkml:brushProperty name="rasterOp" value="maskPen"/>
+      <inkml:brushProperty name="ignorePressure" value="1"/>
+    </inkml:brush>
+  </inkml:definitions>
+  <inkml:trace contextRef="#ctx0" brushRef="#br0">1 53,'1606'0,"-1584"-1,0-2,-1 0,1-2,29-9,-28 7,-1 1,1 1,46-3,7 8,-54 0</inkml:trace>
+</inkml:ink>
+</file>
+
+<file path=ppt/ink/ink10.xml><?xml version="1.0" encoding="utf-8"?>
+<inkml:ink xmlns:inkml="http://www.w3.org/2003/InkML">
+  <inkml:definitions>
+    <inkml:context xml:id="ctx0">
+      <inkml:inkSource xml:id="inkSrc0">
+        <inkml:traceFormat>
+          <inkml:channel name="X" type="integer" min="-2.14748E9" max="2.14748E9" units="cm"/>
+          <inkml:channel name="Y" type="integer" min="-2.14748E9" max="2.14748E9" units="cm"/>
+        </inkml:traceFormat>
+        <inkml:channelProperties>
+          <inkml:channelProperty channel="X" name="resolution" value="1000" units="1/cm"/>
+          <inkml:channelProperty channel="Y" name="resolution" value="1000" units="1/cm"/>
+        </inkml:channelProperties>
+      </inkml:inkSource>
+      <inkml:timestamp xml:id="ts0" timeString="2022-04-07T20:42:03.836"/>
+    </inkml:context>
+    <inkml:brush xml:id="br0">
+      <inkml:brushProperty name="width" value="0.3" units="cm"/>
+      <inkml:brushProperty name="height" value="0.6" units="cm"/>
+      <inkml:brushProperty name="color" value="#A9D8FF"/>
+      <inkml:brushProperty name="tip" value="rectangle"/>
+      <inkml:brushProperty name="rasterOp" value="maskPen"/>
+      <inkml:brushProperty name="ignorePressure" value="1"/>
+    </inkml:brush>
+  </inkml:definitions>
+  <inkml:trace contextRef="#ctx0" brushRef="#br0">0 27,'576'-20,"-525"15,-1 3,1 2,0 3,65 11,-33-5,1-4,114-7,-59 0,-114 2,-3 0</inkml:trace>
+</inkml:ink>
+</file>
+
+<file path=ppt/ink/ink11.xml><?xml version="1.0" encoding="utf-8"?>
+<inkml:ink xmlns:inkml="http://www.w3.org/2003/InkML">
+  <inkml:definitions>
+    <inkml:context xml:id="ctx0">
+      <inkml:inkSource xml:id="inkSrc0">
+        <inkml:traceFormat>
+          <inkml:channel name="X" type="integer" min="-2.14748E9" max="2.14748E9" units="cm"/>
+          <inkml:channel name="Y" type="integer" min="-2.14748E9" max="2.14748E9" units="cm"/>
+        </inkml:traceFormat>
+        <inkml:channelProperties>
+          <inkml:channelProperty channel="X" name="resolution" value="1000" units="1/cm"/>
+          <inkml:channelProperty channel="Y" name="resolution" value="1000" units="1/cm"/>
+        </inkml:channelProperties>
+      </inkml:inkSource>
+      <inkml:timestamp xml:id="ts0" timeString="2022-04-07T20:42:06.040"/>
+    </inkml:context>
+    <inkml:brush xml:id="br0">
+      <inkml:brushProperty name="width" value="0.3" units="cm"/>
+      <inkml:brushProperty name="height" value="0.6" units="cm"/>
+      <inkml:brushProperty name="color" value="#A9D8FF"/>
+      <inkml:brushProperty name="tip" value="rectangle"/>
+      <inkml:brushProperty name="rasterOp" value="maskPen"/>
+      <inkml:brushProperty name="ignorePressure" value="1"/>
+    </inkml:brush>
+  </inkml:definitions>
+  <inkml:trace contextRef="#ctx0" brushRef="#br0">8 0,'-8'3,"15"2,21 3,163 5,200-12,-159-5,-158 4,-52 0</inkml:trace>
+</inkml:ink>
+</file>
+
+<file path=ppt/ink/ink12.xml><?xml version="1.0" encoding="utf-8"?>
+<inkml:ink xmlns:inkml="http://www.w3.org/2003/InkML">
+  <inkml:definitions>
+    <inkml:context xml:id="ctx0">
+      <inkml:inkSource xml:id="inkSrc0">
+        <inkml:traceFormat>
+          <inkml:channel name="X" type="integer" min="-2.14748E9" max="2.14748E9" units="cm"/>
+          <inkml:channel name="Y" type="integer" min="-2.14748E9" max="2.14748E9" units="cm"/>
+        </inkml:traceFormat>
+        <inkml:channelProperties>
+          <inkml:channelProperty channel="X" name="resolution" value="1000" units="1/cm"/>
+          <inkml:channelProperty channel="Y" name="resolution" value="1000" units="1/cm"/>
+        </inkml:channelProperties>
+      </inkml:inkSource>
+      <inkml:timestamp xml:id="ts0" timeString="2022-04-07T20:42:13.336"/>
+    </inkml:context>
+    <inkml:brush xml:id="br0">
+      <inkml:brushProperty name="width" value="0.3" units="cm"/>
+      <inkml:brushProperty name="height" value="0.6" units="cm"/>
+      <inkml:brushProperty name="color" value="#A9D8FF"/>
+      <inkml:brushProperty name="tip" value="rectangle"/>
+      <inkml:brushProperty name="rasterOp" value="maskPen"/>
+      <inkml:brushProperty name="ignorePressure" value="1"/>
+    </inkml:brush>
+  </inkml:definitions>
+  <inkml:trace contextRef="#ctx0" brushRef="#br0">0 54,'155'2,"165"-5,-306 2,0-2,-1 0,1 0,-1-1,14-7,-15 6,1 0,0 1,1 0,26-3,304 4,-170 6,297-3,-469 0,-1 0,0-1,0 1,0 0,0 0,0 0,1 0,-1 0,0 0,0 1,0-1,0 0,0 1,0-1,0 0,1 1,-1-1,0 1,0 0,-1-1,3 2,-18 11,-40 9,15-15,-1-2,0-2,1-1,-63-6,46 2,-80 6,-475 17,532-21,17-4,0-4,1-1,-106-32,147 35</inkml:trace>
+</inkml:ink>
+</file>
+
+<file path=ppt/ink/ink13.xml><?xml version="1.0" encoding="utf-8"?>
+<inkml:ink xmlns:inkml="http://www.w3.org/2003/InkML">
+  <inkml:definitions>
+    <inkml:context xml:id="ctx0">
+      <inkml:inkSource xml:id="inkSrc0">
+        <inkml:traceFormat>
+          <inkml:channel name="X" type="integer" min="-2.14748E9" max="2.14748E9" units="cm"/>
+          <inkml:channel name="Y" type="integer" min="-2.14748E9" max="2.14748E9" units="cm"/>
+        </inkml:traceFormat>
+        <inkml:channelProperties>
+          <inkml:channelProperty channel="X" name="resolution" value="1000" units="1/cm"/>
+          <inkml:channelProperty channel="Y" name="resolution" value="1000" units="1/cm"/>
+        </inkml:channelProperties>
+      </inkml:inkSource>
+      <inkml:timestamp xml:id="ts0" timeString="2022-04-07T20:42:48.817"/>
+    </inkml:context>
+    <inkml:brush xml:id="br0">
+      <inkml:brushProperty name="width" value="0.3" units="cm"/>
+      <inkml:brushProperty name="height" value="0.6" units="cm"/>
+      <inkml:brushProperty name="color" value="#A2D762"/>
+      <inkml:brushProperty name="tip" value="rectangle"/>
+      <inkml:brushProperty name="rasterOp" value="maskPen"/>
+      <inkml:brushProperty name="ignorePressure" value="1"/>
+    </inkml:brush>
+  </inkml:definitions>
+  <inkml:trace contextRef="#ctx0" brushRef="#br0">0 1,'1119'0,"-1097"0</inkml:trace>
+</inkml:ink>
+</file>
+
+<file path=ppt/ink/ink14.xml><?xml version="1.0" encoding="utf-8"?>
+<inkml:ink xmlns:inkml="http://www.w3.org/2003/InkML">
+  <inkml:definitions>
+    <inkml:context xml:id="ctx0">
+      <inkml:inkSource xml:id="inkSrc0">
+        <inkml:traceFormat>
+          <inkml:channel name="X" type="integer" min="-2.14748E9" max="2.14748E9" units="cm"/>
+          <inkml:channel name="Y" type="integer" min="-2.14748E9" max="2.14748E9" units="cm"/>
+        </inkml:traceFormat>
+        <inkml:channelProperties>
+          <inkml:channelProperty channel="X" name="resolution" value="1000" units="1/cm"/>
+          <inkml:channelProperty channel="Y" name="resolution" value="1000" units="1/cm"/>
+        </inkml:channelProperties>
+      </inkml:inkSource>
+      <inkml:timestamp xml:id="ts0" timeString="2022-04-07T20:42:52.140"/>
+    </inkml:context>
+    <inkml:brush xml:id="br0">
+      <inkml:brushProperty name="width" value="0.3" units="cm"/>
+      <inkml:brushProperty name="height" value="0.6" units="cm"/>
+      <inkml:brushProperty name="color" value="#A2D762"/>
+      <inkml:brushProperty name="tip" value="rectangle"/>
+      <inkml:brushProperty name="rasterOp" value="maskPen"/>
+      <inkml:brushProperty name="ignorePressure" value="1"/>
+    </inkml:brush>
+  </inkml:definitions>
+  <inkml:trace contextRef="#ctx0" brushRef="#br0">1 78,'892'0,"-846"-2,49-9,44-2,-116 11,1-1,-1 0,0-2,23-8,-23 6,1 1,0 2,43-4,237 9,-282-1</inkml:trace>
+</inkml:ink>
+</file>
+
+<file path=ppt/ink/ink15.xml><?xml version="1.0" encoding="utf-8"?>
+<inkml:ink xmlns:inkml="http://www.w3.org/2003/InkML">
+  <inkml:definitions>
+    <inkml:context xml:id="ctx0">
+      <inkml:inkSource xml:id="inkSrc0">
+        <inkml:traceFormat>
+          <inkml:channel name="X" type="integer" min="-2.14748E9" max="2.14748E9" units="cm"/>
+          <inkml:channel name="Y" type="integer" min="-2.14748E9" max="2.14748E9" units="cm"/>
+        </inkml:traceFormat>
+        <inkml:channelProperties>
+          <inkml:channelProperty channel="X" name="resolution" value="1000" units="1/cm"/>
+          <inkml:channelProperty channel="Y" name="resolution" value="1000" units="1/cm"/>
+        </inkml:channelProperties>
+      </inkml:inkSource>
+      <inkml:timestamp xml:id="ts0" timeString="2022-04-07T20:43:10.486"/>
+    </inkml:context>
+    <inkml:brush xml:id="br0">
+      <inkml:brushProperty name="width" value="0.3" units="cm"/>
+      <inkml:brushProperty name="height" value="0.6" units="cm"/>
+      <inkml:brushProperty name="color" value="#FFACD5"/>
+      <inkml:brushProperty name="tip" value="rectangle"/>
+      <inkml:brushProperty name="rasterOp" value="maskPen"/>
+      <inkml:brushProperty name="ignorePressure" value="1"/>
+    </inkml:brush>
+  </inkml:definitions>
+  <inkml:trace contextRef="#ctx0" brushRef="#br0">0 26,'552'3,"558"-7,-871-8,71-1,-289 13</inkml:trace>
+</inkml:ink>
+</file>
+
+<file path=ppt/ink/ink16.xml><?xml version="1.0" encoding="utf-8"?>
+<inkml:ink xmlns:inkml="http://www.w3.org/2003/InkML">
+  <inkml:definitions>
+    <inkml:context xml:id="ctx0">
+      <inkml:inkSource xml:id="inkSrc0">
+        <inkml:traceFormat>
+          <inkml:channel name="X" type="integer" min="-2.14748E9" max="2.14748E9" units="cm"/>
+          <inkml:channel name="Y" type="integer" min="-2.14748E9" max="2.14748E9" units="cm"/>
+        </inkml:traceFormat>
+        <inkml:channelProperties>
+          <inkml:channelProperty channel="X" name="resolution" value="1000" units="1/cm"/>
+          <inkml:channelProperty channel="Y" name="resolution" value="1000" units="1/cm"/>
+        </inkml:channelProperties>
+      </inkml:inkSource>
+      <inkml:timestamp xml:id="ts0" timeString="2022-04-07T20:43:15.870"/>
+    </inkml:context>
+    <inkml:brush xml:id="br0">
+      <inkml:brushProperty name="width" value="0.3" units="cm"/>
+      <inkml:brushProperty name="height" value="0.6" units="cm"/>
+      <inkml:brushProperty name="color" value="#FFACD5"/>
+      <inkml:brushProperty name="tip" value="rectangle"/>
+      <inkml:brushProperty name="rasterOp" value="maskPen"/>
+      <inkml:brushProperty name="ignorePressure" value="1"/>
+    </inkml:brush>
+  </inkml:definitions>
+  <inkml:trace contextRef="#ctx0" brushRef="#br0">1 77,'1833'0,"-1796"-2,50-9,20-1,149-13,-155 12,121-1,-201 14,-5 1</inkml:trace>
+</inkml:ink>
+</file>
+
+<file path=ppt/ink/ink17.xml><?xml version="1.0" encoding="utf-8"?>
+<inkml:ink xmlns:inkml="http://www.w3.org/2003/InkML">
+  <inkml:definitions>
+    <inkml:context xml:id="ctx0">
+      <inkml:inkSource xml:id="inkSrc0">
+        <inkml:traceFormat>
+          <inkml:channel name="X" type="integer" min="-2.14748E9" max="2.14748E9" units="cm"/>
+          <inkml:channel name="Y" type="integer" min="-2.14748E9" max="2.14748E9" units="cm"/>
+        </inkml:traceFormat>
+        <inkml:channelProperties>
+          <inkml:channelProperty channel="X" name="resolution" value="1000" units="1/cm"/>
+          <inkml:channelProperty channel="Y" name="resolution" value="1000" units="1/cm"/>
+        </inkml:channelProperties>
+      </inkml:inkSource>
+      <inkml:timestamp xml:id="ts0" timeString="2022-04-07T20:44:31.160"/>
+    </inkml:context>
+    <inkml:brush xml:id="br0">
+      <inkml:brushProperty name="width" value="0.3" units="cm"/>
+      <inkml:brushProperty name="height" value="0.6" units="cm"/>
+      <inkml:brushProperty name="color" value="#D9AEFF"/>
+      <inkml:brushProperty name="tip" value="rectangle"/>
+      <inkml:brushProperty name="rasterOp" value="maskPen"/>
+      <inkml:brushProperty name="ignorePressure" value="1"/>
+    </inkml:brush>
+  </inkml:definitions>
+  <inkml:trace contextRef="#ctx0" brushRef="#br0">0 0,'791'0,"-765"2,0 0,26 7,41 3,424-10,-268-4,-227 2</inkml:trace>
+</inkml:ink>
+</file>
+
+<file path=ppt/ink/ink18.xml><?xml version="1.0" encoding="utf-8"?>
+<inkml:ink xmlns:inkml="http://www.w3.org/2003/InkML">
+  <inkml:definitions>
+    <inkml:context xml:id="ctx0">
+      <inkml:inkSource xml:id="inkSrc0">
+        <inkml:traceFormat>
+          <inkml:channel name="X" type="integer" min="-2.14748E9" max="2.14748E9" units="cm"/>
+          <inkml:channel name="Y" type="integer" min="-2.14748E9" max="2.14748E9" units="cm"/>
+        </inkml:traceFormat>
+        <inkml:channelProperties>
+          <inkml:channelProperty channel="X" name="resolution" value="1000" units="1/cm"/>
+          <inkml:channelProperty channel="Y" name="resolution" value="1000" units="1/cm"/>
+        </inkml:channelProperties>
+      </inkml:inkSource>
+      <inkml:timestamp xml:id="ts0" timeString="2022-04-07T20:44:33.222"/>
+    </inkml:context>
+    <inkml:brush xml:id="br0">
+      <inkml:brushProperty name="width" value="0.3" units="cm"/>
+      <inkml:brushProperty name="height" value="0.6" units="cm"/>
+      <inkml:brushProperty name="color" value="#D9AEFF"/>
+      <inkml:brushProperty name="tip" value="rectangle"/>
+      <inkml:brushProperty name="rasterOp" value="maskPen"/>
+      <inkml:brushProperty name="ignorePressure" value="1"/>
+    </inkml:brush>
+  </inkml:definitions>
+  <inkml:trace contextRef="#ctx0" brushRef="#br0">1 0,'1220'0,"-1198"0</inkml:trace>
+</inkml:ink>
+</file>
+
+<file path=ppt/ink/ink2.xml><?xml version="1.0" encoding="utf-8"?>
+<inkml:ink xmlns:inkml="http://www.w3.org/2003/InkML">
+  <inkml:definitions>
+    <inkml:context xml:id="ctx0">
+      <inkml:inkSource xml:id="inkSrc0">
+        <inkml:traceFormat>
+          <inkml:channel name="X" type="integer" min="-2.14748E9" max="2.14748E9" units="cm"/>
+          <inkml:channel name="Y" type="integer" min="-2.14748E9" max="2.14748E9" units="cm"/>
+        </inkml:traceFormat>
+        <inkml:channelProperties>
+          <inkml:channelProperty channel="X" name="resolution" value="1000" units="1/cm"/>
+          <inkml:channelProperty channel="Y" name="resolution" value="1000" units="1/cm"/>
+        </inkml:channelProperties>
+      </inkml:inkSource>
+      <inkml:timestamp xml:id="ts0" timeString="2022-04-07T20:41:11.241"/>
+    </inkml:context>
+    <inkml:brush xml:id="br0">
+      <inkml:brushProperty name="width" value="0.3" units="cm"/>
+      <inkml:brushProperty name="height" value="0.6" units="cm"/>
+      <inkml:brushProperty name="color" value="#FFFC00"/>
+      <inkml:brushProperty name="tip" value="rectangle"/>
+      <inkml:brushProperty name="rasterOp" value="maskPen"/>
+      <inkml:brushProperty name="ignorePressure" value="1"/>
+    </inkml:brush>
+  </inkml:definitions>
+  <inkml:trace contextRef="#ctx0" brushRef="#br0">1 1,'1396'0,"-1373"0</inkml:trace>
+</inkml:ink>
+</file>
+
+<file path=ppt/ink/ink3.xml><?xml version="1.0" encoding="utf-8"?>
+<inkml:ink xmlns:inkml="http://www.w3.org/2003/InkML">
+  <inkml:definitions>
+    <inkml:context xml:id="ctx0">
+      <inkml:inkSource xml:id="inkSrc0">
+        <inkml:traceFormat>
+          <inkml:channel name="X" type="integer" min="-2.14748E9" max="2.14748E9" units="cm"/>
+          <inkml:channel name="Y" type="integer" min="-2.14748E9" max="2.14748E9" units="cm"/>
+        </inkml:traceFormat>
+        <inkml:channelProperties>
+          <inkml:channelProperty channel="X" name="resolution" value="1000" units="1/cm"/>
+          <inkml:channelProperty channel="Y" name="resolution" value="1000" units="1/cm"/>
+        </inkml:channelProperties>
+      </inkml:inkSource>
+      <inkml:timestamp xml:id="ts0" timeString="2022-04-07T20:41:14.341"/>
+    </inkml:context>
+    <inkml:brush xml:id="br0">
+      <inkml:brushProperty name="width" value="0.3" units="cm"/>
+      <inkml:brushProperty name="height" value="0.6" units="cm"/>
+      <inkml:brushProperty name="color" value="#FFFC00"/>
+      <inkml:brushProperty name="tip" value="rectangle"/>
+      <inkml:brushProperty name="rasterOp" value="maskPen"/>
+      <inkml:brushProperty name="ignorePressure" value="1"/>
+    </inkml:brush>
+  </inkml:definitions>
+  <inkml:trace contextRef="#ctx0" brushRef="#br0">0 0,'109'5,"0"5,129 28,-238-38,89 13,128 3,92-18,-99-1,426 3,-609 0</inkml:trace>
+</inkml:ink>
+</file>
+
+<file path=ppt/ink/ink4.xml><?xml version="1.0" encoding="utf-8"?>
+<inkml:ink xmlns:inkml="http://www.w3.org/2003/InkML">
+  <inkml:definitions>
+    <inkml:context xml:id="ctx0">
+      <inkml:inkSource xml:id="inkSrc0">
+        <inkml:traceFormat>
+          <inkml:channel name="X" type="integer" min="-2.14748E9" max="2.14748E9" units="cm"/>
+          <inkml:channel name="Y" type="integer" min="-2.14748E9" max="2.14748E9" units="cm"/>
+        </inkml:traceFormat>
+        <inkml:channelProperties>
+          <inkml:channelProperty channel="X" name="resolution" value="1000" units="1/cm"/>
+          <inkml:channelProperty channel="Y" name="resolution" value="1000" units="1/cm"/>
+        </inkml:channelProperties>
+      </inkml:inkSource>
+      <inkml:timestamp xml:id="ts0" timeString="2022-04-07T20:41:17.138"/>
+    </inkml:context>
+    <inkml:brush xml:id="br0">
+      <inkml:brushProperty name="width" value="0.3" units="cm"/>
+      <inkml:brushProperty name="height" value="0.6" units="cm"/>
+      <inkml:brushProperty name="color" value="#FFFC00"/>
+      <inkml:brushProperty name="tip" value="rectangle"/>
+      <inkml:brushProperty name="rasterOp" value="maskPen"/>
+      <inkml:brushProperty name="ignorePressure" value="1"/>
+    </inkml:brush>
+  </inkml:definitions>
+  <inkml:trace contextRef="#ctx0" brushRef="#br0">1 0,'224'12,"-45"0,592-8,-443-6,-305 4,-1 0,1 2,40 11,39 6,287-13,-231-10,-126 1,58-8,-60 4</inkml:trace>
+</inkml:ink>
+</file>
+
+<file path=ppt/ink/ink5.xml><?xml version="1.0" encoding="utf-8"?>
+<inkml:ink xmlns:inkml="http://www.w3.org/2003/InkML">
+  <inkml:definitions>
+    <inkml:context xml:id="ctx0">
+      <inkml:inkSource xml:id="inkSrc0">
+        <inkml:traceFormat>
+          <inkml:channel name="X" type="integer" min="-2.14748E9" max="2.14748E9" units="cm"/>
+          <inkml:channel name="Y" type="integer" min="-2.14748E9" max="2.14748E9" units="cm"/>
+        </inkml:traceFormat>
+        <inkml:channelProperties>
+          <inkml:channelProperty channel="X" name="resolution" value="1000" units="1/cm"/>
+          <inkml:channelProperty channel="Y" name="resolution" value="1000" units="1/cm"/>
+        </inkml:channelProperties>
+      </inkml:inkSource>
+      <inkml:timestamp xml:id="ts0" timeString="2022-04-07T20:41:29.415"/>
+    </inkml:context>
+    <inkml:brush xml:id="br0">
+      <inkml:brushProperty name="width" value="0.3" units="cm"/>
+      <inkml:brushProperty name="height" value="0.6" units="cm"/>
+      <inkml:brushProperty name="color" value="#FF8517"/>
+      <inkml:brushProperty name="tip" value="rectangle"/>
+      <inkml:brushProperty name="rasterOp" value="maskPen"/>
+      <inkml:brushProperty name="ignorePressure" value="1"/>
+    </inkml:brush>
+  </inkml:definitions>
+  <inkml:trace contextRef="#ctx0" brushRef="#br0">1 132,'1020'0,"-999"-2,-1-1,1-1,-1 0,0-2,0 0,-1-2,1 0,25-15,55-21,-83 38,1 1,0 1,1 1,-1 0,0 1,28 1,-26 2</inkml:trace>
+</inkml:ink>
+</file>
+
+<file path=ppt/ink/ink6.xml><?xml version="1.0" encoding="utf-8"?>
+<inkml:ink xmlns:inkml="http://www.w3.org/2003/InkML">
+  <inkml:definitions>
+    <inkml:context xml:id="ctx0">
+      <inkml:inkSource xml:id="inkSrc0">
+        <inkml:traceFormat>
+          <inkml:channel name="X" type="integer" min="-2.14748E9" max="2.14748E9" units="cm"/>
+          <inkml:channel name="Y" type="integer" min="-2.14748E9" max="2.14748E9" units="cm"/>
+        </inkml:traceFormat>
+        <inkml:channelProperties>
+          <inkml:channelProperty channel="X" name="resolution" value="1000" units="1/cm"/>
+          <inkml:channelProperty channel="Y" name="resolution" value="1000" units="1/cm"/>
+        </inkml:channelProperties>
+      </inkml:inkSource>
+      <inkml:timestamp xml:id="ts0" timeString="2022-04-07T20:41:30.807"/>
+    </inkml:context>
+    <inkml:brush xml:id="br0">
+      <inkml:brushProperty name="width" value="0.3" units="cm"/>
+      <inkml:brushProperty name="height" value="0.6" units="cm"/>
+      <inkml:brushProperty name="color" value="#FF8517"/>
+      <inkml:brushProperty name="tip" value="rectangle"/>
+      <inkml:brushProperty name="rasterOp" value="maskPen"/>
+      <inkml:brushProperty name="ignorePressure" value="1"/>
+    </inkml:brush>
+  </inkml:definitions>
+  <inkml:trace contextRef="#ctx0" brushRef="#br0">1 1,'712'0,"-691"0</inkml:trace>
+</inkml:ink>
+</file>
+
+<file path=ppt/ink/ink7.xml><?xml version="1.0" encoding="utf-8"?>
+<inkml:ink xmlns:inkml="http://www.w3.org/2003/InkML">
+  <inkml:definitions>
+    <inkml:context xml:id="ctx0">
+      <inkml:inkSource xml:id="inkSrc0">
+        <inkml:traceFormat>
+          <inkml:channel name="X" type="integer" min="-2.14748E9" max="2.14748E9" units="cm"/>
+          <inkml:channel name="Y" type="integer" min="-2.14748E9" max="2.14748E9" units="cm"/>
+        </inkml:traceFormat>
+        <inkml:channelProperties>
+          <inkml:channelProperty channel="X" name="resolution" value="1000" units="1/cm"/>
+          <inkml:channelProperty channel="Y" name="resolution" value="1000" units="1/cm"/>
+        </inkml:channelProperties>
+      </inkml:inkSource>
+      <inkml:timestamp xml:id="ts0" timeString="2022-04-07T20:41:33.589"/>
+    </inkml:context>
+    <inkml:brush xml:id="br0">
+      <inkml:brushProperty name="width" value="0.3" units="cm"/>
+      <inkml:brushProperty name="height" value="0.6" units="cm"/>
+      <inkml:brushProperty name="color" value="#FF8517"/>
+      <inkml:brushProperty name="tip" value="rectangle"/>
+      <inkml:brushProperty name="rasterOp" value="maskPen"/>
+      <inkml:brushProperty name="ignorePressure" value="1"/>
+    </inkml:brush>
+  </inkml:definitions>
+  <inkml:trace contextRef="#ctx0" brushRef="#br0">0 1,'12'1,"0"0,-1 1,1 1,-1 0,19 8,24 6,-11-10,0-3,0-1,74-5,56 3,-77 11,56 2,158-15,-288 1</inkml:trace>
+</inkml:ink>
+</file>
+
+<file path=ppt/ink/ink8.xml><?xml version="1.0" encoding="utf-8"?>
+<inkml:ink xmlns:inkml="http://www.w3.org/2003/InkML">
+  <inkml:definitions>
+    <inkml:context xml:id="ctx0">
+      <inkml:inkSource xml:id="inkSrc0">
+        <inkml:traceFormat>
+          <inkml:channel name="X" type="integer" min="-2.14748E9" max="2.14748E9" units="cm"/>
+          <inkml:channel name="Y" type="integer" min="-2.14748E9" max="2.14748E9" units="cm"/>
+        </inkml:traceFormat>
+        <inkml:channelProperties>
+          <inkml:channelProperty channel="X" name="resolution" value="1000" units="1/cm"/>
+          <inkml:channelProperty channel="Y" name="resolution" value="1000" units="1/cm"/>
+        </inkml:channelProperties>
+      </inkml:inkSource>
+      <inkml:timestamp xml:id="ts0" timeString="2022-04-07T20:41:35.858"/>
+    </inkml:context>
+    <inkml:brush xml:id="br0">
+      <inkml:brushProperty name="width" value="0.3" units="cm"/>
+      <inkml:brushProperty name="height" value="0.6" units="cm"/>
+      <inkml:brushProperty name="color" value="#FF8517"/>
+      <inkml:brushProperty name="tip" value="rectangle"/>
+      <inkml:brushProperty name="rasterOp" value="maskPen"/>
+      <inkml:brushProperty name="ignorePressure" value="1"/>
+    </inkml:brush>
+  </inkml:definitions>
+  <inkml:trace contextRef="#ctx0" brushRef="#br0">0 53,'122'2,"135"-4,-232-1,0-1,-1-1,25-8,-24 6,0 0,0 2,28-2,280 6,-161 3,-128 0,-1 2,66 16,-66-11,0-2,66 3,-88-10</inkml:trace>
+</inkml:ink>
+</file>
+
+<file path=ppt/ink/ink9.xml><?xml version="1.0" encoding="utf-8"?>
+<inkml:ink xmlns:inkml="http://www.w3.org/2003/InkML">
+  <inkml:definitions>
+    <inkml:context xml:id="ctx0">
+      <inkml:inkSource xml:id="inkSrc0">
+        <inkml:traceFormat>
+          <inkml:channel name="X" type="integer" min="-2.14748E9" max="2.14748E9" units="cm"/>
+          <inkml:channel name="Y" type="integer" min="-2.14748E9" max="2.14748E9" units="cm"/>
+        </inkml:traceFormat>
+        <inkml:channelProperties>
+          <inkml:channelProperty channel="X" name="resolution" value="1000" units="1/cm"/>
+          <inkml:channelProperty channel="Y" name="resolution" value="1000" units="1/cm"/>
+        </inkml:channelProperties>
+      </inkml:inkSource>
+      <inkml:timestamp xml:id="ts0" timeString="2022-04-07T20:41:39.999"/>
+    </inkml:context>
+    <inkml:brush xml:id="br0">
+      <inkml:brushProperty name="width" value="0.3" units="cm"/>
+      <inkml:brushProperty name="height" value="0.6" units="cm"/>
+      <inkml:brushProperty name="color" value="#FF8517"/>
+      <inkml:brushProperty name="tip" value="rectangle"/>
+      <inkml:brushProperty name="rasterOp" value="maskPen"/>
+      <inkml:brushProperty name="ignorePressure" value="1"/>
+    </inkml:brush>
+  </inkml:definitions>
+  <inkml:trace contextRef="#ctx0" brushRef="#br0">0 1,'3'4,"-1"1,1-1,0 0,0 0,1-1,-1 1,1-1,0 1,0-1,0 0,0-1,1 1,-1-1,9 4,7 1,0-1,28 5,4 1,-8 1,85 13,143-2,782-24,-1028-2,0 0,28-7,45-4,-18 1,-6-1,-49 12</inkml:trace>
+</inkml:ink>
+</file>
+
 <file path=ppt/notesMasters/notesMaster1.xml><?xml version="1.0" encoding="utf-8"?>
 <p:notesMaster xmlns:a="http://schemas.openxmlformats.org/drawingml/2006/main" xmlns:r="http://schemas.openxmlformats.org/officeDocument/2006/relationships" xmlns:p="http://schemas.openxmlformats.org/presentationml/2006/main">
   <p:cSld>
@@ -220,7 +754,7 @@
           <a:p>
             <a:fld id="{7487ADD9-2083-264C-A652-8D52D02F7E72}" type="datetimeFigureOut">
               <a:rPr lang="en-US" smtClean="0"/>
-              <a:t>4/6/2022</a:t>
+              <a:t>4/7/2022</a:t>
             </a:fld>
             <a:endParaRPr lang="en-US" dirty="0"/>
           </a:p>
@@ -1877,7 +2411,7 @@
             <a:fld id="{5F02DCD1-2C6B-F948-9F72-3BB0CF3D512E}" type="datetime1">
               <a:rPr lang="en-US" smtClean="0"/>
               <a:pPr/>
-              <a:t>4/6/2022</a:t>
+              <a:t>4/7/2022</a:t>
             </a:fld>
             <a:endParaRPr lang="en-US" dirty="0"/>
           </a:p>
@@ -2762,7 +3296,7 @@
             <a:fld id="{C1583C39-01BF-7F43-854C-FBB4E9AB6B0C}" type="datetime1">
               <a:rPr lang="en-US" smtClean="0"/>
               <a:pPr/>
-              <a:t>4/6/2022</a:t>
+              <a:t>4/7/2022</a:t>
             </a:fld>
             <a:endParaRPr lang="en-US" dirty="0"/>
           </a:p>
@@ -3939,7 +4473,7 @@
             <a:fld id="{4B103E64-1627-9140-8127-1849FED275E1}" type="datetime1">
               <a:rPr lang="en-US" smtClean="0"/>
               <a:pPr/>
-              <a:t>4/6/2022</a:t>
+              <a:t>4/7/2022</a:t>
             </a:fld>
             <a:endParaRPr lang="en-US" dirty="0"/>
           </a:p>
@@ -6019,7 +6553,7 @@
             <a:fld id="{DD9C8446-696E-6942-B6C8-CC9CAD0B34E0}" type="datetime1">
               <a:rPr lang="en-US" smtClean="0"/>
               <a:pPr/>
-              <a:t>4/6/2022</a:t>
+              <a:t>4/7/2022</a:t>
             </a:fld>
             <a:endParaRPr lang="en-US" dirty="0"/>
           </a:p>
@@ -6737,7 +7271,7 @@
             <a:fld id="{F5592931-05C6-8543-8B6E-A8BD29BD5C2B}" type="datetime1">
               <a:rPr lang="en-US" smtClean="0"/>
               <a:pPr/>
-              <a:t>4/6/2022</a:t>
+              <a:t>4/7/2022</a:t>
             </a:fld>
             <a:endParaRPr lang="en-US" dirty="0"/>
           </a:p>
@@ -7965,7 +8499,7 @@
             <a:fld id="{7E7AB22C-8B7E-9B4A-8C65-396C3C874D86}" type="datetime1">
               <a:rPr lang="en-US" smtClean="0"/>
               <a:pPr/>
-              <a:t>4/6/2022</a:t>
+              <a:t>4/7/2022</a:t>
             </a:fld>
             <a:endParaRPr lang="en-US" dirty="0"/>
           </a:p>
@@ -8557,7 +9091,7 @@
             <a:fld id="{8CE9AC2A-20AD-8C48-B5EB-B5322BDBCDEE}" type="datetime1">
               <a:rPr lang="en-US" smtClean="0"/>
               <a:pPr/>
-              <a:t>4/6/2022</a:t>
+              <a:t>4/7/2022</a:t>
             </a:fld>
             <a:endParaRPr lang="en-US" dirty="0"/>
           </a:p>
@@ -9030,7 +9564,7 @@
             <a:fld id="{4CF75428-5BE0-934D-BB71-675F8E23A386}" type="datetime1">
               <a:rPr lang="en-US" smtClean="0"/>
               <a:pPr/>
-              <a:t>4/6/2022</a:t>
+              <a:t>4/7/2022</a:t>
             </a:fld>
             <a:endParaRPr lang="en-US" dirty="0"/>
           </a:p>
@@ -9880,7 +10414,7 @@
             <a:fld id="{9A85C5CA-AE29-AB4C-8F85-0373C72001D8}" type="datetime1">
               <a:rPr lang="en-US" smtClean="0"/>
               <a:pPr/>
-              <a:t>4/6/2022</a:t>
+              <a:t>4/7/2022</a:t>
             </a:fld>
             <a:endParaRPr lang="en-US" dirty="0"/>
           </a:p>
@@ -12105,7 +12639,7 @@
             <a:fld id="{75594855-01E8-5A4B-B2B8-E2ECEF879100}" type="datetime1">
               <a:rPr lang="en-US" smtClean="0"/>
               <a:pPr/>
-              <a:t>4/6/2022</a:t>
+              <a:t>4/7/2022</a:t>
             </a:fld>
             <a:endParaRPr lang="en-US" dirty="0"/>
           </a:p>
@@ -12374,7 +12908,7 @@
             <a:fld id="{B562DF68-3089-814D-8A14-C651FE91885E}" type="datetime1">
               <a:rPr lang="en-US" smtClean="0"/>
               <a:pPr/>
-              <a:t>4/6/2022</a:t>
+              <a:t>4/7/2022</a:t>
             </a:fld>
             <a:endParaRPr lang="en-US" dirty="0"/>
           </a:p>
@@ -13176,14 +13710,19 @@
             <p:ph type="title"/>
           </p:nvPr>
         </p:nvSpPr>
-        <p:spPr/>
+        <p:spPr>
+          <a:xfrm>
+            <a:off x="948906" y="381000"/>
+            <a:ext cx="9997770" cy="625155"/>
+          </a:xfrm>
+        </p:spPr>
         <p:txBody>
           <a:bodyPr/>
           <a:lstStyle/>
           <a:p>
             <a:r>
-              <a:rPr lang="en-US" dirty="0"/>
-              <a:t>Linear Models</a:t>
+              <a:rPr lang="en-US" sz="3600" dirty="0"/>
+              <a:t>Linear Models and SVR</a:t>
             </a:r>
           </a:p>
         </p:txBody>
@@ -13204,12 +13743,90 @@
             <p:ph idx="1"/>
           </p:nvPr>
         </p:nvSpPr>
-        <p:spPr/>
+        <p:spPr>
+          <a:xfrm>
+            <a:off x="1173478" y="3095657"/>
+            <a:ext cx="4407813" cy="1630928"/>
+          </a:xfrm>
+        </p:spPr>
         <p:txBody>
           <a:bodyPr/>
           <a:lstStyle/>
           <a:p>
-            <a:endParaRPr lang="en-US"/>
+            <a:r>
+              <a:rPr lang="en-US" sz="1800" dirty="0"/>
+              <a:t>Categories related to quality, condition or rating.</a:t>
+            </a:r>
+          </a:p>
+          <a:p>
+            <a:r>
+              <a:rPr lang="en-US" sz="1800" dirty="0"/>
+              <a:t>For ex:- </a:t>
+            </a:r>
+            <a:r>
+              <a:rPr lang="en-US" sz="1800" dirty="0" err="1"/>
+              <a:t>ExterQual</a:t>
+            </a:r>
+            <a:r>
+              <a:rPr lang="en-US" sz="1800" dirty="0"/>
+              <a:t>, </a:t>
+            </a:r>
+            <a:r>
+              <a:rPr lang="en-US" sz="1800" dirty="0" err="1"/>
+              <a:t>ExterCond</a:t>
+            </a:r>
+            <a:r>
+              <a:rPr lang="en-US" sz="1800" dirty="0"/>
+              <a:t>, </a:t>
+            </a:r>
+            <a:r>
+              <a:rPr lang="en-US" sz="1800" dirty="0" err="1"/>
+              <a:t>BsmtQual</a:t>
+            </a:r>
+            <a:r>
+              <a:rPr lang="en-US" sz="1800" dirty="0"/>
+              <a:t>, </a:t>
+            </a:r>
+            <a:r>
+              <a:rPr lang="en-US" sz="1800" dirty="0" err="1"/>
+              <a:t>BsmtCond</a:t>
+            </a:r>
+            <a:r>
+              <a:rPr lang="en-US" sz="1800" dirty="0"/>
+              <a:t>, </a:t>
+            </a:r>
+            <a:r>
+              <a:rPr lang="en-US" sz="1800" dirty="0" err="1"/>
+              <a:t>HeatingQC</a:t>
+            </a:r>
+            <a:r>
+              <a:rPr lang="en-US" sz="1800" dirty="0"/>
+              <a:t>, </a:t>
+            </a:r>
+            <a:r>
+              <a:rPr lang="en-US" sz="1800" dirty="0" err="1"/>
+              <a:t>KitchenQual</a:t>
+            </a:r>
+            <a:r>
+              <a:rPr lang="en-US" sz="1800" dirty="0"/>
+              <a:t>, </a:t>
+            </a:r>
+            <a:r>
+              <a:rPr lang="en-US" sz="1800" dirty="0" err="1"/>
+              <a:t>FireplaceQu</a:t>
+            </a:r>
+            <a:r>
+              <a:rPr lang="en-US" sz="1800" dirty="0"/>
+              <a:t>, </a:t>
+            </a:r>
+            <a:r>
+              <a:rPr lang="en-US" sz="1800" dirty="0" err="1"/>
+              <a:t>GarageQual</a:t>
+            </a:r>
+            <a:r>
+              <a:rPr lang="en-US" sz="1800" dirty="0"/>
+              <a:t>, etc.</a:t>
+            </a:r>
           </a:p>
         </p:txBody>
       </p:sp>
@@ -13234,12 +13851,10 @@
           <a:bodyPr/>
           <a:lstStyle/>
           <a:p>
-            <a:fld id="{C1583C39-01BF-7F43-854C-FBB4E9AB6B0C}" type="datetime1">
-              <a:rPr lang="en-US" smtClean="0"/>
-              <a:pPr/>
-              <a:t>4/6/2022</a:t>
-            </a:fld>
-            <a:endParaRPr lang="en-US" dirty="0"/>
+            <a:r>
+              <a:rPr lang="en-US" dirty="0"/>
+              <a:t>4/8/2022</a:t>
+            </a:r>
           </a:p>
         </p:txBody>
       </p:sp>
@@ -13265,10 +13880,9 @@
           <a:lstStyle/>
           <a:p>
             <a:r>
-              <a:rPr lang="en-US"/>
-              <a:t>PRESENTATION TITLE</a:t>
-            </a:r>
-            <a:endParaRPr lang="en-US" dirty="0"/>
+              <a:rPr lang="en-US" dirty="0"/>
+              <a:t>Ames, Iowa: House Sale Prices prediction</a:t>
+            </a:r>
           </a:p>
         </p:txBody>
       </p:sp>
@@ -13318,12 +13932,168 @@
             <p:ph idx="10"/>
           </p:nvPr>
         </p:nvSpPr>
-        <p:spPr/>
+        <p:spPr>
+          <a:xfrm>
+            <a:off x="6018362" y="3095656"/>
+            <a:ext cx="4402347" cy="1630928"/>
+          </a:xfrm>
+        </p:spPr>
         <p:txBody>
           <a:bodyPr/>
           <a:lstStyle/>
           <a:p>
-            <a:endParaRPr lang="en-US"/>
+            <a:r>
+              <a:rPr lang="en-US" sz="1800" dirty="0"/>
+              <a:t>All the rest of the categorical features.</a:t>
+            </a:r>
+          </a:p>
+          <a:p>
+            <a:r>
+              <a:rPr lang="en-US" sz="1800" dirty="0"/>
+              <a:t>For ex:- </a:t>
+            </a:r>
+            <a:r>
+              <a:rPr lang="en-US" sz="1800" b="0" i="0" dirty="0">
+                <a:solidFill>
+                  <a:srgbClr val="000000"/>
+                </a:solidFill>
+                <a:effectLst/>
+                <a:latin typeface="Tenorite (Body)"/>
+              </a:rPr>
+              <a:t>Street, Alley, </a:t>
+            </a:r>
+            <a:r>
+              <a:rPr lang="en-US" sz="1800" b="0" i="0" dirty="0" err="1">
+                <a:solidFill>
+                  <a:srgbClr val="000000"/>
+                </a:solidFill>
+                <a:effectLst/>
+                <a:latin typeface="Tenorite (Body)"/>
+              </a:rPr>
+              <a:t>LandContour</a:t>
+            </a:r>
+            <a:r>
+              <a:rPr lang="en-US" sz="1800" b="0" i="0" dirty="0">
+                <a:solidFill>
+                  <a:srgbClr val="000000"/>
+                </a:solidFill>
+                <a:effectLst/>
+                <a:latin typeface="Tenorite (Body)"/>
+              </a:rPr>
+              <a:t>, Utilities, </a:t>
+            </a:r>
+            <a:r>
+              <a:rPr lang="en-US" sz="1800" b="0" i="0" dirty="0" err="1">
+                <a:solidFill>
+                  <a:srgbClr val="000000"/>
+                </a:solidFill>
+                <a:effectLst/>
+                <a:latin typeface="Tenorite (Body)"/>
+              </a:rPr>
+              <a:t>LotConfig</a:t>
+            </a:r>
+            <a:r>
+              <a:rPr lang="en-US" sz="1800" b="0" i="0" dirty="0">
+                <a:solidFill>
+                  <a:srgbClr val="000000"/>
+                </a:solidFill>
+                <a:effectLst/>
+                <a:latin typeface="Tenorite (Body)"/>
+              </a:rPr>
+              <a:t>, Condition1, Condition2, </a:t>
+            </a:r>
+            <a:r>
+              <a:rPr lang="en-US" sz="1800" b="0" i="0" dirty="0" err="1">
+                <a:solidFill>
+                  <a:srgbClr val="000000"/>
+                </a:solidFill>
+                <a:effectLst/>
+                <a:latin typeface="Tenorite (Body)"/>
+              </a:rPr>
+              <a:t>BldgType</a:t>
+            </a:r>
+            <a:r>
+              <a:rPr lang="en-US" sz="1800" b="0" i="0" dirty="0">
+                <a:solidFill>
+                  <a:srgbClr val="000000"/>
+                </a:solidFill>
+                <a:effectLst/>
+                <a:latin typeface="Tenorite (Body)"/>
+              </a:rPr>
+              <a:t>, </a:t>
+            </a:r>
+            <a:r>
+              <a:rPr lang="en-US" sz="1800" b="0" i="0" dirty="0" err="1">
+                <a:solidFill>
+                  <a:srgbClr val="000000"/>
+                </a:solidFill>
+                <a:effectLst/>
+                <a:latin typeface="Tenorite (Body)"/>
+              </a:rPr>
+              <a:t>HouseStyle</a:t>
+            </a:r>
+            <a:r>
+              <a:rPr lang="en-US" sz="1800" b="0" i="0" dirty="0">
+                <a:solidFill>
+                  <a:srgbClr val="000000"/>
+                </a:solidFill>
+                <a:effectLst/>
+                <a:latin typeface="Tenorite (Body)"/>
+              </a:rPr>
+              <a:t>, </a:t>
+            </a:r>
+            <a:r>
+              <a:rPr lang="en-US" sz="1800" b="0" i="0" dirty="0" err="1">
+                <a:solidFill>
+                  <a:srgbClr val="000000"/>
+                </a:solidFill>
+                <a:effectLst/>
+                <a:latin typeface="Tenorite (Body)"/>
+              </a:rPr>
+              <a:t>YearBuilt</a:t>
+            </a:r>
+            <a:r>
+              <a:rPr lang="en-US" sz="1800" b="0" i="0" dirty="0">
+                <a:solidFill>
+                  <a:srgbClr val="000000"/>
+                </a:solidFill>
+                <a:effectLst/>
+                <a:latin typeface="Tenorite (Body)"/>
+              </a:rPr>
+              <a:t>, </a:t>
+            </a:r>
+            <a:r>
+              <a:rPr lang="en-US" sz="1800" b="0" i="0" dirty="0" err="1">
+                <a:solidFill>
+                  <a:srgbClr val="000000"/>
+                </a:solidFill>
+                <a:effectLst/>
+                <a:latin typeface="Tenorite (Body)"/>
+              </a:rPr>
+              <a:t>YearRemodAdd</a:t>
+            </a:r>
+            <a:r>
+              <a:rPr lang="en-US" sz="1800" b="0" i="0" dirty="0">
+                <a:solidFill>
+                  <a:srgbClr val="000000"/>
+                </a:solidFill>
+                <a:effectLst/>
+                <a:latin typeface="Tenorite (Body)"/>
+              </a:rPr>
+              <a:t>,</a:t>
+            </a:r>
+            <a:r>
+              <a:rPr lang="en-US" sz="1800" dirty="0">
+                <a:latin typeface="Tenorite (Body)"/>
+              </a:rPr>
+              <a:t> etc.</a:t>
+            </a:r>
+          </a:p>
+          <a:p>
+            <a:endParaRPr lang="en-US" dirty="0"/>
+          </a:p>
+          <a:p>
+            <a:endParaRPr lang="en-US" dirty="0"/>
           </a:p>
         </p:txBody>
       </p:sp>
@@ -13343,12 +14113,20 @@
             <p:ph idx="11"/>
           </p:nvPr>
         </p:nvSpPr>
-        <p:spPr/>
+        <p:spPr>
+          <a:xfrm>
+            <a:off x="1069676" y="2660252"/>
+            <a:ext cx="4839090" cy="437477"/>
+          </a:xfrm>
+        </p:spPr>
         <p:txBody>
           <a:bodyPr/>
           <a:lstStyle/>
           <a:p>
-            <a:endParaRPr lang="en-US"/>
+            <a:r>
+              <a:rPr lang="en-US" dirty="0"/>
+              <a:t>Label-Encoding:</a:t>
+            </a:r>
           </a:p>
         </p:txBody>
       </p:sp>
@@ -13368,12 +14146,421 @@
             <p:ph idx="12"/>
           </p:nvPr>
         </p:nvSpPr>
-        <p:spPr/>
+        <p:spPr>
+          <a:xfrm>
+            <a:off x="6011173" y="2660252"/>
+            <a:ext cx="4735286" cy="350367"/>
+          </a:xfrm>
+        </p:spPr>
         <p:txBody>
           <a:bodyPr/>
           <a:lstStyle/>
           <a:p>
+            <a:r>
+              <a:rPr lang="en-US" dirty="0" err="1"/>
+              <a:t>Dummification</a:t>
+            </a:r>
+            <a:r>
+              <a:rPr lang="en-US" dirty="0"/>
+              <a:t>:</a:t>
+            </a:r>
+          </a:p>
+        </p:txBody>
+      </p:sp>
+      <p:sp>
+        <p:nvSpPr>
+          <p:cNvPr id="10" name="TextBox 9">
+            <a:extLst>
+              <a:ext uri="{FF2B5EF4-FFF2-40B4-BE49-F238E27FC236}">
+                <a16:creationId xmlns:a16="http://schemas.microsoft.com/office/drawing/2014/main" id="{B7D75526-9506-4315-92F5-547E5E883F18}"/>
+              </a:ext>
+            </a:extLst>
+          </p:cNvPr>
+          <p:cNvSpPr txBox="1"/>
+          <p:nvPr/>
+        </p:nvSpPr>
+        <p:spPr>
+          <a:xfrm>
+            <a:off x="1102909" y="1068748"/>
+            <a:ext cx="9689764" cy="584775"/>
+          </a:xfrm>
+          <a:prstGeom prst="rect">
+            <a:avLst/>
+          </a:prstGeom>
+          <a:noFill/>
+        </p:spPr>
+        <p:txBody>
+          <a:bodyPr wrap="square" rtlCol="0">
+            <a:spAutoFit/>
+          </a:bodyPr>
+          <a:lstStyle/>
+          <a:p>
+            <a:pPr marL="285750" indent="-285750">
+              <a:buFont typeface="Wingdings" panose="05000000000000000000" pitchFamily="2" charset="2"/>
+              <a:buChar char="q"/>
+            </a:pPr>
+            <a:r>
+              <a:rPr lang="en-US" sz="1600" dirty="0"/>
+              <a:t>Models attempted:</a:t>
+            </a:r>
+          </a:p>
+          <a:p>
+            <a:pPr marL="742950" lvl="1" indent="-285750">
+              <a:buFont typeface="Wingdings" panose="05000000000000000000" pitchFamily="2" charset="2"/>
+              <a:buChar char="v"/>
+            </a:pPr>
+            <a:r>
+              <a:rPr lang="en-US" sz="1600" dirty="0"/>
+              <a:t>Multiple Linear Regression (MLR), Ridge and Lasso Regression, and Support Vector Regression</a:t>
+            </a:r>
+          </a:p>
+        </p:txBody>
+      </p:sp>
+      <p:sp>
+        <p:nvSpPr>
+          <p:cNvPr id="11" name="Rectangle 10">
+            <a:extLst>
+              <a:ext uri="{FF2B5EF4-FFF2-40B4-BE49-F238E27FC236}">
+                <a16:creationId xmlns:a16="http://schemas.microsoft.com/office/drawing/2014/main" id="{7E6B5CFB-F088-4325-A3B6-B6CCBAC7262B}"/>
+              </a:ext>
+            </a:extLst>
+          </p:cNvPr>
+          <p:cNvSpPr/>
+          <p:nvPr/>
+        </p:nvSpPr>
+        <p:spPr>
+          <a:xfrm>
+            <a:off x="1063884" y="1006155"/>
+            <a:ext cx="9695557" cy="679452"/>
+          </a:xfrm>
+          <a:prstGeom prst="rect">
+            <a:avLst/>
+          </a:prstGeom>
+          <a:noFill/>
+          <a:ln>
+            <a:solidFill>
+              <a:schemeClr val="tx1"/>
+            </a:solidFill>
+          </a:ln>
+        </p:spPr>
+        <p:style>
+          <a:lnRef idx="2">
+            <a:schemeClr val="accent1">
+              <a:shade val="50000"/>
+            </a:schemeClr>
+          </a:lnRef>
+          <a:fillRef idx="1">
+            <a:schemeClr val="accent1"/>
+          </a:fillRef>
+          <a:effectRef idx="0">
+            <a:schemeClr val="accent1"/>
+          </a:effectRef>
+          <a:fontRef idx="minor">
+            <a:schemeClr val="lt1"/>
+          </a:fontRef>
+        </p:style>
+        <p:txBody>
+          <a:bodyPr rtlCol="0" anchor="ctr"/>
+          <a:lstStyle/>
+          <a:p>
+            <a:pPr algn="ctr"/>
+            <a:endParaRPr lang="en-US">
+              <a:noFill/>
+            </a:endParaRPr>
+          </a:p>
+        </p:txBody>
+      </p:sp>
+      <p:sp>
+        <p:nvSpPr>
+          <p:cNvPr id="12" name="Rectangle 11">
+            <a:extLst>
+              <a:ext uri="{FF2B5EF4-FFF2-40B4-BE49-F238E27FC236}">
+                <a16:creationId xmlns:a16="http://schemas.microsoft.com/office/drawing/2014/main" id="{EB9B1E90-0A75-41A4-9FBD-04D24396B381}"/>
+              </a:ext>
+            </a:extLst>
+          </p:cNvPr>
+          <p:cNvSpPr/>
+          <p:nvPr/>
+        </p:nvSpPr>
+        <p:spPr>
+          <a:xfrm>
+            <a:off x="1063884" y="1894832"/>
+            <a:ext cx="9689764" cy="578249"/>
+          </a:xfrm>
+          <a:prstGeom prst="rect">
+            <a:avLst/>
+          </a:prstGeom>
+          <a:noFill/>
+          <a:ln>
+            <a:solidFill>
+              <a:schemeClr val="tx1"/>
+            </a:solidFill>
+          </a:ln>
+        </p:spPr>
+        <p:style>
+          <a:lnRef idx="2">
+            <a:schemeClr val="accent1">
+              <a:shade val="50000"/>
+            </a:schemeClr>
+          </a:lnRef>
+          <a:fillRef idx="1">
+            <a:schemeClr val="accent1"/>
+          </a:fillRef>
+          <a:effectRef idx="0">
+            <a:schemeClr val="accent1"/>
+          </a:effectRef>
+          <a:fontRef idx="minor">
+            <a:schemeClr val="lt1"/>
+          </a:fontRef>
+        </p:style>
+        <p:txBody>
+          <a:bodyPr rtlCol="0" anchor="ctr"/>
+          <a:lstStyle/>
+          <a:p>
+            <a:pPr algn="ctr"/>
             <a:endParaRPr lang="en-US"/>
+          </a:p>
+        </p:txBody>
+      </p:sp>
+      <p:sp>
+        <p:nvSpPr>
+          <p:cNvPr id="14" name="TextBox 13">
+            <a:extLst>
+              <a:ext uri="{FF2B5EF4-FFF2-40B4-BE49-F238E27FC236}">
+                <a16:creationId xmlns:a16="http://schemas.microsoft.com/office/drawing/2014/main" id="{8C7C40A4-5441-4B99-8A28-13234294EE34}"/>
+              </a:ext>
+            </a:extLst>
+          </p:cNvPr>
+          <p:cNvSpPr txBox="1"/>
+          <p:nvPr/>
+        </p:nvSpPr>
+        <p:spPr>
+          <a:xfrm>
+            <a:off x="1063884" y="1894832"/>
+            <a:ext cx="9689764" cy="584775"/>
+          </a:xfrm>
+          <a:prstGeom prst="rect">
+            <a:avLst/>
+          </a:prstGeom>
+          <a:noFill/>
+        </p:spPr>
+        <p:txBody>
+          <a:bodyPr wrap="square" rtlCol="0">
+            <a:spAutoFit/>
+          </a:bodyPr>
+          <a:lstStyle/>
+          <a:p>
+            <a:pPr marL="285750" indent="-285750">
+              <a:buFont typeface="Wingdings" panose="05000000000000000000" pitchFamily="2" charset="2"/>
+              <a:buChar char="q"/>
+            </a:pPr>
+            <a:r>
+              <a:rPr lang="en-US" sz="1600" dirty="0"/>
+              <a:t>For all the above-mentioned models, numerical features were standardized, categorical variables were either label-encoded or </a:t>
+            </a:r>
+            <a:r>
+              <a:rPr lang="en-US" sz="1600" dirty="0" err="1"/>
+              <a:t>dummified</a:t>
+            </a:r>
+            <a:r>
+              <a:rPr lang="en-US" sz="1600" dirty="0"/>
+              <a:t>.</a:t>
+            </a:r>
+          </a:p>
+        </p:txBody>
+      </p:sp>
+      <p:sp>
+        <p:nvSpPr>
+          <p:cNvPr id="15" name="Rectangle 14">
+            <a:extLst>
+              <a:ext uri="{FF2B5EF4-FFF2-40B4-BE49-F238E27FC236}">
+                <a16:creationId xmlns:a16="http://schemas.microsoft.com/office/drawing/2014/main" id="{AD5306A0-5AEC-4817-A3BC-BF3BF4C1D69A}"/>
+              </a:ext>
+            </a:extLst>
+          </p:cNvPr>
+          <p:cNvSpPr/>
+          <p:nvPr/>
+        </p:nvSpPr>
+        <p:spPr>
+          <a:xfrm>
+            <a:off x="1063884" y="2573142"/>
+            <a:ext cx="4735286" cy="2316282"/>
+          </a:xfrm>
+          <a:prstGeom prst="rect">
+            <a:avLst/>
+          </a:prstGeom>
+          <a:noFill/>
+          <a:ln>
+            <a:solidFill>
+              <a:schemeClr val="tx1"/>
+            </a:solidFill>
+          </a:ln>
+        </p:spPr>
+        <p:style>
+          <a:lnRef idx="2">
+            <a:schemeClr val="accent1">
+              <a:shade val="50000"/>
+            </a:schemeClr>
+          </a:lnRef>
+          <a:fillRef idx="1">
+            <a:schemeClr val="accent1"/>
+          </a:fillRef>
+          <a:effectRef idx="0">
+            <a:schemeClr val="accent1"/>
+          </a:effectRef>
+          <a:fontRef idx="minor">
+            <a:schemeClr val="lt1"/>
+          </a:fontRef>
+        </p:style>
+        <p:txBody>
+          <a:bodyPr rtlCol="0" anchor="ctr"/>
+          <a:lstStyle/>
+          <a:p>
+            <a:pPr algn="ctr"/>
+            <a:endParaRPr lang="en-US"/>
+          </a:p>
+        </p:txBody>
+      </p:sp>
+      <p:sp>
+        <p:nvSpPr>
+          <p:cNvPr id="16" name="Rectangle 15">
+            <a:extLst>
+              <a:ext uri="{FF2B5EF4-FFF2-40B4-BE49-F238E27FC236}">
+                <a16:creationId xmlns:a16="http://schemas.microsoft.com/office/drawing/2014/main" id="{49690BBE-6EC6-4917-B08D-402358296B28}"/>
+              </a:ext>
+            </a:extLst>
+          </p:cNvPr>
+          <p:cNvSpPr/>
+          <p:nvPr/>
+        </p:nvSpPr>
+        <p:spPr>
+          <a:xfrm>
+            <a:off x="5901577" y="2573142"/>
+            <a:ext cx="4852071" cy="2354524"/>
+          </a:xfrm>
+          <a:prstGeom prst="rect">
+            <a:avLst/>
+          </a:prstGeom>
+          <a:noFill/>
+          <a:ln>
+            <a:solidFill>
+              <a:schemeClr val="tx1"/>
+            </a:solidFill>
+          </a:ln>
+        </p:spPr>
+        <p:style>
+          <a:lnRef idx="2">
+            <a:schemeClr val="accent1">
+              <a:shade val="50000"/>
+            </a:schemeClr>
+          </a:lnRef>
+          <a:fillRef idx="1">
+            <a:schemeClr val="accent1"/>
+          </a:fillRef>
+          <a:effectRef idx="0">
+            <a:schemeClr val="accent1"/>
+          </a:effectRef>
+          <a:fontRef idx="minor">
+            <a:schemeClr val="lt1"/>
+          </a:fontRef>
+        </p:style>
+        <p:txBody>
+          <a:bodyPr rtlCol="0" anchor="ctr"/>
+          <a:lstStyle/>
+          <a:p>
+            <a:pPr algn="ctr"/>
+            <a:endParaRPr lang="en-US"/>
+          </a:p>
+        </p:txBody>
+      </p:sp>
+      <p:sp>
+        <p:nvSpPr>
+          <p:cNvPr id="17" name="Rectangle 16">
+            <a:extLst>
+              <a:ext uri="{FF2B5EF4-FFF2-40B4-BE49-F238E27FC236}">
+                <a16:creationId xmlns:a16="http://schemas.microsoft.com/office/drawing/2014/main" id="{1FE9A378-FFF2-4B37-AAD0-46BF722F02AC}"/>
+              </a:ext>
+            </a:extLst>
+          </p:cNvPr>
+          <p:cNvSpPr/>
+          <p:nvPr/>
+        </p:nvSpPr>
+        <p:spPr>
+          <a:xfrm>
+            <a:off x="1063884" y="5021200"/>
+            <a:ext cx="9682575" cy="547675"/>
+          </a:xfrm>
+          <a:prstGeom prst="rect">
+            <a:avLst/>
+          </a:prstGeom>
+          <a:noFill/>
+          <a:ln>
+            <a:solidFill>
+              <a:schemeClr val="tx1"/>
+            </a:solidFill>
+          </a:ln>
+        </p:spPr>
+        <p:style>
+          <a:lnRef idx="2">
+            <a:schemeClr val="accent1">
+              <a:shade val="50000"/>
+            </a:schemeClr>
+          </a:lnRef>
+          <a:fillRef idx="1">
+            <a:schemeClr val="accent1"/>
+          </a:fillRef>
+          <a:effectRef idx="0">
+            <a:schemeClr val="accent1"/>
+          </a:effectRef>
+          <a:fontRef idx="minor">
+            <a:schemeClr val="lt1"/>
+          </a:fontRef>
+        </p:style>
+        <p:txBody>
+          <a:bodyPr rtlCol="0" anchor="ctr"/>
+          <a:lstStyle/>
+          <a:p>
+            <a:pPr algn="ctr"/>
+            <a:endParaRPr lang="en-US"/>
+          </a:p>
+        </p:txBody>
+      </p:sp>
+      <p:sp>
+        <p:nvSpPr>
+          <p:cNvPr id="18" name="TextBox 17">
+            <a:extLst>
+              <a:ext uri="{FF2B5EF4-FFF2-40B4-BE49-F238E27FC236}">
+                <a16:creationId xmlns:a16="http://schemas.microsoft.com/office/drawing/2014/main" id="{B8708959-DF10-444C-BE66-9B89F6BAC7A1}"/>
+              </a:ext>
+            </a:extLst>
+          </p:cNvPr>
+          <p:cNvSpPr txBox="1"/>
+          <p:nvPr/>
+        </p:nvSpPr>
+        <p:spPr>
+          <a:xfrm>
+            <a:off x="1071073" y="5110371"/>
+            <a:ext cx="9682575" cy="369332"/>
+          </a:xfrm>
+          <a:prstGeom prst="rect">
+            <a:avLst/>
+          </a:prstGeom>
+          <a:noFill/>
+        </p:spPr>
+        <p:txBody>
+          <a:bodyPr wrap="square" rtlCol="0">
+            <a:spAutoFit/>
+          </a:bodyPr>
+          <a:lstStyle/>
+          <a:p>
+            <a:pPr marL="285750" indent="-285750">
+              <a:buFont typeface="Wingdings" panose="05000000000000000000" pitchFamily="2" charset="2"/>
+              <a:buChar char="q"/>
+            </a:pPr>
+            <a:r>
+              <a:rPr lang="en-US" dirty="0"/>
+              <a:t>All dependent and independent variables were log-transformed.</a:t>
+            </a:r>
           </a:p>
         </p:txBody>
       </p:sp>
@@ -13412,7 +14599,7 @@
           <p:cNvPr id="2" name="Title 1">
             <a:extLst>
               <a:ext uri="{FF2B5EF4-FFF2-40B4-BE49-F238E27FC236}">
-                <a16:creationId xmlns:a16="http://schemas.microsoft.com/office/drawing/2014/main" id="{69FAE308-3076-43DB-B834-DA0B0AE19AF9}"/>
+                <a16:creationId xmlns:a16="http://schemas.microsoft.com/office/drawing/2014/main" id="{60C6A7AC-D2E2-40AB-B9DA-017BEB4A1E97}"/>
               </a:ext>
             </a:extLst>
           </p:cNvPr>
@@ -13420,13 +14607,13 @@
             <a:spLocks noGrp="1"/>
           </p:cNvSpPr>
           <p:nvPr>
-            <p:ph type="ctrTitle"/>
+            <p:ph type="title"/>
           </p:nvPr>
         </p:nvSpPr>
         <p:spPr>
           <a:xfrm>
-            <a:off x="1167494" y="1122363"/>
-            <a:ext cx="6220278" cy="2387600"/>
+            <a:off x="501287" y="468043"/>
+            <a:ext cx="10480850" cy="645543"/>
           </a:xfrm>
         </p:spPr>
         <p:txBody>
@@ -13434,16 +14621,2703 @@
           <a:lstStyle/>
           <a:p>
             <a:r>
+              <a:rPr lang="en-US" sz="3600" dirty="0"/>
+              <a:t>MLR Model Evaluation</a:t>
+            </a:r>
+          </a:p>
+        </p:txBody>
+      </p:sp>
+      <p:sp>
+        <p:nvSpPr>
+          <p:cNvPr id="3" name="Content Placeholder 2">
+            <a:extLst>
+              <a:ext uri="{FF2B5EF4-FFF2-40B4-BE49-F238E27FC236}">
+                <a16:creationId xmlns:a16="http://schemas.microsoft.com/office/drawing/2014/main" id="{BC127FB0-FAD3-4E2F-912E-9DCF227F0A6B}"/>
+              </a:ext>
+            </a:extLst>
+          </p:cNvPr>
+          <p:cNvSpPr>
+            <a:spLocks noGrp="1"/>
+          </p:cNvSpPr>
+          <p:nvPr>
+            <p:ph idx="1"/>
+          </p:nvPr>
+        </p:nvSpPr>
+        <p:spPr>
+          <a:xfrm>
+            <a:off x="526211" y="1328468"/>
+            <a:ext cx="6323163" cy="5027882"/>
+          </a:xfrm>
+        </p:spPr>
+        <p:txBody>
+          <a:bodyPr/>
+          <a:lstStyle/>
+          <a:p>
+            <a:pPr marL="285750" indent="-285750">
+              <a:lnSpc>
+                <a:spcPct val="100000"/>
+              </a:lnSpc>
+              <a:buFont typeface="Wingdings" panose="05000000000000000000" pitchFamily="2" charset="2"/>
+              <a:buChar char="Ø"/>
+            </a:pPr>
+            <a:r>
+              <a:rPr lang="en-US" sz="1800" dirty="0"/>
+              <a:t>Final MLR Model used log-transformed dependent and independent variables.</a:t>
+            </a:r>
+          </a:p>
+          <a:p>
+            <a:pPr marL="285750" indent="-285750">
+              <a:lnSpc>
+                <a:spcPct val="100000"/>
+              </a:lnSpc>
+              <a:buFont typeface="Wingdings" panose="05000000000000000000" pitchFamily="2" charset="2"/>
+              <a:buChar char="Ø"/>
+            </a:pPr>
+            <a:r>
+              <a:rPr lang="en-US" sz="1800" dirty="0"/>
+              <a:t>Model was trained/evaluated on a 70:30 train-test split.</a:t>
+            </a:r>
+          </a:p>
+          <a:p>
+            <a:pPr marL="285750" indent="-285750">
+              <a:lnSpc>
+                <a:spcPct val="100000"/>
+              </a:lnSpc>
+              <a:buFont typeface="Wingdings" panose="05000000000000000000" pitchFamily="2" charset="2"/>
+              <a:buChar char="Ø"/>
+            </a:pPr>
+            <a:r>
+              <a:rPr lang="en-US" sz="1800" dirty="0"/>
+              <a:t>Independent features were selected via Lasso regression (hyperparameter alpha chosen by grid search cross-validation).</a:t>
+            </a:r>
+          </a:p>
+          <a:p>
+            <a:pPr marL="285750" indent="-285750">
+              <a:lnSpc>
+                <a:spcPct val="100000"/>
+              </a:lnSpc>
+              <a:buFont typeface="Wingdings" panose="05000000000000000000" pitchFamily="2" charset="2"/>
+              <a:buChar char="Ø"/>
+            </a:pPr>
+            <a:r>
+              <a:rPr lang="en-US" sz="1800" dirty="0"/>
+              <a:t>Features with high multicollinearity were removed (based on VIF values):</a:t>
+            </a:r>
+          </a:p>
+          <a:p>
+            <a:pPr marL="742950" lvl="1" indent="-285750">
+              <a:lnSpc>
+                <a:spcPct val="100000"/>
+              </a:lnSpc>
+              <a:buFont typeface="Arial" panose="020B0604020202020204" pitchFamily="34" charset="0"/>
+              <a:buChar char="•"/>
+            </a:pPr>
+            <a:r>
+              <a:rPr lang="en-US" sz="1600" dirty="0" err="1"/>
+              <a:t>RoofStyle</a:t>
+            </a:r>
+            <a:r>
+              <a:rPr lang="en-US" sz="1600" dirty="0"/>
+              <a:t>, Exterior1st, Exterior2nd, </a:t>
+            </a:r>
+            <a:r>
+              <a:rPr lang="en-US" sz="1600" dirty="0" err="1"/>
+              <a:t>GarageType</a:t>
+            </a:r>
+            <a:r>
+              <a:rPr lang="en-US" sz="1600" dirty="0"/>
+              <a:t>, </a:t>
+            </a:r>
+            <a:r>
+              <a:rPr lang="en-US" sz="1600" dirty="0" err="1"/>
+              <a:t>HouseStyle</a:t>
+            </a:r>
+            <a:r>
+              <a:rPr lang="en-US" sz="1600" dirty="0"/>
+              <a:t>, </a:t>
+            </a:r>
+            <a:r>
+              <a:rPr lang="en-US" sz="1600" dirty="0" err="1"/>
+              <a:t>MSSubClass</a:t>
+            </a:r>
+            <a:r>
+              <a:rPr lang="en-US" sz="1600" dirty="0"/>
+              <a:t>, </a:t>
+            </a:r>
+            <a:r>
+              <a:rPr lang="en-US" sz="1600" dirty="0" err="1"/>
+              <a:t>MSZoning</a:t>
+            </a:r>
+            <a:r>
+              <a:rPr lang="en-US" sz="1600" dirty="0"/>
+              <a:t>, </a:t>
+            </a:r>
+            <a:r>
+              <a:rPr lang="en-US" sz="1600" dirty="0" err="1"/>
+              <a:t>MasVnrType</a:t>
+            </a:r>
+            <a:r>
+              <a:rPr lang="en-US" sz="1600" dirty="0"/>
+              <a:t>.</a:t>
+            </a:r>
+          </a:p>
+          <a:p>
+            <a:pPr marL="285750" indent="-285750">
+              <a:lnSpc>
+                <a:spcPct val="100000"/>
+              </a:lnSpc>
+              <a:buFont typeface="Wingdings" panose="05000000000000000000" pitchFamily="2" charset="2"/>
+              <a:buChar char="Ø"/>
+            </a:pPr>
+            <a:r>
+              <a:rPr lang="en-US" sz="1800" dirty="0"/>
+              <a:t>List of selected features (Lasso alpha=0.01) is shown over to the right.</a:t>
+            </a:r>
+          </a:p>
+          <a:p>
+            <a:pPr marL="285750" indent="-285750">
+              <a:buFont typeface="Wingdings" panose="05000000000000000000" pitchFamily="2" charset="2"/>
+              <a:buChar char="Ø"/>
+            </a:pPr>
+            <a:endParaRPr lang="en-US" sz="1600" dirty="0"/>
+          </a:p>
+          <a:p>
+            <a:pPr marL="285750" indent="-285750">
+              <a:buFont typeface="Wingdings" panose="05000000000000000000" pitchFamily="2" charset="2"/>
+              <a:buChar char="Ø"/>
+            </a:pPr>
+            <a:endParaRPr lang="en-US" sz="1600" dirty="0"/>
+          </a:p>
+          <a:p>
+            <a:pPr marL="285750" indent="-285750">
+              <a:buFont typeface="Wingdings" panose="05000000000000000000" pitchFamily="2" charset="2"/>
+              <a:buChar char="Ø"/>
+            </a:pPr>
+            <a:endParaRPr lang="en-US" sz="1600" dirty="0"/>
+          </a:p>
+        </p:txBody>
+      </p:sp>
+      <p:sp>
+        <p:nvSpPr>
+          <p:cNvPr id="4" name="Date Placeholder 3">
+            <a:extLst>
+              <a:ext uri="{FF2B5EF4-FFF2-40B4-BE49-F238E27FC236}">
+                <a16:creationId xmlns:a16="http://schemas.microsoft.com/office/drawing/2014/main" id="{B9458257-14C3-4593-8AF1-73AC2D73241B}"/>
+              </a:ext>
+            </a:extLst>
+          </p:cNvPr>
+          <p:cNvSpPr>
+            <a:spLocks noGrp="1"/>
+          </p:cNvSpPr>
+          <p:nvPr>
+            <p:ph type="dt" sz="half" idx="2"/>
+          </p:nvPr>
+        </p:nvSpPr>
+        <p:spPr/>
+        <p:txBody>
+          <a:bodyPr/>
+          <a:lstStyle/>
+          <a:p>
+            <a:r>
               <a:rPr lang="en-US" dirty="0"/>
-              <a:t>Thank you</a:t>
-            </a:r>
-          </a:p>
-        </p:txBody>
-      </p:sp>
+              <a:t>4/8/2022</a:t>
+            </a:r>
+          </a:p>
+        </p:txBody>
+      </p:sp>
+      <p:sp>
+        <p:nvSpPr>
+          <p:cNvPr id="5" name="Footer Placeholder 4">
+            <a:extLst>
+              <a:ext uri="{FF2B5EF4-FFF2-40B4-BE49-F238E27FC236}">
+                <a16:creationId xmlns:a16="http://schemas.microsoft.com/office/drawing/2014/main" id="{EC468C60-BBFC-4E54-97C5-B61F2A800211}"/>
+              </a:ext>
+            </a:extLst>
+          </p:cNvPr>
+          <p:cNvSpPr>
+            <a:spLocks noGrp="1"/>
+          </p:cNvSpPr>
+          <p:nvPr>
+            <p:ph type="ftr" sz="quarter" idx="3"/>
+          </p:nvPr>
+        </p:nvSpPr>
+        <p:spPr/>
+        <p:txBody>
+          <a:bodyPr/>
+          <a:lstStyle/>
+          <a:p>
+            <a:r>
+              <a:rPr lang="en-US" dirty="0"/>
+              <a:t>Ames, Iowa: House Sale Prices prediction</a:t>
+            </a:r>
+          </a:p>
+        </p:txBody>
+      </p:sp>
+      <p:sp>
+        <p:nvSpPr>
+          <p:cNvPr id="6" name="Slide Number Placeholder 5">
+            <a:extLst>
+              <a:ext uri="{FF2B5EF4-FFF2-40B4-BE49-F238E27FC236}">
+                <a16:creationId xmlns:a16="http://schemas.microsoft.com/office/drawing/2014/main" id="{EDE72B4E-D3D4-496B-B961-345B823B1613}"/>
+              </a:ext>
+            </a:extLst>
+          </p:cNvPr>
+          <p:cNvSpPr>
+            <a:spLocks noGrp="1"/>
+          </p:cNvSpPr>
+          <p:nvPr>
+            <p:ph type="sldNum" sz="quarter" idx="4"/>
+          </p:nvPr>
+        </p:nvSpPr>
+        <p:spPr/>
+        <p:txBody>
+          <a:bodyPr/>
+          <a:lstStyle/>
+          <a:p>
+            <a:fld id="{294A09A9-5501-47C1-A89A-A340965A2BE2}" type="slidenum">
+              <a:rPr lang="en-US" smtClean="0"/>
+              <a:pPr/>
+              <a:t>12</a:t>
+            </a:fld>
+            <a:endParaRPr lang="en-US" dirty="0"/>
+          </a:p>
+        </p:txBody>
+      </p:sp>
+      <p:pic>
+        <p:nvPicPr>
+          <p:cNvPr id="16" name="Picture 15">
+            <a:extLst>
+              <a:ext uri="{FF2B5EF4-FFF2-40B4-BE49-F238E27FC236}">
+                <a16:creationId xmlns:a16="http://schemas.microsoft.com/office/drawing/2014/main" id="{B8AC19A8-E9C4-4AED-AD75-7B29EAE49E2D}"/>
+              </a:ext>
+            </a:extLst>
+          </p:cNvPr>
+          <p:cNvPicPr>
+            <a:picLocks noChangeAspect="1"/>
+          </p:cNvPicPr>
+          <p:nvPr/>
+        </p:nvPicPr>
+        <p:blipFill>
+          <a:blip r:embed="rId2"/>
+          <a:stretch>
+            <a:fillRect/>
+          </a:stretch>
+        </p:blipFill>
+        <p:spPr>
+          <a:xfrm>
+            <a:off x="8153400" y="866417"/>
+            <a:ext cx="2081270" cy="5125165"/>
+          </a:xfrm>
+          <a:prstGeom prst="rect">
+            <a:avLst/>
+          </a:prstGeom>
+        </p:spPr>
+      </p:pic>
     </p:spTree>
     <p:extLst>
       <p:ext uri="{BB962C8B-B14F-4D97-AF65-F5344CB8AC3E}">
-        <p14:creationId xmlns:p14="http://schemas.microsoft.com/office/powerpoint/2010/main" val="926184573"/>
+        <p14:creationId xmlns:p14="http://schemas.microsoft.com/office/powerpoint/2010/main" val="1882421453"/>
+      </p:ext>
+    </p:extLst>
+  </p:cSld>
+  <p:clrMapOvr>
+    <a:masterClrMapping/>
+  </p:clrMapOvr>
+</p:sld>
+</file>
+
+<file path=ppt/slides/slide13.xml><?xml version="1.0" encoding="utf-8"?>
+<p:sld xmlns:a="http://schemas.openxmlformats.org/drawingml/2006/main" xmlns:r="http://schemas.openxmlformats.org/officeDocument/2006/relationships" xmlns:p="http://schemas.openxmlformats.org/presentationml/2006/main">
+  <p:cSld>
+    <p:spTree>
+      <p:nvGrpSpPr>
+        <p:cNvPr id="1" name=""/>
+        <p:cNvGrpSpPr/>
+        <p:nvPr/>
+      </p:nvGrpSpPr>
+      <p:grpSpPr>
+        <a:xfrm>
+          <a:off x="0" y="0"/>
+          <a:ext cx="0" cy="0"/>
+          <a:chOff x="0" y="0"/>
+          <a:chExt cx="0" cy="0"/>
+        </a:xfrm>
+      </p:grpSpPr>
+      <p:sp>
+        <p:nvSpPr>
+          <p:cNvPr id="2" name="Title 1">
+            <a:extLst>
+              <a:ext uri="{FF2B5EF4-FFF2-40B4-BE49-F238E27FC236}">
+                <a16:creationId xmlns:a16="http://schemas.microsoft.com/office/drawing/2014/main" id="{459F85B0-D025-4D5F-85E7-1575FC355BD8}"/>
+              </a:ext>
+            </a:extLst>
+          </p:cNvPr>
+          <p:cNvSpPr>
+            <a:spLocks noGrp="1"/>
+          </p:cNvSpPr>
+          <p:nvPr>
+            <p:ph type="title"/>
+          </p:nvPr>
+        </p:nvSpPr>
+        <p:spPr>
+          <a:xfrm>
+            <a:off x="517586" y="524176"/>
+            <a:ext cx="10429089" cy="636917"/>
+          </a:xfrm>
+        </p:spPr>
+        <p:txBody>
+          <a:bodyPr/>
+          <a:lstStyle/>
+          <a:p>
+            <a:r>
+              <a:rPr lang="en-US" sz="3600" dirty="0"/>
+              <a:t>MLR Model Evaluation</a:t>
+            </a:r>
+          </a:p>
+        </p:txBody>
+      </p:sp>
+      <p:pic>
+        <p:nvPicPr>
+          <p:cNvPr id="8" name="Content Placeholder 7">
+            <a:extLst>
+              <a:ext uri="{FF2B5EF4-FFF2-40B4-BE49-F238E27FC236}">
+                <a16:creationId xmlns:a16="http://schemas.microsoft.com/office/drawing/2014/main" id="{575DE620-6795-45A7-A87D-066F9E2D1FD5}"/>
+              </a:ext>
+            </a:extLst>
+          </p:cNvPr>
+          <p:cNvPicPr>
+            <a:picLocks noGrp="1" noChangeAspect="1"/>
+          </p:cNvPicPr>
+          <p:nvPr>
+            <p:ph idx="1"/>
+          </p:nvPr>
+        </p:nvPicPr>
+        <p:blipFill>
+          <a:blip r:embed="rId2"/>
+          <a:stretch>
+            <a:fillRect/>
+          </a:stretch>
+        </p:blipFill>
+        <p:spPr>
+          <a:xfrm>
+            <a:off x="517586" y="1757543"/>
+            <a:ext cx="6090248" cy="4002357"/>
+          </a:xfrm>
+        </p:spPr>
+      </p:pic>
+      <p:sp>
+        <p:nvSpPr>
+          <p:cNvPr id="4" name="Date Placeholder 3">
+            <a:extLst>
+              <a:ext uri="{FF2B5EF4-FFF2-40B4-BE49-F238E27FC236}">
+                <a16:creationId xmlns:a16="http://schemas.microsoft.com/office/drawing/2014/main" id="{172F99BA-04F0-491E-8821-C936F65E8CC1}"/>
+              </a:ext>
+            </a:extLst>
+          </p:cNvPr>
+          <p:cNvSpPr>
+            <a:spLocks noGrp="1"/>
+          </p:cNvSpPr>
+          <p:nvPr>
+            <p:ph type="dt" sz="half" idx="2"/>
+          </p:nvPr>
+        </p:nvSpPr>
+        <p:spPr/>
+        <p:txBody>
+          <a:bodyPr/>
+          <a:lstStyle/>
+          <a:p>
+            <a:r>
+              <a:rPr lang="en-US" dirty="0"/>
+              <a:t>4/8/2022</a:t>
+            </a:r>
+          </a:p>
+        </p:txBody>
+      </p:sp>
+      <p:sp>
+        <p:nvSpPr>
+          <p:cNvPr id="5" name="Footer Placeholder 4">
+            <a:extLst>
+              <a:ext uri="{FF2B5EF4-FFF2-40B4-BE49-F238E27FC236}">
+                <a16:creationId xmlns:a16="http://schemas.microsoft.com/office/drawing/2014/main" id="{2C3FB19A-D173-401C-BBE8-8D589703E531}"/>
+              </a:ext>
+            </a:extLst>
+          </p:cNvPr>
+          <p:cNvSpPr>
+            <a:spLocks noGrp="1"/>
+          </p:cNvSpPr>
+          <p:nvPr>
+            <p:ph type="ftr" sz="quarter" idx="3"/>
+          </p:nvPr>
+        </p:nvSpPr>
+        <p:spPr/>
+        <p:txBody>
+          <a:bodyPr/>
+          <a:lstStyle/>
+          <a:p>
+            <a:r>
+              <a:rPr lang="en-US" dirty="0"/>
+              <a:t>Ames, Iowa: House Sale Prices prediction</a:t>
+            </a:r>
+          </a:p>
+        </p:txBody>
+      </p:sp>
+      <p:sp>
+        <p:nvSpPr>
+          <p:cNvPr id="6" name="Slide Number Placeholder 5">
+            <a:extLst>
+              <a:ext uri="{FF2B5EF4-FFF2-40B4-BE49-F238E27FC236}">
+                <a16:creationId xmlns:a16="http://schemas.microsoft.com/office/drawing/2014/main" id="{B9328172-EF9F-4AAE-B564-32605E58E7B1}"/>
+              </a:ext>
+            </a:extLst>
+          </p:cNvPr>
+          <p:cNvSpPr>
+            <a:spLocks noGrp="1"/>
+          </p:cNvSpPr>
+          <p:nvPr>
+            <p:ph type="sldNum" sz="quarter" idx="4"/>
+          </p:nvPr>
+        </p:nvSpPr>
+        <p:spPr/>
+        <p:txBody>
+          <a:bodyPr/>
+          <a:lstStyle/>
+          <a:p>
+            <a:fld id="{294A09A9-5501-47C1-A89A-A340965A2BE2}" type="slidenum">
+              <a:rPr lang="en-US" smtClean="0"/>
+              <a:pPr/>
+              <a:t>13</a:t>
+            </a:fld>
+            <a:endParaRPr lang="en-US" dirty="0"/>
+          </a:p>
+        </p:txBody>
+      </p:sp>
+      <p:pic>
+        <p:nvPicPr>
+          <p:cNvPr id="10" name="Picture 9">
+            <a:extLst>
+              <a:ext uri="{FF2B5EF4-FFF2-40B4-BE49-F238E27FC236}">
+                <a16:creationId xmlns:a16="http://schemas.microsoft.com/office/drawing/2014/main" id="{98ED6826-2911-4D18-BFC1-3331A5EF2A46}"/>
+              </a:ext>
+            </a:extLst>
+          </p:cNvPr>
+          <p:cNvPicPr>
+            <a:picLocks noChangeAspect="1"/>
+          </p:cNvPicPr>
+          <p:nvPr/>
+        </p:nvPicPr>
+        <p:blipFill>
+          <a:blip r:embed="rId3"/>
+          <a:stretch>
+            <a:fillRect/>
+          </a:stretch>
+        </p:blipFill>
+        <p:spPr>
+          <a:xfrm>
+            <a:off x="6927011" y="1742271"/>
+            <a:ext cx="4114800" cy="4017629"/>
+          </a:xfrm>
+          <a:prstGeom prst="rect">
+            <a:avLst/>
+          </a:prstGeom>
+        </p:spPr>
+      </p:pic>
+    </p:spTree>
+    <p:extLst>
+      <p:ext uri="{BB962C8B-B14F-4D97-AF65-F5344CB8AC3E}">
+        <p14:creationId xmlns:p14="http://schemas.microsoft.com/office/powerpoint/2010/main" val="3637554038"/>
+      </p:ext>
+    </p:extLst>
+  </p:cSld>
+  <p:clrMapOvr>
+    <a:masterClrMapping/>
+  </p:clrMapOvr>
+</p:sld>
+</file>
+
+<file path=ppt/slides/slide14.xml><?xml version="1.0" encoding="utf-8"?>
+<p:sld xmlns:a="http://schemas.openxmlformats.org/drawingml/2006/main" xmlns:r="http://schemas.openxmlformats.org/officeDocument/2006/relationships" xmlns:p="http://schemas.openxmlformats.org/presentationml/2006/main">
+  <p:cSld>
+    <p:spTree>
+      <p:nvGrpSpPr>
+        <p:cNvPr id="1" name=""/>
+        <p:cNvGrpSpPr/>
+        <p:nvPr/>
+      </p:nvGrpSpPr>
+      <p:grpSpPr>
+        <a:xfrm>
+          <a:off x="0" y="0"/>
+          <a:ext cx="0" cy="0"/>
+          <a:chOff x="0" y="0"/>
+          <a:chExt cx="0" cy="0"/>
+        </a:xfrm>
+      </p:grpSpPr>
+      <p:sp>
+        <p:nvSpPr>
+          <p:cNvPr id="2" name="Title 1">
+            <a:extLst>
+              <a:ext uri="{FF2B5EF4-FFF2-40B4-BE49-F238E27FC236}">
+                <a16:creationId xmlns:a16="http://schemas.microsoft.com/office/drawing/2014/main" id="{341064CC-4C06-4BE0-84CF-E4F2F0A979B8}"/>
+              </a:ext>
+            </a:extLst>
+          </p:cNvPr>
+          <p:cNvSpPr>
+            <a:spLocks noGrp="1"/>
+          </p:cNvSpPr>
+          <p:nvPr>
+            <p:ph type="title"/>
+          </p:nvPr>
+        </p:nvSpPr>
+        <p:spPr>
+          <a:xfrm>
+            <a:off x="508958" y="381000"/>
+            <a:ext cx="10437718" cy="628291"/>
+          </a:xfrm>
+        </p:spPr>
+        <p:txBody>
+          <a:bodyPr/>
+          <a:lstStyle/>
+          <a:p>
+            <a:r>
+              <a:rPr lang="en-US" sz="3600" dirty="0"/>
+              <a:t>Penalized Regression (PLR) models</a:t>
+            </a:r>
+          </a:p>
+        </p:txBody>
+      </p:sp>
+      <p:sp>
+        <p:nvSpPr>
+          <p:cNvPr id="3" name="Content Placeholder 2">
+            <a:extLst>
+              <a:ext uri="{FF2B5EF4-FFF2-40B4-BE49-F238E27FC236}">
+                <a16:creationId xmlns:a16="http://schemas.microsoft.com/office/drawing/2014/main" id="{8F9EC59C-3661-4EC0-B2B7-F47B98809650}"/>
+              </a:ext>
+            </a:extLst>
+          </p:cNvPr>
+          <p:cNvSpPr>
+            <a:spLocks noGrp="1"/>
+          </p:cNvSpPr>
+          <p:nvPr>
+            <p:ph idx="1"/>
+          </p:nvPr>
+        </p:nvSpPr>
+        <p:spPr>
+          <a:xfrm>
+            <a:off x="508958" y="1181819"/>
+            <a:ext cx="10688129" cy="1199072"/>
+          </a:xfrm>
+        </p:spPr>
+        <p:txBody>
+          <a:bodyPr/>
+          <a:lstStyle/>
+          <a:p>
+            <a:pPr marL="285750" indent="-285750">
+              <a:buFont typeface="Wingdings" panose="05000000000000000000" pitchFamily="2" charset="2"/>
+              <a:buChar char="Ø"/>
+            </a:pPr>
+            <a:r>
+              <a:rPr lang="en-US" sz="1800" dirty="0"/>
+              <a:t>Final PLR Models used log-transformed dependent and independent variables.</a:t>
+            </a:r>
+          </a:p>
+          <a:p>
+            <a:pPr marL="285750" indent="-285750">
+              <a:buFont typeface="Wingdings" panose="05000000000000000000" pitchFamily="2" charset="2"/>
+              <a:buChar char="Ø"/>
+            </a:pPr>
+            <a:r>
+              <a:rPr lang="en-US" sz="1800" dirty="0"/>
+              <a:t>Models were trained/evaluated on a 70:30 train-test split. Some features with high VIF values were removed</a:t>
+            </a:r>
+          </a:p>
+          <a:p>
+            <a:pPr marL="285750" indent="-285750">
+              <a:buFont typeface="Wingdings" panose="05000000000000000000" pitchFamily="2" charset="2"/>
+              <a:buChar char="Ø"/>
+            </a:pPr>
+            <a:r>
+              <a:rPr lang="en-US" sz="1800" dirty="0"/>
+              <a:t>For Lasso model, data were normalized before model fitting. </a:t>
+            </a:r>
+          </a:p>
+          <a:p>
+            <a:endParaRPr lang="en-US" sz="1800" dirty="0"/>
+          </a:p>
+        </p:txBody>
+      </p:sp>
+      <p:sp>
+        <p:nvSpPr>
+          <p:cNvPr id="4" name="Date Placeholder 3">
+            <a:extLst>
+              <a:ext uri="{FF2B5EF4-FFF2-40B4-BE49-F238E27FC236}">
+                <a16:creationId xmlns:a16="http://schemas.microsoft.com/office/drawing/2014/main" id="{DDAB5AD9-8F28-4C36-A82D-D4CACE4D1190}"/>
+              </a:ext>
+            </a:extLst>
+          </p:cNvPr>
+          <p:cNvSpPr>
+            <a:spLocks noGrp="1"/>
+          </p:cNvSpPr>
+          <p:nvPr>
+            <p:ph type="dt" sz="half" idx="2"/>
+          </p:nvPr>
+        </p:nvSpPr>
+        <p:spPr/>
+        <p:txBody>
+          <a:bodyPr/>
+          <a:lstStyle/>
+          <a:p>
+            <a:r>
+              <a:rPr lang="en-US" dirty="0"/>
+              <a:t>4/8/2022</a:t>
+            </a:r>
+          </a:p>
+        </p:txBody>
+      </p:sp>
+      <p:sp>
+        <p:nvSpPr>
+          <p:cNvPr id="5" name="Footer Placeholder 4">
+            <a:extLst>
+              <a:ext uri="{FF2B5EF4-FFF2-40B4-BE49-F238E27FC236}">
+                <a16:creationId xmlns:a16="http://schemas.microsoft.com/office/drawing/2014/main" id="{202B5F87-BA90-411E-826A-67AC0641B6FA}"/>
+              </a:ext>
+            </a:extLst>
+          </p:cNvPr>
+          <p:cNvSpPr>
+            <a:spLocks noGrp="1"/>
+          </p:cNvSpPr>
+          <p:nvPr>
+            <p:ph type="ftr" sz="quarter" idx="3"/>
+          </p:nvPr>
+        </p:nvSpPr>
+        <p:spPr/>
+        <p:txBody>
+          <a:bodyPr/>
+          <a:lstStyle/>
+          <a:p>
+            <a:r>
+              <a:rPr lang="en-US" dirty="0"/>
+              <a:t>Ames, Iowa: House Sale Prices prediction</a:t>
+            </a:r>
+          </a:p>
+        </p:txBody>
+      </p:sp>
+      <p:sp>
+        <p:nvSpPr>
+          <p:cNvPr id="6" name="Slide Number Placeholder 5">
+            <a:extLst>
+              <a:ext uri="{FF2B5EF4-FFF2-40B4-BE49-F238E27FC236}">
+                <a16:creationId xmlns:a16="http://schemas.microsoft.com/office/drawing/2014/main" id="{80219D36-3823-41C0-9548-C6602BA186A9}"/>
+              </a:ext>
+            </a:extLst>
+          </p:cNvPr>
+          <p:cNvSpPr>
+            <a:spLocks noGrp="1"/>
+          </p:cNvSpPr>
+          <p:nvPr>
+            <p:ph type="sldNum" sz="quarter" idx="4"/>
+          </p:nvPr>
+        </p:nvSpPr>
+        <p:spPr/>
+        <p:txBody>
+          <a:bodyPr/>
+          <a:lstStyle/>
+          <a:p>
+            <a:fld id="{294A09A9-5501-47C1-A89A-A340965A2BE2}" type="slidenum">
+              <a:rPr lang="en-US" smtClean="0"/>
+              <a:pPr/>
+              <a:t>14</a:t>
+            </a:fld>
+            <a:endParaRPr lang="en-US" dirty="0"/>
+          </a:p>
+        </p:txBody>
+      </p:sp>
+      <p:sp>
+        <p:nvSpPr>
+          <p:cNvPr id="7" name="Rectangle 6">
+            <a:extLst>
+              <a:ext uri="{FF2B5EF4-FFF2-40B4-BE49-F238E27FC236}">
+                <a16:creationId xmlns:a16="http://schemas.microsoft.com/office/drawing/2014/main" id="{506F050F-DFFB-4A38-8E9A-F8E153196772}"/>
+              </a:ext>
+            </a:extLst>
+          </p:cNvPr>
+          <p:cNvSpPr/>
+          <p:nvPr/>
+        </p:nvSpPr>
+        <p:spPr>
+          <a:xfrm>
+            <a:off x="508958" y="2682815"/>
+            <a:ext cx="5587042" cy="3673535"/>
+          </a:xfrm>
+          <a:prstGeom prst="rect">
+            <a:avLst/>
+          </a:prstGeom>
+          <a:noFill/>
+          <a:ln>
+            <a:solidFill>
+              <a:schemeClr val="tx1"/>
+            </a:solidFill>
+          </a:ln>
+        </p:spPr>
+        <p:style>
+          <a:lnRef idx="2">
+            <a:schemeClr val="accent1">
+              <a:shade val="50000"/>
+            </a:schemeClr>
+          </a:lnRef>
+          <a:fillRef idx="1">
+            <a:schemeClr val="accent1"/>
+          </a:fillRef>
+          <a:effectRef idx="0">
+            <a:schemeClr val="accent1"/>
+          </a:effectRef>
+          <a:fontRef idx="minor">
+            <a:schemeClr val="lt1"/>
+          </a:fontRef>
+        </p:style>
+        <p:txBody>
+          <a:bodyPr rtlCol="0" anchor="ctr"/>
+          <a:lstStyle/>
+          <a:p>
+            <a:pPr algn="ctr"/>
+            <a:endParaRPr lang="en-US"/>
+          </a:p>
+        </p:txBody>
+      </p:sp>
+      <p:sp>
+        <p:nvSpPr>
+          <p:cNvPr id="8" name="Rectangle 7">
+            <a:extLst>
+              <a:ext uri="{FF2B5EF4-FFF2-40B4-BE49-F238E27FC236}">
+                <a16:creationId xmlns:a16="http://schemas.microsoft.com/office/drawing/2014/main" id="{A076970C-BE9A-4C31-B49E-0526777CB380}"/>
+              </a:ext>
+            </a:extLst>
+          </p:cNvPr>
+          <p:cNvSpPr/>
+          <p:nvPr/>
+        </p:nvSpPr>
+        <p:spPr>
+          <a:xfrm>
+            <a:off x="6242650" y="2682814"/>
+            <a:ext cx="5082395" cy="3673535"/>
+          </a:xfrm>
+          <a:prstGeom prst="rect">
+            <a:avLst/>
+          </a:prstGeom>
+          <a:noFill/>
+          <a:ln>
+            <a:solidFill>
+              <a:schemeClr val="tx1"/>
+            </a:solidFill>
+          </a:ln>
+        </p:spPr>
+        <p:style>
+          <a:lnRef idx="2">
+            <a:schemeClr val="accent1">
+              <a:shade val="50000"/>
+            </a:schemeClr>
+          </a:lnRef>
+          <a:fillRef idx="1">
+            <a:schemeClr val="accent1"/>
+          </a:fillRef>
+          <a:effectRef idx="0">
+            <a:schemeClr val="accent1"/>
+          </a:effectRef>
+          <a:fontRef idx="minor">
+            <a:schemeClr val="lt1"/>
+          </a:fontRef>
+        </p:style>
+        <p:txBody>
+          <a:bodyPr rtlCol="0" anchor="ctr"/>
+          <a:lstStyle/>
+          <a:p>
+            <a:pPr algn="ctr"/>
+            <a:endParaRPr lang="en-US"/>
+          </a:p>
+        </p:txBody>
+      </p:sp>
+      <p:sp>
+        <p:nvSpPr>
+          <p:cNvPr id="9" name="TextBox 8">
+            <a:extLst>
+              <a:ext uri="{FF2B5EF4-FFF2-40B4-BE49-F238E27FC236}">
+                <a16:creationId xmlns:a16="http://schemas.microsoft.com/office/drawing/2014/main" id="{94B8B7CE-A3F2-472F-AF0E-AA650CDC110D}"/>
+              </a:ext>
+            </a:extLst>
+          </p:cNvPr>
+          <p:cNvSpPr txBox="1"/>
+          <p:nvPr/>
+        </p:nvSpPr>
+        <p:spPr>
+          <a:xfrm>
+            <a:off x="719592" y="2759529"/>
+            <a:ext cx="5244860" cy="892552"/>
+          </a:xfrm>
+          <a:prstGeom prst="rect">
+            <a:avLst/>
+          </a:prstGeom>
+          <a:noFill/>
+        </p:spPr>
+        <p:txBody>
+          <a:bodyPr wrap="square" rtlCol="0">
+            <a:spAutoFit/>
+          </a:bodyPr>
+          <a:lstStyle/>
+          <a:p>
+            <a:pPr algn="ctr"/>
+            <a:r>
+              <a:rPr lang="en-US" sz="2000" dirty="0"/>
+              <a:t>Ridge Regression</a:t>
+            </a:r>
+          </a:p>
+          <a:p>
+            <a:pPr algn="ctr"/>
+            <a:endParaRPr lang="en-US" dirty="0"/>
+          </a:p>
+          <a:p>
+            <a:pPr marL="285750" indent="-285750">
+              <a:buFont typeface="Wingdings" panose="05000000000000000000" pitchFamily="2" charset="2"/>
+              <a:buChar char="§"/>
+            </a:pPr>
+            <a:r>
+              <a:rPr lang="en-US" sz="1400" dirty="0"/>
+              <a:t>Alpha Hyperparameter is chosen by Grid Search CV as 11.12.</a:t>
+            </a:r>
+          </a:p>
+        </p:txBody>
+      </p:sp>
+      <p:sp>
+        <p:nvSpPr>
+          <p:cNvPr id="10" name="TextBox 9">
+            <a:extLst>
+              <a:ext uri="{FF2B5EF4-FFF2-40B4-BE49-F238E27FC236}">
+                <a16:creationId xmlns:a16="http://schemas.microsoft.com/office/drawing/2014/main" id="{08297413-2405-4DF8-B6C8-043DB164FF96}"/>
+              </a:ext>
+            </a:extLst>
+          </p:cNvPr>
+          <p:cNvSpPr txBox="1"/>
+          <p:nvPr/>
+        </p:nvSpPr>
+        <p:spPr>
+          <a:xfrm>
+            <a:off x="6418626" y="2439778"/>
+            <a:ext cx="4722962" cy="1692771"/>
+          </a:xfrm>
+          <a:prstGeom prst="rect">
+            <a:avLst/>
+          </a:prstGeom>
+          <a:noFill/>
+        </p:spPr>
+        <p:txBody>
+          <a:bodyPr wrap="square" rtlCol="0">
+            <a:spAutoFit/>
+          </a:bodyPr>
+          <a:lstStyle/>
+          <a:p>
+            <a:pPr algn="ctr"/>
+            <a:endParaRPr lang="en-US" sz="2000" dirty="0"/>
+          </a:p>
+          <a:p>
+            <a:pPr algn="ctr"/>
+            <a:r>
+              <a:rPr lang="en-US" sz="2000" dirty="0"/>
+              <a:t>Lasso Regression</a:t>
+            </a:r>
+          </a:p>
+          <a:p>
+            <a:pPr algn="ctr"/>
+            <a:endParaRPr lang="en-US" dirty="0"/>
+          </a:p>
+          <a:p>
+            <a:pPr marL="285750" indent="-285750">
+              <a:buFont typeface="Wingdings" panose="05000000000000000000" pitchFamily="2" charset="2"/>
+              <a:buChar char="§"/>
+            </a:pPr>
+            <a:r>
+              <a:rPr lang="en-US" sz="1400" dirty="0"/>
+              <a:t>Alpha Hyperparameter is chosen by Grid Search CV as 0.0003.</a:t>
+            </a:r>
+          </a:p>
+          <a:p>
+            <a:pPr marL="285750" indent="-285750">
+              <a:buFont typeface="Wingdings" panose="05000000000000000000" pitchFamily="2" charset="2"/>
+              <a:buChar char="§"/>
+            </a:pPr>
+            <a:endParaRPr lang="en-US" dirty="0"/>
+          </a:p>
+        </p:txBody>
+      </p:sp>
+      <p:pic>
+        <p:nvPicPr>
+          <p:cNvPr id="12" name="Picture 11">
+            <a:extLst>
+              <a:ext uri="{FF2B5EF4-FFF2-40B4-BE49-F238E27FC236}">
+                <a16:creationId xmlns:a16="http://schemas.microsoft.com/office/drawing/2014/main" id="{ACEC12CA-1FCC-48C4-BCD3-6047765D9E30}"/>
+              </a:ext>
+            </a:extLst>
+          </p:cNvPr>
+          <p:cNvPicPr>
+            <a:picLocks noChangeAspect="1"/>
+          </p:cNvPicPr>
+          <p:nvPr/>
+        </p:nvPicPr>
+        <p:blipFill>
+          <a:blip r:embed="rId2"/>
+          <a:stretch>
+            <a:fillRect/>
+          </a:stretch>
+        </p:blipFill>
+        <p:spPr>
+          <a:xfrm>
+            <a:off x="1476981" y="4001562"/>
+            <a:ext cx="3650995" cy="2167194"/>
+          </a:xfrm>
+          <a:prstGeom prst="rect">
+            <a:avLst/>
+          </a:prstGeom>
+        </p:spPr>
+      </p:pic>
+      <p:pic>
+        <p:nvPicPr>
+          <p:cNvPr id="14" name="Picture 13">
+            <a:extLst>
+              <a:ext uri="{FF2B5EF4-FFF2-40B4-BE49-F238E27FC236}">
+                <a16:creationId xmlns:a16="http://schemas.microsoft.com/office/drawing/2014/main" id="{7921D0C4-8507-42FE-89F4-639CE11B79E4}"/>
+              </a:ext>
+            </a:extLst>
+          </p:cNvPr>
+          <p:cNvPicPr>
+            <a:picLocks noChangeAspect="1"/>
+          </p:cNvPicPr>
+          <p:nvPr/>
+        </p:nvPicPr>
+        <p:blipFill>
+          <a:blip r:embed="rId3"/>
+          <a:stretch>
+            <a:fillRect/>
+          </a:stretch>
+        </p:blipFill>
+        <p:spPr>
+          <a:xfrm>
+            <a:off x="7064023" y="3987643"/>
+            <a:ext cx="3432168" cy="2195033"/>
+          </a:xfrm>
+          <a:prstGeom prst="rect">
+            <a:avLst/>
+          </a:prstGeom>
+        </p:spPr>
+      </p:pic>
+    </p:spTree>
+    <p:extLst>
+      <p:ext uri="{BB962C8B-B14F-4D97-AF65-F5344CB8AC3E}">
+        <p14:creationId xmlns:p14="http://schemas.microsoft.com/office/powerpoint/2010/main" val="2476031446"/>
+      </p:ext>
+    </p:extLst>
+  </p:cSld>
+  <p:clrMapOvr>
+    <a:masterClrMapping/>
+  </p:clrMapOvr>
+</p:sld>
+</file>
+
+<file path=ppt/slides/slide15.xml><?xml version="1.0" encoding="utf-8"?>
+<p:sld xmlns:a="http://schemas.openxmlformats.org/drawingml/2006/main" xmlns:r="http://schemas.openxmlformats.org/officeDocument/2006/relationships" xmlns:p="http://schemas.openxmlformats.org/presentationml/2006/main">
+  <p:cSld>
+    <p:spTree>
+      <p:nvGrpSpPr>
+        <p:cNvPr id="1" name=""/>
+        <p:cNvGrpSpPr/>
+        <p:nvPr/>
+      </p:nvGrpSpPr>
+      <p:grpSpPr>
+        <a:xfrm>
+          <a:off x="0" y="0"/>
+          <a:ext cx="0" cy="0"/>
+          <a:chOff x="0" y="0"/>
+          <a:chExt cx="0" cy="0"/>
+        </a:xfrm>
+      </p:grpSpPr>
+      <p:sp>
+        <p:nvSpPr>
+          <p:cNvPr id="2" name="Title 1">
+            <a:extLst>
+              <a:ext uri="{FF2B5EF4-FFF2-40B4-BE49-F238E27FC236}">
+                <a16:creationId xmlns:a16="http://schemas.microsoft.com/office/drawing/2014/main" id="{A17B72B1-525A-4B4B-8618-AFB812A93F16}"/>
+              </a:ext>
+            </a:extLst>
+          </p:cNvPr>
+          <p:cNvSpPr>
+            <a:spLocks noGrp="1"/>
+          </p:cNvSpPr>
+          <p:nvPr>
+            <p:ph type="title"/>
+          </p:nvPr>
+        </p:nvSpPr>
+        <p:spPr>
+          <a:xfrm>
+            <a:off x="381000" y="607441"/>
+            <a:ext cx="10565676" cy="714555"/>
+          </a:xfrm>
+        </p:spPr>
+        <p:txBody>
+          <a:bodyPr/>
+          <a:lstStyle/>
+          <a:p>
+            <a:r>
+              <a:rPr lang="en-US" sz="3600" dirty="0"/>
+              <a:t>Ridge Regression model:</a:t>
+            </a:r>
+          </a:p>
+        </p:txBody>
+      </p:sp>
+      <p:pic>
+        <p:nvPicPr>
+          <p:cNvPr id="8" name="Content Placeholder 7">
+            <a:extLst>
+              <a:ext uri="{FF2B5EF4-FFF2-40B4-BE49-F238E27FC236}">
+                <a16:creationId xmlns:a16="http://schemas.microsoft.com/office/drawing/2014/main" id="{86BFD073-DCB1-4213-B300-24609E7707B6}"/>
+              </a:ext>
+            </a:extLst>
+          </p:cNvPr>
+          <p:cNvPicPr>
+            <a:picLocks noGrp="1" noChangeAspect="1"/>
+          </p:cNvPicPr>
+          <p:nvPr>
+            <p:ph idx="1"/>
+          </p:nvPr>
+        </p:nvPicPr>
+        <p:blipFill>
+          <a:blip r:embed="rId2"/>
+          <a:stretch>
+            <a:fillRect/>
+          </a:stretch>
+        </p:blipFill>
+        <p:spPr>
+          <a:xfrm>
+            <a:off x="381000" y="1736773"/>
+            <a:ext cx="6262246" cy="3847523"/>
+          </a:xfrm>
+        </p:spPr>
+      </p:pic>
+      <p:sp>
+        <p:nvSpPr>
+          <p:cNvPr id="4" name="Date Placeholder 3">
+            <a:extLst>
+              <a:ext uri="{FF2B5EF4-FFF2-40B4-BE49-F238E27FC236}">
+                <a16:creationId xmlns:a16="http://schemas.microsoft.com/office/drawing/2014/main" id="{C6B30151-F3CE-4C50-B976-659FBA0B23C1}"/>
+              </a:ext>
+            </a:extLst>
+          </p:cNvPr>
+          <p:cNvSpPr>
+            <a:spLocks noGrp="1"/>
+          </p:cNvSpPr>
+          <p:nvPr>
+            <p:ph type="dt" sz="half" idx="2"/>
+          </p:nvPr>
+        </p:nvSpPr>
+        <p:spPr/>
+        <p:txBody>
+          <a:bodyPr/>
+          <a:lstStyle/>
+          <a:p>
+            <a:r>
+              <a:rPr lang="en-US" dirty="0"/>
+              <a:t>4/8/2022</a:t>
+            </a:r>
+          </a:p>
+        </p:txBody>
+      </p:sp>
+      <p:sp>
+        <p:nvSpPr>
+          <p:cNvPr id="5" name="Footer Placeholder 4">
+            <a:extLst>
+              <a:ext uri="{FF2B5EF4-FFF2-40B4-BE49-F238E27FC236}">
+                <a16:creationId xmlns:a16="http://schemas.microsoft.com/office/drawing/2014/main" id="{4E368F79-EBAD-40BB-8176-8B2BF6BDF5DB}"/>
+              </a:ext>
+            </a:extLst>
+          </p:cNvPr>
+          <p:cNvSpPr>
+            <a:spLocks noGrp="1"/>
+          </p:cNvSpPr>
+          <p:nvPr>
+            <p:ph type="ftr" sz="quarter" idx="3"/>
+          </p:nvPr>
+        </p:nvSpPr>
+        <p:spPr/>
+        <p:txBody>
+          <a:bodyPr/>
+          <a:lstStyle/>
+          <a:p>
+            <a:r>
+              <a:rPr lang="en-US"/>
+              <a:t>PRESENTATION TITLE</a:t>
+            </a:r>
+            <a:endParaRPr lang="en-US" dirty="0"/>
+          </a:p>
+        </p:txBody>
+      </p:sp>
+      <p:sp>
+        <p:nvSpPr>
+          <p:cNvPr id="6" name="Slide Number Placeholder 5">
+            <a:extLst>
+              <a:ext uri="{FF2B5EF4-FFF2-40B4-BE49-F238E27FC236}">
+                <a16:creationId xmlns:a16="http://schemas.microsoft.com/office/drawing/2014/main" id="{6E3698B5-8745-45E2-9FF7-9485A653DB9E}"/>
+              </a:ext>
+            </a:extLst>
+          </p:cNvPr>
+          <p:cNvSpPr>
+            <a:spLocks noGrp="1"/>
+          </p:cNvSpPr>
+          <p:nvPr>
+            <p:ph type="sldNum" sz="quarter" idx="4"/>
+          </p:nvPr>
+        </p:nvSpPr>
+        <p:spPr/>
+        <p:txBody>
+          <a:bodyPr/>
+          <a:lstStyle/>
+          <a:p>
+            <a:fld id="{294A09A9-5501-47C1-A89A-A340965A2BE2}" type="slidenum">
+              <a:rPr lang="en-US" smtClean="0"/>
+              <a:pPr/>
+              <a:t>15</a:t>
+            </a:fld>
+            <a:endParaRPr lang="en-US" dirty="0"/>
+          </a:p>
+        </p:txBody>
+      </p:sp>
+      <p:pic>
+        <p:nvPicPr>
+          <p:cNvPr id="10" name="Picture 9">
+            <a:extLst>
+              <a:ext uri="{FF2B5EF4-FFF2-40B4-BE49-F238E27FC236}">
+                <a16:creationId xmlns:a16="http://schemas.microsoft.com/office/drawing/2014/main" id="{65B3B904-AA45-4543-898D-FB37918063C8}"/>
+              </a:ext>
+            </a:extLst>
+          </p:cNvPr>
+          <p:cNvPicPr>
+            <a:picLocks noChangeAspect="1"/>
+          </p:cNvPicPr>
+          <p:nvPr/>
+        </p:nvPicPr>
+        <p:blipFill>
+          <a:blip r:embed="rId3"/>
+          <a:stretch>
+            <a:fillRect/>
+          </a:stretch>
+        </p:blipFill>
+        <p:spPr>
+          <a:xfrm>
+            <a:off x="6884590" y="1736773"/>
+            <a:ext cx="3993320" cy="3847523"/>
+          </a:xfrm>
+          <a:prstGeom prst="rect">
+            <a:avLst/>
+          </a:prstGeom>
+        </p:spPr>
+      </p:pic>
+    </p:spTree>
+    <p:extLst>
+      <p:ext uri="{BB962C8B-B14F-4D97-AF65-F5344CB8AC3E}">
+        <p14:creationId xmlns:p14="http://schemas.microsoft.com/office/powerpoint/2010/main" val="3276556411"/>
+      </p:ext>
+    </p:extLst>
+  </p:cSld>
+  <p:clrMapOvr>
+    <a:masterClrMapping/>
+  </p:clrMapOvr>
+</p:sld>
+</file>
+
+<file path=ppt/slides/slide16.xml><?xml version="1.0" encoding="utf-8"?>
+<p:sld xmlns:a="http://schemas.openxmlformats.org/drawingml/2006/main" xmlns:r="http://schemas.openxmlformats.org/officeDocument/2006/relationships" xmlns:p="http://schemas.openxmlformats.org/presentationml/2006/main">
+  <p:cSld>
+    <p:spTree>
+      <p:nvGrpSpPr>
+        <p:cNvPr id="1" name=""/>
+        <p:cNvGrpSpPr/>
+        <p:nvPr/>
+      </p:nvGrpSpPr>
+      <p:grpSpPr>
+        <a:xfrm>
+          <a:off x="0" y="0"/>
+          <a:ext cx="0" cy="0"/>
+          <a:chOff x="0" y="0"/>
+          <a:chExt cx="0" cy="0"/>
+        </a:xfrm>
+      </p:grpSpPr>
+      <p:sp>
+        <p:nvSpPr>
+          <p:cNvPr id="2" name="Title 1">
+            <a:extLst>
+              <a:ext uri="{FF2B5EF4-FFF2-40B4-BE49-F238E27FC236}">
+                <a16:creationId xmlns:a16="http://schemas.microsoft.com/office/drawing/2014/main" id="{54BCD585-E320-43C7-8A09-3D2CF15AAB1A}"/>
+              </a:ext>
+            </a:extLst>
+          </p:cNvPr>
+          <p:cNvSpPr>
+            <a:spLocks noGrp="1"/>
+          </p:cNvSpPr>
+          <p:nvPr>
+            <p:ph type="title"/>
+          </p:nvPr>
+        </p:nvSpPr>
+        <p:spPr>
+          <a:xfrm>
+            <a:off x="381000" y="583527"/>
+            <a:ext cx="10565675" cy="662796"/>
+          </a:xfrm>
+        </p:spPr>
+        <p:txBody>
+          <a:bodyPr/>
+          <a:lstStyle/>
+          <a:p>
+            <a:r>
+              <a:rPr lang="en-US" sz="3600" dirty="0"/>
+              <a:t>Lasso Regression Model:</a:t>
+            </a:r>
+          </a:p>
+        </p:txBody>
+      </p:sp>
+      <p:pic>
+        <p:nvPicPr>
+          <p:cNvPr id="8" name="Content Placeholder 7">
+            <a:extLst>
+              <a:ext uri="{FF2B5EF4-FFF2-40B4-BE49-F238E27FC236}">
+                <a16:creationId xmlns:a16="http://schemas.microsoft.com/office/drawing/2014/main" id="{B97A6E9D-5C95-418A-B8FD-646E341BCB29}"/>
+              </a:ext>
+            </a:extLst>
+          </p:cNvPr>
+          <p:cNvPicPr>
+            <a:picLocks noGrp="1" noChangeAspect="1"/>
+          </p:cNvPicPr>
+          <p:nvPr>
+            <p:ph idx="1"/>
+          </p:nvPr>
+        </p:nvPicPr>
+        <p:blipFill>
+          <a:blip r:embed="rId2"/>
+          <a:stretch>
+            <a:fillRect/>
+          </a:stretch>
+        </p:blipFill>
+        <p:spPr>
+          <a:xfrm>
+            <a:off x="381000" y="1637158"/>
+            <a:ext cx="6218208" cy="3900999"/>
+          </a:xfrm>
+        </p:spPr>
+      </p:pic>
+      <p:sp>
+        <p:nvSpPr>
+          <p:cNvPr id="4" name="Date Placeholder 3">
+            <a:extLst>
+              <a:ext uri="{FF2B5EF4-FFF2-40B4-BE49-F238E27FC236}">
+                <a16:creationId xmlns:a16="http://schemas.microsoft.com/office/drawing/2014/main" id="{8151B139-5980-4738-B2B8-412E9648C246}"/>
+              </a:ext>
+            </a:extLst>
+          </p:cNvPr>
+          <p:cNvSpPr>
+            <a:spLocks noGrp="1"/>
+          </p:cNvSpPr>
+          <p:nvPr>
+            <p:ph type="dt" sz="half" idx="2"/>
+          </p:nvPr>
+        </p:nvSpPr>
+        <p:spPr/>
+        <p:txBody>
+          <a:bodyPr/>
+          <a:lstStyle/>
+          <a:p>
+            <a:r>
+              <a:rPr lang="en-US" dirty="0"/>
+              <a:t>4/8/2022</a:t>
+            </a:r>
+          </a:p>
+        </p:txBody>
+      </p:sp>
+      <p:sp>
+        <p:nvSpPr>
+          <p:cNvPr id="5" name="Footer Placeholder 4">
+            <a:extLst>
+              <a:ext uri="{FF2B5EF4-FFF2-40B4-BE49-F238E27FC236}">
+                <a16:creationId xmlns:a16="http://schemas.microsoft.com/office/drawing/2014/main" id="{5623081F-4E91-471F-A9DD-FCBA5A7C4C11}"/>
+              </a:ext>
+            </a:extLst>
+          </p:cNvPr>
+          <p:cNvSpPr>
+            <a:spLocks noGrp="1"/>
+          </p:cNvSpPr>
+          <p:nvPr>
+            <p:ph type="ftr" sz="quarter" idx="3"/>
+          </p:nvPr>
+        </p:nvSpPr>
+        <p:spPr/>
+        <p:txBody>
+          <a:bodyPr/>
+          <a:lstStyle/>
+          <a:p>
+            <a:r>
+              <a:rPr lang="en-US" dirty="0"/>
+              <a:t>Ames, Iowa: House Sale Prices prediction</a:t>
+            </a:r>
+          </a:p>
+        </p:txBody>
+      </p:sp>
+      <p:sp>
+        <p:nvSpPr>
+          <p:cNvPr id="6" name="Slide Number Placeholder 5">
+            <a:extLst>
+              <a:ext uri="{FF2B5EF4-FFF2-40B4-BE49-F238E27FC236}">
+                <a16:creationId xmlns:a16="http://schemas.microsoft.com/office/drawing/2014/main" id="{55629D3D-E414-4079-A1E6-0D9D225C4F33}"/>
+              </a:ext>
+            </a:extLst>
+          </p:cNvPr>
+          <p:cNvSpPr>
+            <a:spLocks noGrp="1"/>
+          </p:cNvSpPr>
+          <p:nvPr>
+            <p:ph type="sldNum" sz="quarter" idx="4"/>
+          </p:nvPr>
+        </p:nvSpPr>
+        <p:spPr/>
+        <p:txBody>
+          <a:bodyPr/>
+          <a:lstStyle/>
+          <a:p>
+            <a:fld id="{294A09A9-5501-47C1-A89A-A340965A2BE2}" type="slidenum">
+              <a:rPr lang="en-US" smtClean="0"/>
+              <a:pPr/>
+              <a:t>16</a:t>
+            </a:fld>
+            <a:endParaRPr lang="en-US" dirty="0"/>
+          </a:p>
+        </p:txBody>
+      </p:sp>
+      <p:pic>
+        <p:nvPicPr>
+          <p:cNvPr id="10" name="Picture 9">
+            <a:extLst>
+              <a:ext uri="{FF2B5EF4-FFF2-40B4-BE49-F238E27FC236}">
+                <a16:creationId xmlns:a16="http://schemas.microsoft.com/office/drawing/2014/main" id="{CA5F8525-59BA-41B4-9473-251F7FC00972}"/>
+              </a:ext>
+            </a:extLst>
+          </p:cNvPr>
+          <p:cNvPicPr>
+            <a:picLocks noChangeAspect="1"/>
+          </p:cNvPicPr>
+          <p:nvPr/>
+        </p:nvPicPr>
+        <p:blipFill>
+          <a:blip r:embed="rId3"/>
+          <a:stretch>
+            <a:fillRect/>
+          </a:stretch>
+        </p:blipFill>
+        <p:spPr>
+          <a:xfrm>
+            <a:off x="6819618" y="1637158"/>
+            <a:ext cx="3937522" cy="3937522"/>
+          </a:xfrm>
+          <a:prstGeom prst="rect">
+            <a:avLst/>
+          </a:prstGeom>
+        </p:spPr>
+      </p:pic>
+    </p:spTree>
+    <p:extLst>
+      <p:ext uri="{BB962C8B-B14F-4D97-AF65-F5344CB8AC3E}">
+        <p14:creationId xmlns:p14="http://schemas.microsoft.com/office/powerpoint/2010/main" val="1449127975"/>
+      </p:ext>
+    </p:extLst>
+  </p:cSld>
+  <p:clrMapOvr>
+    <a:masterClrMapping/>
+  </p:clrMapOvr>
+</p:sld>
+</file>
+
+<file path=ppt/slides/slide17.xml><?xml version="1.0" encoding="utf-8"?>
+<p:sld xmlns:a="http://schemas.openxmlformats.org/drawingml/2006/main" xmlns:r="http://schemas.openxmlformats.org/officeDocument/2006/relationships" xmlns:p="http://schemas.openxmlformats.org/presentationml/2006/main">
+  <p:cSld>
+    <p:spTree>
+      <p:nvGrpSpPr>
+        <p:cNvPr id="1" name=""/>
+        <p:cNvGrpSpPr/>
+        <p:nvPr/>
+      </p:nvGrpSpPr>
+      <p:grpSpPr>
+        <a:xfrm>
+          <a:off x="0" y="0"/>
+          <a:ext cx="0" cy="0"/>
+          <a:chOff x="0" y="0"/>
+          <a:chExt cx="0" cy="0"/>
+        </a:xfrm>
+      </p:grpSpPr>
+      <p:sp>
+        <p:nvSpPr>
+          <p:cNvPr id="2" name="Title 1">
+            <a:extLst>
+              <a:ext uri="{FF2B5EF4-FFF2-40B4-BE49-F238E27FC236}">
+                <a16:creationId xmlns:a16="http://schemas.microsoft.com/office/drawing/2014/main" id="{23517827-7C69-45DA-9195-890F877E5DC3}"/>
+              </a:ext>
+            </a:extLst>
+          </p:cNvPr>
+          <p:cNvSpPr>
+            <a:spLocks noGrp="1"/>
+          </p:cNvSpPr>
+          <p:nvPr>
+            <p:ph type="title"/>
+          </p:nvPr>
+        </p:nvSpPr>
+        <p:spPr>
+          <a:xfrm>
+            <a:off x="381000" y="381000"/>
+            <a:ext cx="10565675" cy="636917"/>
+          </a:xfrm>
+        </p:spPr>
+        <p:txBody>
+          <a:bodyPr/>
+          <a:lstStyle/>
+          <a:p>
+            <a:r>
+              <a:rPr lang="en-US" sz="3600" dirty="0"/>
+              <a:t>Support Vector Regression Model:</a:t>
+            </a:r>
+          </a:p>
+        </p:txBody>
+      </p:sp>
+      <p:sp>
+        <p:nvSpPr>
+          <p:cNvPr id="3" name="Content Placeholder 2">
+            <a:extLst>
+              <a:ext uri="{FF2B5EF4-FFF2-40B4-BE49-F238E27FC236}">
+                <a16:creationId xmlns:a16="http://schemas.microsoft.com/office/drawing/2014/main" id="{CD685360-EB2F-413E-9407-75CA29BEA4EB}"/>
+              </a:ext>
+            </a:extLst>
+          </p:cNvPr>
+          <p:cNvSpPr>
+            <a:spLocks noGrp="1"/>
+          </p:cNvSpPr>
+          <p:nvPr>
+            <p:ph idx="1"/>
+          </p:nvPr>
+        </p:nvSpPr>
+        <p:spPr>
+          <a:xfrm>
+            <a:off x="381002" y="1293961"/>
+            <a:ext cx="5838644" cy="5062389"/>
+          </a:xfrm>
+        </p:spPr>
+        <p:txBody>
+          <a:bodyPr/>
+          <a:lstStyle/>
+          <a:p>
+            <a:pPr marL="285750" indent="-285750">
+              <a:buFont typeface="Wingdings" panose="05000000000000000000" pitchFamily="2" charset="2"/>
+              <a:buChar char="Ø"/>
+            </a:pPr>
+            <a:r>
+              <a:rPr lang="en-US" sz="1800" dirty="0"/>
+              <a:t>Final PLR Models used log-transformed dependent and independent variables.</a:t>
+            </a:r>
+          </a:p>
+          <a:p>
+            <a:pPr marL="285750" indent="-285750">
+              <a:buFont typeface="Wingdings" panose="05000000000000000000" pitchFamily="2" charset="2"/>
+              <a:buChar char="Ø"/>
+            </a:pPr>
+            <a:r>
+              <a:rPr lang="en-US" sz="1800" dirty="0"/>
+              <a:t>Models were trained/evaluated on a 70:30 train-test split. Some features with high VIF values were removed.</a:t>
+            </a:r>
+          </a:p>
+          <a:p>
+            <a:pPr marL="285750" indent="-285750">
+              <a:buFont typeface="Wingdings" panose="05000000000000000000" pitchFamily="2" charset="2"/>
+              <a:buChar char="Ø"/>
+            </a:pPr>
+            <a:r>
+              <a:rPr lang="en-US" sz="1800" dirty="0"/>
+              <a:t>Hyperparameter C and epsilon were determined from plotting R</a:t>
+            </a:r>
+            <a:r>
+              <a:rPr lang="en-US" sz="1800" baseline="30000" dirty="0"/>
+              <a:t>2</a:t>
+            </a:r>
+            <a:r>
+              <a:rPr lang="en-US" sz="1800" dirty="0"/>
+              <a:t> and errors for train and test data.</a:t>
+            </a:r>
+          </a:p>
+          <a:p>
+            <a:pPr marL="285750" indent="-285750">
+              <a:buFont typeface="Wingdings" panose="05000000000000000000" pitchFamily="2" charset="2"/>
+              <a:buChar char="Ø"/>
+            </a:pPr>
+            <a:r>
+              <a:rPr lang="en-US" sz="1800" dirty="0"/>
+              <a:t>Other hyperparameters (gamma and kernel in this case) were selected by Grid Search CV.</a:t>
+            </a:r>
+          </a:p>
+          <a:p>
+            <a:endParaRPr lang="en-US" sz="1800" dirty="0"/>
+          </a:p>
+        </p:txBody>
+      </p:sp>
+      <p:sp>
+        <p:nvSpPr>
+          <p:cNvPr id="4" name="Date Placeholder 3">
+            <a:extLst>
+              <a:ext uri="{FF2B5EF4-FFF2-40B4-BE49-F238E27FC236}">
+                <a16:creationId xmlns:a16="http://schemas.microsoft.com/office/drawing/2014/main" id="{2D258F4B-8493-4AA6-A050-4F15DA9531F6}"/>
+              </a:ext>
+            </a:extLst>
+          </p:cNvPr>
+          <p:cNvSpPr>
+            <a:spLocks noGrp="1"/>
+          </p:cNvSpPr>
+          <p:nvPr>
+            <p:ph type="dt" sz="half" idx="2"/>
+          </p:nvPr>
+        </p:nvSpPr>
+        <p:spPr/>
+        <p:txBody>
+          <a:bodyPr/>
+          <a:lstStyle/>
+          <a:p>
+            <a:r>
+              <a:rPr lang="en-US" dirty="0"/>
+              <a:t>4/8/2022</a:t>
+            </a:r>
+          </a:p>
+        </p:txBody>
+      </p:sp>
+      <p:sp>
+        <p:nvSpPr>
+          <p:cNvPr id="5" name="Footer Placeholder 4">
+            <a:extLst>
+              <a:ext uri="{FF2B5EF4-FFF2-40B4-BE49-F238E27FC236}">
+                <a16:creationId xmlns:a16="http://schemas.microsoft.com/office/drawing/2014/main" id="{6DD2D53D-D3D1-451D-8BF9-A96ED9EAF52E}"/>
+              </a:ext>
+            </a:extLst>
+          </p:cNvPr>
+          <p:cNvSpPr>
+            <a:spLocks noGrp="1"/>
+          </p:cNvSpPr>
+          <p:nvPr>
+            <p:ph type="ftr" sz="quarter" idx="3"/>
+          </p:nvPr>
+        </p:nvSpPr>
+        <p:spPr/>
+        <p:txBody>
+          <a:bodyPr/>
+          <a:lstStyle/>
+          <a:p>
+            <a:r>
+              <a:rPr lang="en-US" dirty="0"/>
+              <a:t>Ames, Iowa: House Sale Prices prediction</a:t>
+            </a:r>
+          </a:p>
+        </p:txBody>
+      </p:sp>
+      <p:sp>
+        <p:nvSpPr>
+          <p:cNvPr id="6" name="Slide Number Placeholder 5">
+            <a:extLst>
+              <a:ext uri="{FF2B5EF4-FFF2-40B4-BE49-F238E27FC236}">
+                <a16:creationId xmlns:a16="http://schemas.microsoft.com/office/drawing/2014/main" id="{3237D437-388E-46F3-ACD0-31F86FEF4666}"/>
+              </a:ext>
+            </a:extLst>
+          </p:cNvPr>
+          <p:cNvSpPr>
+            <a:spLocks noGrp="1"/>
+          </p:cNvSpPr>
+          <p:nvPr>
+            <p:ph type="sldNum" sz="quarter" idx="4"/>
+          </p:nvPr>
+        </p:nvSpPr>
+        <p:spPr/>
+        <p:txBody>
+          <a:bodyPr/>
+          <a:lstStyle/>
+          <a:p>
+            <a:fld id="{294A09A9-5501-47C1-A89A-A340965A2BE2}" type="slidenum">
+              <a:rPr lang="en-US" smtClean="0"/>
+              <a:pPr/>
+              <a:t>17</a:t>
+            </a:fld>
+            <a:endParaRPr lang="en-US" dirty="0"/>
+          </a:p>
+        </p:txBody>
+      </p:sp>
+      <p:pic>
+        <p:nvPicPr>
+          <p:cNvPr id="8" name="Picture 7">
+            <a:extLst>
+              <a:ext uri="{FF2B5EF4-FFF2-40B4-BE49-F238E27FC236}">
+                <a16:creationId xmlns:a16="http://schemas.microsoft.com/office/drawing/2014/main" id="{4A9DE7C1-89E3-42CB-86DA-27D6700F4F3F}"/>
+              </a:ext>
+            </a:extLst>
+          </p:cNvPr>
+          <p:cNvPicPr>
+            <a:picLocks noChangeAspect="1"/>
+          </p:cNvPicPr>
+          <p:nvPr/>
+        </p:nvPicPr>
+        <p:blipFill>
+          <a:blip r:embed="rId2"/>
+          <a:stretch>
+            <a:fillRect/>
+          </a:stretch>
+        </p:blipFill>
+        <p:spPr>
+          <a:xfrm>
+            <a:off x="6960066" y="1121435"/>
+            <a:ext cx="3702167" cy="2484918"/>
+          </a:xfrm>
+          <a:prstGeom prst="rect">
+            <a:avLst/>
+          </a:prstGeom>
+        </p:spPr>
+      </p:pic>
+      <p:pic>
+        <p:nvPicPr>
+          <p:cNvPr id="10" name="Picture 9">
+            <a:extLst>
+              <a:ext uri="{FF2B5EF4-FFF2-40B4-BE49-F238E27FC236}">
+                <a16:creationId xmlns:a16="http://schemas.microsoft.com/office/drawing/2014/main" id="{0B7949BF-E6E7-4DAB-B7D2-CC806C93E86C}"/>
+              </a:ext>
+            </a:extLst>
+          </p:cNvPr>
+          <p:cNvPicPr>
+            <a:picLocks noChangeAspect="1"/>
+          </p:cNvPicPr>
+          <p:nvPr/>
+        </p:nvPicPr>
+        <p:blipFill>
+          <a:blip r:embed="rId3"/>
+          <a:stretch>
+            <a:fillRect/>
+          </a:stretch>
+        </p:blipFill>
+        <p:spPr>
+          <a:xfrm>
+            <a:off x="6936689" y="3871431"/>
+            <a:ext cx="3748923" cy="2484918"/>
+          </a:xfrm>
+          <a:prstGeom prst="rect">
+            <a:avLst/>
+          </a:prstGeom>
+        </p:spPr>
+      </p:pic>
+      <p:graphicFrame>
+        <p:nvGraphicFramePr>
+          <p:cNvPr id="11" name="Table 11">
+            <a:extLst>
+              <a:ext uri="{FF2B5EF4-FFF2-40B4-BE49-F238E27FC236}">
+                <a16:creationId xmlns:a16="http://schemas.microsoft.com/office/drawing/2014/main" id="{AC9C5A21-1EE9-48C9-874D-E0EF47D1F7A5}"/>
+              </a:ext>
+            </a:extLst>
+          </p:cNvPr>
+          <p:cNvGraphicFramePr>
+            <a:graphicFrameLocks noGrp="1"/>
+          </p:cNvGraphicFramePr>
+          <p:nvPr>
+            <p:extLst>
+              <p:ext uri="{D42A27DB-BD31-4B8C-83A1-F6EECF244321}">
+                <p14:modId xmlns:p14="http://schemas.microsoft.com/office/powerpoint/2010/main" val="2796122018"/>
+              </p:ext>
+            </p:extLst>
+          </p:nvPr>
+        </p:nvGraphicFramePr>
+        <p:xfrm>
+          <a:off x="1112808" y="4199490"/>
+          <a:ext cx="3993192" cy="1828800"/>
+        </p:xfrm>
+        <a:graphic>
+          <a:graphicData uri="http://schemas.openxmlformats.org/drawingml/2006/table">
+            <a:tbl>
+              <a:tblPr firstRow="1" bandRow="1">
+                <a:tableStyleId>{5C22544A-7EE6-4342-B048-85BDC9FD1C3A}</a:tableStyleId>
+              </a:tblPr>
+              <a:tblGrid>
+                <a:gridCol w="1996596">
+                  <a:extLst>
+                    <a:ext uri="{9D8B030D-6E8A-4147-A177-3AD203B41FA5}">
+                      <a16:colId xmlns:a16="http://schemas.microsoft.com/office/drawing/2014/main" val="2859343617"/>
+                    </a:ext>
+                  </a:extLst>
+                </a:gridCol>
+                <a:gridCol w="1996596">
+                  <a:extLst>
+                    <a:ext uri="{9D8B030D-6E8A-4147-A177-3AD203B41FA5}">
+                      <a16:colId xmlns:a16="http://schemas.microsoft.com/office/drawing/2014/main" val="507730639"/>
+                    </a:ext>
+                  </a:extLst>
+                </a:gridCol>
+              </a:tblGrid>
+              <a:tr h="327804">
+                <a:tc>
+                  <a:txBody>
+                    <a:bodyPr/>
+                    <a:lstStyle/>
+                    <a:p>
+                      <a:pPr algn="ctr"/>
+                      <a:r>
+                        <a:rPr lang="en-US" dirty="0"/>
+                        <a:t>Hyperparameter</a:t>
+                      </a:r>
+                    </a:p>
+                  </a:txBody>
+                  <a:tcPr/>
+                </a:tc>
+                <a:tc>
+                  <a:txBody>
+                    <a:bodyPr/>
+                    <a:lstStyle/>
+                    <a:p>
+                      <a:pPr algn="ctr"/>
+                      <a:r>
+                        <a:rPr lang="en-US" dirty="0"/>
+                        <a:t>Value</a:t>
+                      </a:r>
+                    </a:p>
+                  </a:txBody>
+                  <a:tcPr/>
+                </a:tc>
+                <a:extLst>
+                  <a:ext uri="{0D108BD9-81ED-4DB2-BD59-A6C34878D82A}">
+                    <a16:rowId xmlns:a16="http://schemas.microsoft.com/office/drawing/2014/main" val="2540243925"/>
+                  </a:ext>
+                </a:extLst>
+              </a:tr>
+              <a:tr h="327804">
+                <a:tc>
+                  <a:txBody>
+                    <a:bodyPr/>
+                    <a:lstStyle/>
+                    <a:p>
+                      <a:pPr algn="ctr"/>
+                      <a:r>
+                        <a:rPr lang="en-US" dirty="0"/>
+                        <a:t>C</a:t>
+                      </a:r>
+                    </a:p>
+                  </a:txBody>
+                  <a:tcPr/>
+                </a:tc>
+                <a:tc>
+                  <a:txBody>
+                    <a:bodyPr/>
+                    <a:lstStyle/>
+                    <a:p>
+                      <a:pPr algn="ctr"/>
+                      <a:r>
+                        <a:rPr lang="en-US" dirty="0"/>
+                        <a:t>5</a:t>
+                      </a:r>
+                    </a:p>
+                  </a:txBody>
+                  <a:tcPr/>
+                </a:tc>
+                <a:extLst>
+                  <a:ext uri="{0D108BD9-81ED-4DB2-BD59-A6C34878D82A}">
+                    <a16:rowId xmlns:a16="http://schemas.microsoft.com/office/drawing/2014/main" val="2355025531"/>
+                  </a:ext>
+                </a:extLst>
+              </a:tr>
+              <a:tr h="327804">
+                <a:tc>
+                  <a:txBody>
+                    <a:bodyPr/>
+                    <a:lstStyle/>
+                    <a:p>
+                      <a:pPr algn="ctr"/>
+                      <a:r>
+                        <a:rPr lang="en-US" dirty="0"/>
+                        <a:t>epsilon</a:t>
+                      </a:r>
+                    </a:p>
+                  </a:txBody>
+                  <a:tcPr/>
+                </a:tc>
+                <a:tc>
+                  <a:txBody>
+                    <a:bodyPr/>
+                    <a:lstStyle/>
+                    <a:p>
+                      <a:pPr algn="ctr"/>
+                      <a:r>
+                        <a:rPr lang="en-US" dirty="0"/>
+                        <a:t>0.01</a:t>
+                      </a:r>
+                    </a:p>
+                  </a:txBody>
+                  <a:tcPr/>
+                </a:tc>
+                <a:extLst>
+                  <a:ext uri="{0D108BD9-81ED-4DB2-BD59-A6C34878D82A}">
+                    <a16:rowId xmlns:a16="http://schemas.microsoft.com/office/drawing/2014/main" val="3836607102"/>
+                  </a:ext>
+                </a:extLst>
+              </a:tr>
+              <a:tr h="327804">
+                <a:tc>
+                  <a:txBody>
+                    <a:bodyPr/>
+                    <a:lstStyle/>
+                    <a:p>
+                      <a:pPr algn="ctr"/>
+                      <a:r>
+                        <a:rPr lang="en-US" dirty="0"/>
+                        <a:t>gamma</a:t>
+                      </a:r>
+                    </a:p>
+                  </a:txBody>
+                  <a:tcPr/>
+                </a:tc>
+                <a:tc>
+                  <a:txBody>
+                    <a:bodyPr/>
+                    <a:lstStyle/>
+                    <a:p>
+                      <a:pPr algn="ctr"/>
+                      <a:r>
+                        <a:rPr lang="en-US" dirty="0"/>
+                        <a:t>0.001</a:t>
+                      </a:r>
+                    </a:p>
+                  </a:txBody>
+                  <a:tcPr/>
+                </a:tc>
+                <a:extLst>
+                  <a:ext uri="{0D108BD9-81ED-4DB2-BD59-A6C34878D82A}">
+                    <a16:rowId xmlns:a16="http://schemas.microsoft.com/office/drawing/2014/main" val="4109279177"/>
+                  </a:ext>
+                </a:extLst>
+              </a:tr>
+              <a:tr h="327804">
+                <a:tc>
+                  <a:txBody>
+                    <a:bodyPr/>
+                    <a:lstStyle/>
+                    <a:p>
+                      <a:pPr algn="ctr"/>
+                      <a:r>
+                        <a:rPr lang="en-US" dirty="0"/>
+                        <a:t>kernel</a:t>
+                      </a:r>
+                    </a:p>
+                  </a:txBody>
+                  <a:tcPr/>
+                </a:tc>
+                <a:tc>
+                  <a:txBody>
+                    <a:bodyPr/>
+                    <a:lstStyle/>
+                    <a:p>
+                      <a:pPr algn="ctr"/>
+                      <a:r>
+                        <a:rPr lang="en-US" dirty="0" err="1"/>
+                        <a:t>rbf</a:t>
+                      </a:r>
+                      <a:endParaRPr lang="en-US" dirty="0"/>
+                    </a:p>
+                  </a:txBody>
+                  <a:tcPr/>
+                </a:tc>
+                <a:extLst>
+                  <a:ext uri="{0D108BD9-81ED-4DB2-BD59-A6C34878D82A}">
+                    <a16:rowId xmlns:a16="http://schemas.microsoft.com/office/drawing/2014/main" val="3392896669"/>
+                  </a:ext>
+                </a:extLst>
+              </a:tr>
+            </a:tbl>
+          </a:graphicData>
+        </a:graphic>
+      </p:graphicFrame>
+    </p:spTree>
+    <p:extLst>
+      <p:ext uri="{BB962C8B-B14F-4D97-AF65-F5344CB8AC3E}">
+        <p14:creationId xmlns:p14="http://schemas.microsoft.com/office/powerpoint/2010/main" val="3764737016"/>
+      </p:ext>
+    </p:extLst>
+  </p:cSld>
+  <p:clrMapOvr>
+    <a:masterClrMapping/>
+  </p:clrMapOvr>
+</p:sld>
+</file>
+
+<file path=ppt/slides/slide18.xml><?xml version="1.0" encoding="utf-8"?>
+<p:sld xmlns:a="http://schemas.openxmlformats.org/drawingml/2006/main" xmlns:r="http://schemas.openxmlformats.org/officeDocument/2006/relationships" xmlns:p="http://schemas.openxmlformats.org/presentationml/2006/main">
+  <p:cSld>
+    <p:spTree>
+      <p:nvGrpSpPr>
+        <p:cNvPr id="1" name=""/>
+        <p:cNvGrpSpPr/>
+        <p:nvPr/>
+      </p:nvGrpSpPr>
+      <p:grpSpPr>
+        <a:xfrm>
+          <a:off x="0" y="0"/>
+          <a:ext cx="0" cy="0"/>
+          <a:chOff x="0" y="0"/>
+          <a:chExt cx="0" cy="0"/>
+        </a:xfrm>
+      </p:grpSpPr>
+      <p:sp>
+        <p:nvSpPr>
+          <p:cNvPr id="2" name="Title 1">
+            <a:extLst>
+              <a:ext uri="{FF2B5EF4-FFF2-40B4-BE49-F238E27FC236}">
+                <a16:creationId xmlns:a16="http://schemas.microsoft.com/office/drawing/2014/main" id="{03F10BCA-8F92-4471-8AA9-87F330AC0122}"/>
+              </a:ext>
+            </a:extLst>
+          </p:cNvPr>
+          <p:cNvSpPr>
+            <a:spLocks noGrp="1"/>
+          </p:cNvSpPr>
+          <p:nvPr>
+            <p:ph type="title"/>
+          </p:nvPr>
+        </p:nvSpPr>
+        <p:spPr>
+          <a:xfrm>
+            <a:off x="381000" y="618286"/>
+            <a:ext cx="10565676" cy="602411"/>
+          </a:xfrm>
+        </p:spPr>
+        <p:txBody>
+          <a:bodyPr/>
+          <a:lstStyle/>
+          <a:p>
+            <a:r>
+              <a:rPr lang="en-US" sz="3600" dirty="0"/>
+              <a:t>Support Vector Regression Model:</a:t>
+            </a:r>
+          </a:p>
+        </p:txBody>
+      </p:sp>
+      <p:pic>
+        <p:nvPicPr>
+          <p:cNvPr id="8" name="Content Placeholder 7">
+            <a:extLst>
+              <a:ext uri="{FF2B5EF4-FFF2-40B4-BE49-F238E27FC236}">
+                <a16:creationId xmlns:a16="http://schemas.microsoft.com/office/drawing/2014/main" id="{C0FD8524-FE50-4C1B-8E2D-D5215A5EBFEE}"/>
+              </a:ext>
+            </a:extLst>
+          </p:cNvPr>
+          <p:cNvPicPr>
+            <a:picLocks noGrp="1" noChangeAspect="1"/>
+          </p:cNvPicPr>
+          <p:nvPr>
+            <p:ph idx="1"/>
+          </p:nvPr>
+        </p:nvPicPr>
+        <p:blipFill>
+          <a:blip r:embed="rId2"/>
+          <a:stretch>
+            <a:fillRect/>
+          </a:stretch>
+        </p:blipFill>
+        <p:spPr>
+          <a:xfrm>
+            <a:off x="515061" y="1706132"/>
+            <a:ext cx="6135905" cy="3866531"/>
+          </a:xfrm>
+        </p:spPr>
+      </p:pic>
+      <p:sp>
+        <p:nvSpPr>
+          <p:cNvPr id="4" name="Date Placeholder 3">
+            <a:extLst>
+              <a:ext uri="{FF2B5EF4-FFF2-40B4-BE49-F238E27FC236}">
+                <a16:creationId xmlns:a16="http://schemas.microsoft.com/office/drawing/2014/main" id="{E25DA4D6-02F1-44F9-AF05-A47CCD5A2816}"/>
+              </a:ext>
+            </a:extLst>
+          </p:cNvPr>
+          <p:cNvSpPr>
+            <a:spLocks noGrp="1"/>
+          </p:cNvSpPr>
+          <p:nvPr>
+            <p:ph type="dt" sz="half" idx="2"/>
+          </p:nvPr>
+        </p:nvSpPr>
+        <p:spPr/>
+        <p:txBody>
+          <a:bodyPr/>
+          <a:lstStyle/>
+          <a:p>
+            <a:r>
+              <a:rPr lang="en-US" dirty="0"/>
+              <a:t>4/8/2022</a:t>
+            </a:r>
+          </a:p>
+        </p:txBody>
+      </p:sp>
+      <p:sp>
+        <p:nvSpPr>
+          <p:cNvPr id="5" name="Footer Placeholder 4">
+            <a:extLst>
+              <a:ext uri="{FF2B5EF4-FFF2-40B4-BE49-F238E27FC236}">
+                <a16:creationId xmlns:a16="http://schemas.microsoft.com/office/drawing/2014/main" id="{C812C7D4-6D3B-4AD5-8F21-CFB6F7ABC986}"/>
+              </a:ext>
+            </a:extLst>
+          </p:cNvPr>
+          <p:cNvSpPr>
+            <a:spLocks noGrp="1"/>
+          </p:cNvSpPr>
+          <p:nvPr>
+            <p:ph type="ftr" sz="quarter" idx="3"/>
+          </p:nvPr>
+        </p:nvSpPr>
+        <p:spPr/>
+        <p:txBody>
+          <a:bodyPr/>
+          <a:lstStyle/>
+          <a:p>
+            <a:r>
+              <a:rPr lang="en-US" dirty="0"/>
+              <a:t>Ames, Iowa: House Sale Prices prediction</a:t>
+            </a:r>
+          </a:p>
+        </p:txBody>
+      </p:sp>
+      <p:sp>
+        <p:nvSpPr>
+          <p:cNvPr id="6" name="Slide Number Placeholder 5">
+            <a:extLst>
+              <a:ext uri="{FF2B5EF4-FFF2-40B4-BE49-F238E27FC236}">
+                <a16:creationId xmlns:a16="http://schemas.microsoft.com/office/drawing/2014/main" id="{AE59385E-EB4F-4621-8A88-DD2C8787A5D9}"/>
+              </a:ext>
+            </a:extLst>
+          </p:cNvPr>
+          <p:cNvSpPr>
+            <a:spLocks noGrp="1"/>
+          </p:cNvSpPr>
+          <p:nvPr>
+            <p:ph type="sldNum" sz="quarter" idx="4"/>
+          </p:nvPr>
+        </p:nvSpPr>
+        <p:spPr/>
+        <p:txBody>
+          <a:bodyPr/>
+          <a:lstStyle/>
+          <a:p>
+            <a:fld id="{294A09A9-5501-47C1-A89A-A340965A2BE2}" type="slidenum">
+              <a:rPr lang="en-US" smtClean="0"/>
+              <a:pPr/>
+              <a:t>18</a:t>
+            </a:fld>
+            <a:endParaRPr lang="en-US" dirty="0"/>
+          </a:p>
+        </p:txBody>
+      </p:sp>
+      <p:pic>
+        <p:nvPicPr>
+          <p:cNvPr id="10" name="Picture 9">
+            <a:extLst>
+              <a:ext uri="{FF2B5EF4-FFF2-40B4-BE49-F238E27FC236}">
+                <a16:creationId xmlns:a16="http://schemas.microsoft.com/office/drawing/2014/main" id="{05D59763-9861-4F7E-84D4-94E119690094}"/>
+              </a:ext>
+            </a:extLst>
+          </p:cNvPr>
+          <p:cNvPicPr>
+            <a:picLocks noChangeAspect="1"/>
+          </p:cNvPicPr>
+          <p:nvPr/>
+        </p:nvPicPr>
+        <p:blipFill>
+          <a:blip r:embed="rId3"/>
+          <a:stretch>
+            <a:fillRect/>
+          </a:stretch>
+        </p:blipFill>
+        <p:spPr>
+          <a:xfrm>
+            <a:off x="6893354" y="1706133"/>
+            <a:ext cx="4200216" cy="3866529"/>
+          </a:xfrm>
+          <a:prstGeom prst="rect">
+            <a:avLst/>
+          </a:prstGeom>
+        </p:spPr>
+      </p:pic>
+    </p:spTree>
+    <p:extLst>
+      <p:ext uri="{BB962C8B-B14F-4D97-AF65-F5344CB8AC3E}">
+        <p14:creationId xmlns:p14="http://schemas.microsoft.com/office/powerpoint/2010/main" val="2515463313"/>
+      </p:ext>
+    </p:extLst>
+  </p:cSld>
+  <p:clrMapOvr>
+    <a:masterClrMapping/>
+  </p:clrMapOvr>
+</p:sld>
+</file>
+
+<file path=ppt/slides/slide19.xml><?xml version="1.0" encoding="utf-8"?>
+<p:sld xmlns:a="http://schemas.openxmlformats.org/drawingml/2006/main" xmlns:r="http://schemas.openxmlformats.org/officeDocument/2006/relationships" xmlns:p="http://schemas.openxmlformats.org/presentationml/2006/main">
+  <p:cSld>
+    <p:spTree>
+      <p:nvGrpSpPr>
+        <p:cNvPr id="1" name=""/>
+        <p:cNvGrpSpPr/>
+        <p:nvPr/>
+      </p:nvGrpSpPr>
+      <p:grpSpPr>
+        <a:xfrm>
+          <a:off x="0" y="0"/>
+          <a:ext cx="0" cy="0"/>
+          <a:chOff x="0" y="0"/>
+          <a:chExt cx="0" cy="0"/>
+        </a:xfrm>
+      </p:grpSpPr>
+      <p:sp>
+        <p:nvSpPr>
+          <p:cNvPr id="2" name="Title 1">
+            <a:extLst>
+              <a:ext uri="{FF2B5EF4-FFF2-40B4-BE49-F238E27FC236}">
+                <a16:creationId xmlns:a16="http://schemas.microsoft.com/office/drawing/2014/main" id="{DFE95D3A-5407-44BA-B0BC-91F8481AC9F0}"/>
+              </a:ext>
+            </a:extLst>
+          </p:cNvPr>
+          <p:cNvSpPr>
+            <a:spLocks noGrp="1"/>
+          </p:cNvSpPr>
+          <p:nvPr>
+            <p:ph type="title"/>
+          </p:nvPr>
+        </p:nvSpPr>
+        <p:spPr>
+          <a:xfrm>
+            <a:off x="638355" y="629727"/>
+            <a:ext cx="10144419" cy="517586"/>
+          </a:xfrm>
+        </p:spPr>
+        <p:txBody>
+          <a:bodyPr/>
+          <a:lstStyle/>
+          <a:p>
+            <a:r>
+              <a:rPr lang="en-US" sz="3600" dirty="0"/>
+              <a:t>Tree-based models:</a:t>
+            </a:r>
+          </a:p>
+        </p:txBody>
+      </p:sp>
+      <p:sp>
+        <p:nvSpPr>
+          <p:cNvPr id="3" name="Content Placeholder 2">
+            <a:extLst>
+              <a:ext uri="{FF2B5EF4-FFF2-40B4-BE49-F238E27FC236}">
+                <a16:creationId xmlns:a16="http://schemas.microsoft.com/office/drawing/2014/main" id="{3367729B-182E-43CF-A422-696826D2B6AB}"/>
+              </a:ext>
+            </a:extLst>
+          </p:cNvPr>
+          <p:cNvSpPr>
+            <a:spLocks noGrp="1"/>
+          </p:cNvSpPr>
+          <p:nvPr>
+            <p:ph idx="1"/>
+          </p:nvPr>
+        </p:nvSpPr>
+        <p:spPr>
+          <a:xfrm>
+            <a:off x="698740" y="1147313"/>
+            <a:ext cx="5397260" cy="5209037"/>
+          </a:xfrm>
+        </p:spPr>
+        <p:txBody>
+          <a:bodyPr/>
+          <a:lstStyle/>
+          <a:p>
+            <a:pPr marL="285750" indent="-285750">
+              <a:lnSpc>
+                <a:spcPct val="100000"/>
+              </a:lnSpc>
+              <a:buFont typeface="Wingdings" panose="05000000000000000000" pitchFamily="2" charset="2"/>
+              <a:buChar char="q"/>
+            </a:pPr>
+            <a:r>
+              <a:rPr lang="en-US" sz="1400" dirty="0"/>
+              <a:t>Models attempted:</a:t>
+            </a:r>
+          </a:p>
+          <a:p>
+            <a:pPr marL="742950" lvl="1" indent="-285750">
+              <a:lnSpc>
+                <a:spcPct val="100000"/>
+              </a:lnSpc>
+              <a:buFont typeface="Wingdings" panose="05000000000000000000" pitchFamily="2" charset="2"/>
+              <a:buChar char="v"/>
+            </a:pPr>
+            <a:r>
+              <a:rPr lang="en-US" sz="1400" dirty="0"/>
+              <a:t>Random Forest and </a:t>
+            </a:r>
+            <a:r>
+              <a:rPr lang="en-US" sz="1400" dirty="0" err="1"/>
+              <a:t>XGBoost</a:t>
+            </a:r>
+            <a:endParaRPr lang="en-US" sz="1400" dirty="0"/>
+          </a:p>
+          <a:p>
+            <a:pPr marL="342900" indent="-342900">
+              <a:lnSpc>
+                <a:spcPct val="100000"/>
+              </a:lnSpc>
+              <a:buFont typeface="Wingdings" panose="05000000000000000000" pitchFamily="2" charset="2"/>
+              <a:buChar char="q"/>
+            </a:pPr>
+            <a:r>
+              <a:rPr lang="en-US" sz="1400" dirty="0"/>
+              <a:t>For all the above-mentioned models, numerical features were standardized, and categorical variables were label-encoded only.</a:t>
+            </a:r>
+          </a:p>
+          <a:p>
+            <a:pPr marL="342900" indent="-342900">
+              <a:lnSpc>
+                <a:spcPct val="100000"/>
+              </a:lnSpc>
+              <a:buFont typeface="Wingdings" panose="05000000000000000000" pitchFamily="2" charset="2"/>
+              <a:buChar char="q"/>
+            </a:pPr>
+            <a:r>
+              <a:rPr lang="en-US" sz="1400" dirty="0"/>
+              <a:t>Features with high multicollinearity were not dropped.</a:t>
+            </a:r>
+          </a:p>
+          <a:p>
+            <a:pPr marL="342900" indent="-342900">
+              <a:lnSpc>
+                <a:spcPct val="100000"/>
+              </a:lnSpc>
+              <a:buFont typeface="Wingdings" panose="05000000000000000000" pitchFamily="2" charset="2"/>
+              <a:buChar char="q"/>
+            </a:pPr>
+            <a:r>
+              <a:rPr lang="en-US" sz="1400" dirty="0"/>
+              <a:t>Both models used log-transformed dependent and independent variables.</a:t>
+            </a:r>
+          </a:p>
+          <a:p>
+            <a:pPr marL="342900" indent="-342900">
+              <a:lnSpc>
+                <a:spcPct val="100000"/>
+              </a:lnSpc>
+              <a:buFont typeface="Wingdings" panose="05000000000000000000" pitchFamily="2" charset="2"/>
+              <a:buChar char="q"/>
+            </a:pPr>
+            <a:r>
+              <a:rPr lang="en-US" sz="1400" dirty="0"/>
+              <a:t>Models were trained/evaluated on a 70:30 train-test split. </a:t>
+            </a:r>
+          </a:p>
+          <a:p>
+            <a:pPr marL="342900" indent="-342900">
+              <a:lnSpc>
+                <a:spcPct val="100000"/>
+              </a:lnSpc>
+              <a:buFont typeface="Wingdings" panose="05000000000000000000" pitchFamily="2" charset="2"/>
+              <a:buChar char="q"/>
+            </a:pPr>
+            <a:r>
+              <a:rPr lang="en-US" sz="1400" dirty="0"/>
+              <a:t>For the Random Forest model, features </a:t>
+            </a:r>
+            <a:r>
+              <a:rPr lang="en-US" sz="1400" dirty="0" err="1"/>
+              <a:t>importances</a:t>
+            </a:r>
+            <a:r>
+              <a:rPr lang="en-US" sz="1400" dirty="0"/>
+              <a:t> are shown to the right and chosen hyperparameters (mostly by </a:t>
+            </a:r>
+            <a:r>
+              <a:rPr lang="en-US" sz="1400" dirty="0" err="1"/>
+              <a:t>GridSearchCV</a:t>
+            </a:r>
+            <a:r>
+              <a:rPr lang="en-US" sz="1400" dirty="0"/>
+              <a:t>) are listed below.</a:t>
+            </a:r>
+          </a:p>
+          <a:p>
+            <a:pPr marL="342900" indent="-342900">
+              <a:buFont typeface="Wingdings" panose="05000000000000000000" pitchFamily="2" charset="2"/>
+              <a:buChar char="q"/>
+            </a:pPr>
+            <a:endParaRPr lang="en-US" sz="1600" dirty="0"/>
+          </a:p>
+          <a:p>
+            <a:pPr marL="342900" indent="-342900">
+              <a:buFont typeface="Wingdings" panose="05000000000000000000" pitchFamily="2" charset="2"/>
+              <a:buChar char="q"/>
+            </a:pPr>
+            <a:endParaRPr lang="en-US" sz="2000" dirty="0"/>
+          </a:p>
+          <a:p>
+            <a:pPr marL="742950" lvl="1" indent="-285750">
+              <a:buFont typeface="Wingdings" panose="05000000000000000000" pitchFamily="2" charset="2"/>
+              <a:buChar char="q"/>
+            </a:pPr>
+            <a:endParaRPr lang="en-US" sz="1200" dirty="0"/>
+          </a:p>
+          <a:p>
+            <a:endParaRPr lang="en-US" sz="1600" dirty="0"/>
+          </a:p>
+        </p:txBody>
+      </p:sp>
+      <p:sp>
+        <p:nvSpPr>
+          <p:cNvPr id="4" name="Date Placeholder 3">
+            <a:extLst>
+              <a:ext uri="{FF2B5EF4-FFF2-40B4-BE49-F238E27FC236}">
+                <a16:creationId xmlns:a16="http://schemas.microsoft.com/office/drawing/2014/main" id="{65CDEB21-7217-4D74-A71C-3053D874FA11}"/>
+              </a:ext>
+            </a:extLst>
+          </p:cNvPr>
+          <p:cNvSpPr>
+            <a:spLocks noGrp="1"/>
+          </p:cNvSpPr>
+          <p:nvPr>
+            <p:ph type="dt" sz="half" idx="2"/>
+          </p:nvPr>
+        </p:nvSpPr>
+        <p:spPr/>
+        <p:txBody>
+          <a:bodyPr/>
+          <a:lstStyle/>
+          <a:p>
+            <a:r>
+              <a:rPr lang="en-US" dirty="0"/>
+              <a:t>4/8/2022</a:t>
+            </a:r>
+          </a:p>
+        </p:txBody>
+      </p:sp>
+      <p:sp>
+        <p:nvSpPr>
+          <p:cNvPr id="5" name="Footer Placeholder 4">
+            <a:extLst>
+              <a:ext uri="{FF2B5EF4-FFF2-40B4-BE49-F238E27FC236}">
+                <a16:creationId xmlns:a16="http://schemas.microsoft.com/office/drawing/2014/main" id="{75829CA0-F32A-4092-81D5-340F5905B98A}"/>
+              </a:ext>
+            </a:extLst>
+          </p:cNvPr>
+          <p:cNvSpPr>
+            <a:spLocks noGrp="1"/>
+          </p:cNvSpPr>
+          <p:nvPr>
+            <p:ph type="ftr" sz="quarter" idx="3"/>
+          </p:nvPr>
+        </p:nvSpPr>
+        <p:spPr/>
+        <p:txBody>
+          <a:bodyPr/>
+          <a:lstStyle/>
+          <a:p>
+            <a:r>
+              <a:rPr lang="en-US" dirty="0"/>
+              <a:t>Ames, Iowa: House Sale Prices prediction</a:t>
+            </a:r>
+          </a:p>
+        </p:txBody>
+      </p:sp>
+      <p:sp>
+        <p:nvSpPr>
+          <p:cNvPr id="6" name="Slide Number Placeholder 5">
+            <a:extLst>
+              <a:ext uri="{FF2B5EF4-FFF2-40B4-BE49-F238E27FC236}">
+                <a16:creationId xmlns:a16="http://schemas.microsoft.com/office/drawing/2014/main" id="{7569C2DD-132A-412E-B34A-7805074FB5A9}"/>
+              </a:ext>
+            </a:extLst>
+          </p:cNvPr>
+          <p:cNvSpPr>
+            <a:spLocks noGrp="1"/>
+          </p:cNvSpPr>
+          <p:nvPr>
+            <p:ph type="sldNum" sz="quarter" idx="4"/>
+          </p:nvPr>
+        </p:nvSpPr>
+        <p:spPr/>
+        <p:txBody>
+          <a:bodyPr/>
+          <a:lstStyle/>
+          <a:p>
+            <a:fld id="{294A09A9-5501-47C1-A89A-A340965A2BE2}" type="slidenum">
+              <a:rPr lang="en-US" smtClean="0"/>
+              <a:pPr/>
+              <a:t>19</a:t>
+            </a:fld>
+            <a:endParaRPr lang="en-US" dirty="0"/>
+          </a:p>
+        </p:txBody>
+      </p:sp>
+      <p:graphicFrame>
+        <p:nvGraphicFramePr>
+          <p:cNvPr id="10" name="Table 10">
+            <a:extLst>
+              <a:ext uri="{FF2B5EF4-FFF2-40B4-BE49-F238E27FC236}">
+                <a16:creationId xmlns:a16="http://schemas.microsoft.com/office/drawing/2014/main" id="{EE93A643-7EA0-4AAE-A020-54953E5F4055}"/>
+              </a:ext>
+            </a:extLst>
+          </p:cNvPr>
+          <p:cNvGraphicFramePr>
+            <a:graphicFrameLocks noGrp="1"/>
+          </p:cNvGraphicFramePr>
+          <p:nvPr>
+            <p:extLst>
+              <p:ext uri="{D42A27DB-BD31-4B8C-83A1-F6EECF244321}">
+                <p14:modId xmlns:p14="http://schemas.microsoft.com/office/powerpoint/2010/main" val="2594958846"/>
+              </p:ext>
+            </p:extLst>
+          </p:nvPr>
+        </p:nvGraphicFramePr>
+        <p:xfrm>
+          <a:off x="1095555" y="4704273"/>
+          <a:ext cx="4580626" cy="1524000"/>
+        </p:xfrm>
+        <a:graphic>
+          <a:graphicData uri="http://schemas.openxmlformats.org/drawingml/2006/table">
+            <a:tbl>
+              <a:tblPr firstRow="1" bandRow="1">
+                <a:tableStyleId>{5C22544A-7EE6-4342-B048-85BDC9FD1C3A}</a:tableStyleId>
+              </a:tblPr>
+              <a:tblGrid>
+                <a:gridCol w="2290313">
+                  <a:extLst>
+                    <a:ext uri="{9D8B030D-6E8A-4147-A177-3AD203B41FA5}">
+                      <a16:colId xmlns:a16="http://schemas.microsoft.com/office/drawing/2014/main" val="1288138838"/>
+                    </a:ext>
+                  </a:extLst>
+                </a:gridCol>
+                <a:gridCol w="2290313">
+                  <a:extLst>
+                    <a:ext uri="{9D8B030D-6E8A-4147-A177-3AD203B41FA5}">
+                      <a16:colId xmlns:a16="http://schemas.microsoft.com/office/drawing/2014/main" val="1714804460"/>
+                    </a:ext>
+                  </a:extLst>
+                </a:gridCol>
+              </a:tblGrid>
+              <a:tr h="300926">
+                <a:tc>
+                  <a:txBody>
+                    <a:bodyPr/>
+                    <a:lstStyle/>
+                    <a:p>
+                      <a:pPr algn="ctr"/>
+                      <a:r>
+                        <a:rPr lang="en-US" sz="1400" dirty="0"/>
+                        <a:t>Hyperparameter</a:t>
+                      </a:r>
+                    </a:p>
+                  </a:txBody>
+                  <a:tcPr/>
+                </a:tc>
+                <a:tc>
+                  <a:txBody>
+                    <a:bodyPr/>
+                    <a:lstStyle/>
+                    <a:p>
+                      <a:pPr algn="ctr"/>
+                      <a:r>
+                        <a:rPr lang="en-US" sz="1400" dirty="0"/>
+                        <a:t>Value</a:t>
+                      </a:r>
+                    </a:p>
+                  </a:txBody>
+                  <a:tcPr/>
+                </a:tc>
+                <a:extLst>
+                  <a:ext uri="{0D108BD9-81ED-4DB2-BD59-A6C34878D82A}">
+                    <a16:rowId xmlns:a16="http://schemas.microsoft.com/office/drawing/2014/main" val="525359722"/>
+                  </a:ext>
+                </a:extLst>
+              </a:tr>
+              <a:tr h="300926">
+                <a:tc>
+                  <a:txBody>
+                    <a:bodyPr/>
+                    <a:lstStyle/>
+                    <a:p>
+                      <a:pPr algn="ctr"/>
+                      <a:r>
+                        <a:rPr lang="en-US" sz="1400" dirty="0" err="1"/>
+                        <a:t>max_depth</a:t>
+                      </a:r>
+                      <a:endParaRPr lang="en-US" sz="1400" dirty="0"/>
+                    </a:p>
+                  </a:txBody>
+                  <a:tcPr/>
+                </a:tc>
+                <a:tc>
+                  <a:txBody>
+                    <a:bodyPr/>
+                    <a:lstStyle/>
+                    <a:p>
+                      <a:pPr algn="ctr"/>
+                      <a:r>
+                        <a:rPr lang="en-US" sz="1400" dirty="0"/>
+                        <a:t>16 (CV choose 7)</a:t>
+                      </a:r>
+                    </a:p>
+                  </a:txBody>
+                  <a:tcPr/>
+                </a:tc>
+                <a:extLst>
+                  <a:ext uri="{0D108BD9-81ED-4DB2-BD59-A6C34878D82A}">
+                    <a16:rowId xmlns:a16="http://schemas.microsoft.com/office/drawing/2014/main" val="1351628343"/>
+                  </a:ext>
+                </a:extLst>
+              </a:tr>
+              <a:tr h="300926">
+                <a:tc>
+                  <a:txBody>
+                    <a:bodyPr/>
+                    <a:lstStyle/>
+                    <a:p>
+                      <a:pPr algn="ctr"/>
+                      <a:r>
+                        <a:rPr lang="en-US" sz="1400" dirty="0" err="1"/>
+                        <a:t>min_samples_leaf</a:t>
+                      </a:r>
+                      <a:endParaRPr lang="en-US" sz="1400" dirty="0"/>
+                    </a:p>
+                  </a:txBody>
+                  <a:tcPr/>
+                </a:tc>
+                <a:tc>
+                  <a:txBody>
+                    <a:bodyPr/>
+                    <a:lstStyle/>
+                    <a:p>
+                      <a:pPr algn="ctr"/>
+                      <a:r>
+                        <a:rPr lang="en-US" sz="1400" dirty="0"/>
+                        <a:t>2</a:t>
+                      </a:r>
+                    </a:p>
+                  </a:txBody>
+                  <a:tcPr/>
+                </a:tc>
+                <a:extLst>
+                  <a:ext uri="{0D108BD9-81ED-4DB2-BD59-A6C34878D82A}">
+                    <a16:rowId xmlns:a16="http://schemas.microsoft.com/office/drawing/2014/main" val="2518734266"/>
+                  </a:ext>
+                </a:extLst>
+              </a:tr>
+              <a:tr h="300926">
+                <a:tc>
+                  <a:txBody>
+                    <a:bodyPr/>
+                    <a:lstStyle/>
+                    <a:p>
+                      <a:pPr algn="ctr"/>
+                      <a:r>
+                        <a:rPr lang="en-US" sz="1400" dirty="0" err="1"/>
+                        <a:t>min_samples_split</a:t>
+                      </a:r>
+                      <a:endParaRPr lang="en-US" sz="1400" dirty="0"/>
+                    </a:p>
+                  </a:txBody>
+                  <a:tcPr/>
+                </a:tc>
+                <a:tc>
+                  <a:txBody>
+                    <a:bodyPr/>
+                    <a:lstStyle/>
+                    <a:p>
+                      <a:pPr algn="ctr"/>
+                      <a:r>
+                        <a:rPr lang="en-US" sz="1400" dirty="0"/>
+                        <a:t>2</a:t>
+                      </a:r>
+                    </a:p>
+                  </a:txBody>
+                  <a:tcPr/>
+                </a:tc>
+                <a:extLst>
+                  <a:ext uri="{0D108BD9-81ED-4DB2-BD59-A6C34878D82A}">
+                    <a16:rowId xmlns:a16="http://schemas.microsoft.com/office/drawing/2014/main" val="2789273247"/>
+                  </a:ext>
+                </a:extLst>
+              </a:tr>
+              <a:tr h="300926">
+                <a:tc>
+                  <a:txBody>
+                    <a:bodyPr/>
+                    <a:lstStyle/>
+                    <a:p>
+                      <a:pPr algn="ctr"/>
+                      <a:r>
+                        <a:rPr lang="en-US" sz="1400" dirty="0" err="1"/>
+                        <a:t>n_estimators</a:t>
+                      </a:r>
+                      <a:endParaRPr lang="en-US" sz="1400" dirty="0"/>
+                    </a:p>
+                  </a:txBody>
+                  <a:tcPr/>
+                </a:tc>
+                <a:tc>
+                  <a:txBody>
+                    <a:bodyPr/>
+                    <a:lstStyle/>
+                    <a:p>
+                      <a:pPr algn="ctr"/>
+                      <a:r>
+                        <a:rPr lang="en-US" sz="1400" dirty="0"/>
+                        <a:t>150</a:t>
+                      </a:r>
+                    </a:p>
+                  </a:txBody>
+                  <a:tcPr/>
+                </a:tc>
+                <a:extLst>
+                  <a:ext uri="{0D108BD9-81ED-4DB2-BD59-A6C34878D82A}">
+                    <a16:rowId xmlns:a16="http://schemas.microsoft.com/office/drawing/2014/main" val="2493054061"/>
+                  </a:ext>
+                </a:extLst>
+              </a:tr>
+            </a:tbl>
+          </a:graphicData>
+        </a:graphic>
+      </p:graphicFrame>
+      <p:pic>
+        <p:nvPicPr>
+          <p:cNvPr id="12" name="Picture 11">
+            <a:extLst>
+              <a:ext uri="{FF2B5EF4-FFF2-40B4-BE49-F238E27FC236}">
+                <a16:creationId xmlns:a16="http://schemas.microsoft.com/office/drawing/2014/main" id="{071C739A-1839-4E7B-8EE8-27F59C18464E}"/>
+              </a:ext>
+            </a:extLst>
+          </p:cNvPr>
+          <p:cNvPicPr>
+            <a:picLocks noChangeAspect="1"/>
+          </p:cNvPicPr>
+          <p:nvPr/>
+        </p:nvPicPr>
+        <p:blipFill>
+          <a:blip r:embed="rId2"/>
+          <a:stretch>
+            <a:fillRect/>
+          </a:stretch>
+        </p:blipFill>
+        <p:spPr>
+          <a:xfrm>
+            <a:off x="6096000" y="1714365"/>
+            <a:ext cx="5537811" cy="3518571"/>
+          </a:xfrm>
+          <a:prstGeom prst="rect">
+            <a:avLst/>
+          </a:prstGeom>
+        </p:spPr>
+      </p:pic>
+    </p:spTree>
+    <p:extLst>
+      <p:ext uri="{BB962C8B-B14F-4D97-AF65-F5344CB8AC3E}">
+        <p14:creationId xmlns:p14="http://schemas.microsoft.com/office/powerpoint/2010/main" val="3868717311"/>
       </p:ext>
     </p:extLst>
   </p:cSld>
@@ -13729,6 +17603,3171 @@
     <p:extLst>
       <p:ext uri="{BB962C8B-B14F-4D97-AF65-F5344CB8AC3E}">
         <p14:creationId xmlns:p14="http://schemas.microsoft.com/office/powerpoint/2010/main" val="1325608595"/>
+      </p:ext>
+    </p:extLst>
+  </p:cSld>
+  <p:clrMapOvr>
+    <a:masterClrMapping/>
+  </p:clrMapOvr>
+</p:sld>
+</file>
+
+<file path=ppt/slides/slide20.xml><?xml version="1.0" encoding="utf-8"?>
+<p:sld xmlns:a="http://schemas.openxmlformats.org/drawingml/2006/main" xmlns:r="http://schemas.openxmlformats.org/officeDocument/2006/relationships" xmlns:p="http://schemas.openxmlformats.org/presentationml/2006/main">
+  <p:cSld>
+    <p:spTree>
+      <p:nvGrpSpPr>
+        <p:cNvPr id="1" name=""/>
+        <p:cNvGrpSpPr/>
+        <p:nvPr/>
+      </p:nvGrpSpPr>
+      <p:grpSpPr>
+        <a:xfrm>
+          <a:off x="0" y="0"/>
+          <a:ext cx="0" cy="0"/>
+          <a:chOff x="0" y="0"/>
+          <a:chExt cx="0" cy="0"/>
+        </a:xfrm>
+      </p:grpSpPr>
+      <p:sp>
+        <p:nvSpPr>
+          <p:cNvPr id="2" name="Title 1">
+            <a:extLst>
+              <a:ext uri="{FF2B5EF4-FFF2-40B4-BE49-F238E27FC236}">
+                <a16:creationId xmlns:a16="http://schemas.microsoft.com/office/drawing/2014/main" id="{5B7EBC72-D789-4A04-AEFB-4E418B4DFCE5}"/>
+              </a:ext>
+            </a:extLst>
+          </p:cNvPr>
+          <p:cNvSpPr>
+            <a:spLocks noGrp="1"/>
+          </p:cNvSpPr>
+          <p:nvPr>
+            <p:ph type="title"/>
+          </p:nvPr>
+        </p:nvSpPr>
+        <p:spPr>
+          <a:xfrm>
+            <a:off x="381000" y="380999"/>
+            <a:ext cx="10256808" cy="550653"/>
+          </a:xfrm>
+        </p:spPr>
+        <p:txBody>
+          <a:bodyPr/>
+          <a:lstStyle/>
+          <a:p>
+            <a:r>
+              <a:rPr lang="en-US" sz="3600" dirty="0" err="1"/>
+              <a:t>XGBoost</a:t>
+            </a:r>
+            <a:r>
+              <a:rPr lang="en-US" sz="3600" dirty="0"/>
+              <a:t> Model</a:t>
+            </a:r>
+          </a:p>
+        </p:txBody>
+      </p:sp>
+      <p:sp>
+        <p:nvSpPr>
+          <p:cNvPr id="4" name="Date Placeholder 3">
+            <a:extLst>
+              <a:ext uri="{FF2B5EF4-FFF2-40B4-BE49-F238E27FC236}">
+                <a16:creationId xmlns:a16="http://schemas.microsoft.com/office/drawing/2014/main" id="{971EE9FB-32B0-4F81-BC2E-867A72F9D4A9}"/>
+              </a:ext>
+            </a:extLst>
+          </p:cNvPr>
+          <p:cNvSpPr>
+            <a:spLocks noGrp="1"/>
+          </p:cNvSpPr>
+          <p:nvPr>
+            <p:ph type="dt" sz="half" idx="2"/>
+          </p:nvPr>
+        </p:nvSpPr>
+        <p:spPr/>
+        <p:txBody>
+          <a:bodyPr/>
+          <a:lstStyle/>
+          <a:p>
+            <a:r>
+              <a:rPr lang="en-US" dirty="0"/>
+              <a:t>4/8/2022</a:t>
+            </a:r>
+          </a:p>
+        </p:txBody>
+      </p:sp>
+      <p:sp>
+        <p:nvSpPr>
+          <p:cNvPr id="5" name="Footer Placeholder 4">
+            <a:extLst>
+              <a:ext uri="{FF2B5EF4-FFF2-40B4-BE49-F238E27FC236}">
+                <a16:creationId xmlns:a16="http://schemas.microsoft.com/office/drawing/2014/main" id="{74883D76-8878-40EB-A3B8-34C35AA14132}"/>
+              </a:ext>
+            </a:extLst>
+          </p:cNvPr>
+          <p:cNvSpPr>
+            <a:spLocks noGrp="1"/>
+          </p:cNvSpPr>
+          <p:nvPr>
+            <p:ph type="ftr" sz="quarter" idx="3"/>
+          </p:nvPr>
+        </p:nvSpPr>
+        <p:spPr/>
+        <p:txBody>
+          <a:bodyPr/>
+          <a:lstStyle/>
+          <a:p>
+            <a:r>
+              <a:rPr lang="en-US" dirty="0"/>
+              <a:t>Ames, Iowa: House Sale Prices prediction</a:t>
+            </a:r>
+          </a:p>
+        </p:txBody>
+      </p:sp>
+      <p:sp>
+        <p:nvSpPr>
+          <p:cNvPr id="6" name="Slide Number Placeholder 5">
+            <a:extLst>
+              <a:ext uri="{FF2B5EF4-FFF2-40B4-BE49-F238E27FC236}">
+                <a16:creationId xmlns:a16="http://schemas.microsoft.com/office/drawing/2014/main" id="{B02FFB76-54BB-4052-B937-E38FB9556F07}"/>
+              </a:ext>
+            </a:extLst>
+          </p:cNvPr>
+          <p:cNvSpPr>
+            <a:spLocks noGrp="1"/>
+          </p:cNvSpPr>
+          <p:nvPr>
+            <p:ph type="sldNum" sz="quarter" idx="4"/>
+          </p:nvPr>
+        </p:nvSpPr>
+        <p:spPr/>
+        <p:txBody>
+          <a:bodyPr/>
+          <a:lstStyle/>
+          <a:p>
+            <a:fld id="{294A09A9-5501-47C1-A89A-A340965A2BE2}" type="slidenum">
+              <a:rPr lang="en-US" smtClean="0"/>
+              <a:pPr/>
+              <a:t>20</a:t>
+            </a:fld>
+            <a:endParaRPr lang="en-US" dirty="0"/>
+          </a:p>
+        </p:txBody>
+      </p:sp>
+      <p:sp>
+        <p:nvSpPr>
+          <p:cNvPr id="12" name="Content Placeholder 11">
+            <a:extLst>
+              <a:ext uri="{FF2B5EF4-FFF2-40B4-BE49-F238E27FC236}">
+                <a16:creationId xmlns:a16="http://schemas.microsoft.com/office/drawing/2014/main" id="{DC6ACC26-3CD3-4D80-904C-90AA1766EE03}"/>
+              </a:ext>
+            </a:extLst>
+          </p:cNvPr>
+          <p:cNvSpPr>
+            <a:spLocks noGrp="1"/>
+          </p:cNvSpPr>
+          <p:nvPr>
+            <p:ph idx="1"/>
+          </p:nvPr>
+        </p:nvSpPr>
+        <p:spPr>
+          <a:xfrm>
+            <a:off x="457200" y="1061050"/>
+            <a:ext cx="10396728" cy="1571982"/>
+          </a:xfrm>
+        </p:spPr>
+        <p:txBody>
+          <a:bodyPr/>
+          <a:lstStyle/>
+          <a:p>
+            <a:pPr marL="457200" indent="-457200">
+              <a:lnSpc>
+                <a:spcPct val="150000"/>
+              </a:lnSpc>
+              <a:buFont typeface="Wingdings" panose="05000000000000000000" pitchFamily="2" charset="2"/>
+              <a:buChar char="Ø"/>
+            </a:pPr>
+            <a:r>
+              <a:rPr lang="en-US" sz="1800" dirty="0"/>
+              <a:t>Hyperparameter </a:t>
+            </a:r>
+            <a:r>
+              <a:rPr lang="en-US" sz="1800" dirty="0" err="1"/>
+              <a:t>max_depth</a:t>
+            </a:r>
+            <a:r>
+              <a:rPr lang="en-US" sz="1800" dirty="0"/>
+              <a:t> was determined from plotting R2 and errors for train and test data. An eta hyperparameter value was selected to optimize performance.</a:t>
+            </a:r>
+          </a:p>
+          <a:p>
+            <a:pPr marL="457200" indent="-457200">
+              <a:lnSpc>
+                <a:spcPct val="150000"/>
+              </a:lnSpc>
+              <a:buFont typeface="Wingdings" panose="05000000000000000000" pitchFamily="2" charset="2"/>
+              <a:buChar char="Ø"/>
+            </a:pPr>
+            <a:r>
+              <a:rPr lang="en-US" sz="1800" dirty="0"/>
+              <a:t>Other hyperparameters were selected by Grid Search CV.</a:t>
+            </a:r>
+          </a:p>
+          <a:p>
+            <a:endParaRPr lang="en-US" dirty="0"/>
+          </a:p>
+        </p:txBody>
+      </p:sp>
+      <p:graphicFrame>
+        <p:nvGraphicFramePr>
+          <p:cNvPr id="13" name="Table 13">
+            <a:extLst>
+              <a:ext uri="{FF2B5EF4-FFF2-40B4-BE49-F238E27FC236}">
+                <a16:creationId xmlns:a16="http://schemas.microsoft.com/office/drawing/2014/main" id="{AFE595A4-5D0C-436E-ACD1-B8EB704F6FBE}"/>
+              </a:ext>
+            </a:extLst>
+          </p:cNvPr>
+          <p:cNvGraphicFramePr>
+            <a:graphicFrameLocks noGrp="1"/>
+          </p:cNvGraphicFramePr>
+          <p:nvPr>
+            <p:extLst>
+              <p:ext uri="{D42A27DB-BD31-4B8C-83A1-F6EECF244321}">
+                <p14:modId xmlns:p14="http://schemas.microsoft.com/office/powerpoint/2010/main" val="4017113704"/>
+              </p:ext>
+            </p:extLst>
+          </p:nvPr>
+        </p:nvGraphicFramePr>
+        <p:xfrm>
+          <a:off x="594605" y="2718152"/>
+          <a:ext cx="4682474" cy="3182144"/>
+        </p:xfrm>
+        <a:graphic>
+          <a:graphicData uri="http://schemas.openxmlformats.org/drawingml/2006/table">
+            <a:tbl>
+              <a:tblPr firstRow="1" bandRow="1">
+                <a:tableStyleId>{5C22544A-7EE6-4342-B048-85BDC9FD1C3A}</a:tableStyleId>
+              </a:tblPr>
+              <a:tblGrid>
+                <a:gridCol w="2622320">
+                  <a:extLst>
+                    <a:ext uri="{9D8B030D-6E8A-4147-A177-3AD203B41FA5}">
+                      <a16:colId xmlns:a16="http://schemas.microsoft.com/office/drawing/2014/main" val="261027495"/>
+                    </a:ext>
+                  </a:extLst>
+                </a:gridCol>
+                <a:gridCol w="2060154">
+                  <a:extLst>
+                    <a:ext uri="{9D8B030D-6E8A-4147-A177-3AD203B41FA5}">
+                      <a16:colId xmlns:a16="http://schemas.microsoft.com/office/drawing/2014/main" val="709429103"/>
+                    </a:ext>
+                  </a:extLst>
+                </a:gridCol>
+              </a:tblGrid>
+              <a:tr h="454592">
+                <a:tc>
+                  <a:txBody>
+                    <a:bodyPr/>
+                    <a:lstStyle/>
+                    <a:p>
+                      <a:pPr algn="ctr"/>
+                      <a:r>
+                        <a:rPr lang="en-US" sz="1600" dirty="0"/>
+                        <a:t>Hyperparameter</a:t>
+                      </a:r>
+                    </a:p>
+                  </a:txBody>
+                  <a:tcPr/>
+                </a:tc>
+                <a:tc>
+                  <a:txBody>
+                    <a:bodyPr/>
+                    <a:lstStyle/>
+                    <a:p>
+                      <a:pPr algn="ctr"/>
+                      <a:r>
+                        <a:rPr lang="en-US" sz="1600" dirty="0"/>
+                        <a:t>Value</a:t>
+                      </a:r>
+                    </a:p>
+                  </a:txBody>
+                  <a:tcPr/>
+                </a:tc>
+                <a:extLst>
+                  <a:ext uri="{0D108BD9-81ED-4DB2-BD59-A6C34878D82A}">
+                    <a16:rowId xmlns:a16="http://schemas.microsoft.com/office/drawing/2014/main" val="302130773"/>
+                  </a:ext>
+                </a:extLst>
+              </a:tr>
+              <a:tr h="454592">
+                <a:tc>
+                  <a:txBody>
+                    <a:bodyPr/>
+                    <a:lstStyle/>
+                    <a:p>
+                      <a:pPr algn="ctr"/>
+                      <a:r>
+                        <a:rPr lang="en-US" sz="1600" dirty="0" err="1"/>
+                        <a:t>max_depth</a:t>
+                      </a:r>
+                      <a:endParaRPr lang="en-US" sz="1600" dirty="0"/>
+                    </a:p>
+                  </a:txBody>
+                  <a:tcPr/>
+                </a:tc>
+                <a:tc>
+                  <a:txBody>
+                    <a:bodyPr/>
+                    <a:lstStyle/>
+                    <a:p>
+                      <a:pPr algn="ctr"/>
+                      <a:r>
+                        <a:rPr lang="en-US" sz="1600" dirty="0"/>
+                        <a:t>3</a:t>
+                      </a:r>
+                    </a:p>
+                  </a:txBody>
+                  <a:tcPr/>
+                </a:tc>
+                <a:extLst>
+                  <a:ext uri="{0D108BD9-81ED-4DB2-BD59-A6C34878D82A}">
+                    <a16:rowId xmlns:a16="http://schemas.microsoft.com/office/drawing/2014/main" val="142042218"/>
+                  </a:ext>
+                </a:extLst>
+              </a:tr>
+              <a:tr h="454592">
+                <a:tc>
+                  <a:txBody>
+                    <a:bodyPr/>
+                    <a:lstStyle/>
+                    <a:p>
+                      <a:pPr algn="ctr"/>
+                      <a:r>
+                        <a:rPr lang="en-US" sz="1600" dirty="0"/>
+                        <a:t>eta</a:t>
+                      </a:r>
+                    </a:p>
+                  </a:txBody>
+                  <a:tcPr/>
+                </a:tc>
+                <a:tc>
+                  <a:txBody>
+                    <a:bodyPr/>
+                    <a:lstStyle/>
+                    <a:p>
+                      <a:pPr algn="ctr"/>
+                      <a:r>
+                        <a:rPr lang="en-US" sz="1600" dirty="0"/>
+                        <a:t>0.1</a:t>
+                      </a:r>
+                    </a:p>
+                  </a:txBody>
+                  <a:tcPr/>
+                </a:tc>
+                <a:extLst>
+                  <a:ext uri="{0D108BD9-81ED-4DB2-BD59-A6C34878D82A}">
+                    <a16:rowId xmlns:a16="http://schemas.microsoft.com/office/drawing/2014/main" val="2800426012"/>
+                  </a:ext>
+                </a:extLst>
+              </a:tr>
+              <a:tr h="454592">
+                <a:tc>
+                  <a:txBody>
+                    <a:bodyPr/>
+                    <a:lstStyle/>
+                    <a:p>
+                      <a:pPr algn="ctr"/>
+                      <a:r>
+                        <a:rPr lang="en-US" sz="1600" dirty="0" err="1"/>
+                        <a:t>learning_rate</a:t>
+                      </a:r>
+                      <a:endParaRPr lang="en-US" sz="1600" dirty="0"/>
+                    </a:p>
+                  </a:txBody>
+                  <a:tcPr/>
+                </a:tc>
+                <a:tc>
+                  <a:txBody>
+                    <a:bodyPr/>
+                    <a:lstStyle/>
+                    <a:p>
+                      <a:pPr algn="ctr"/>
+                      <a:r>
+                        <a:rPr lang="en-US" sz="1600" dirty="0"/>
+                        <a:t>0.114</a:t>
+                      </a:r>
+                    </a:p>
+                  </a:txBody>
+                  <a:tcPr/>
+                </a:tc>
+                <a:extLst>
+                  <a:ext uri="{0D108BD9-81ED-4DB2-BD59-A6C34878D82A}">
+                    <a16:rowId xmlns:a16="http://schemas.microsoft.com/office/drawing/2014/main" val="2386223158"/>
+                  </a:ext>
+                </a:extLst>
+              </a:tr>
+              <a:tr h="454592">
+                <a:tc>
+                  <a:txBody>
+                    <a:bodyPr/>
+                    <a:lstStyle/>
+                    <a:p>
+                      <a:pPr algn="ctr"/>
+                      <a:r>
+                        <a:rPr lang="en-US" sz="1600" dirty="0" err="1"/>
+                        <a:t>min_child_weight</a:t>
+                      </a:r>
+                      <a:endParaRPr lang="en-US" sz="1600" dirty="0"/>
+                    </a:p>
+                  </a:txBody>
+                  <a:tcPr/>
+                </a:tc>
+                <a:tc>
+                  <a:txBody>
+                    <a:bodyPr/>
+                    <a:lstStyle/>
+                    <a:p>
+                      <a:pPr algn="ctr"/>
+                      <a:r>
+                        <a:rPr lang="en-US" sz="1600" dirty="0"/>
+                        <a:t>3</a:t>
+                      </a:r>
+                    </a:p>
+                  </a:txBody>
+                  <a:tcPr/>
+                </a:tc>
+                <a:extLst>
+                  <a:ext uri="{0D108BD9-81ED-4DB2-BD59-A6C34878D82A}">
+                    <a16:rowId xmlns:a16="http://schemas.microsoft.com/office/drawing/2014/main" val="17153250"/>
+                  </a:ext>
+                </a:extLst>
+              </a:tr>
+              <a:tr h="454592">
+                <a:tc>
+                  <a:txBody>
+                    <a:bodyPr/>
+                    <a:lstStyle/>
+                    <a:p>
+                      <a:pPr algn="ctr"/>
+                      <a:r>
+                        <a:rPr lang="en-US" sz="1600" dirty="0" err="1"/>
+                        <a:t>colsample_bytree</a:t>
+                      </a:r>
+                      <a:endParaRPr lang="en-US" sz="1600" dirty="0"/>
+                    </a:p>
+                  </a:txBody>
+                  <a:tcPr/>
+                </a:tc>
+                <a:tc>
+                  <a:txBody>
+                    <a:bodyPr/>
+                    <a:lstStyle/>
+                    <a:p>
+                      <a:pPr algn="ctr"/>
+                      <a:r>
+                        <a:rPr lang="en-US" sz="1600" dirty="0"/>
+                        <a:t>0.7</a:t>
+                      </a:r>
+                    </a:p>
+                  </a:txBody>
+                  <a:tcPr/>
+                </a:tc>
+                <a:extLst>
+                  <a:ext uri="{0D108BD9-81ED-4DB2-BD59-A6C34878D82A}">
+                    <a16:rowId xmlns:a16="http://schemas.microsoft.com/office/drawing/2014/main" val="3394458487"/>
+                  </a:ext>
+                </a:extLst>
+              </a:tr>
+              <a:tr h="454592">
+                <a:tc>
+                  <a:txBody>
+                    <a:bodyPr/>
+                    <a:lstStyle/>
+                    <a:p>
+                      <a:pPr algn="ctr"/>
+                      <a:r>
+                        <a:rPr lang="en-US" sz="1600" dirty="0"/>
+                        <a:t>subsample</a:t>
+                      </a:r>
+                    </a:p>
+                  </a:txBody>
+                  <a:tcPr/>
+                </a:tc>
+                <a:tc>
+                  <a:txBody>
+                    <a:bodyPr/>
+                    <a:lstStyle/>
+                    <a:p>
+                      <a:pPr algn="ctr"/>
+                      <a:r>
+                        <a:rPr lang="en-US" sz="1600" dirty="0"/>
+                        <a:t>0.6</a:t>
+                      </a:r>
+                    </a:p>
+                  </a:txBody>
+                  <a:tcPr/>
+                </a:tc>
+                <a:extLst>
+                  <a:ext uri="{0D108BD9-81ED-4DB2-BD59-A6C34878D82A}">
+                    <a16:rowId xmlns:a16="http://schemas.microsoft.com/office/drawing/2014/main" val="678994427"/>
+                  </a:ext>
+                </a:extLst>
+              </a:tr>
+            </a:tbl>
+          </a:graphicData>
+        </a:graphic>
+      </p:graphicFrame>
+      <p:pic>
+        <p:nvPicPr>
+          <p:cNvPr id="16" name="Picture 15">
+            <a:extLst>
+              <a:ext uri="{FF2B5EF4-FFF2-40B4-BE49-F238E27FC236}">
+                <a16:creationId xmlns:a16="http://schemas.microsoft.com/office/drawing/2014/main" id="{23580219-9974-49B8-B8E0-617BFDB99B83}"/>
+              </a:ext>
+            </a:extLst>
+          </p:cNvPr>
+          <p:cNvPicPr>
+            <a:picLocks noChangeAspect="1"/>
+          </p:cNvPicPr>
+          <p:nvPr/>
+        </p:nvPicPr>
+        <p:blipFill>
+          <a:blip r:embed="rId2"/>
+          <a:stretch>
+            <a:fillRect/>
+          </a:stretch>
+        </p:blipFill>
+        <p:spPr>
+          <a:xfrm>
+            <a:off x="5614196" y="2730101"/>
+            <a:ext cx="5239731" cy="3170195"/>
+          </a:xfrm>
+          <a:prstGeom prst="rect">
+            <a:avLst/>
+          </a:prstGeom>
+        </p:spPr>
+      </p:pic>
+    </p:spTree>
+    <p:extLst>
+      <p:ext uri="{BB962C8B-B14F-4D97-AF65-F5344CB8AC3E}">
+        <p14:creationId xmlns:p14="http://schemas.microsoft.com/office/powerpoint/2010/main" val="3865810732"/>
+      </p:ext>
+    </p:extLst>
+  </p:cSld>
+  <p:clrMapOvr>
+    <a:masterClrMapping/>
+  </p:clrMapOvr>
+</p:sld>
+</file>
+
+<file path=ppt/slides/slide21.xml><?xml version="1.0" encoding="utf-8"?>
+<p:sld xmlns:a="http://schemas.openxmlformats.org/drawingml/2006/main" xmlns:r="http://schemas.openxmlformats.org/officeDocument/2006/relationships" xmlns:p="http://schemas.openxmlformats.org/presentationml/2006/main">
+  <p:cSld>
+    <p:spTree>
+      <p:nvGrpSpPr>
+        <p:cNvPr id="1" name=""/>
+        <p:cNvGrpSpPr/>
+        <p:nvPr/>
+      </p:nvGrpSpPr>
+      <p:grpSpPr>
+        <a:xfrm>
+          <a:off x="0" y="0"/>
+          <a:ext cx="0" cy="0"/>
+          <a:chOff x="0" y="0"/>
+          <a:chExt cx="0" cy="0"/>
+        </a:xfrm>
+      </p:grpSpPr>
+      <p:sp>
+        <p:nvSpPr>
+          <p:cNvPr id="2" name="Title 1">
+            <a:extLst>
+              <a:ext uri="{FF2B5EF4-FFF2-40B4-BE49-F238E27FC236}">
+                <a16:creationId xmlns:a16="http://schemas.microsoft.com/office/drawing/2014/main" id="{EC7B2D4C-199E-44FA-98D2-3CB312186BE5}"/>
+              </a:ext>
+            </a:extLst>
+          </p:cNvPr>
+          <p:cNvSpPr>
+            <a:spLocks noGrp="1"/>
+          </p:cNvSpPr>
+          <p:nvPr>
+            <p:ph type="title"/>
+          </p:nvPr>
+        </p:nvSpPr>
+        <p:spPr>
+          <a:xfrm>
+            <a:off x="381000" y="678646"/>
+            <a:ext cx="10439899" cy="698653"/>
+          </a:xfrm>
+        </p:spPr>
+        <p:txBody>
+          <a:bodyPr/>
+          <a:lstStyle/>
+          <a:p>
+            <a:r>
+              <a:rPr lang="en-US" sz="3600" dirty="0" err="1"/>
+              <a:t>XGBoost</a:t>
+            </a:r>
+            <a:r>
+              <a:rPr lang="en-US" sz="3600" dirty="0"/>
+              <a:t> model:</a:t>
+            </a:r>
+          </a:p>
+        </p:txBody>
+      </p:sp>
+      <p:pic>
+        <p:nvPicPr>
+          <p:cNvPr id="8" name="Content Placeholder 7">
+            <a:extLst>
+              <a:ext uri="{FF2B5EF4-FFF2-40B4-BE49-F238E27FC236}">
+                <a16:creationId xmlns:a16="http://schemas.microsoft.com/office/drawing/2014/main" id="{FED6AF01-E042-4875-91D3-B1E60F10C149}"/>
+              </a:ext>
+            </a:extLst>
+          </p:cNvPr>
+          <p:cNvPicPr>
+            <a:picLocks noGrp="1" noChangeAspect="1"/>
+          </p:cNvPicPr>
+          <p:nvPr>
+            <p:ph idx="1"/>
+          </p:nvPr>
+        </p:nvPicPr>
+        <p:blipFill>
+          <a:blip r:embed="rId2"/>
+          <a:stretch>
+            <a:fillRect/>
+          </a:stretch>
+        </p:blipFill>
+        <p:spPr>
+          <a:xfrm>
+            <a:off x="381000" y="1751682"/>
+            <a:ext cx="6063867" cy="4230285"/>
+          </a:xfrm>
+        </p:spPr>
+      </p:pic>
+      <p:sp>
+        <p:nvSpPr>
+          <p:cNvPr id="4" name="Date Placeholder 3">
+            <a:extLst>
+              <a:ext uri="{FF2B5EF4-FFF2-40B4-BE49-F238E27FC236}">
+                <a16:creationId xmlns:a16="http://schemas.microsoft.com/office/drawing/2014/main" id="{AA68C524-F49B-4241-8A4F-B1DB77A2C82F}"/>
+              </a:ext>
+            </a:extLst>
+          </p:cNvPr>
+          <p:cNvSpPr>
+            <a:spLocks noGrp="1"/>
+          </p:cNvSpPr>
+          <p:nvPr>
+            <p:ph type="dt" sz="half" idx="2"/>
+          </p:nvPr>
+        </p:nvSpPr>
+        <p:spPr/>
+        <p:txBody>
+          <a:bodyPr/>
+          <a:lstStyle/>
+          <a:p>
+            <a:r>
+              <a:rPr lang="en-US" dirty="0"/>
+              <a:t>4/8/2022</a:t>
+            </a:r>
+          </a:p>
+        </p:txBody>
+      </p:sp>
+      <p:sp>
+        <p:nvSpPr>
+          <p:cNvPr id="5" name="Footer Placeholder 4">
+            <a:extLst>
+              <a:ext uri="{FF2B5EF4-FFF2-40B4-BE49-F238E27FC236}">
+                <a16:creationId xmlns:a16="http://schemas.microsoft.com/office/drawing/2014/main" id="{DC81E1F3-C0C1-4F1A-8A54-E723950EA2A5}"/>
+              </a:ext>
+            </a:extLst>
+          </p:cNvPr>
+          <p:cNvSpPr>
+            <a:spLocks noGrp="1"/>
+          </p:cNvSpPr>
+          <p:nvPr>
+            <p:ph type="ftr" sz="quarter" idx="3"/>
+          </p:nvPr>
+        </p:nvSpPr>
+        <p:spPr/>
+        <p:txBody>
+          <a:bodyPr/>
+          <a:lstStyle/>
+          <a:p>
+            <a:r>
+              <a:rPr lang="en-US" dirty="0"/>
+              <a:t>Ames, Iowa: House Sale Prices prediction</a:t>
+            </a:r>
+          </a:p>
+        </p:txBody>
+      </p:sp>
+      <p:sp>
+        <p:nvSpPr>
+          <p:cNvPr id="6" name="Slide Number Placeholder 5">
+            <a:extLst>
+              <a:ext uri="{FF2B5EF4-FFF2-40B4-BE49-F238E27FC236}">
+                <a16:creationId xmlns:a16="http://schemas.microsoft.com/office/drawing/2014/main" id="{DD780DD6-0A2B-4F8A-A284-B4106DB05BA1}"/>
+              </a:ext>
+            </a:extLst>
+          </p:cNvPr>
+          <p:cNvSpPr>
+            <a:spLocks noGrp="1"/>
+          </p:cNvSpPr>
+          <p:nvPr>
+            <p:ph type="sldNum" sz="quarter" idx="4"/>
+          </p:nvPr>
+        </p:nvSpPr>
+        <p:spPr/>
+        <p:txBody>
+          <a:bodyPr/>
+          <a:lstStyle/>
+          <a:p>
+            <a:fld id="{294A09A9-5501-47C1-A89A-A340965A2BE2}" type="slidenum">
+              <a:rPr lang="en-US" smtClean="0"/>
+              <a:pPr/>
+              <a:t>21</a:t>
+            </a:fld>
+            <a:endParaRPr lang="en-US" dirty="0"/>
+          </a:p>
+        </p:txBody>
+      </p:sp>
+      <p:pic>
+        <p:nvPicPr>
+          <p:cNvPr id="10" name="Picture 9">
+            <a:extLst>
+              <a:ext uri="{FF2B5EF4-FFF2-40B4-BE49-F238E27FC236}">
+                <a16:creationId xmlns:a16="http://schemas.microsoft.com/office/drawing/2014/main" id="{C3F19106-D0CA-45F2-8D57-673D01DE1A5C}"/>
+              </a:ext>
+            </a:extLst>
+          </p:cNvPr>
+          <p:cNvPicPr>
+            <a:picLocks noChangeAspect="1"/>
+          </p:cNvPicPr>
+          <p:nvPr/>
+        </p:nvPicPr>
+        <p:blipFill>
+          <a:blip r:embed="rId3"/>
+          <a:stretch>
+            <a:fillRect/>
+          </a:stretch>
+        </p:blipFill>
+        <p:spPr>
+          <a:xfrm>
+            <a:off x="6852491" y="1751683"/>
+            <a:ext cx="4283071" cy="4230285"/>
+          </a:xfrm>
+          <a:prstGeom prst="rect">
+            <a:avLst/>
+          </a:prstGeom>
+        </p:spPr>
+      </p:pic>
+    </p:spTree>
+    <p:extLst>
+      <p:ext uri="{BB962C8B-B14F-4D97-AF65-F5344CB8AC3E}">
+        <p14:creationId xmlns:p14="http://schemas.microsoft.com/office/powerpoint/2010/main" val="747174731"/>
+      </p:ext>
+    </p:extLst>
+  </p:cSld>
+  <p:clrMapOvr>
+    <a:masterClrMapping/>
+  </p:clrMapOvr>
+</p:sld>
+</file>
+
+<file path=ppt/slides/slide22.xml><?xml version="1.0" encoding="utf-8"?>
+<p:sld xmlns:a="http://schemas.openxmlformats.org/drawingml/2006/main" xmlns:r="http://schemas.openxmlformats.org/officeDocument/2006/relationships" xmlns:p="http://schemas.openxmlformats.org/presentationml/2006/main">
+  <p:cSld>
+    <p:spTree>
+      <p:nvGrpSpPr>
+        <p:cNvPr id="1" name=""/>
+        <p:cNvGrpSpPr/>
+        <p:nvPr/>
+      </p:nvGrpSpPr>
+      <p:grpSpPr>
+        <a:xfrm>
+          <a:off x="0" y="0"/>
+          <a:ext cx="0" cy="0"/>
+          <a:chOff x="0" y="0"/>
+          <a:chExt cx="0" cy="0"/>
+        </a:xfrm>
+      </p:grpSpPr>
+      <p:sp>
+        <p:nvSpPr>
+          <p:cNvPr id="2" name="Title 1">
+            <a:extLst>
+              <a:ext uri="{FF2B5EF4-FFF2-40B4-BE49-F238E27FC236}">
+                <a16:creationId xmlns:a16="http://schemas.microsoft.com/office/drawing/2014/main" id="{420E19AA-F79E-43D3-93B8-EF996EC8C7B6}"/>
+              </a:ext>
+            </a:extLst>
+          </p:cNvPr>
+          <p:cNvSpPr>
+            <a:spLocks noGrp="1"/>
+          </p:cNvSpPr>
+          <p:nvPr>
+            <p:ph type="title"/>
+          </p:nvPr>
+        </p:nvSpPr>
+        <p:spPr>
+          <a:xfrm>
+            <a:off x="381000" y="590322"/>
+            <a:ext cx="9118829" cy="676618"/>
+          </a:xfrm>
+        </p:spPr>
+        <p:txBody>
+          <a:bodyPr/>
+          <a:lstStyle/>
+          <a:p>
+            <a:r>
+              <a:rPr lang="en-US" sz="3600" dirty="0"/>
+              <a:t>Final model Evaluation metrics:</a:t>
+            </a:r>
+          </a:p>
+        </p:txBody>
+      </p:sp>
+      <p:sp>
+        <p:nvSpPr>
+          <p:cNvPr id="15" name="Date Placeholder 14">
+            <a:extLst>
+              <a:ext uri="{FF2B5EF4-FFF2-40B4-BE49-F238E27FC236}">
+                <a16:creationId xmlns:a16="http://schemas.microsoft.com/office/drawing/2014/main" id="{E65C9C8E-1BF1-4774-8694-C69238BA8F0F}"/>
+              </a:ext>
+            </a:extLst>
+          </p:cNvPr>
+          <p:cNvSpPr>
+            <a:spLocks noGrp="1"/>
+          </p:cNvSpPr>
+          <p:nvPr>
+            <p:ph type="dt" sz="half" idx="10"/>
+          </p:nvPr>
+        </p:nvSpPr>
+        <p:spPr/>
+        <p:txBody>
+          <a:bodyPr/>
+          <a:lstStyle/>
+          <a:p>
+            <a:r>
+              <a:rPr lang="en-US" dirty="0"/>
+              <a:t>4/8/2022</a:t>
+            </a:r>
+          </a:p>
+        </p:txBody>
+      </p:sp>
+      <p:sp>
+        <p:nvSpPr>
+          <p:cNvPr id="16" name="Footer Placeholder 15">
+            <a:extLst>
+              <a:ext uri="{FF2B5EF4-FFF2-40B4-BE49-F238E27FC236}">
+                <a16:creationId xmlns:a16="http://schemas.microsoft.com/office/drawing/2014/main" id="{B34A1374-07AA-4F40-B421-66DF2F40C757}"/>
+              </a:ext>
+            </a:extLst>
+          </p:cNvPr>
+          <p:cNvSpPr>
+            <a:spLocks noGrp="1"/>
+          </p:cNvSpPr>
+          <p:nvPr>
+            <p:ph type="ftr" sz="quarter" idx="11"/>
+          </p:nvPr>
+        </p:nvSpPr>
+        <p:spPr/>
+        <p:txBody>
+          <a:bodyPr/>
+          <a:lstStyle/>
+          <a:p>
+            <a:r>
+              <a:rPr lang="en-US" dirty="0"/>
+              <a:t>Ames, Iowa: House Sale Prices prediction</a:t>
+            </a:r>
+          </a:p>
+        </p:txBody>
+      </p:sp>
+      <p:sp>
+        <p:nvSpPr>
+          <p:cNvPr id="17" name="Slide Number Placeholder 16">
+            <a:extLst>
+              <a:ext uri="{FF2B5EF4-FFF2-40B4-BE49-F238E27FC236}">
+                <a16:creationId xmlns:a16="http://schemas.microsoft.com/office/drawing/2014/main" id="{DE7174FE-C71B-4750-AABE-44A6ECC07339}"/>
+              </a:ext>
+            </a:extLst>
+          </p:cNvPr>
+          <p:cNvSpPr>
+            <a:spLocks noGrp="1"/>
+          </p:cNvSpPr>
+          <p:nvPr>
+            <p:ph type="sldNum" sz="quarter" idx="12"/>
+          </p:nvPr>
+        </p:nvSpPr>
+        <p:spPr/>
+        <p:txBody>
+          <a:bodyPr/>
+          <a:lstStyle/>
+          <a:p>
+            <a:fld id="{294A09A9-5501-47C1-A89A-A340965A2BE2}" type="slidenum">
+              <a:rPr lang="en-US" smtClean="0"/>
+              <a:pPr/>
+              <a:t>22</a:t>
+            </a:fld>
+            <a:endParaRPr lang="en-US" dirty="0"/>
+          </a:p>
+        </p:txBody>
+      </p:sp>
+      <p:graphicFrame>
+        <p:nvGraphicFramePr>
+          <p:cNvPr id="18" name="Table 18">
+            <a:extLst>
+              <a:ext uri="{FF2B5EF4-FFF2-40B4-BE49-F238E27FC236}">
+                <a16:creationId xmlns:a16="http://schemas.microsoft.com/office/drawing/2014/main" id="{0CE45178-2593-4020-A38E-76B9570833C1}"/>
+              </a:ext>
+            </a:extLst>
+          </p:cNvPr>
+          <p:cNvGraphicFramePr>
+            <a:graphicFrameLocks noGrp="1"/>
+          </p:cNvGraphicFramePr>
+          <p:nvPr>
+            <p:extLst>
+              <p:ext uri="{D42A27DB-BD31-4B8C-83A1-F6EECF244321}">
+                <p14:modId xmlns:p14="http://schemas.microsoft.com/office/powerpoint/2010/main" val="3282553831"/>
+              </p:ext>
+            </p:extLst>
+          </p:nvPr>
+        </p:nvGraphicFramePr>
+        <p:xfrm>
+          <a:off x="381000" y="1568252"/>
+          <a:ext cx="9038421" cy="3114468"/>
+        </p:xfrm>
+        <a:graphic>
+          <a:graphicData uri="http://schemas.openxmlformats.org/drawingml/2006/table">
+            <a:tbl>
+              <a:tblPr firstRow="1" bandRow="1">
+                <a:tableStyleId>{5C22544A-7EE6-4342-B048-85BDC9FD1C3A}</a:tableStyleId>
+              </a:tblPr>
+              <a:tblGrid>
+                <a:gridCol w="1291203">
+                  <a:extLst>
+                    <a:ext uri="{9D8B030D-6E8A-4147-A177-3AD203B41FA5}">
+                      <a16:colId xmlns:a16="http://schemas.microsoft.com/office/drawing/2014/main" val="1022086791"/>
+                    </a:ext>
+                  </a:extLst>
+                </a:gridCol>
+                <a:gridCol w="1291203">
+                  <a:extLst>
+                    <a:ext uri="{9D8B030D-6E8A-4147-A177-3AD203B41FA5}">
+                      <a16:colId xmlns:a16="http://schemas.microsoft.com/office/drawing/2014/main" val="1141245761"/>
+                    </a:ext>
+                  </a:extLst>
+                </a:gridCol>
+                <a:gridCol w="1291203">
+                  <a:extLst>
+                    <a:ext uri="{9D8B030D-6E8A-4147-A177-3AD203B41FA5}">
+                      <a16:colId xmlns:a16="http://schemas.microsoft.com/office/drawing/2014/main" val="2224841127"/>
+                    </a:ext>
+                  </a:extLst>
+                </a:gridCol>
+                <a:gridCol w="1291203">
+                  <a:extLst>
+                    <a:ext uri="{9D8B030D-6E8A-4147-A177-3AD203B41FA5}">
+                      <a16:colId xmlns:a16="http://schemas.microsoft.com/office/drawing/2014/main" val="3944898148"/>
+                    </a:ext>
+                  </a:extLst>
+                </a:gridCol>
+                <a:gridCol w="1291203">
+                  <a:extLst>
+                    <a:ext uri="{9D8B030D-6E8A-4147-A177-3AD203B41FA5}">
+                      <a16:colId xmlns:a16="http://schemas.microsoft.com/office/drawing/2014/main" val="1262408487"/>
+                    </a:ext>
+                  </a:extLst>
+                </a:gridCol>
+                <a:gridCol w="1291203">
+                  <a:extLst>
+                    <a:ext uri="{9D8B030D-6E8A-4147-A177-3AD203B41FA5}">
+                      <a16:colId xmlns:a16="http://schemas.microsoft.com/office/drawing/2014/main" val="765415619"/>
+                    </a:ext>
+                  </a:extLst>
+                </a:gridCol>
+                <a:gridCol w="1291203">
+                  <a:extLst>
+                    <a:ext uri="{9D8B030D-6E8A-4147-A177-3AD203B41FA5}">
+                      <a16:colId xmlns:a16="http://schemas.microsoft.com/office/drawing/2014/main" val="16360909"/>
+                    </a:ext>
+                  </a:extLst>
+                </a:gridCol>
+              </a:tblGrid>
+              <a:tr h="597114">
+                <a:tc>
+                  <a:txBody>
+                    <a:bodyPr/>
+                    <a:lstStyle/>
+                    <a:p>
+                      <a:pPr algn="ctr"/>
+                      <a:endParaRPr lang="en-US" dirty="0"/>
+                    </a:p>
+                  </a:txBody>
+                  <a:tcPr anchor="ctr"/>
+                </a:tc>
+                <a:tc>
+                  <a:txBody>
+                    <a:bodyPr/>
+                    <a:lstStyle/>
+                    <a:p>
+                      <a:pPr algn="ctr"/>
+                      <a:r>
+                        <a:rPr lang="en-US" dirty="0"/>
+                        <a:t>MLR</a:t>
+                      </a:r>
+                    </a:p>
+                  </a:txBody>
+                  <a:tcPr anchor="ctr"/>
+                </a:tc>
+                <a:tc>
+                  <a:txBody>
+                    <a:bodyPr/>
+                    <a:lstStyle/>
+                    <a:p>
+                      <a:pPr algn="ctr"/>
+                      <a:r>
+                        <a:rPr lang="en-US" dirty="0"/>
+                        <a:t>Ridge</a:t>
+                      </a:r>
+                    </a:p>
+                  </a:txBody>
+                  <a:tcPr anchor="ctr"/>
+                </a:tc>
+                <a:tc>
+                  <a:txBody>
+                    <a:bodyPr/>
+                    <a:lstStyle/>
+                    <a:p>
+                      <a:pPr algn="ctr"/>
+                      <a:r>
+                        <a:rPr lang="en-US" dirty="0"/>
+                        <a:t>Lasso</a:t>
+                      </a:r>
+                    </a:p>
+                  </a:txBody>
+                  <a:tcPr anchor="ctr"/>
+                </a:tc>
+                <a:tc>
+                  <a:txBody>
+                    <a:bodyPr/>
+                    <a:lstStyle/>
+                    <a:p>
+                      <a:pPr algn="ctr"/>
+                      <a:r>
+                        <a:rPr lang="en-US" dirty="0"/>
+                        <a:t>Random Forest</a:t>
+                      </a:r>
+                    </a:p>
+                  </a:txBody>
+                  <a:tcPr anchor="ctr"/>
+                </a:tc>
+                <a:tc>
+                  <a:txBody>
+                    <a:bodyPr/>
+                    <a:lstStyle/>
+                    <a:p>
+                      <a:pPr algn="ctr"/>
+                      <a:r>
+                        <a:rPr lang="en-US" dirty="0" err="1">
+                          <a:solidFill>
+                            <a:srgbClr val="C00000"/>
+                          </a:solidFill>
+                        </a:rPr>
+                        <a:t>XGBoost</a:t>
+                      </a:r>
+                      <a:endParaRPr lang="en-US" dirty="0">
+                        <a:solidFill>
+                          <a:srgbClr val="C00000"/>
+                        </a:solidFill>
+                      </a:endParaRPr>
+                    </a:p>
+                  </a:txBody>
+                  <a:tcPr anchor="ctr"/>
+                </a:tc>
+                <a:tc>
+                  <a:txBody>
+                    <a:bodyPr/>
+                    <a:lstStyle/>
+                    <a:p>
+                      <a:pPr algn="ctr"/>
+                      <a:r>
+                        <a:rPr lang="en-US" dirty="0" err="1">
+                          <a:solidFill>
+                            <a:srgbClr val="C00000"/>
+                          </a:solidFill>
+                        </a:rPr>
+                        <a:t>XGBoost</a:t>
+                      </a:r>
+                      <a:r>
+                        <a:rPr lang="en-US" dirty="0">
+                          <a:solidFill>
+                            <a:srgbClr val="C00000"/>
+                          </a:solidFill>
+                        </a:rPr>
+                        <a:t> (RFE)*</a:t>
+                      </a:r>
+                    </a:p>
+                  </a:txBody>
+                  <a:tcPr anchor="ctr"/>
+                </a:tc>
+                <a:extLst>
+                  <a:ext uri="{0D108BD9-81ED-4DB2-BD59-A6C34878D82A}">
+                    <a16:rowId xmlns:a16="http://schemas.microsoft.com/office/drawing/2014/main" val="3327236743"/>
+                  </a:ext>
+                </a:extLst>
+              </a:tr>
+              <a:tr h="597114">
+                <a:tc>
+                  <a:txBody>
+                    <a:bodyPr/>
+                    <a:lstStyle/>
+                    <a:p>
+                      <a:pPr algn="ctr"/>
+                      <a:r>
+                        <a:rPr lang="en-US" dirty="0"/>
+                        <a:t>Train R</a:t>
+                      </a:r>
+                      <a:r>
+                        <a:rPr lang="en-US" baseline="30000" dirty="0"/>
+                        <a:t>2</a:t>
+                      </a:r>
+                    </a:p>
+                  </a:txBody>
+                  <a:tcPr anchor="ctr"/>
+                </a:tc>
+                <a:tc>
+                  <a:txBody>
+                    <a:bodyPr/>
+                    <a:lstStyle/>
+                    <a:p>
+                      <a:pPr algn="ctr"/>
+                      <a:r>
+                        <a:rPr lang="en-US" dirty="0"/>
+                        <a:t>0.890</a:t>
+                      </a:r>
+                    </a:p>
+                  </a:txBody>
+                  <a:tcPr anchor="ctr"/>
+                </a:tc>
+                <a:tc>
+                  <a:txBody>
+                    <a:bodyPr/>
+                    <a:lstStyle/>
+                    <a:p>
+                      <a:pPr algn="ctr"/>
+                      <a:r>
+                        <a:rPr lang="en-US" dirty="0"/>
+                        <a:t>0.936</a:t>
+                      </a:r>
+                    </a:p>
+                  </a:txBody>
+                  <a:tcPr anchor="ctr"/>
+                </a:tc>
+                <a:tc>
+                  <a:txBody>
+                    <a:bodyPr/>
+                    <a:lstStyle/>
+                    <a:p>
+                      <a:pPr algn="ctr"/>
+                      <a:r>
+                        <a:rPr lang="en-US" dirty="0"/>
+                        <a:t>0.920</a:t>
+                      </a:r>
+                    </a:p>
+                  </a:txBody>
+                  <a:tcPr anchor="ctr"/>
+                </a:tc>
+                <a:tc>
+                  <a:txBody>
+                    <a:bodyPr/>
+                    <a:lstStyle/>
+                    <a:p>
+                      <a:pPr algn="ctr"/>
+                      <a:r>
+                        <a:rPr lang="en-US" dirty="0"/>
+                        <a:t>0.975</a:t>
+                      </a:r>
+                    </a:p>
+                  </a:txBody>
+                  <a:tcPr anchor="ctr"/>
+                </a:tc>
+                <a:tc>
+                  <a:txBody>
+                    <a:bodyPr/>
+                    <a:lstStyle/>
+                    <a:p>
+                      <a:pPr algn="ctr"/>
+                      <a:r>
+                        <a:rPr lang="en-US" dirty="0">
+                          <a:solidFill>
+                            <a:srgbClr val="C00000"/>
+                          </a:solidFill>
+                        </a:rPr>
+                        <a:t>0.955</a:t>
+                      </a:r>
+                    </a:p>
+                  </a:txBody>
+                  <a:tcPr anchor="ctr"/>
+                </a:tc>
+                <a:tc>
+                  <a:txBody>
+                    <a:bodyPr/>
+                    <a:lstStyle/>
+                    <a:p>
+                      <a:pPr algn="ctr"/>
+                      <a:r>
+                        <a:rPr lang="en-US" dirty="0">
+                          <a:solidFill>
+                            <a:srgbClr val="C00000"/>
+                          </a:solidFill>
+                        </a:rPr>
+                        <a:t>0.946</a:t>
+                      </a:r>
+                    </a:p>
+                  </a:txBody>
+                  <a:tcPr anchor="ctr"/>
+                </a:tc>
+                <a:extLst>
+                  <a:ext uri="{0D108BD9-81ED-4DB2-BD59-A6C34878D82A}">
+                    <a16:rowId xmlns:a16="http://schemas.microsoft.com/office/drawing/2014/main" val="211177819"/>
+                  </a:ext>
+                </a:extLst>
+              </a:tr>
+              <a:tr h="597114">
+                <a:tc>
+                  <a:txBody>
+                    <a:bodyPr/>
+                    <a:lstStyle/>
+                    <a:p>
+                      <a:pPr algn="ctr"/>
+                      <a:r>
+                        <a:rPr lang="en-US" dirty="0"/>
+                        <a:t>Test R</a:t>
+                      </a:r>
+                      <a:r>
+                        <a:rPr lang="en-US" baseline="30000" dirty="0"/>
+                        <a:t>2</a:t>
+                      </a:r>
+                    </a:p>
+                  </a:txBody>
+                  <a:tcPr anchor="ctr"/>
+                </a:tc>
+                <a:tc>
+                  <a:txBody>
+                    <a:bodyPr/>
+                    <a:lstStyle/>
+                    <a:p>
+                      <a:pPr algn="ctr"/>
+                      <a:r>
+                        <a:rPr lang="en-US" dirty="0"/>
+                        <a:t>0.876</a:t>
+                      </a:r>
+                    </a:p>
+                  </a:txBody>
+                  <a:tcPr anchor="ctr"/>
+                </a:tc>
+                <a:tc>
+                  <a:txBody>
+                    <a:bodyPr/>
+                    <a:lstStyle/>
+                    <a:p>
+                      <a:pPr algn="ctr"/>
+                      <a:r>
+                        <a:rPr lang="en-US" dirty="0"/>
+                        <a:t>0.906</a:t>
+                      </a:r>
+                    </a:p>
+                  </a:txBody>
+                  <a:tcPr anchor="ctr"/>
+                </a:tc>
+                <a:tc>
+                  <a:txBody>
+                    <a:bodyPr/>
+                    <a:lstStyle/>
+                    <a:p>
+                      <a:pPr algn="ctr"/>
+                      <a:r>
+                        <a:rPr lang="en-US" dirty="0"/>
+                        <a:t>0.900</a:t>
+                      </a:r>
+                    </a:p>
+                  </a:txBody>
+                  <a:tcPr anchor="ctr"/>
+                </a:tc>
+                <a:tc>
+                  <a:txBody>
+                    <a:bodyPr/>
+                    <a:lstStyle/>
+                    <a:p>
+                      <a:pPr algn="ctr"/>
+                      <a:r>
+                        <a:rPr lang="en-US" dirty="0"/>
+                        <a:t>0.893</a:t>
+                      </a:r>
+                    </a:p>
+                  </a:txBody>
+                  <a:tcPr anchor="ctr"/>
+                </a:tc>
+                <a:tc>
+                  <a:txBody>
+                    <a:bodyPr/>
+                    <a:lstStyle/>
+                    <a:p>
+                      <a:pPr algn="ctr"/>
+                      <a:r>
+                        <a:rPr lang="en-US" dirty="0">
+                          <a:solidFill>
+                            <a:srgbClr val="C00000"/>
+                          </a:solidFill>
+                        </a:rPr>
+                        <a:t>0.913</a:t>
+                      </a:r>
+                    </a:p>
+                  </a:txBody>
+                  <a:tcPr anchor="ctr"/>
+                </a:tc>
+                <a:tc>
+                  <a:txBody>
+                    <a:bodyPr/>
+                    <a:lstStyle/>
+                    <a:p>
+                      <a:pPr algn="ctr"/>
+                      <a:r>
+                        <a:rPr lang="en-US" dirty="0">
+                          <a:solidFill>
+                            <a:srgbClr val="C00000"/>
+                          </a:solidFill>
+                        </a:rPr>
+                        <a:t>0.916</a:t>
+                      </a:r>
+                    </a:p>
+                  </a:txBody>
+                  <a:tcPr anchor="ctr"/>
+                </a:tc>
+                <a:extLst>
+                  <a:ext uri="{0D108BD9-81ED-4DB2-BD59-A6C34878D82A}">
+                    <a16:rowId xmlns:a16="http://schemas.microsoft.com/office/drawing/2014/main" val="1031558986"/>
+                  </a:ext>
+                </a:extLst>
+              </a:tr>
+              <a:tr h="597114">
+                <a:tc>
+                  <a:txBody>
+                    <a:bodyPr/>
+                    <a:lstStyle/>
+                    <a:p>
+                      <a:pPr algn="ctr"/>
+                      <a:r>
+                        <a:rPr lang="en-US" dirty="0"/>
+                        <a:t>Train RMSE</a:t>
+                      </a:r>
+                    </a:p>
+                  </a:txBody>
+                  <a:tcPr anchor="ctr"/>
+                </a:tc>
+                <a:tc>
+                  <a:txBody>
+                    <a:bodyPr/>
+                    <a:lstStyle/>
+                    <a:p>
+                      <a:pPr algn="ctr"/>
+                      <a:r>
+                        <a:rPr lang="en-US" dirty="0"/>
+                        <a:t>0.133</a:t>
+                      </a:r>
+                    </a:p>
+                  </a:txBody>
+                  <a:tcPr anchor="ctr"/>
+                </a:tc>
+                <a:tc>
+                  <a:txBody>
+                    <a:bodyPr/>
+                    <a:lstStyle/>
+                    <a:p>
+                      <a:pPr algn="ctr"/>
+                      <a:r>
+                        <a:rPr lang="en-US" dirty="0"/>
+                        <a:t>0.101</a:t>
+                      </a:r>
+                    </a:p>
+                  </a:txBody>
+                  <a:tcPr anchor="ctr"/>
+                </a:tc>
+                <a:tc>
+                  <a:txBody>
+                    <a:bodyPr/>
+                    <a:lstStyle/>
+                    <a:p>
+                      <a:pPr algn="ctr"/>
+                      <a:r>
+                        <a:rPr lang="en-US" dirty="0"/>
+                        <a:t>0.113</a:t>
+                      </a:r>
+                    </a:p>
+                  </a:txBody>
+                  <a:tcPr anchor="ctr"/>
+                </a:tc>
+                <a:tc>
+                  <a:txBody>
+                    <a:bodyPr/>
+                    <a:lstStyle/>
+                    <a:p>
+                      <a:pPr algn="ctr"/>
+                      <a:r>
+                        <a:rPr lang="en-US" dirty="0"/>
+                        <a:t>0.063</a:t>
+                      </a:r>
+                    </a:p>
+                  </a:txBody>
+                  <a:tcPr anchor="ctr"/>
+                </a:tc>
+                <a:tc>
+                  <a:txBody>
+                    <a:bodyPr/>
+                    <a:lstStyle/>
+                    <a:p>
+                      <a:pPr algn="ctr"/>
+                      <a:r>
+                        <a:rPr lang="en-US" dirty="0">
+                          <a:solidFill>
+                            <a:srgbClr val="C00000"/>
+                          </a:solidFill>
+                        </a:rPr>
+                        <a:t>0.084</a:t>
+                      </a:r>
+                    </a:p>
+                  </a:txBody>
+                  <a:tcPr anchor="ctr"/>
+                </a:tc>
+                <a:tc>
+                  <a:txBody>
+                    <a:bodyPr/>
+                    <a:lstStyle/>
+                    <a:p>
+                      <a:pPr algn="ctr"/>
+                      <a:r>
+                        <a:rPr lang="en-US" dirty="0">
+                          <a:solidFill>
+                            <a:srgbClr val="C00000"/>
+                          </a:solidFill>
+                        </a:rPr>
+                        <a:t>0.092</a:t>
+                      </a:r>
+                    </a:p>
+                  </a:txBody>
+                  <a:tcPr anchor="ctr"/>
+                </a:tc>
+                <a:extLst>
+                  <a:ext uri="{0D108BD9-81ED-4DB2-BD59-A6C34878D82A}">
+                    <a16:rowId xmlns:a16="http://schemas.microsoft.com/office/drawing/2014/main" val="3094720092"/>
+                  </a:ext>
+                </a:extLst>
+              </a:tr>
+              <a:tr h="597114">
+                <a:tc>
+                  <a:txBody>
+                    <a:bodyPr/>
+                    <a:lstStyle/>
+                    <a:p>
+                      <a:pPr marL="0" marR="0" lvl="0" indent="0" algn="ctr" defTabSz="914400" rtl="0" eaLnBrk="1" fontAlgn="auto" latinLnBrk="0" hangingPunct="1">
+                        <a:lnSpc>
+                          <a:spcPct val="100000"/>
+                        </a:lnSpc>
+                        <a:spcBef>
+                          <a:spcPts val="0"/>
+                        </a:spcBef>
+                        <a:spcAft>
+                          <a:spcPts val="0"/>
+                        </a:spcAft>
+                        <a:buClrTx/>
+                        <a:buSzTx/>
+                        <a:buFontTx/>
+                        <a:buNone/>
+                        <a:tabLst/>
+                        <a:defRPr/>
+                      </a:pPr>
+                      <a:r>
+                        <a:rPr lang="en-US" dirty="0"/>
+                        <a:t>Test RMSE</a:t>
+                      </a:r>
+                    </a:p>
+                    <a:p>
+                      <a:pPr algn="ctr"/>
+                      <a:endParaRPr lang="en-US" dirty="0"/>
+                    </a:p>
+                  </a:txBody>
+                  <a:tcPr anchor="ctr"/>
+                </a:tc>
+                <a:tc>
+                  <a:txBody>
+                    <a:bodyPr/>
+                    <a:lstStyle/>
+                    <a:p>
+                      <a:pPr algn="ctr"/>
+                      <a:r>
+                        <a:rPr lang="en-US" dirty="0"/>
+                        <a:t>0.137</a:t>
+                      </a:r>
+                    </a:p>
+                  </a:txBody>
+                  <a:tcPr anchor="ctr"/>
+                </a:tc>
+                <a:tc>
+                  <a:txBody>
+                    <a:bodyPr/>
+                    <a:lstStyle/>
+                    <a:p>
+                      <a:pPr algn="ctr"/>
+                      <a:r>
+                        <a:rPr lang="en-US" dirty="0"/>
+                        <a:t>0.119</a:t>
+                      </a:r>
+                    </a:p>
+                  </a:txBody>
+                  <a:tcPr anchor="ctr"/>
+                </a:tc>
+                <a:tc>
+                  <a:txBody>
+                    <a:bodyPr/>
+                    <a:lstStyle/>
+                    <a:p>
+                      <a:pPr algn="ctr"/>
+                      <a:r>
+                        <a:rPr lang="en-US" dirty="0"/>
+                        <a:t>0.123</a:t>
+                      </a:r>
+                    </a:p>
+                  </a:txBody>
+                  <a:tcPr anchor="ctr"/>
+                </a:tc>
+                <a:tc>
+                  <a:txBody>
+                    <a:bodyPr/>
+                    <a:lstStyle/>
+                    <a:p>
+                      <a:pPr algn="ctr"/>
+                      <a:r>
+                        <a:rPr lang="en-US" dirty="0"/>
+                        <a:t>0.127</a:t>
+                      </a:r>
+                    </a:p>
+                  </a:txBody>
+                  <a:tcPr anchor="ctr"/>
+                </a:tc>
+                <a:tc>
+                  <a:txBody>
+                    <a:bodyPr/>
+                    <a:lstStyle/>
+                    <a:p>
+                      <a:pPr algn="ctr"/>
+                      <a:r>
+                        <a:rPr lang="en-US" dirty="0">
+                          <a:solidFill>
+                            <a:srgbClr val="C00000"/>
+                          </a:solidFill>
+                        </a:rPr>
+                        <a:t>0.115</a:t>
+                      </a:r>
+                    </a:p>
+                  </a:txBody>
+                  <a:tcPr anchor="ctr"/>
+                </a:tc>
+                <a:tc>
+                  <a:txBody>
+                    <a:bodyPr/>
+                    <a:lstStyle/>
+                    <a:p>
+                      <a:pPr algn="ctr"/>
+                      <a:r>
+                        <a:rPr lang="en-US" dirty="0">
+                          <a:solidFill>
+                            <a:srgbClr val="C00000"/>
+                          </a:solidFill>
+                        </a:rPr>
+                        <a:t>0.113</a:t>
+                      </a:r>
+                    </a:p>
+                  </a:txBody>
+                  <a:tcPr anchor="ctr"/>
+                </a:tc>
+                <a:extLst>
+                  <a:ext uri="{0D108BD9-81ED-4DB2-BD59-A6C34878D82A}">
+                    <a16:rowId xmlns:a16="http://schemas.microsoft.com/office/drawing/2014/main" val="9188058"/>
+                  </a:ext>
+                </a:extLst>
+              </a:tr>
+            </a:tbl>
+          </a:graphicData>
+        </a:graphic>
+      </p:graphicFrame>
+      <p:sp>
+        <p:nvSpPr>
+          <p:cNvPr id="23" name="TextBox 22">
+            <a:extLst>
+              <a:ext uri="{FF2B5EF4-FFF2-40B4-BE49-F238E27FC236}">
+                <a16:creationId xmlns:a16="http://schemas.microsoft.com/office/drawing/2014/main" id="{B359E3BC-6E46-4520-A85B-67D4241E3C66}"/>
+              </a:ext>
+            </a:extLst>
+          </p:cNvPr>
+          <p:cNvSpPr txBox="1"/>
+          <p:nvPr/>
+        </p:nvSpPr>
+        <p:spPr>
+          <a:xfrm>
+            <a:off x="381000" y="4965192"/>
+            <a:ext cx="9038420" cy="1200329"/>
+          </a:xfrm>
+          <a:prstGeom prst="rect">
+            <a:avLst/>
+          </a:prstGeom>
+          <a:noFill/>
+        </p:spPr>
+        <p:txBody>
+          <a:bodyPr wrap="square" rtlCol="0">
+            <a:spAutoFit/>
+          </a:bodyPr>
+          <a:lstStyle/>
+          <a:p>
+            <a:r>
+              <a:rPr lang="en-US" dirty="0"/>
+              <a:t>For the second </a:t>
+            </a:r>
+            <a:r>
+              <a:rPr lang="en-US" dirty="0" err="1"/>
+              <a:t>XGBoost</a:t>
+            </a:r>
+            <a:r>
+              <a:rPr lang="en-US" dirty="0"/>
+              <a:t> model, features were selected via </a:t>
+            </a:r>
+            <a:r>
+              <a:rPr lang="en-US" dirty="0" err="1"/>
+              <a:t>Sklearn’s</a:t>
+            </a:r>
+            <a:r>
+              <a:rPr lang="en-US" dirty="0"/>
+              <a:t> Recursive Feature selection:</a:t>
+            </a:r>
+          </a:p>
+          <a:p>
+            <a:pPr marL="171450" indent="-171450">
+              <a:buFont typeface="Arial" panose="020B0604020202020204" pitchFamily="34" charset="0"/>
+              <a:buChar char="•"/>
+            </a:pPr>
+            <a:r>
+              <a:rPr lang="en-US" sz="1200" dirty="0" err="1"/>
+              <a:t>MSZoning</a:t>
+            </a:r>
+            <a:r>
+              <a:rPr lang="en-US" sz="1200" dirty="0"/>
+              <a:t>, </a:t>
+            </a:r>
+            <a:r>
+              <a:rPr lang="en-US" sz="1200" dirty="0" err="1"/>
+              <a:t>LotArea</a:t>
+            </a:r>
+            <a:r>
+              <a:rPr lang="en-US" sz="1200" dirty="0"/>
+              <a:t>, </a:t>
+            </a:r>
+            <a:r>
+              <a:rPr lang="en-US" sz="1200" dirty="0" err="1"/>
+              <a:t>OverallQual</a:t>
+            </a:r>
+            <a:r>
+              <a:rPr lang="en-US" sz="1200" dirty="0"/>
+              <a:t>, </a:t>
+            </a:r>
+            <a:r>
+              <a:rPr lang="en-US" sz="1200" dirty="0" err="1"/>
+              <a:t>OverallCond</a:t>
+            </a:r>
+            <a:r>
+              <a:rPr lang="en-US" sz="1200" dirty="0"/>
+              <a:t>, </a:t>
+            </a:r>
+            <a:r>
+              <a:rPr lang="en-US" sz="1200" dirty="0" err="1"/>
+              <a:t>YearBuilt</a:t>
+            </a:r>
+            <a:r>
+              <a:rPr lang="en-US" sz="1200" dirty="0"/>
+              <a:t>, </a:t>
+            </a:r>
+            <a:r>
+              <a:rPr lang="en-US" sz="1200" dirty="0" err="1"/>
+              <a:t>YearRemodAdd</a:t>
+            </a:r>
+            <a:r>
+              <a:rPr lang="en-US" sz="1200" dirty="0"/>
+              <a:t>, </a:t>
+            </a:r>
+            <a:r>
+              <a:rPr lang="en-US" sz="1200" dirty="0" err="1"/>
+              <a:t>ExterQual</a:t>
+            </a:r>
+            <a:r>
+              <a:rPr lang="en-US" sz="1200" dirty="0"/>
+              <a:t>, </a:t>
+            </a:r>
+            <a:r>
+              <a:rPr lang="en-US" sz="1200" dirty="0" err="1"/>
+              <a:t>BsmtQual</a:t>
+            </a:r>
+            <a:r>
+              <a:rPr lang="en-US" sz="1200" dirty="0"/>
+              <a:t>, </a:t>
+            </a:r>
+            <a:r>
+              <a:rPr lang="en-US" sz="1200" dirty="0" err="1"/>
+              <a:t>BsmtCond</a:t>
+            </a:r>
+            <a:r>
+              <a:rPr lang="en-US" sz="1200" dirty="0"/>
+              <a:t>, </a:t>
+            </a:r>
+            <a:r>
+              <a:rPr lang="en-US" sz="1200" dirty="0" err="1"/>
+              <a:t>TotalBsmtSF</a:t>
+            </a:r>
+            <a:r>
+              <a:rPr lang="en-US" sz="1200" dirty="0"/>
+              <a:t>,</a:t>
+            </a:r>
+          </a:p>
+          <a:p>
+            <a:r>
+              <a:rPr lang="en-US" sz="1200" dirty="0"/>
+              <a:t>     </a:t>
+            </a:r>
+            <a:r>
+              <a:rPr lang="en-US" sz="1200" dirty="0" err="1"/>
+              <a:t>HeatingQC</a:t>
+            </a:r>
+            <a:r>
+              <a:rPr lang="en-US" sz="1200" dirty="0"/>
+              <a:t>, </a:t>
+            </a:r>
+            <a:r>
+              <a:rPr lang="en-US" sz="1200" dirty="0" err="1"/>
+              <a:t>CentralAir</a:t>
+            </a:r>
+            <a:r>
+              <a:rPr lang="en-US" sz="1200" dirty="0"/>
+              <a:t>, 1stFlrSF, </a:t>
+            </a:r>
+            <a:r>
+              <a:rPr lang="en-US" sz="1200" dirty="0" err="1"/>
+              <a:t>GrLivArea</a:t>
+            </a:r>
+            <a:r>
+              <a:rPr lang="en-US" sz="1200" dirty="0"/>
+              <a:t>, </a:t>
+            </a:r>
+            <a:r>
+              <a:rPr lang="en-US" sz="1200" dirty="0" err="1"/>
+              <a:t>KitchenAbvGr</a:t>
+            </a:r>
+            <a:r>
+              <a:rPr lang="en-US" sz="1200" dirty="0"/>
+              <a:t>, Functional, Fireplaces, </a:t>
+            </a:r>
+            <a:r>
+              <a:rPr lang="en-US" sz="1200" dirty="0" err="1"/>
+              <a:t>GarageType</a:t>
+            </a:r>
+            <a:r>
+              <a:rPr lang="en-US" sz="1200" dirty="0"/>
+              <a:t>, </a:t>
+            </a:r>
+            <a:r>
+              <a:rPr lang="en-US" sz="1200" dirty="0" err="1"/>
+              <a:t>GarageYrBlt</a:t>
+            </a:r>
+            <a:r>
+              <a:rPr lang="en-US" sz="1200" dirty="0"/>
+              <a:t>, </a:t>
+            </a:r>
+            <a:r>
+              <a:rPr lang="en-US" sz="1200" dirty="0" err="1"/>
+              <a:t>GarageCars</a:t>
+            </a:r>
+            <a:r>
+              <a:rPr lang="en-US" sz="1200" dirty="0"/>
+              <a:t>,</a:t>
+            </a:r>
+          </a:p>
+          <a:p>
+            <a:r>
+              <a:rPr lang="en-US" sz="1200" dirty="0"/>
+              <a:t>     </a:t>
+            </a:r>
+            <a:r>
+              <a:rPr lang="en-US" sz="1200" dirty="0" err="1"/>
+              <a:t>ScreenPorch</a:t>
+            </a:r>
+            <a:r>
+              <a:rPr lang="en-US" sz="1200" dirty="0"/>
+              <a:t>, </a:t>
+            </a:r>
+            <a:r>
+              <a:rPr lang="en-US" sz="1200" dirty="0" err="1"/>
+              <a:t>SaleCondition</a:t>
+            </a:r>
+            <a:r>
+              <a:rPr lang="en-US" sz="1200" dirty="0"/>
+              <a:t>, </a:t>
+            </a:r>
+            <a:r>
+              <a:rPr lang="en-US" sz="1200" dirty="0" err="1"/>
+              <a:t>sold_age</a:t>
+            </a:r>
+            <a:r>
+              <a:rPr lang="en-US" sz="1200" dirty="0"/>
+              <a:t>, </a:t>
+            </a:r>
+            <a:r>
+              <a:rPr lang="en-US" sz="1200" dirty="0" err="1"/>
+              <a:t>yr_since_remod</a:t>
+            </a:r>
+            <a:r>
+              <a:rPr lang="en-US" sz="1200" dirty="0"/>
+              <a:t>, </a:t>
+            </a:r>
+            <a:r>
+              <a:rPr lang="en-US" sz="1200" dirty="0" err="1"/>
+              <a:t>Usable_Space</a:t>
+            </a:r>
+            <a:endParaRPr lang="en-US" sz="1200" dirty="0"/>
+          </a:p>
+        </p:txBody>
+      </p:sp>
+    </p:spTree>
+    <p:extLst>
+      <p:ext uri="{BB962C8B-B14F-4D97-AF65-F5344CB8AC3E}">
+        <p14:creationId xmlns:p14="http://schemas.microsoft.com/office/powerpoint/2010/main" val="2709408492"/>
+      </p:ext>
+    </p:extLst>
+  </p:cSld>
+  <p:clrMapOvr>
+    <a:masterClrMapping/>
+  </p:clrMapOvr>
+</p:sld>
+</file>
+
+<file path=ppt/slides/slide23.xml><?xml version="1.0" encoding="utf-8"?>
+<p:sld xmlns:a="http://schemas.openxmlformats.org/drawingml/2006/main" xmlns:r="http://schemas.openxmlformats.org/officeDocument/2006/relationships" xmlns:p="http://schemas.openxmlformats.org/presentationml/2006/main">
+  <p:cSld>
+    <p:spTree>
+      <p:nvGrpSpPr>
+        <p:cNvPr id="1" name=""/>
+        <p:cNvGrpSpPr/>
+        <p:nvPr/>
+      </p:nvGrpSpPr>
+      <p:grpSpPr>
+        <a:xfrm>
+          <a:off x="0" y="0"/>
+          <a:ext cx="0" cy="0"/>
+          <a:chOff x="0" y="0"/>
+          <a:chExt cx="0" cy="0"/>
+        </a:xfrm>
+      </p:grpSpPr>
+      <p:sp>
+        <p:nvSpPr>
+          <p:cNvPr id="2" name="Title 1">
+            <a:extLst>
+              <a:ext uri="{FF2B5EF4-FFF2-40B4-BE49-F238E27FC236}">
+                <a16:creationId xmlns:a16="http://schemas.microsoft.com/office/drawing/2014/main" id="{99F0DAE8-FB19-443E-8113-330E5B580498}"/>
+              </a:ext>
+            </a:extLst>
+          </p:cNvPr>
+          <p:cNvSpPr>
+            <a:spLocks noGrp="1"/>
+          </p:cNvSpPr>
+          <p:nvPr>
+            <p:ph type="title"/>
+          </p:nvPr>
+        </p:nvSpPr>
+        <p:spPr>
+          <a:xfrm>
+            <a:off x="265176" y="295893"/>
+            <a:ext cx="10681499" cy="581301"/>
+          </a:xfrm>
+        </p:spPr>
+        <p:txBody>
+          <a:bodyPr/>
+          <a:lstStyle/>
+          <a:p>
+            <a:r>
+              <a:rPr lang="en-US" sz="2400" dirty="0"/>
+              <a:t>What do these models tell us about which factors that affect sales prices?</a:t>
+            </a:r>
+          </a:p>
+        </p:txBody>
+      </p:sp>
+      <p:pic>
+        <p:nvPicPr>
+          <p:cNvPr id="7" name="Content Placeholder 6">
+            <a:extLst>
+              <a:ext uri="{FF2B5EF4-FFF2-40B4-BE49-F238E27FC236}">
+                <a16:creationId xmlns:a16="http://schemas.microsoft.com/office/drawing/2014/main" id="{D32546BB-98E7-43F2-8149-D327F26B303B}"/>
+              </a:ext>
+            </a:extLst>
+          </p:cNvPr>
+          <p:cNvPicPr>
+            <a:picLocks noGrp="1" noChangeAspect="1"/>
+          </p:cNvPicPr>
+          <p:nvPr>
+            <p:ph idx="1"/>
+          </p:nvPr>
+        </p:nvPicPr>
+        <p:blipFill>
+          <a:blip r:embed="rId2"/>
+          <a:stretch>
+            <a:fillRect/>
+          </a:stretch>
+        </p:blipFill>
+        <p:spPr>
+          <a:xfrm>
+            <a:off x="174012" y="1204784"/>
+            <a:ext cx="1731414" cy="5151566"/>
+          </a:xfrm>
+          <a:prstGeom prst="rect">
+            <a:avLst/>
+          </a:prstGeom>
+        </p:spPr>
+      </p:pic>
+      <p:sp>
+        <p:nvSpPr>
+          <p:cNvPr id="4" name="Date Placeholder 3">
+            <a:extLst>
+              <a:ext uri="{FF2B5EF4-FFF2-40B4-BE49-F238E27FC236}">
+                <a16:creationId xmlns:a16="http://schemas.microsoft.com/office/drawing/2014/main" id="{E45B58B1-1CF0-47AE-83A7-8F6AE2669DD8}"/>
+              </a:ext>
+            </a:extLst>
+          </p:cNvPr>
+          <p:cNvSpPr>
+            <a:spLocks noGrp="1"/>
+          </p:cNvSpPr>
+          <p:nvPr>
+            <p:ph type="dt" sz="half" idx="2"/>
+          </p:nvPr>
+        </p:nvSpPr>
+        <p:spPr/>
+        <p:txBody>
+          <a:bodyPr/>
+          <a:lstStyle/>
+          <a:p>
+            <a:fld id="{8CE9AC2A-20AD-8C48-B5EB-B5322BDBCDEE}" type="datetime1">
+              <a:rPr lang="en-US" smtClean="0"/>
+              <a:pPr/>
+              <a:t>4/7/2022</a:t>
+            </a:fld>
+            <a:endParaRPr lang="en-US" dirty="0"/>
+          </a:p>
+        </p:txBody>
+      </p:sp>
+      <p:sp>
+        <p:nvSpPr>
+          <p:cNvPr id="5" name="Footer Placeholder 4">
+            <a:extLst>
+              <a:ext uri="{FF2B5EF4-FFF2-40B4-BE49-F238E27FC236}">
+                <a16:creationId xmlns:a16="http://schemas.microsoft.com/office/drawing/2014/main" id="{96839EBF-84DF-4AA8-B127-71E7267FD394}"/>
+              </a:ext>
+            </a:extLst>
+          </p:cNvPr>
+          <p:cNvSpPr>
+            <a:spLocks noGrp="1"/>
+          </p:cNvSpPr>
+          <p:nvPr>
+            <p:ph type="ftr" sz="quarter" idx="3"/>
+          </p:nvPr>
+        </p:nvSpPr>
+        <p:spPr/>
+        <p:txBody>
+          <a:bodyPr/>
+          <a:lstStyle/>
+          <a:p>
+            <a:r>
+              <a:rPr lang="en-US" dirty="0"/>
+              <a:t>Ames, Iowa: House Sale Prices prediction</a:t>
+            </a:r>
+          </a:p>
+        </p:txBody>
+      </p:sp>
+      <p:sp>
+        <p:nvSpPr>
+          <p:cNvPr id="6" name="Slide Number Placeholder 5">
+            <a:extLst>
+              <a:ext uri="{FF2B5EF4-FFF2-40B4-BE49-F238E27FC236}">
+                <a16:creationId xmlns:a16="http://schemas.microsoft.com/office/drawing/2014/main" id="{618D4955-A7A9-4C34-A9DE-4E4074977D34}"/>
+              </a:ext>
+            </a:extLst>
+          </p:cNvPr>
+          <p:cNvSpPr>
+            <a:spLocks noGrp="1"/>
+          </p:cNvSpPr>
+          <p:nvPr>
+            <p:ph type="sldNum" sz="quarter" idx="4"/>
+          </p:nvPr>
+        </p:nvSpPr>
+        <p:spPr/>
+        <p:txBody>
+          <a:bodyPr/>
+          <a:lstStyle/>
+          <a:p>
+            <a:fld id="{294A09A9-5501-47C1-A89A-A340965A2BE2}" type="slidenum">
+              <a:rPr lang="en-US" smtClean="0"/>
+              <a:pPr/>
+              <a:t>23</a:t>
+            </a:fld>
+            <a:endParaRPr lang="en-US" dirty="0"/>
+          </a:p>
+        </p:txBody>
+      </p:sp>
+      <p:pic>
+        <p:nvPicPr>
+          <p:cNvPr id="8" name="Picture 7">
+            <a:extLst>
+              <a:ext uri="{FF2B5EF4-FFF2-40B4-BE49-F238E27FC236}">
+                <a16:creationId xmlns:a16="http://schemas.microsoft.com/office/drawing/2014/main" id="{76E94CAF-A45D-46F0-96CA-51F7D8103E5A}"/>
+              </a:ext>
+            </a:extLst>
+          </p:cNvPr>
+          <p:cNvPicPr>
+            <a:picLocks noChangeAspect="1"/>
+          </p:cNvPicPr>
+          <p:nvPr/>
+        </p:nvPicPr>
+        <p:blipFill>
+          <a:blip r:embed="rId3"/>
+          <a:stretch>
+            <a:fillRect/>
+          </a:stretch>
+        </p:blipFill>
+        <p:spPr>
+          <a:xfrm>
+            <a:off x="2018010" y="2106419"/>
+            <a:ext cx="4547382" cy="3020706"/>
+          </a:xfrm>
+          <a:prstGeom prst="rect">
+            <a:avLst/>
+          </a:prstGeom>
+        </p:spPr>
+      </p:pic>
+      <p:pic>
+        <p:nvPicPr>
+          <p:cNvPr id="9" name="Picture 8">
+            <a:extLst>
+              <a:ext uri="{FF2B5EF4-FFF2-40B4-BE49-F238E27FC236}">
+                <a16:creationId xmlns:a16="http://schemas.microsoft.com/office/drawing/2014/main" id="{0ED4152E-50ED-44ED-94A9-3AAA71169FB3}"/>
+              </a:ext>
+            </a:extLst>
+          </p:cNvPr>
+          <p:cNvPicPr>
+            <a:picLocks noChangeAspect="1"/>
+          </p:cNvPicPr>
+          <p:nvPr/>
+        </p:nvPicPr>
+        <p:blipFill>
+          <a:blip r:embed="rId4"/>
+          <a:stretch>
+            <a:fillRect/>
+          </a:stretch>
+        </p:blipFill>
+        <p:spPr>
+          <a:xfrm>
+            <a:off x="9104371" y="2121408"/>
+            <a:ext cx="2280102" cy="4297680"/>
+          </a:xfrm>
+          <a:prstGeom prst="rect">
+            <a:avLst/>
+          </a:prstGeom>
+        </p:spPr>
+      </p:pic>
+      <p:sp>
+        <p:nvSpPr>
+          <p:cNvPr id="10" name="TextBox 9">
+            <a:extLst>
+              <a:ext uri="{FF2B5EF4-FFF2-40B4-BE49-F238E27FC236}">
+                <a16:creationId xmlns:a16="http://schemas.microsoft.com/office/drawing/2014/main" id="{BEF2F897-91DC-4C84-A8D9-6F989C53A3B3}"/>
+              </a:ext>
+            </a:extLst>
+          </p:cNvPr>
+          <p:cNvSpPr txBox="1"/>
+          <p:nvPr/>
+        </p:nvSpPr>
+        <p:spPr>
+          <a:xfrm>
+            <a:off x="9062360" y="1782854"/>
+            <a:ext cx="2322113" cy="338554"/>
+          </a:xfrm>
+          <a:prstGeom prst="rect">
+            <a:avLst/>
+          </a:prstGeom>
+          <a:noFill/>
+        </p:spPr>
+        <p:txBody>
+          <a:bodyPr wrap="square" rtlCol="0">
+            <a:spAutoFit/>
+          </a:bodyPr>
+          <a:lstStyle/>
+          <a:p>
+            <a:r>
+              <a:rPr lang="en-US" sz="1600" dirty="0"/>
+              <a:t>  Random Forest Model</a:t>
+            </a:r>
+          </a:p>
+        </p:txBody>
+      </p:sp>
+      <p:sp>
+        <p:nvSpPr>
+          <p:cNvPr id="11" name="TextBox 10">
+            <a:extLst>
+              <a:ext uri="{FF2B5EF4-FFF2-40B4-BE49-F238E27FC236}">
+                <a16:creationId xmlns:a16="http://schemas.microsoft.com/office/drawing/2014/main" id="{127928D3-FD88-4B6F-A6F2-B7B93A613093}"/>
+              </a:ext>
+            </a:extLst>
+          </p:cNvPr>
+          <p:cNvSpPr txBox="1"/>
+          <p:nvPr/>
+        </p:nvSpPr>
+        <p:spPr>
+          <a:xfrm>
+            <a:off x="3495156" y="1767865"/>
+            <a:ext cx="1588663" cy="338554"/>
+          </a:xfrm>
+          <a:prstGeom prst="rect">
+            <a:avLst/>
+          </a:prstGeom>
+          <a:noFill/>
+        </p:spPr>
+        <p:txBody>
+          <a:bodyPr wrap="square" rtlCol="0">
+            <a:spAutoFit/>
+          </a:bodyPr>
+          <a:lstStyle/>
+          <a:p>
+            <a:r>
+              <a:rPr lang="en-US" sz="1600" dirty="0" err="1"/>
+              <a:t>XGBoost</a:t>
+            </a:r>
+            <a:r>
+              <a:rPr lang="en-US" sz="1600" dirty="0"/>
+              <a:t> Model</a:t>
+            </a:r>
+          </a:p>
+        </p:txBody>
+      </p:sp>
+      <p:pic>
+        <p:nvPicPr>
+          <p:cNvPr id="13" name="Picture 12">
+            <a:extLst>
+              <a:ext uri="{FF2B5EF4-FFF2-40B4-BE49-F238E27FC236}">
+                <a16:creationId xmlns:a16="http://schemas.microsoft.com/office/drawing/2014/main" id="{971F6D9E-B6E4-4433-A2F1-C2AE54899CA8}"/>
+              </a:ext>
+            </a:extLst>
+          </p:cNvPr>
+          <p:cNvPicPr>
+            <a:picLocks noChangeAspect="1"/>
+          </p:cNvPicPr>
+          <p:nvPr/>
+        </p:nvPicPr>
+        <p:blipFill>
+          <a:blip r:embed="rId5"/>
+          <a:stretch>
+            <a:fillRect/>
+          </a:stretch>
+        </p:blipFill>
+        <p:spPr>
+          <a:xfrm>
+            <a:off x="6673825" y="2121408"/>
+            <a:ext cx="2322113" cy="4234942"/>
+          </a:xfrm>
+          <a:prstGeom prst="rect">
+            <a:avLst/>
+          </a:prstGeom>
+        </p:spPr>
+      </p:pic>
+      <mc:AlternateContent xmlns:mc="http://schemas.openxmlformats.org/markup-compatibility/2006">
+        <mc:Choice xmlns:p14="http://schemas.microsoft.com/office/powerpoint/2010/main" Requires="p14">
+          <p:contentPart p14:bwMode="auto" r:id="rId6">
+            <p14:nvContentPartPr>
+              <p14:cNvPr id="14" name="Ink 13">
+                <a:extLst>
+                  <a:ext uri="{FF2B5EF4-FFF2-40B4-BE49-F238E27FC236}">
+                    <a16:creationId xmlns:a16="http://schemas.microsoft.com/office/drawing/2014/main" id="{098F839A-EE63-496B-BD20-C492A8F608B4}"/>
+                  </a:ext>
+                </a:extLst>
+              </p14:cNvPr>
+              <p14:cNvContentPartPr/>
+              <p14:nvPr/>
+            </p14:nvContentPartPr>
+            <p14:xfrm>
+              <a:off x="1014552" y="6153192"/>
+              <a:ext cx="712800" cy="19080"/>
+            </p14:xfrm>
+          </p:contentPart>
+        </mc:Choice>
+        <mc:Fallback>
+          <p:pic>
+            <p:nvPicPr>
+              <p:cNvPr id="14" name="Ink 13">
+                <a:extLst>
+                  <a:ext uri="{FF2B5EF4-FFF2-40B4-BE49-F238E27FC236}">
+                    <a16:creationId xmlns:a16="http://schemas.microsoft.com/office/drawing/2014/main" id="{098F839A-EE63-496B-BD20-C492A8F608B4}"/>
+                  </a:ext>
+                </a:extLst>
+              </p:cNvPr>
+              <p:cNvPicPr/>
+              <p:nvPr/>
+            </p:nvPicPr>
+            <p:blipFill>
+              <a:blip r:embed="rId7"/>
+              <a:stretch>
+                <a:fillRect/>
+              </a:stretch>
+            </p:blipFill>
+            <p:spPr>
+              <a:xfrm>
+                <a:off x="960912" y="6045552"/>
+                <a:ext cx="820440" cy="234720"/>
+              </a:xfrm>
+              <a:prstGeom prst="rect">
+                <a:avLst/>
+              </a:prstGeom>
+            </p:spPr>
+          </p:pic>
+        </mc:Fallback>
+      </mc:AlternateContent>
+      <mc:AlternateContent xmlns:mc="http://schemas.openxmlformats.org/markup-compatibility/2006">
+        <mc:Choice xmlns:p14="http://schemas.microsoft.com/office/powerpoint/2010/main" Requires="p14">
+          <p:contentPart p14:bwMode="auto" r:id="rId8">
+            <p14:nvContentPartPr>
+              <p14:cNvPr id="15" name="Ink 14">
+                <a:extLst>
+                  <a:ext uri="{FF2B5EF4-FFF2-40B4-BE49-F238E27FC236}">
+                    <a16:creationId xmlns:a16="http://schemas.microsoft.com/office/drawing/2014/main" id="{A38EBD82-D8EF-4B93-B130-A9E73BA11788}"/>
+                  </a:ext>
+                </a:extLst>
+              </p14:cNvPr>
+              <p14:cNvContentPartPr/>
+              <p14:nvPr/>
+            </p14:nvContentPartPr>
+            <p14:xfrm>
+              <a:off x="2248992" y="2761272"/>
+              <a:ext cx="511200" cy="360"/>
+            </p14:xfrm>
+          </p:contentPart>
+        </mc:Choice>
+        <mc:Fallback>
+          <p:pic>
+            <p:nvPicPr>
+              <p:cNvPr id="15" name="Ink 14">
+                <a:extLst>
+                  <a:ext uri="{FF2B5EF4-FFF2-40B4-BE49-F238E27FC236}">
+                    <a16:creationId xmlns:a16="http://schemas.microsoft.com/office/drawing/2014/main" id="{A38EBD82-D8EF-4B93-B130-A9E73BA11788}"/>
+                  </a:ext>
+                </a:extLst>
+              </p:cNvPr>
+              <p:cNvPicPr/>
+              <p:nvPr/>
+            </p:nvPicPr>
+            <p:blipFill>
+              <a:blip r:embed="rId9"/>
+              <a:stretch>
+                <a:fillRect/>
+              </a:stretch>
+            </p:blipFill>
+            <p:spPr>
+              <a:xfrm>
+                <a:off x="2195352" y="2653632"/>
+                <a:ext cx="618840" cy="216000"/>
+              </a:xfrm>
+              <a:prstGeom prst="rect">
+                <a:avLst/>
+              </a:prstGeom>
+            </p:spPr>
+          </p:pic>
+        </mc:Fallback>
+      </mc:AlternateContent>
+      <mc:AlternateContent xmlns:mc="http://schemas.openxmlformats.org/markup-compatibility/2006">
+        <mc:Choice xmlns:p14="http://schemas.microsoft.com/office/powerpoint/2010/main" Requires="p14">
+          <p:contentPart p14:bwMode="auto" r:id="rId10">
+            <p14:nvContentPartPr>
+              <p14:cNvPr id="16" name="Ink 15">
+                <a:extLst>
+                  <a:ext uri="{FF2B5EF4-FFF2-40B4-BE49-F238E27FC236}">
+                    <a16:creationId xmlns:a16="http://schemas.microsoft.com/office/drawing/2014/main" id="{F97E10CE-F0C4-4E2C-9AB5-C1C5A64100AE}"/>
+                  </a:ext>
+                </a:extLst>
+              </p14:cNvPr>
+              <p14:cNvContentPartPr/>
+              <p14:nvPr/>
+            </p14:nvContentPartPr>
+            <p14:xfrm>
+              <a:off x="7205472" y="2551032"/>
+              <a:ext cx="700200" cy="29880"/>
+            </p14:xfrm>
+          </p:contentPart>
+        </mc:Choice>
+        <mc:Fallback>
+          <p:pic>
+            <p:nvPicPr>
+              <p:cNvPr id="16" name="Ink 15">
+                <a:extLst>
+                  <a:ext uri="{FF2B5EF4-FFF2-40B4-BE49-F238E27FC236}">
+                    <a16:creationId xmlns:a16="http://schemas.microsoft.com/office/drawing/2014/main" id="{F97E10CE-F0C4-4E2C-9AB5-C1C5A64100AE}"/>
+                  </a:ext>
+                </a:extLst>
+              </p:cNvPr>
+              <p:cNvPicPr/>
+              <p:nvPr/>
+            </p:nvPicPr>
+            <p:blipFill>
+              <a:blip r:embed="rId11"/>
+              <a:stretch>
+                <a:fillRect/>
+              </a:stretch>
+            </p:blipFill>
+            <p:spPr>
+              <a:xfrm>
+                <a:off x="7151472" y="2443032"/>
+                <a:ext cx="807840" cy="245520"/>
+              </a:xfrm>
+              <a:prstGeom prst="rect">
+                <a:avLst/>
+              </a:prstGeom>
+            </p:spPr>
+          </p:pic>
+        </mc:Fallback>
+      </mc:AlternateContent>
+      <mc:AlternateContent xmlns:mc="http://schemas.openxmlformats.org/markup-compatibility/2006">
+        <mc:Choice xmlns:p14="http://schemas.microsoft.com/office/powerpoint/2010/main" Requires="p14">
+          <p:contentPart p14:bwMode="auto" r:id="rId12">
+            <p14:nvContentPartPr>
+              <p14:cNvPr id="17" name="Ink 16">
+                <a:extLst>
+                  <a:ext uri="{FF2B5EF4-FFF2-40B4-BE49-F238E27FC236}">
+                    <a16:creationId xmlns:a16="http://schemas.microsoft.com/office/drawing/2014/main" id="{D3A1469A-883B-493C-A15F-D0DEB3525A6E}"/>
+                  </a:ext>
+                </a:extLst>
+              </p14:cNvPr>
+              <p14:cNvContentPartPr/>
+              <p14:nvPr/>
+            </p14:nvContentPartPr>
+            <p14:xfrm>
+              <a:off x="9609912" y="2825352"/>
+              <a:ext cx="876600" cy="28440"/>
+            </p14:xfrm>
+          </p:contentPart>
+        </mc:Choice>
+        <mc:Fallback>
+          <p:pic>
+            <p:nvPicPr>
+              <p:cNvPr id="17" name="Ink 16">
+                <a:extLst>
+                  <a:ext uri="{FF2B5EF4-FFF2-40B4-BE49-F238E27FC236}">
+                    <a16:creationId xmlns:a16="http://schemas.microsoft.com/office/drawing/2014/main" id="{D3A1469A-883B-493C-A15F-D0DEB3525A6E}"/>
+                  </a:ext>
+                </a:extLst>
+              </p:cNvPr>
+              <p:cNvPicPr/>
+              <p:nvPr/>
+            </p:nvPicPr>
+            <p:blipFill>
+              <a:blip r:embed="rId13"/>
+              <a:stretch>
+                <a:fillRect/>
+              </a:stretch>
+            </p:blipFill>
+            <p:spPr>
+              <a:xfrm>
+                <a:off x="9556272" y="2717352"/>
+                <a:ext cx="984240" cy="244080"/>
+              </a:xfrm>
+              <a:prstGeom prst="rect">
+                <a:avLst/>
+              </a:prstGeom>
+            </p:spPr>
+          </p:pic>
+        </mc:Fallback>
+      </mc:AlternateContent>
+      <mc:AlternateContent xmlns:mc="http://schemas.openxmlformats.org/markup-compatibility/2006">
+        <mc:Choice xmlns:p14="http://schemas.microsoft.com/office/powerpoint/2010/main" Requires="p14">
+          <p:contentPart p14:bwMode="auto" r:id="rId14">
+            <p14:nvContentPartPr>
+              <p14:cNvPr id="18" name="Ink 17">
+                <a:extLst>
+                  <a:ext uri="{FF2B5EF4-FFF2-40B4-BE49-F238E27FC236}">
+                    <a16:creationId xmlns:a16="http://schemas.microsoft.com/office/drawing/2014/main" id="{E88B8A0F-BB9A-4235-99BA-4D967E6EB26A}"/>
+                  </a:ext>
+                </a:extLst>
+              </p14:cNvPr>
+              <p14:cNvContentPartPr/>
+              <p14:nvPr/>
+            </p14:nvContentPartPr>
+            <p14:xfrm>
+              <a:off x="1161072" y="2055672"/>
+              <a:ext cx="540360" cy="47880"/>
+            </p14:xfrm>
+          </p:contentPart>
+        </mc:Choice>
+        <mc:Fallback>
+          <p:pic>
+            <p:nvPicPr>
+              <p:cNvPr id="18" name="Ink 17">
+                <a:extLst>
+                  <a:ext uri="{FF2B5EF4-FFF2-40B4-BE49-F238E27FC236}">
+                    <a16:creationId xmlns:a16="http://schemas.microsoft.com/office/drawing/2014/main" id="{E88B8A0F-BB9A-4235-99BA-4D967E6EB26A}"/>
+                  </a:ext>
+                </a:extLst>
+              </p:cNvPr>
+              <p:cNvPicPr/>
+              <p:nvPr/>
+            </p:nvPicPr>
+            <p:blipFill>
+              <a:blip r:embed="rId15"/>
+              <a:stretch>
+                <a:fillRect/>
+              </a:stretch>
+            </p:blipFill>
+            <p:spPr>
+              <a:xfrm>
+                <a:off x="1107432" y="1947672"/>
+                <a:ext cx="648000" cy="263520"/>
+              </a:xfrm>
+              <a:prstGeom prst="rect">
+                <a:avLst/>
+              </a:prstGeom>
+            </p:spPr>
+          </p:pic>
+        </mc:Fallback>
+      </mc:AlternateContent>
+      <mc:AlternateContent xmlns:mc="http://schemas.openxmlformats.org/markup-compatibility/2006">
+        <mc:Choice xmlns:p14="http://schemas.microsoft.com/office/powerpoint/2010/main" Requires="p14">
+          <p:contentPart p14:bwMode="auto" r:id="rId16">
+            <p14:nvContentPartPr>
+              <p14:cNvPr id="19" name="Ink 18">
+                <a:extLst>
+                  <a:ext uri="{FF2B5EF4-FFF2-40B4-BE49-F238E27FC236}">
+                    <a16:creationId xmlns:a16="http://schemas.microsoft.com/office/drawing/2014/main" id="{3C22261E-B4EE-4F5A-8231-8730C28BADCC}"/>
+                  </a:ext>
+                </a:extLst>
+              </p14:cNvPr>
+              <p14:cNvContentPartPr/>
+              <p14:nvPr/>
+            </p14:nvContentPartPr>
+            <p14:xfrm>
+              <a:off x="1481112" y="2102832"/>
+              <a:ext cx="264600" cy="360"/>
+            </p14:xfrm>
+          </p:contentPart>
+        </mc:Choice>
+        <mc:Fallback>
+          <p:pic>
+            <p:nvPicPr>
+              <p:cNvPr id="19" name="Ink 18">
+                <a:extLst>
+                  <a:ext uri="{FF2B5EF4-FFF2-40B4-BE49-F238E27FC236}">
+                    <a16:creationId xmlns:a16="http://schemas.microsoft.com/office/drawing/2014/main" id="{3C22261E-B4EE-4F5A-8231-8730C28BADCC}"/>
+                  </a:ext>
+                </a:extLst>
+              </p:cNvPr>
+              <p:cNvPicPr/>
+              <p:nvPr/>
+            </p:nvPicPr>
+            <p:blipFill>
+              <a:blip r:embed="rId17"/>
+              <a:stretch>
+                <a:fillRect/>
+              </a:stretch>
+            </p:blipFill>
+            <p:spPr>
+              <a:xfrm>
+                <a:off x="1427472" y="1995192"/>
+                <a:ext cx="372240" cy="216000"/>
+              </a:xfrm>
+              <a:prstGeom prst="rect">
+                <a:avLst/>
+              </a:prstGeom>
+            </p:spPr>
+          </p:pic>
+        </mc:Fallback>
+      </mc:AlternateContent>
+      <mc:AlternateContent xmlns:mc="http://schemas.openxmlformats.org/markup-compatibility/2006">
+        <mc:Choice xmlns:p14="http://schemas.microsoft.com/office/powerpoint/2010/main" Requires="p14">
+          <p:contentPart p14:bwMode="auto" r:id="rId18">
+            <p14:nvContentPartPr>
+              <p14:cNvPr id="20" name="Ink 19">
+                <a:extLst>
+                  <a:ext uri="{FF2B5EF4-FFF2-40B4-BE49-F238E27FC236}">
+                    <a16:creationId xmlns:a16="http://schemas.microsoft.com/office/drawing/2014/main" id="{A92474BE-EE1E-434D-90DC-99BDCAEA34B5}"/>
+                  </a:ext>
+                </a:extLst>
+              </p14:cNvPr>
+              <p14:cNvContentPartPr/>
+              <p14:nvPr/>
+            </p14:nvContentPartPr>
+            <p14:xfrm>
+              <a:off x="2349792" y="2953152"/>
+              <a:ext cx="411120" cy="28080"/>
+            </p14:xfrm>
+          </p:contentPart>
+        </mc:Choice>
+        <mc:Fallback>
+          <p:pic>
+            <p:nvPicPr>
+              <p:cNvPr id="20" name="Ink 19">
+                <a:extLst>
+                  <a:ext uri="{FF2B5EF4-FFF2-40B4-BE49-F238E27FC236}">
+                    <a16:creationId xmlns:a16="http://schemas.microsoft.com/office/drawing/2014/main" id="{A92474BE-EE1E-434D-90DC-99BDCAEA34B5}"/>
+                  </a:ext>
+                </a:extLst>
+              </p:cNvPr>
+              <p:cNvPicPr/>
+              <p:nvPr/>
+            </p:nvPicPr>
+            <p:blipFill>
+              <a:blip r:embed="rId19"/>
+              <a:stretch>
+                <a:fillRect/>
+              </a:stretch>
+            </p:blipFill>
+            <p:spPr>
+              <a:xfrm>
+                <a:off x="2295792" y="2845512"/>
+                <a:ext cx="518760" cy="243720"/>
+              </a:xfrm>
+              <a:prstGeom prst="rect">
+                <a:avLst/>
+              </a:prstGeom>
+            </p:spPr>
+          </p:pic>
+        </mc:Fallback>
+      </mc:AlternateContent>
+      <mc:AlternateContent xmlns:mc="http://schemas.openxmlformats.org/markup-compatibility/2006">
+        <mc:Choice xmlns:p14="http://schemas.microsoft.com/office/powerpoint/2010/main" Requires="p14">
+          <p:contentPart p14:bwMode="auto" r:id="rId20">
+            <p14:nvContentPartPr>
+              <p14:cNvPr id="21" name="Ink 20">
+                <a:extLst>
+                  <a:ext uri="{FF2B5EF4-FFF2-40B4-BE49-F238E27FC236}">
+                    <a16:creationId xmlns:a16="http://schemas.microsoft.com/office/drawing/2014/main" id="{C8A5CA4C-3D6F-49C1-8CB9-F96007FF9595}"/>
+                  </a:ext>
+                </a:extLst>
+              </p14:cNvPr>
+              <p14:cNvContentPartPr/>
+              <p14:nvPr/>
+            </p14:nvContentPartPr>
+            <p14:xfrm>
+              <a:off x="7324272" y="2797272"/>
+              <a:ext cx="557280" cy="19800"/>
+            </p14:xfrm>
+          </p:contentPart>
+        </mc:Choice>
+        <mc:Fallback>
+          <p:pic>
+            <p:nvPicPr>
+              <p:cNvPr id="21" name="Ink 20">
+                <a:extLst>
+                  <a:ext uri="{FF2B5EF4-FFF2-40B4-BE49-F238E27FC236}">
+                    <a16:creationId xmlns:a16="http://schemas.microsoft.com/office/drawing/2014/main" id="{C8A5CA4C-3D6F-49C1-8CB9-F96007FF9595}"/>
+                  </a:ext>
+                </a:extLst>
+              </p:cNvPr>
+              <p:cNvPicPr/>
+              <p:nvPr/>
+            </p:nvPicPr>
+            <p:blipFill>
+              <a:blip r:embed="rId21"/>
+              <a:stretch>
+                <a:fillRect/>
+              </a:stretch>
+            </p:blipFill>
+            <p:spPr>
+              <a:xfrm>
+                <a:off x="7270272" y="2689632"/>
+                <a:ext cx="664920" cy="235440"/>
+              </a:xfrm>
+              <a:prstGeom prst="rect">
+                <a:avLst/>
+              </a:prstGeom>
+            </p:spPr>
+          </p:pic>
+        </mc:Fallback>
+      </mc:AlternateContent>
+      <mc:AlternateContent xmlns:mc="http://schemas.openxmlformats.org/markup-compatibility/2006">
+        <mc:Choice xmlns:p14="http://schemas.microsoft.com/office/powerpoint/2010/main" Requires="p14">
+          <p:contentPart p14:bwMode="auto" r:id="rId22">
+            <p14:nvContentPartPr>
+              <p14:cNvPr id="22" name="Ink 21">
+                <a:extLst>
+                  <a:ext uri="{FF2B5EF4-FFF2-40B4-BE49-F238E27FC236}">
+                    <a16:creationId xmlns:a16="http://schemas.microsoft.com/office/drawing/2014/main" id="{8B9E2B3F-D8AE-4FE4-8245-C20AFEA2C55C}"/>
+                  </a:ext>
+                </a:extLst>
+              </p14:cNvPr>
+              <p14:cNvContentPartPr/>
+              <p14:nvPr/>
+            </p14:nvContentPartPr>
+            <p14:xfrm>
+              <a:off x="9738432" y="2569032"/>
+              <a:ext cx="752400" cy="55440"/>
+            </p14:xfrm>
+          </p:contentPart>
+        </mc:Choice>
+        <mc:Fallback>
+          <p:pic>
+            <p:nvPicPr>
+              <p:cNvPr id="22" name="Ink 21">
+                <a:extLst>
+                  <a:ext uri="{FF2B5EF4-FFF2-40B4-BE49-F238E27FC236}">
+                    <a16:creationId xmlns:a16="http://schemas.microsoft.com/office/drawing/2014/main" id="{8B9E2B3F-D8AE-4FE4-8245-C20AFEA2C55C}"/>
+                  </a:ext>
+                </a:extLst>
+              </p:cNvPr>
+              <p:cNvPicPr/>
+              <p:nvPr/>
+            </p:nvPicPr>
+            <p:blipFill>
+              <a:blip r:embed="rId23"/>
+              <a:stretch>
+                <a:fillRect/>
+              </a:stretch>
+            </p:blipFill>
+            <p:spPr>
+              <a:xfrm>
+                <a:off x="9684432" y="2461392"/>
+                <a:ext cx="860040" cy="271080"/>
+              </a:xfrm>
+              <a:prstGeom prst="rect">
+                <a:avLst/>
+              </a:prstGeom>
+            </p:spPr>
+          </p:pic>
+        </mc:Fallback>
+      </mc:AlternateContent>
+      <mc:AlternateContent xmlns:mc="http://schemas.openxmlformats.org/markup-compatibility/2006">
+        <mc:Choice xmlns:p14="http://schemas.microsoft.com/office/powerpoint/2010/main" Requires="p14">
+          <p:contentPart p14:bwMode="auto" r:id="rId24">
+            <p14:nvContentPartPr>
+              <p14:cNvPr id="23" name="Ink 22">
+                <a:extLst>
+                  <a:ext uri="{FF2B5EF4-FFF2-40B4-BE49-F238E27FC236}">
+                    <a16:creationId xmlns:a16="http://schemas.microsoft.com/office/drawing/2014/main" id="{0053E31B-F81D-4BBC-BB6C-A5648C8542C4}"/>
+                  </a:ext>
+                </a:extLst>
+              </p14:cNvPr>
+              <p14:cNvContentPartPr/>
+              <p14:nvPr/>
+            </p14:nvContentPartPr>
+            <p14:xfrm>
+              <a:off x="1225152" y="5403672"/>
+              <a:ext cx="520560" cy="11520"/>
+            </p14:xfrm>
+          </p:contentPart>
+        </mc:Choice>
+        <mc:Fallback>
+          <p:pic>
+            <p:nvPicPr>
+              <p:cNvPr id="23" name="Ink 22">
+                <a:extLst>
+                  <a:ext uri="{FF2B5EF4-FFF2-40B4-BE49-F238E27FC236}">
+                    <a16:creationId xmlns:a16="http://schemas.microsoft.com/office/drawing/2014/main" id="{0053E31B-F81D-4BBC-BB6C-A5648C8542C4}"/>
+                  </a:ext>
+                </a:extLst>
+              </p:cNvPr>
+              <p:cNvPicPr/>
+              <p:nvPr/>
+            </p:nvPicPr>
+            <p:blipFill>
+              <a:blip r:embed="rId25"/>
+              <a:stretch>
+                <a:fillRect/>
+              </a:stretch>
+            </p:blipFill>
+            <p:spPr>
+              <a:xfrm>
+                <a:off x="1171152" y="5295672"/>
+                <a:ext cx="628200" cy="227160"/>
+              </a:xfrm>
+              <a:prstGeom prst="rect">
+                <a:avLst/>
+              </a:prstGeom>
+            </p:spPr>
+          </p:pic>
+        </mc:Fallback>
+      </mc:AlternateContent>
+      <mc:AlternateContent xmlns:mc="http://schemas.openxmlformats.org/markup-compatibility/2006">
+        <mc:Choice xmlns:p14="http://schemas.microsoft.com/office/powerpoint/2010/main" Requires="p14">
+          <p:contentPart p14:bwMode="auto" r:id="rId26">
+            <p14:nvContentPartPr>
+              <p14:cNvPr id="24" name="Ink 23">
+                <a:extLst>
+                  <a:ext uri="{FF2B5EF4-FFF2-40B4-BE49-F238E27FC236}">
+                    <a16:creationId xmlns:a16="http://schemas.microsoft.com/office/drawing/2014/main" id="{8597A784-D05C-4543-978D-98F0CD24DC69}"/>
+                  </a:ext>
+                </a:extLst>
+              </p14:cNvPr>
+              <p14:cNvContentPartPr/>
+              <p14:nvPr/>
+            </p14:nvContentPartPr>
+            <p14:xfrm>
+              <a:off x="2401992" y="3904272"/>
+              <a:ext cx="340560" cy="10800"/>
+            </p14:xfrm>
+          </p:contentPart>
+        </mc:Choice>
+        <mc:Fallback>
+          <p:pic>
+            <p:nvPicPr>
+              <p:cNvPr id="24" name="Ink 23">
+                <a:extLst>
+                  <a:ext uri="{FF2B5EF4-FFF2-40B4-BE49-F238E27FC236}">
+                    <a16:creationId xmlns:a16="http://schemas.microsoft.com/office/drawing/2014/main" id="{8597A784-D05C-4543-978D-98F0CD24DC69}"/>
+                  </a:ext>
+                </a:extLst>
+              </p:cNvPr>
+              <p:cNvPicPr/>
+              <p:nvPr/>
+            </p:nvPicPr>
+            <p:blipFill>
+              <a:blip r:embed="rId27"/>
+              <a:stretch>
+                <a:fillRect/>
+              </a:stretch>
+            </p:blipFill>
+            <p:spPr>
+              <a:xfrm>
+                <a:off x="2347992" y="3796272"/>
+                <a:ext cx="448200" cy="226440"/>
+              </a:xfrm>
+              <a:prstGeom prst="rect">
+                <a:avLst/>
+              </a:prstGeom>
+            </p:spPr>
+          </p:pic>
+        </mc:Fallback>
+      </mc:AlternateContent>
+      <mc:AlternateContent xmlns:mc="http://schemas.openxmlformats.org/markup-compatibility/2006">
+        <mc:Choice xmlns:p14="http://schemas.microsoft.com/office/powerpoint/2010/main" Requires="p14">
+          <p:contentPart p14:bwMode="auto" r:id="rId28">
+            <p14:nvContentPartPr>
+              <p14:cNvPr id="25" name="Ink 24">
+                <a:extLst>
+                  <a:ext uri="{FF2B5EF4-FFF2-40B4-BE49-F238E27FC236}">
+                    <a16:creationId xmlns:a16="http://schemas.microsoft.com/office/drawing/2014/main" id="{7478EF67-4177-4ECB-92AA-CBC5861DBA17}"/>
+                  </a:ext>
+                </a:extLst>
+              </p14:cNvPr>
+              <p14:cNvContentPartPr/>
+              <p14:nvPr/>
+            </p14:nvContentPartPr>
+            <p14:xfrm>
+              <a:off x="9911952" y="4881672"/>
+              <a:ext cx="604080" cy="29160"/>
+            </p14:xfrm>
+          </p:contentPart>
+        </mc:Choice>
+        <mc:Fallback>
+          <p:pic>
+            <p:nvPicPr>
+              <p:cNvPr id="25" name="Ink 24">
+                <a:extLst>
+                  <a:ext uri="{FF2B5EF4-FFF2-40B4-BE49-F238E27FC236}">
+                    <a16:creationId xmlns:a16="http://schemas.microsoft.com/office/drawing/2014/main" id="{7478EF67-4177-4ECB-92AA-CBC5861DBA17}"/>
+                  </a:ext>
+                </a:extLst>
+              </p:cNvPr>
+              <p:cNvPicPr/>
+              <p:nvPr/>
+            </p:nvPicPr>
+            <p:blipFill>
+              <a:blip r:embed="rId29"/>
+              <a:stretch>
+                <a:fillRect/>
+              </a:stretch>
+            </p:blipFill>
+            <p:spPr>
+              <a:xfrm>
+                <a:off x="9857952" y="4773672"/>
+                <a:ext cx="711720" cy="244800"/>
+              </a:xfrm>
+              <a:prstGeom prst="rect">
+                <a:avLst/>
+              </a:prstGeom>
+            </p:spPr>
+          </p:pic>
+        </mc:Fallback>
+      </mc:AlternateContent>
+      <mc:AlternateContent xmlns:mc="http://schemas.openxmlformats.org/markup-compatibility/2006">
+        <mc:Choice xmlns:p14="http://schemas.microsoft.com/office/powerpoint/2010/main" Requires="p14">
+          <p:contentPart p14:bwMode="auto" r:id="rId30">
+            <p14:nvContentPartPr>
+              <p14:cNvPr id="26" name="Ink 25">
+                <a:extLst>
+                  <a:ext uri="{FF2B5EF4-FFF2-40B4-BE49-F238E27FC236}">
+                    <a16:creationId xmlns:a16="http://schemas.microsoft.com/office/drawing/2014/main" id="{61D48D45-7A2A-47C5-806E-549FA707B3F8}"/>
+                  </a:ext>
+                </a:extLst>
+              </p14:cNvPr>
+              <p14:cNvContentPartPr/>
+              <p14:nvPr/>
+            </p14:nvContentPartPr>
+            <p14:xfrm>
+              <a:off x="2322432" y="3218472"/>
+              <a:ext cx="410760" cy="360"/>
+            </p14:xfrm>
+          </p:contentPart>
+        </mc:Choice>
+        <mc:Fallback>
+          <p:pic>
+            <p:nvPicPr>
+              <p:cNvPr id="26" name="Ink 25">
+                <a:extLst>
+                  <a:ext uri="{FF2B5EF4-FFF2-40B4-BE49-F238E27FC236}">
+                    <a16:creationId xmlns:a16="http://schemas.microsoft.com/office/drawing/2014/main" id="{61D48D45-7A2A-47C5-806E-549FA707B3F8}"/>
+                  </a:ext>
+                </a:extLst>
+              </p:cNvPr>
+              <p:cNvPicPr/>
+              <p:nvPr/>
+            </p:nvPicPr>
+            <p:blipFill>
+              <a:blip r:embed="rId31"/>
+              <a:stretch>
+                <a:fillRect/>
+              </a:stretch>
+            </p:blipFill>
+            <p:spPr>
+              <a:xfrm>
+                <a:off x="2268432" y="3110832"/>
+                <a:ext cx="518400" cy="216000"/>
+              </a:xfrm>
+              <a:prstGeom prst="rect">
+                <a:avLst/>
+              </a:prstGeom>
+            </p:spPr>
+          </p:pic>
+        </mc:Fallback>
+      </mc:AlternateContent>
+      <mc:AlternateContent xmlns:mc="http://schemas.openxmlformats.org/markup-compatibility/2006">
+        <mc:Choice xmlns:p14="http://schemas.microsoft.com/office/powerpoint/2010/main" Requires="p14">
+          <p:contentPart p14:bwMode="auto" r:id="rId32">
+            <p14:nvContentPartPr>
+              <p14:cNvPr id="27" name="Ink 26">
+                <a:extLst>
+                  <a:ext uri="{FF2B5EF4-FFF2-40B4-BE49-F238E27FC236}">
+                    <a16:creationId xmlns:a16="http://schemas.microsoft.com/office/drawing/2014/main" id="{BD0263BD-6EDB-4A6F-8956-97930B83ED02}"/>
+                  </a:ext>
+                </a:extLst>
+              </p14:cNvPr>
+              <p14:cNvContentPartPr/>
+              <p14:nvPr/>
+            </p14:nvContentPartPr>
+            <p14:xfrm>
+              <a:off x="7260192" y="3035232"/>
+              <a:ext cx="639360" cy="28080"/>
+            </p14:xfrm>
+          </p:contentPart>
+        </mc:Choice>
+        <mc:Fallback>
+          <p:pic>
+            <p:nvPicPr>
+              <p:cNvPr id="27" name="Ink 26">
+                <a:extLst>
+                  <a:ext uri="{FF2B5EF4-FFF2-40B4-BE49-F238E27FC236}">
+                    <a16:creationId xmlns:a16="http://schemas.microsoft.com/office/drawing/2014/main" id="{BD0263BD-6EDB-4A6F-8956-97930B83ED02}"/>
+                  </a:ext>
+                </a:extLst>
+              </p:cNvPr>
+              <p:cNvPicPr/>
+              <p:nvPr/>
+            </p:nvPicPr>
+            <p:blipFill>
+              <a:blip r:embed="rId33"/>
+              <a:stretch>
+                <a:fillRect/>
+              </a:stretch>
+            </p:blipFill>
+            <p:spPr>
+              <a:xfrm>
+                <a:off x="7206552" y="2927592"/>
+                <a:ext cx="747000" cy="243720"/>
+              </a:xfrm>
+              <a:prstGeom prst="rect">
+                <a:avLst/>
+              </a:prstGeom>
+            </p:spPr>
+          </p:pic>
+        </mc:Fallback>
+      </mc:AlternateContent>
+      <mc:AlternateContent xmlns:mc="http://schemas.openxmlformats.org/markup-compatibility/2006">
+        <mc:Choice xmlns:p14="http://schemas.microsoft.com/office/powerpoint/2010/main" Requires="p14">
+          <p:contentPart p14:bwMode="auto" r:id="rId34">
+            <p14:nvContentPartPr>
+              <p14:cNvPr id="28" name="Ink 27">
+                <a:extLst>
+                  <a:ext uri="{FF2B5EF4-FFF2-40B4-BE49-F238E27FC236}">
+                    <a16:creationId xmlns:a16="http://schemas.microsoft.com/office/drawing/2014/main" id="{B2E677A2-52A7-4A7A-8F8B-68F246E59DF3}"/>
+                  </a:ext>
+                </a:extLst>
+              </p14:cNvPr>
+              <p14:cNvContentPartPr/>
+              <p14:nvPr/>
+            </p14:nvContentPartPr>
+            <p14:xfrm>
+              <a:off x="923472" y="5678352"/>
+              <a:ext cx="803880" cy="10800"/>
+            </p14:xfrm>
+          </p:contentPart>
+        </mc:Choice>
+        <mc:Fallback>
+          <p:pic>
+            <p:nvPicPr>
+              <p:cNvPr id="28" name="Ink 27">
+                <a:extLst>
+                  <a:ext uri="{FF2B5EF4-FFF2-40B4-BE49-F238E27FC236}">
+                    <a16:creationId xmlns:a16="http://schemas.microsoft.com/office/drawing/2014/main" id="{B2E677A2-52A7-4A7A-8F8B-68F246E59DF3}"/>
+                  </a:ext>
+                </a:extLst>
+              </p:cNvPr>
+              <p:cNvPicPr/>
+              <p:nvPr/>
+            </p:nvPicPr>
+            <p:blipFill>
+              <a:blip r:embed="rId35"/>
+              <a:stretch>
+                <a:fillRect/>
+              </a:stretch>
+            </p:blipFill>
+            <p:spPr>
+              <a:xfrm>
+                <a:off x="869472" y="5570352"/>
+                <a:ext cx="911520" cy="226440"/>
+              </a:xfrm>
+              <a:prstGeom prst="rect">
+                <a:avLst/>
+              </a:prstGeom>
+            </p:spPr>
+          </p:pic>
+        </mc:Fallback>
+      </mc:AlternateContent>
+      <mc:AlternateContent xmlns:mc="http://schemas.openxmlformats.org/markup-compatibility/2006">
+        <mc:Choice xmlns:p14="http://schemas.microsoft.com/office/powerpoint/2010/main" Requires="p14">
+          <p:contentPart p14:bwMode="auto" r:id="rId36">
+            <p14:nvContentPartPr>
+              <p14:cNvPr id="29" name="Ink 28">
+                <a:extLst>
+                  <a:ext uri="{FF2B5EF4-FFF2-40B4-BE49-F238E27FC236}">
+                    <a16:creationId xmlns:a16="http://schemas.microsoft.com/office/drawing/2014/main" id="{33C5965B-76B2-413B-98B3-14DD8E565C9E}"/>
+                  </a:ext>
+                </a:extLst>
+              </p14:cNvPr>
+              <p14:cNvContentPartPr/>
+              <p14:nvPr/>
+            </p14:nvContentPartPr>
+            <p14:xfrm>
+              <a:off x="9509472" y="5413032"/>
+              <a:ext cx="965160" cy="27720"/>
+            </p14:xfrm>
+          </p:contentPart>
+        </mc:Choice>
+        <mc:Fallback>
+          <p:pic>
+            <p:nvPicPr>
+              <p:cNvPr id="29" name="Ink 28">
+                <a:extLst>
+                  <a:ext uri="{FF2B5EF4-FFF2-40B4-BE49-F238E27FC236}">
+                    <a16:creationId xmlns:a16="http://schemas.microsoft.com/office/drawing/2014/main" id="{33C5965B-76B2-413B-98B3-14DD8E565C9E}"/>
+                  </a:ext>
+                </a:extLst>
+              </p:cNvPr>
+              <p:cNvPicPr/>
+              <p:nvPr/>
+            </p:nvPicPr>
+            <p:blipFill>
+              <a:blip r:embed="rId37"/>
+              <a:stretch>
+                <a:fillRect/>
+              </a:stretch>
+            </p:blipFill>
+            <p:spPr>
+              <a:xfrm>
+                <a:off x="9455832" y="5305032"/>
+                <a:ext cx="1072800" cy="243360"/>
+              </a:xfrm>
+              <a:prstGeom prst="rect">
+                <a:avLst/>
+              </a:prstGeom>
+            </p:spPr>
+          </p:pic>
+        </mc:Fallback>
+      </mc:AlternateContent>
+      <mc:AlternateContent xmlns:mc="http://schemas.openxmlformats.org/markup-compatibility/2006">
+        <mc:Choice xmlns:p14="http://schemas.microsoft.com/office/powerpoint/2010/main" Requires="p14">
+          <p:contentPart p14:bwMode="auto" r:id="rId38">
+            <p14:nvContentPartPr>
+              <p14:cNvPr id="30" name="Ink 29">
+                <a:extLst>
+                  <a:ext uri="{FF2B5EF4-FFF2-40B4-BE49-F238E27FC236}">
+                    <a16:creationId xmlns:a16="http://schemas.microsoft.com/office/drawing/2014/main" id="{1010871E-1956-4F24-8BEE-9667B072AE78}"/>
+                  </a:ext>
+                </a:extLst>
+              </p14:cNvPr>
+              <p14:cNvContentPartPr/>
+              <p14:nvPr/>
+            </p14:nvContentPartPr>
+            <p14:xfrm>
+              <a:off x="1069632" y="3118032"/>
+              <a:ext cx="639360" cy="10080"/>
+            </p14:xfrm>
+          </p:contentPart>
+        </mc:Choice>
+        <mc:Fallback>
+          <p:pic>
+            <p:nvPicPr>
+              <p:cNvPr id="30" name="Ink 29">
+                <a:extLst>
+                  <a:ext uri="{FF2B5EF4-FFF2-40B4-BE49-F238E27FC236}">
+                    <a16:creationId xmlns:a16="http://schemas.microsoft.com/office/drawing/2014/main" id="{1010871E-1956-4F24-8BEE-9667B072AE78}"/>
+                  </a:ext>
+                </a:extLst>
+              </p:cNvPr>
+              <p:cNvPicPr/>
+              <p:nvPr/>
+            </p:nvPicPr>
+            <p:blipFill>
+              <a:blip r:embed="rId39"/>
+              <a:stretch>
+                <a:fillRect/>
+              </a:stretch>
+            </p:blipFill>
+            <p:spPr>
+              <a:xfrm>
+                <a:off x="1015632" y="3010032"/>
+                <a:ext cx="747000" cy="225720"/>
+              </a:xfrm>
+              <a:prstGeom prst="rect">
+                <a:avLst/>
+              </a:prstGeom>
+            </p:spPr>
+          </p:pic>
+        </mc:Fallback>
+      </mc:AlternateContent>
+      <mc:AlternateContent xmlns:mc="http://schemas.openxmlformats.org/markup-compatibility/2006">
+        <mc:Choice xmlns:p14="http://schemas.microsoft.com/office/powerpoint/2010/main" Requires="p14">
+          <p:contentPart p14:bwMode="auto" r:id="rId40">
+            <p14:nvContentPartPr>
+              <p14:cNvPr id="31" name="Ink 30">
+                <a:extLst>
+                  <a:ext uri="{FF2B5EF4-FFF2-40B4-BE49-F238E27FC236}">
+                    <a16:creationId xmlns:a16="http://schemas.microsoft.com/office/drawing/2014/main" id="{22FB32AD-6710-416E-97E7-E292BEC7A00A}"/>
+                  </a:ext>
+                </a:extLst>
+              </p14:cNvPr>
+              <p14:cNvContentPartPr/>
+              <p14:nvPr/>
+            </p14:nvContentPartPr>
+            <p14:xfrm>
+              <a:off x="2304072" y="3438072"/>
+              <a:ext cx="447480" cy="360"/>
+            </p14:xfrm>
+          </p:contentPart>
+        </mc:Choice>
+        <mc:Fallback>
+          <p:pic>
+            <p:nvPicPr>
+              <p:cNvPr id="31" name="Ink 30">
+                <a:extLst>
+                  <a:ext uri="{FF2B5EF4-FFF2-40B4-BE49-F238E27FC236}">
+                    <a16:creationId xmlns:a16="http://schemas.microsoft.com/office/drawing/2014/main" id="{22FB32AD-6710-416E-97E7-E292BEC7A00A}"/>
+                  </a:ext>
+                </a:extLst>
+              </p:cNvPr>
+              <p:cNvPicPr/>
+              <p:nvPr/>
+            </p:nvPicPr>
+            <p:blipFill>
+              <a:blip r:embed="rId41"/>
+              <a:stretch>
+                <a:fillRect/>
+              </a:stretch>
+            </p:blipFill>
+            <p:spPr>
+              <a:xfrm>
+                <a:off x="2250432" y="3330072"/>
+                <a:ext cx="555120" cy="216000"/>
+              </a:xfrm>
+              <a:prstGeom prst="rect">
+                <a:avLst/>
+              </a:prstGeom>
+            </p:spPr>
+          </p:pic>
+        </mc:Fallback>
+      </mc:AlternateContent>
+    </p:spTree>
+    <p:extLst>
+      <p:ext uri="{BB962C8B-B14F-4D97-AF65-F5344CB8AC3E}">
+        <p14:creationId xmlns:p14="http://schemas.microsoft.com/office/powerpoint/2010/main" val="2416164379"/>
+      </p:ext>
+    </p:extLst>
+  </p:cSld>
+  <p:clrMapOvr>
+    <a:masterClrMapping/>
+  </p:clrMapOvr>
+</p:sld>
+</file>
+
+<file path=ppt/slides/slide24.xml><?xml version="1.0" encoding="utf-8"?>
+<p:sld xmlns:a="http://schemas.openxmlformats.org/drawingml/2006/main" xmlns:r="http://schemas.openxmlformats.org/officeDocument/2006/relationships" xmlns:p="http://schemas.openxmlformats.org/presentationml/2006/main">
+  <p:cSld>
+    <p:spTree>
+      <p:nvGrpSpPr>
+        <p:cNvPr id="1" name=""/>
+        <p:cNvGrpSpPr/>
+        <p:nvPr/>
+      </p:nvGrpSpPr>
+      <p:grpSpPr>
+        <a:xfrm>
+          <a:off x="0" y="0"/>
+          <a:ext cx="0" cy="0"/>
+          <a:chOff x="0" y="0"/>
+          <a:chExt cx="0" cy="0"/>
+        </a:xfrm>
+      </p:grpSpPr>
+      <p:sp>
+        <p:nvSpPr>
+          <p:cNvPr id="2" name="Title 1">
+            <a:extLst>
+              <a:ext uri="{FF2B5EF4-FFF2-40B4-BE49-F238E27FC236}">
+                <a16:creationId xmlns:a16="http://schemas.microsoft.com/office/drawing/2014/main" id="{69FAE308-3076-43DB-B834-DA0B0AE19AF9}"/>
+              </a:ext>
+            </a:extLst>
+          </p:cNvPr>
+          <p:cNvSpPr>
+            <a:spLocks noGrp="1"/>
+          </p:cNvSpPr>
+          <p:nvPr>
+            <p:ph type="ctrTitle"/>
+          </p:nvPr>
+        </p:nvSpPr>
+        <p:spPr>
+          <a:xfrm>
+            <a:off x="1167494" y="1122363"/>
+            <a:ext cx="6220278" cy="2387600"/>
+          </a:xfrm>
+        </p:spPr>
+        <p:txBody>
+          <a:bodyPr/>
+          <a:lstStyle/>
+          <a:p>
+            <a:r>
+              <a:rPr lang="en-US" dirty="0"/>
+              <a:t>Thank you</a:t>
+            </a:r>
+          </a:p>
+        </p:txBody>
+      </p:sp>
+    </p:spTree>
+    <p:extLst>
+      <p:ext uri="{BB962C8B-B14F-4D97-AF65-F5344CB8AC3E}">
+        <p14:creationId xmlns:p14="http://schemas.microsoft.com/office/powerpoint/2010/main" val="926184573"/>
       </p:ext>
     </p:extLst>
   </p:cSld>
@@ -16302,6 +23341,15 @@
 </file>
 
 <file path=customXml/item1.xml><?xml version="1.0" encoding="utf-8"?>
+<?mso-contentType ?>
+<FormTemplates xmlns="http://schemas.microsoft.com/sharepoint/v3/contenttype/forms">
+  <Display>DocumentLibraryForm</Display>
+  <Edit>DocumentLibraryForm</Edit>
+  <New>DocumentLibraryForm</New>
+</FormTemplates>
+</file>
+
+<file path=customXml/item2.xml><?xml version="1.0" encoding="utf-8"?>
 <p:properties xmlns:p="http://schemas.microsoft.com/office/2006/metadata/properties" xmlns:xsi="http://www.w3.org/2001/XMLSchema-instance" xmlns:pc="http://schemas.microsoft.com/office/infopath/2007/PartnerControls">
   <documentManagement>
     <_ip_UnifiedCompliancePolicyUIAction xmlns="http://schemas.microsoft.com/sharepoint/v3" xsi:nil="true"/>
@@ -16318,15 +23366,6 @@
     <MediaServiceKeyPoints xmlns="71af3243-3dd4-4a8d-8c0d-dd76da1f02a5" xsi:nil="true"/>
   </documentManagement>
 </p:properties>
-</file>
-
-<file path=customXml/item2.xml><?xml version="1.0" encoding="utf-8"?>
-<?mso-contentType ?>
-<FormTemplates xmlns="http://schemas.microsoft.com/sharepoint/v3/contenttype/forms">
-  <Display>DocumentLibraryForm</Display>
-  <Edit>DocumentLibraryForm</Edit>
-  <New>DocumentLibraryForm</New>
-</FormTemplates>
 </file>
 
 <file path=customXml/item3.xml><?xml version="1.0" encoding="utf-8"?>
@@ -16612,6 +23651,14 @@
 </file>
 
 <file path=customXml/itemProps1.xml><?xml version="1.0" encoding="utf-8"?>
+<ds:datastoreItem xmlns:ds="http://schemas.openxmlformats.org/officeDocument/2006/customXml" ds:itemID="{85334180-0405-413B-834A-44FA9E05ADB7}">
+  <ds:schemaRefs>
+    <ds:schemaRef ds:uri="http://schemas.microsoft.com/sharepoint/v3/contenttype/forms"/>
+  </ds:schemaRefs>
+</ds:datastoreItem>
+</file>
+
+<file path=customXml/itemProps2.xml><?xml version="1.0" encoding="utf-8"?>
 <ds:datastoreItem xmlns:ds="http://schemas.openxmlformats.org/officeDocument/2006/customXml" ds:itemID="{4D5BAB77-79E1-4739-AA51-10C9079186D6}">
   <ds:schemaRefs>
     <ds:schemaRef ds:uri="http://schemas.microsoft.com/office/2006/metadata/properties"/>
@@ -16619,14 +23666,6 @@
     <ds:schemaRef ds:uri="http://schemas.microsoft.com/sharepoint/v3"/>
     <ds:schemaRef ds:uri="71af3243-3dd4-4a8d-8c0d-dd76da1f02a5"/>
     <ds:schemaRef ds:uri="230e9df3-be65-4c73-a93b-d1236ebd677e"/>
-  </ds:schemaRefs>
-</ds:datastoreItem>
-</file>
-
-<file path=customXml/itemProps2.xml><?xml version="1.0" encoding="utf-8"?>
-<ds:datastoreItem xmlns:ds="http://schemas.openxmlformats.org/officeDocument/2006/customXml" ds:itemID="{85334180-0405-413B-834A-44FA9E05ADB7}">
-  <ds:schemaRefs>
-    <ds:schemaRef ds:uri="http://schemas.microsoft.com/sharepoint/v3/contenttype/forms"/>
   </ds:schemaRefs>
 </ds:datastoreItem>
 </file>

--- a/ML_Project.pptx
+++ b/ML_Project.pptx
@@ -440,6 +440,35 @@
 </inkml:ink>
 </file>
 
+<file path=ppt/ink/ink19.xml><?xml version="1.0" encoding="utf-8"?>
+<inkml:ink xmlns:inkml="http://www.w3.org/2003/InkML">
+  <inkml:definitions>
+    <inkml:context xml:id="ctx0">
+      <inkml:inkSource xml:id="inkSrc0">
+        <inkml:traceFormat>
+          <inkml:channel name="X" type="integer" min="-2.14748E9" max="2.14748E9" units="cm"/>
+          <inkml:channel name="Y" type="integer" min="-2.14748E9" max="2.14748E9" units="cm"/>
+        </inkml:traceFormat>
+        <inkml:channelProperties>
+          <inkml:channelProperty channel="X" name="resolution" value="1000" units="1/cm"/>
+          <inkml:channelProperty channel="Y" name="resolution" value="1000" units="1/cm"/>
+        </inkml:channelProperties>
+      </inkml:inkSource>
+      <inkml:timestamp xml:id="ts0" timeString="2022-04-07T20:48:23.917"/>
+    </inkml:context>
+    <inkml:brush xml:id="br0">
+      <inkml:brushProperty name="width" value="0.3" units="cm"/>
+      <inkml:brushProperty name="height" value="0.6" units="cm"/>
+      <inkml:brushProperty name="color" value="#D9AEFF"/>
+      <inkml:brushProperty name="tip" value="rectangle"/>
+      <inkml:brushProperty name="rasterOp" value="maskPen"/>
+      <inkml:brushProperty name="ignorePressure" value="1"/>
+    </inkml:brush>
+  </inkml:definitions>
+  <inkml:trace contextRef="#ctx0" brushRef="#br0">0 1,'2185'0,"-2163"0</inkml:trace>
+</inkml:ink>
+</file>
+
 <file path=ppt/ink/ink2.xml><?xml version="1.0" encoding="utf-8"?>
 <inkml:ink xmlns:inkml="http://www.w3.org/2003/InkML">
   <inkml:definitions>
@@ -466,6 +495,151 @@
     </inkml:brush>
   </inkml:definitions>
   <inkml:trace contextRef="#ctx0" brushRef="#br0">1 1,'1396'0,"-1373"0</inkml:trace>
+</inkml:ink>
+</file>
+
+<file path=ppt/ink/ink20.xml><?xml version="1.0" encoding="utf-8"?>
+<inkml:ink xmlns:inkml="http://www.w3.org/2003/InkML">
+  <inkml:definitions>
+    <inkml:context xml:id="ctx0">
+      <inkml:inkSource xml:id="inkSrc0">
+        <inkml:traceFormat>
+          <inkml:channel name="X" type="integer" min="-2.14748E9" max="2.14748E9" units="cm"/>
+          <inkml:channel name="Y" type="integer" min="-2.14748E9" max="2.14748E9" units="cm"/>
+        </inkml:traceFormat>
+        <inkml:channelProperties>
+          <inkml:channelProperty channel="X" name="resolution" value="1000" units="1/cm"/>
+          <inkml:channelProperty channel="Y" name="resolution" value="1000" units="1/cm"/>
+        </inkml:channelProperties>
+      </inkml:inkSource>
+      <inkml:timestamp xml:id="ts0" timeString="2022-04-08T14:34:25.969"/>
+    </inkml:context>
+    <inkml:brush xml:id="br0">
+      <inkml:brushProperty name="width" value="0.3" units="cm"/>
+      <inkml:brushProperty name="height" value="0.6" units="cm"/>
+      <inkml:brushProperty name="color" value="#00B44B"/>
+      <inkml:brushProperty name="tip" value="rectangle"/>
+      <inkml:brushProperty name="rasterOp" value="maskPen"/>
+      <inkml:brushProperty name="ignorePressure" value="1"/>
+    </inkml:brush>
+  </inkml:definitions>
+  <inkml:trace contextRef="#ctx0" brushRef="#br0">0 0,'1323'0,"-1301"0</inkml:trace>
+</inkml:ink>
+</file>
+
+<file path=ppt/ink/ink21.xml><?xml version="1.0" encoding="utf-8"?>
+<inkml:ink xmlns:inkml="http://www.w3.org/2003/InkML">
+  <inkml:definitions>
+    <inkml:context xml:id="ctx0">
+      <inkml:inkSource xml:id="inkSrc0">
+        <inkml:traceFormat>
+          <inkml:channel name="X" type="integer" min="-2.14748E9" max="2.14748E9" units="cm"/>
+          <inkml:channel name="Y" type="integer" min="-2.14748E9" max="2.14748E9" units="cm"/>
+        </inkml:traceFormat>
+        <inkml:channelProperties>
+          <inkml:channelProperty channel="X" name="resolution" value="1000" units="1/cm"/>
+          <inkml:channelProperty channel="Y" name="resolution" value="1000" units="1/cm"/>
+        </inkml:channelProperties>
+      </inkml:inkSource>
+      <inkml:timestamp xml:id="ts0" timeString="2022-04-08T14:34:28.340"/>
+    </inkml:context>
+    <inkml:brush xml:id="br0">
+      <inkml:brushProperty name="width" value="0.3" units="cm"/>
+      <inkml:brushProperty name="height" value="0.6" units="cm"/>
+      <inkml:brushProperty name="color" value="#00B44B"/>
+      <inkml:brushProperty name="tip" value="rectangle"/>
+      <inkml:brushProperty name="rasterOp" value="maskPen"/>
+      <inkml:brushProperty name="ignorePressure" value="1"/>
+    </inkml:brush>
+  </inkml:definitions>
+  <inkml:trace contextRef="#ctx0" brushRef="#br0">1 10,'789'0,"-744"-4,-28-2</inkml:trace>
+</inkml:ink>
+</file>
+
+<file path=ppt/ink/ink22.xml><?xml version="1.0" encoding="utf-8"?>
+<inkml:ink xmlns:inkml="http://www.w3.org/2003/InkML">
+  <inkml:definitions>
+    <inkml:context xml:id="ctx0">
+      <inkml:inkSource xml:id="inkSrc0">
+        <inkml:traceFormat>
+          <inkml:channel name="X" type="integer" min="-2.14748E9" max="2.14748E9" units="cm"/>
+          <inkml:channel name="Y" type="integer" min="-2.14748E9" max="2.14748E9" units="cm"/>
+        </inkml:traceFormat>
+        <inkml:channelProperties>
+          <inkml:channelProperty channel="X" name="resolution" value="1000" units="1/cm"/>
+          <inkml:channelProperty channel="Y" name="resolution" value="1000" units="1/cm"/>
+        </inkml:channelProperties>
+      </inkml:inkSource>
+      <inkml:timestamp xml:id="ts0" timeString="2022-04-08T14:34:38.547"/>
+    </inkml:context>
+    <inkml:brush xml:id="br0">
+      <inkml:brushProperty name="width" value="0.3" units="cm"/>
+      <inkml:brushProperty name="height" value="0.6" units="cm"/>
+      <inkml:brushProperty name="color" value="#00B44B"/>
+      <inkml:brushProperty name="tip" value="rectangle"/>
+      <inkml:brushProperty name="rasterOp" value="maskPen"/>
+      <inkml:brushProperty name="ignorePressure" value="1"/>
+    </inkml:brush>
+  </inkml:definitions>
+  <inkml:trace contextRef="#ctx0" brushRef="#br0">1 1,'1347'0,"-1325"0</inkml:trace>
+</inkml:ink>
+</file>
+
+<file path=ppt/ink/ink23.xml><?xml version="1.0" encoding="utf-8"?>
+<inkml:ink xmlns:inkml="http://www.w3.org/2003/InkML">
+  <inkml:definitions>
+    <inkml:context xml:id="ctx0">
+      <inkml:inkSource xml:id="inkSrc0">
+        <inkml:traceFormat>
+          <inkml:channel name="X" type="integer" min="-2.14748E9" max="2.14748E9" units="cm"/>
+          <inkml:channel name="Y" type="integer" min="-2.14748E9" max="2.14748E9" units="cm"/>
+        </inkml:traceFormat>
+        <inkml:channelProperties>
+          <inkml:channelProperty channel="X" name="resolution" value="1000" units="1/cm"/>
+          <inkml:channelProperty channel="Y" name="resolution" value="1000" units="1/cm"/>
+        </inkml:channelProperties>
+      </inkml:inkSource>
+      <inkml:timestamp xml:id="ts0" timeString="2022-04-08T14:35:35.236"/>
+    </inkml:context>
+    <inkml:brush xml:id="br0">
+      <inkml:brushProperty name="width" value="0.3" units="cm"/>
+      <inkml:brushProperty name="height" value="0.6" units="cm"/>
+      <inkml:brushProperty name="color" value="#E6E6E6"/>
+      <inkml:brushProperty name="tip" value="rectangle"/>
+      <inkml:brushProperty name="rasterOp" value="maskPen"/>
+      <inkml:brushProperty name="ignorePressure" value="1"/>
+    </inkml:brush>
+  </inkml:definitions>
+  <inkml:trace contextRef="#ctx0" brushRef="#br0">30 103,'7'6,"-1"-1,1 1,0-2,1 1,-1-1,1 0,0 0,0-1,0 0,0-1,0 1,1-2,14 3,13-2,0-1,37-4,-8 0,16 3,-21 2,0-4,94-13,75-11,-120 3,111-17,-125 19,-202 18,-693 4,635-14,3-1,40 15,108-1</inkml:trace>
+</inkml:ink>
+</file>
+
+<file path=ppt/ink/ink24.xml><?xml version="1.0" encoding="utf-8"?>
+<inkml:ink xmlns:inkml="http://www.w3.org/2003/InkML">
+  <inkml:definitions>
+    <inkml:context xml:id="ctx0">
+      <inkml:inkSource xml:id="inkSrc0">
+        <inkml:traceFormat>
+          <inkml:channel name="X" type="integer" min="-2.14748E9" max="2.14748E9" units="cm"/>
+          <inkml:channel name="Y" type="integer" min="-2.14748E9" max="2.14748E9" units="cm"/>
+        </inkml:traceFormat>
+        <inkml:channelProperties>
+          <inkml:channelProperty channel="X" name="resolution" value="1000" units="1/cm"/>
+          <inkml:channelProperty channel="Y" name="resolution" value="1000" units="1/cm"/>
+        </inkml:channelProperties>
+      </inkml:inkSource>
+      <inkml:timestamp xml:id="ts0" timeString="2022-04-08T14:35:38.661"/>
+    </inkml:context>
+    <inkml:brush xml:id="br0">
+      <inkml:brushProperty name="width" value="0.3" units="cm"/>
+      <inkml:brushProperty name="height" value="0.6" units="cm"/>
+      <inkml:brushProperty name="color" value="#E6E6E6"/>
+      <inkml:brushProperty name="tip" value="rectangle"/>
+      <inkml:brushProperty name="rasterOp" value="maskPen"/>
+      <inkml:brushProperty name="ignorePressure" value="1"/>
+    </inkml:brush>
+  </inkml:definitions>
+  <inkml:trace contextRef="#ctx0" brushRef="#br0">152 0,'1048'0,"-2224"0,1153 0</inkml:trace>
 </inkml:ink>
 </file>
 
@@ -754,7 +928,7 @@
           <a:p>
             <a:fld id="{7487ADD9-2083-264C-A652-8D52D02F7E72}" type="datetimeFigureOut">
               <a:rPr lang="en-US" smtClean="0"/>
-              <a:t>4/7/2022</a:t>
+              <a:t>4/8/2022</a:t>
             </a:fld>
             <a:endParaRPr lang="en-US" dirty="0"/>
           </a:p>
@@ -2411,7 +2585,7 @@
             <a:fld id="{5F02DCD1-2C6B-F948-9F72-3BB0CF3D512E}" type="datetime1">
               <a:rPr lang="en-US" smtClean="0"/>
               <a:pPr/>
-              <a:t>4/7/2022</a:t>
+              <a:t>4/8/2022</a:t>
             </a:fld>
             <a:endParaRPr lang="en-US" dirty="0"/>
           </a:p>
@@ -3296,7 +3470,7 @@
             <a:fld id="{C1583C39-01BF-7F43-854C-FBB4E9AB6B0C}" type="datetime1">
               <a:rPr lang="en-US" smtClean="0"/>
               <a:pPr/>
-              <a:t>4/7/2022</a:t>
+              <a:t>4/8/2022</a:t>
             </a:fld>
             <a:endParaRPr lang="en-US" dirty="0"/>
           </a:p>
@@ -4473,7 +4647,7 @@
             <a:fld id="{4B103E64-1627-9140-8127-1849FED275E1}" type="datetime1">
               <a:rPr lang="en-US" smtClean="0"/>
               <a:pPr/>
-              <a:t>4/7/2022</a:t>
+              <a:t>4/8/2022</a:t>
             </a:fld>
             <a:endParaRPr lang="en-US" dirty="0"/>
           </a:p>
@@ -6553,7 +6727,7 @@
             <a:fld id="{DD9C8446-696E-6942-B6C8-CC9CAD0B34E0}" type="datetime1">
               <a:rPr lang="en-US" smtClean="0"/>
               <a:pPr/>
-              <a:t>4/7/2022</a:t>
+              <a:t>4/8/2022</a:t>
             </a:fld>
             <a:endParaRPr lang="en-US" dirty="0"/>
           </a:p>
@@ -7271,7 +7445,7 @@
             <a:fld id="{F5592931-05C6-8543-8B6E-A8BD29BD5C2B}" type="datetime1">
               <a:rPr lang="en-US" smtClean="0"/>
               <a:pPr/>
-              <a:t>4/7/2022</a:t>
+              <a:t>4/8/2022</a:t>
             </a:fld>
             <a:endParaRPr lang="en-US" dirty="0"/>
           </a:p>
@@ -8499,7 +8673,7 @@
             <a:fld id="{7E7AB22C-8B7E-9B4A-8C65-396C3C874D86}" type="datetime1">
               <a:rPr lang="en-US" smtClean="0"/>
               <a:pPr/>
-              <a:t>4/7/2022</a:t>
+              <a:t>4/8/2022</a:t>
             </a:fld>
             <a:endParaRPr lang="en-US" dirty="0"/>
           </a:p>
@@ -9091,7 +9265,7 @@
             <a:fld id="{8CE9AC2A-20AD-8C48-B5EB-B5322BDBCDEE}" type="datetime1">
               <a:rPr lang="en-US" smtClean="0"/>
               <a:pPr/>
-              <a:t>4/7/2022</a:t>
+              <a:t>4/8/2022</a:t>
             </a:fld>
             <a:endParaRPr lang="en-US" dirty="0"/>
           </a:p>
@@ -9564,7 +9738,7 @@
             <a:fld id="{4CF75428-5BE0-934D-BB71-675F8E23A386}" type="datetime1">
               <a:rPr lang="en-US" smtClean="0"/>
               <a:pPr/>
-              <a:t>4/7/2022</a:t>
+              <a:t>4/8/2022</a:t>
             </a:fld>
             <a:endParaRPr lang="en-US" dirty="0"/>
           </a:p>
@@ -10414,7 +10588,7 @@
             <a:fld id="{9A85C5CA-AE29-AB4C-8F85-0373C72001D8}" type="datetime1">
               <a:rPr lang="en-US" smtClean="0"/>
               <a:pPr/>
-              <a:t>4/7/2022</a:t>
+              <a:t>4/8/2022</a:t>
             </a:fld>
             <a:endParaRPr lang="en-US" dirty="0"/>
           </a:p>
@@ -12639,7 +12813,7 @@
             <a:fld id="{75594855-01E8-5A4B-B2B8-E2ECEF879100}" type="datetime1">
               <a:rPr lang="en-US" smtClean="0"/>
               <a:pPr/>
-              <a:t>4/7/2022</a:t>
+              <a:t>4/8/2022</a:t>
             </a:fld>
             <a:endParaRPr lang="en-US" dirty="0"/>
           </a:p>
@@ -12908,7 +13082,7 @@
             <a:fld id="{B562DF68-3089-814D-8A14-C651FE91885E}" type="datetime1">
               <a:rPr lang="en-US" smtClean="0"/>
               <a:pPr/>
-              <a:t>4/7/2022</a:t>
+              <a:t>4/8/2022</a:t>
             </a:fld>
             <a:endParaRPr lang="en-US" dirty="0"/>
           </a:p>
@@ -14356,7 +14530,7 @@
             </a:pPr>
             <a:r>
               <a:rPr lang="en-US" sz="1600" dirty="0"/>
-              <a:t>For all the above-mentioned models, numerical features were standardized, categorical variables were either label-encoded or </a:t>
+              <a:t>For all the above-mentioned models, numerical features were standardized, and the categorical variables were either label-encoded or </a:t>
             </a:r>
             <a:r>
               <a:rPr lang="en-US" sz="1600" dirty="0" err="1"/>
@@ -16080,7 +16254,7 @@
           <a:p>
             <a:r>
               <a:rPr lang="en-US" sz="3600" dirty="0"/>
-              <a:t>Support Vector Regression Model:</a:t>
+              <a:t>Support Vector Regression Model (SVR):</a:t>
             </a:r>
           </a:p>
         </p:txBody>
@@ -16117,7 +16291,7 @@
             </a:pPr>
             <a:r>
               <a:rPr lang="en-US" sz="1800" dirty="0"/>
-              <a:t>Final PLR Models used log-transformed dependent and independent variables.</a:t>
+              <a:t>Final SVR Model used log-transformed dependent and independent variables.</a:t>
             </a:r>
           </a:p>
           <a:p>
@@ -16127,7 +16301,7 @@
             </a:pPr>
             <a:r>
               <a:rPr lang="en-US" sz="1800" dirty="0"/>
-              <a:t>Models were trained/evaluated on a 70:30 train-test split. Some features with high VIF values were removed.</a:t>
+              <a:t>Model was trained/evaluated on a 70:30 train-test split. Some features with high VIF values were removed.</a:t>
             </a:r>
           </a:p>
           <a:p>
@@ -17831,14 +18005,14 @@
           <p:nvPr>
             <p:extLst>
               <p:ext uri="{D42A27DB-BD31-4B8C-83A1-F6EECF244321}">
-                <p14:modId xmlns:p14="http://schemas.microsoft.com/office/powerpoint/2010/main" val="4017113704"/>
+                <p14:modId xmlns:p14="http://schemas.microsoft.com/office/powerpoint/2010/main" val="2381772573"/>
               </p:ext>
             </p:extLst>
           </p:nvPr>
         </p:nvGraphicFramePr>
         <p:xfrm>
-          <a:off x="594605" y="2718152"/>
-          <a:ext cx="4682474" cy="3182144"/>
+          <a:off x="603749" y="2951422"/>
+          <a:ext cx="4682474" cy="2727552"/>
         </p:xfrm>
         <a:graphic>
           <a:graphicData uri="http://schemas.openxmlformats.org/drawingml/2006/table">
@@ -17930,41 +18104,6 @@
                 <a:extLst>
                   <a:ext uri="{0D108BD9-81ED-4DB2-BD59-A6C34878D82A}">
                     <a16:rowId xmlns:a16="http://schemas.microsoft.com/office/drawing/2014/main" val="142042218"/>
-                  </a:ext>
-                </a:extLst>
-              </a:tr>
-              <a:tr h="454592">
-                <a:tc>
-                  <a:txBody>
-                    <a:bodyPr/>
-                    <a:lstStyle/>
-                    <a:p>
-                      <a:pPr algn="ctr"/>
-                      <a:r>
-                        <a:rPr lang="en-US" sz="1600" dirty="0"/>
-                        <a:t>eta</a:t>
-                      </a:r>
-                    </a:p>
-                  </a:txBody>
-                  <a:tcPr/>
-                </a:tc>
-                <a:tc>
-                  <a:txBody>
-                    <a:bodyPr/>
-                    <a:lstStyle/>
-                    <a:p>
-                      <a:pPr algn="ctr"/>
-                      <a:r>
-                        <a:rPr lang="en-US" sz="1600" dirty="0"/>
-                        <a:t>0.1</a:t>
-                      </a:r>
-                    </a:p>
-                  </a:txBody>
-                  <a:tcPr/>
-                </a:tc>
-                <a:extLst>
-                  <a:ext uri="{0D108BD9-81ED-4DB2-BD59-A6C34878D82A}">
-                    <a16:rowId xmlns:a16="http://schemas.microsoft.com/office/drawing/2014/main" val="2800426012"/>
                   </a:ext>
                 </a:extLst>
               </a:tr>
@@ -18521,14 +18660,14 @@
           <p:nvPr>
             <p:extLst>
               <p:ext uri="{D42A27DB-BD31-4B8C-83A1-F6EECF244321}">
-                <p14:modId xmlns:p14="http://schemas.microsoft.com/office/powerpoint/2010/main" val="3282553831"/>
+                <p14:modId xmlns:p14="http://schemas.microsoft.com/office/powerpoint/2010/main" val="3238025087"/>
               </p:ext>
             </p:extLst>
           </p:nvPr>
         </p:nvGraphicFramePr>
         <p:xfrm>
           <a:off x="381000" y="1568252"/>
-          <a:ext cx="9038421" cy="3114468"/>
+          <a:ext cx="9038424" cy="2985570"/>
         </p:xfrm>
         <a:graphic>
           <a:graphicData uri="http://schemas.openxmlformats.org/drawingml/2006/table">
@@ -18537,49 +18676,56 @@
                 <a:tableStyleId>{5C22544A-7EE6-4342-B048-85BDC9FD1C3A}</a:tableStyleId>
               </a:tblPr>
               <a:tblGrid>
-                <a:gridCol w="1291203">
+                <a:gridCol w="1129803">
                   <a:extLst>
                     <a:ext uri="{9D8B030D-6E8A-4147-A177-3AD203B41FA5}">
                       <a16:colId xmlns:a16="http://schemas.microsoft.com/office/drawing/2014/main" val="1022086791"/>
                     </a:ext>
                   </a:extLst>
                 </a:gridCol>
-                <a:gridCol w="1291203">
+                <a:gridCol w="1129803">
                   <a:extLst>
                     <a:ext uri="{9D8B030D-6E8A-4147-A177-3AD203B41FA5}">
                       <a16:colId xmlns:a16="http://schemas.microsoft.com/office/drawing/2014/main" val="1141245761"/>
                     </a:ext>
                   </a:extLst>
                 </a:gridCol>
-                <a:gridCol w="1291203">
+                <a:gridCol w="1129803">
                   <a:extLst>
                     <a:ext uri="{9D8B030D-6E8A-4147-A177-3AD203B41FA5}">
                       <a16:colId xmlns:a16="http://schemas.microsoft.com/office/drawing/2014/main" val="2224841127"/>
                     </a:ext>
                   </a:extLst>
                 </a:gridCol>
-                <a:gridCol w="1291203">
+                <a:gridCol w="1129803">
                   <a:extLst>
                     <a:ext uri="{9D8B030D-6E8A-4147-A177-3AD203B41FA5}">
                       <a16:colId xmlns:a16="http://schemas.microsoft.com/office/drawing/2014/main" val="3944898148"/>
                     </a:ext>
                   </a:extLst>
                 </a:gridCol>
-                <a:gridCol w="1291203">
+                <a:gridCol w="1129803">
+                  <a:extLst>
+                    <a:ext uri="{9D8B030D-6E8A-4147-A177-3AD203B41FA5}">
+                      <a16:colId xmlns:a16="http://schemas.microsoft.com/office/drawing/2014/main" val="2551897193"/>
+                    </a:ext>
+                  </a:extLst>
+                </a:gridCol>
+                <a:gridCol w="1129803">
                   <a:extLst>
                     <a:ext uri="{9D8B030D-6E8A-4147-A177-3AD203B41FA5}">
                       <a16:colId xmlns:a16="http://schemas.microsoft.com/office/drawing/2014/main" val="1262408487"/>
                     </a:ext>
                   </a:extLst>
                 </a:gridCol>
-                <a:gridCol w="1291203">
+                <a:gridCol w="1129803">
                   <a:extLst>
                     <a:ext uri="{9D8B030D-6E8A-4147-A177-3AD203B41FA5}">
                       <a16:colId xmlns:a16="http://schemas.microsoft.com/office/drawing/2014/main" val="765415619"/>
                     </a:ext>
                   </a:extLst>
                 </a:gridCol>
-                <a:gridCol w="1291203">
+                <a:gridCol w="1129803">
                   <a:extLst>
                     <a:ext uri="{9D8B030D-6E8A-4147-A177-3AD203B41FA5}">
                       <a16:colId xmlns:a16="http://schemas.microsoft.com/office/drawing/2014/main" val="16360909"/>
@@ -18594,7 +18740,7 @@
                     <a:lstStyle/>
                     <a:p>
                       <a:pPr algn="ctr"/>
-                      <a:endParaRPr lang="en-US" dirty="0"/>
+                      <a:endParaRPr lang="en-US" sz="1600" dirty="0"/>
                     </a:p>
                   </a:txBody>
                   <a:tcPr anchor="ctr"/>
@@ -18606,7 +18752,7 @@
                     <a:p>
                       <a:pPr algn="ctr"/>
                       <a:r>
-                        <a:rPr lang="en-US" dirty="0"/>
+                        <a:rPr lang="en-US" sz="1600" dirty="0"/>
                         <a:t>MLR</a:t>
                       </a:r>
                     </a:p>
@@ -18620,7 +18766,7 @@
                     <a:p>
                       <a:pPr algn="ctr"/>
                       <a:r>
-                        <a:rPr lang="en-US" dirty="0"/>
+                        <a:rPr lang="en-US" sz="1600" dirty="0"/>
                         <a:t>Ridge</a:t>
                       </a:r>
                     </a:p>
@@ -18634,7 +18780,7 @@
                     <a:p>
                       <a:pPr algn="ctr"/>
                       <a:r>
-                        <a:rPr lang="en-US" dirty="0"/>
+                        <a:rPr lang="en-US" sz="1600" dirty="0"/>
                         <a:t>Lasso</a:t>
                       </a:r>
                     </a:p>
@@ -18648,7 +18794,21 @@
                     <a:p>
                       <a:pPr algn="ctr"/>
                       <a:r>
-                        <a:rPr lang="en-US" dirty="0"/>
+                        <a:rPr lang="en-US" sz="1600" dirty="0"/>
+                        <a:t>SVR</a:t>
+                      </a:r>
+                    </a:p>
+                  </a:txBody>
+                  <a:tcPr anchor="ctr"/>
+                </a:tc>
+                <a:tc>
+                  <a:txBody>
+                    <a:bodyPr/>
+                    <a:lstStyle/>
+                    <a:p>
+                      <a:pPr algn="ctr"/>
+                      <a:r>
+                        <a:rPr lang="en-US" sz="1600" dirty="0"/>
                         <a:t>Random Forest</a:t>
                       </a:r>
                     </a:p>
@@ -18662,14 +18822,14 @@
                     <a:p>
                       <a:pPr algn="ctr"/>
                       <a:r>
-                        <a:rPr lang="en-US" dirty="0" err="1">
+                        <a:rPr lang="en-US" sz="1600" dirty="0" err="1">
                           <a:solidFill>
                             <a:srgbClr val="C00000"/>
                           </a:solidFill>
                         </a:rPr>
                         <a:t>XGBoost</a:t>
                       </a:r>
-                      <a:endParaRPr lang="en-US" dirty="0">
+                      <a:endParaRPr lang="en-US" sz="1600" dirty="0">
                         <a:solidFill>
                           <a:srgbClr val="C00000"/>
                         </a:solidFill>
@@ -18685,7 +18845,7 @@
                     <a:p>
                       <a:pPr algn="ctr"/>
                       <a:r>
-                        <a:rPr lang="en-US" dirty="0" err="1">
+                        <a:rPr lang="en-US" sz="1600" dirty="0" err="1">
                           <a:solidFill>
                             <a:srgbClr val="C00000"/>
                           </a:solidFill>
@@ -18693,7 +18853,7 @@
                         <a:t>XGBoost</a:t>
                       </a:r>
                       <a:r>
-                        <a:rPr lang="en-US" dirty="0">
+                        <a:rPr lang="en-US" sz="1600" dirty="0">
                           <a:solidFill>
                             <a:srgbClr val="C00000"/>
                           </a:solidFill>
@@ -18718,11 +18878,11 @@
                     <a:p>
                       <a:pPr algn="ctr"/>
                       <a:r>
-                        <a:rPr lang="en-US" dirty="0"/>
+                        <a:rPr lang="en-US" sz="1600" dirty="0"/>
                         <a:t>Train R</a:t>
                       </a:r>
                       <a:r>
-                        <a:rPr lang="en-US" baseline="30000" dirty="0"/>
+                        <a:rPr lang="en-US" sz="1600" baseline="30000" dirty="0"/>
                         <a:t>2</a:t>
                       </a:r>
                     </a:p>
@@ -18736,7 +18896,7 @@
                     <a:p>
                       <a:pPr algn="ctr"/>
                       <a:r>
-                        <a:rPr lang="en-US" dirty="0"/>
+                        <a:rPr lang="en-US" sz="1600" dirty="0"/>
                         <a:t>0.890</a:t>
                       </a:r>
                     </a:p>
@@ -18750,7 +18910,7 @@
                     <a:p>
                       <a:pPr algn="ctr"/>
                       <a:r>
-                        <a:rPr lang="en-US" dirty="0"/>
+                        <a:rPr lang="en-US" sz="1600" dirty="0"/>
                         <a:t>0.936</a:t>
                       </a:r>
                     </a:p>
@@ -18764,7 +18924,7 @@
                     <a:p>
                       <a:pPr algn="ctr"/>
                       <a:r>
-                        <a:rPr lang="en-US" dirty="0"/>
+                        <a:rPr lang="en-US" sz="1600" dirty="0"/>
                         <a:t>0.920</a:t>
                       </a:r>
                     </a:p>
@@ -18778,7 +18938,21 @@
                     <a:p>
                       <a:pPr algn="ctr"/>
                       <a:r>
-                        <a:rPr lang="en-US" dirty="0"/>
+                        <a:rPr lang="en-US" sz="1600" dirty="0"/>
+                        <a:t>0.939</a:t>
+                      </a:r>
+                    </a:p>
+                  </a:txBody>
+                  <a:tcPr anchor="ctr"/>
+                </a:tc>
+                <a:tc>
+                  <a:txBody>
+                    <a:bodyPr/>
+                    <a:lstStyle/>
+                    <a:p>
+                      <a:pPr algn="ctr"/>
+                      <a:r>
+                        <a:rPr lang="en-US" sz="1600" dirty="0"/>
                         <a:t>0.975</a:t>
                       </a:r>
                     </a:p>
@@ -18792,7 +18966,7 @@
                     <a:p>
                       <a:pPr algn="ctr"/>
                       <a:r>
-                        <a:rPr lang="en-US" dirty="0">
+                        <a:rPr lang="en-US" sz="1600" dirty="0">
                           <a:solidFill>
                             <a:srgbClr val="C00000"/>
                           </a:solidFill>
@@ -18810,7 +18984,7 @@
                     <a:p>
                       <a:pPr algn="ctr"/>
                       <a:r>
-                        <a:rPr lang="en-US" dirty="0">
+                        <a:rPr lang="en-US" sz="1600" dirty="0">
                           <a:solidFill>
                             <a:srgbClr val="C00000"/>
                           </a:solidFill>
@@ -18835,11 +19009,11 @@
                     <a:p>
                       <a:pPr algn="ctr"/>
                       <a:r>
-                        <a:rPr lang="en-US" dirty="0"/>
+                        <a:rPr lang="en-US" sz="1600" dirty="0"/>
                         <a:t>Test R</a:t>
                       </a:r>
                       <a:r>
-                        <a:rPr lang="en-US" baseline="30000" dirty="0"/>
+                        <a:rPr lang="en-US" sz="1600" baseline="30000" dirty="0"/>
                         <a:t>2</a:t>
                       </a:r>
                     </a:p>
@@ -18853,7 +19027,7 @@
                     <a:p>
                       <a:pPr algn="ctr"/>
                       <a:r>
-                        <a:rPr lang="en-US" dirty="0"/>
+                        <a:rPr lang="en-US" sz="1600" dirty="0"/>
                         <a:t>0.876</a:t>
                       </a:r>
                     </a:p>
@@ -18867,7 +19041,7 @@
                     <a:p>
                       <a:pPr algn="ctr"/>
                       <a:r>
-                        <a:rPr lang="en-US" dirty="0"/>
+                        <a:rPr lang="en-US" sz="1600" dirty="0"/>
                         <a:t>0.906</a:t>
                       </a:r>
                     </a:p>
@@ -18881,7 +19055,7 @@
                     <a:p>
                       <a:pPr algn="ctr"/>
                       <a:r>
-                        <a:rPr lang="en-US" dirty="0"/>
+                        <a:rPr lang="en-US" sz="1600" dirty="0"/>
                         <a:t>0.900</a:t>
                       </a:r>
                     </a:p>
@@ -18895,7 +19069,21 @@
                     <a:p>
                       <a:pPr algn="ctr"/>
                       <a:r>
-                        <a:rPr lang="en-US" dirty="0"/>
+                        <a:rPr lang="en-US" sz="1600" dirty="0"/>
+                        <a:t>0.914</a:t>
+                      </a:r>
+                    </a:p>
+                  </a:txBody>
+                  <a:tcPr anchor="ctr"/>
+                </a:tc>
+                <a:tc>
+                  <a:txBody>
+                    <a:bodyPr/>
+                    <a:lstStyle/>
+                    <a:p>
+                      <a:pPr algn="ctr"/>
+                      <a:r>
+                        <a:rPr lang="en-US" sz="1600" dirty="0"/>
                         <a:t>0.893</a:t>
                       </a:r>
                     </a:p>
@@ -18909,7 +19097,7 @@
                     <a:p>
                       <a:pPr algn="ctr"/>
                       <a:r>
-                        <a:rPr lang="en-US" dirty="0">
+                        <a:rPr lang="en-US" sz="1600" dirty="0">
                           <a:solidFill>
                             <a:srgbClr val="C00000"/>
                           </a:solidFill>
@@ -18927,7 +19115,7 @@
                     <a:p>
                       <a:pPr algn="ctr"/>
                       <a:r>
-                        <a:rPr lang="en-US" dirty="0">
+                        <a:rPr lang="en-US" sz="1600" dirty="0">
                           <a:solidFill>
                             <a:srgbClr val="C00000"/>
                           </a:solidFill>
@@ -18952,7 +19140,7 @@
                     <a:p>
                       <a:pPr algn="ctr"/>
                       <a:r>
-                        <a:rPr lang="en-US" dirty="0"/>
+                        <a:rPr lang="en-US" sz="1600" dirty="0"/>
                         <a:t>Train RMSE</a:t>
                       </a:r>
                     </a:p>
@@ -18966,7 +19154,7 @@
                     <a:p>
                       <a:pPr algn="ctr"/>
                       <a:r>
-                        <a:rPr lang="en-US" dirty="0"/>
+                        <a:rPr lang="en-US" sz="1600" dirty="0"/>
                         <a:t>0.133</a:t>
                       </a:r>
                     </a:p>
@@ -18980,7 +19168,7 @@
                     <a:p>
                       <a:pPr algn="ctr"/>
                       <a:r>
-                        <a:rPr lang="en-US" dirty="0"/>
+                        <a:rPr lang="en-US" sz="1600" dirty="0"/>
                         <a:t>0.101</a:t>
                       </a:r>
                     </a:p>
@@ -18994,7 +19182,7 @@
                     <a:p>
                       <a:pPr algn="ctr"/>
                       <a:r>
-                        <a:rPr lang="en-US" dirty="0"/>
+                        <a:rPr lang="en-US" sz="1600" dirty="0"/>
                         <a:t>0.113</a:t>
                       </a:r>
                     </a:p>
@@ -19008,7 +19196,21 @@
                     <a:p>
                       <a:pPr algn="ctr"/>
                       <a:r>
-                        <a:rPr lang="en-US" dirty="0"/>
+                        <a:rPr lang="en-US" sz="1600" dirty="0"/>
+                        <a:t>0.099</a:t>
+                      </a:r>
+                    </a:p>
+                  </a:txBody>
+                  <a:tcPr anchor="ctr"/>
+                </a:tc>
+                <a:tc>
+                  <a:txBody>
+                    <a:bodyPr/>
+                    <a:lstStyle/>
+                    <a:p>
+                      <a:pPr algn="ctr"/>
+                      <a:r>
+                        <a:rPr lang="en-US" sz="1600" dirty="0"/>
                         <a:t>0.063</a:t>
                       </a:r>
                     </a:p>
@@ -19022,7 +19224,7 @@
                     <a:p>
                       <a:pPr algn="ctr"/>
                       <a:r>
-                        <a:rPr lang="en-US" dirty="0">
+                        <a:rPr lang="en-US" sz="1600" dirty="0">
                           <a:solidFill>
                             <a:srgbClr val="C00000"/>
                           </a:solidFill>
@@ -19040,7 +19242,7 @@
                     <a:p>
                       <a:pPr algn="ctr"/>
                       <a:r>
-                        <a:rPr lang="en-US" dirty="0">
+                        <a:rPr lang="en-US" sz="1600" dirty="0">
                           <a:solidFill>
                             <a:srgbClr val="C00000"/>
                           </a:solidFill>
@@ -19081,13 +19283,13 @@
                         <a:defRPr/>
                       </a:pPr>
                       <a:r>
-                        <a:rPr lang="en-US" dirty="0"/>
+                        <a:rPr lang="en-US" sz="1600" dirty="0"/>
                         <a:t>Test RMSE</a:t>
                       </a:r>
                     </a:p>
                     <a:p>
                       <a:pPr algn="ctr"/>
-                      <a:endParaRPr lang="en-US" dirty="0"/>
+                      <a:endParaRPr lang="en-US" sz="1600" dirty="0"/>
                     </a:p>
                   </a:txBody>
                   <a:tcPr anchor="ctr"/>
@@ -19099,7 +19301,7 @@
                     <a:p>
                       <a:pPr algn="ctr"/>
                       <a:r>
-                        <a:rPr lang="en-US" dirty="0"/>
+                        <a:rPr lang="en-US" sz="1600" dirty="0"/>
                         <a:t>0.137</a:t>
                       </a:r>
                     </a:p>
@@ -19113,7 +19315,7 @@
                     <a:p>
                       <a:pPr algn="ctr"/>
                       <a:r>
-                        <a:rPr lang="en-US" dirty="0"/>
+                        <a:rPr lang="en-US" sz="1600" dirty="0"/>
                         <a:t>0.119</a:t>
                       </a:r>
                     </a:p>
@@ -19127,7 +19329,7 @@
                     <a:p>
                       <a:pPr algn="ctr"/>
                       <a:r>
-                        <a:rPr lang="en-US" dirty="0"/>
+                        <a:rPr lang="en-US" sz="1600" dirty="0"/>
                         <a:t>0.123</a:t>
                       </a:r>
                     </a:p>
@@ -19141,7 +19343,21 @@
                     <a:p>
                       <a:pPr algn="ctr"/>
                       <a:r>
-                        <a:rPr lang="en-US" dirty="0"/>
+                        <a:rPr lang="en-US" sz="1600" dirty="0"/>
+                        <a:t>0.114</a:t>
+                      </a:r>
+                    </a:p>
+                  </a:txBody>
+                  <a:tcPr anchor="ctr"/>
+                </a:tc>
+                <a:tc>
+                  <a:txBody>
+                    <a:bodyPr/>
+                    <a:lstStyle/>
+                    <a:p>
+                      <a:pPr algn="ctr"/>
+                      <a:r>
+                        <a:rPr lang="en-US" sz="1600" dirty="0"/>
                         <a:t>0.127</a:t>
                       </a:r>
                     </a:p>
@@ -19155,7 +19371,7 @@
                     <a:p>
                       <a:pPr algn="ctr"/>
                       <a:r>
-                        <a:rPr lang="en-US" dirty="0">
+                        <a:rPr lang="en-US" sz="1600" dirty="0">
                           <a:solidFill>
                             <a:srgbClr val="C00000"/>
                           </a:solidFill>
@@ -19173,7 +19389,7 @@
                     <a:p>
                       <a:pPr algn="ctr"/>
                       <a:r>
-                        <a:rPr lang="en-US" dirty="0">
+                        <a:rPr lang="en-US" sz="1600" dirty="0">
                           <a:solidFill>
                             <a:srgbClr val="C00000"/>
                           </a:solidFill>
@@ -19555,7 +19771,7 @@
             <a:fld id="{8CE9AC2A-20AD-8C48-B5EB-B5322BDBCDEE}" type="datetime1">
               <a:rPr lang="en-US" smtClean="0"/>
               <a:pPr/>
-              <a:t>4/7/2022</a:t>
+              <a:t>4/8/2022</a:t>
             </a:fld>
             <a:endParaRPr lang="en-US" dirty="0"/>
           </a:p>
@@ -19783,8 +19999,8 @@
           </a:prstGeom>
         </p:spPr>
       </p:pic>
-      <mc:AlternateContent xmlns:mc="http://schemas.openxmlformats.org/markup-compatibility/2006">
-        <mc:Choice xmlns:p14="http://schemas.microsoft.com/office/powerpoint/2010/main" Requires="p14">
+      <mc:AlternateContent xmlns:mc="http://schemas.openxmlformats.org/markup-compatibility/2006" xmlns:p14="http://schemas.microsoft.com/office/powerpoint/2010/main">
+        <mc:Choice Requires="p14">
           <p:contentPart p14:bwMode="auto" r:id="rId6">
             <p14:nvContentPartPr>
               <p14:cNvPr id="14" name="Ink 13">
@@ -19803,7 +20019,7 @@
             </p14:xfrm>
           </p:contentPart>
         </mc:Choice>
-        <mc:Fallback>
+        <mc:Fallback xmlns="">
           <p:pic>
             <p:nvPicPr>
               <p:cNvPr id="14" name="Ink 13">
@@ -19834,8 +20050,8 @@
           </p:pic>
         </mc:Fallback>
       </mc:AlternateContent>
-      <mc:AlternateContent xmlns:mc="http://schemas.openxmlformats.org/markup-compatibility/2006">
-        <mc:Choice xmlns:p14="http://schemas.microsoft.com/office/powerpoint/2010/main" Requires="p14">
+      <mc:AlternateContent xmlns:mc="http://schemas.openxmlformats.org/markup-compatibility/2006" xmlns:p14="http://schemas.microsoft.com/office/powerpoint/2010/main">
+        <mc:Choice Requires="p14">
           <p:contentPart p14:bwMode="auto" r:id="rId8">
             <p14:nvContentPartPr>
               <p14:cNvPr id="15" name="Ink 14">
@@ -19854,7 +20070,7 @@
             </p14:xfrm>
           </p:contentPart>
         </mc:Choice>
-        <mc:Fallback>
+        <mc:Fallback xmlns="">
           <p:pic>
             <p:nvPicPr>
               <p:cNvPr id="15" name="Ink 14">
@@ -19885,8 +20101,8 @@
           </p:pic>
         </mc:Fallback>
       </mc:AlternateContent>
-      <mc:AlternateContent xmlns:mc="http://schemas.openxmlformats.org/markup-compatibility/2006">
-        <mc:Choice xmlns:p14="http://schemas.microsoft.com/office/powerpoint/2010/main" Requires="p14">
+      <mc:AlternateContent xmlns:mc="http://schemas.openxmlformats.org/markup-compatibility/2006" xmlns:p14="http://schemas.microsoft.com/office/powerpoint/2010/main">
+        <mc:Choice Requires="p14">
           <p:contentPart p14:bwMode="auto" r:id="rId10">
             <p14:nvContentPartPr>
               <p14:cNvPr id="16" name="Ink 15">
@@ -19905,7 +20121,7 @@
             </p14:xfrm>
           </p:contentPart>
         </mc:Choice>
-        <mc:Fallback>
+        <mc:Fallback xmlns="">
           <p:pic>
             <p:nvPicPr>
               <p:cNvPr id="16" name="Ink 15">
@@ -19936,8 +20152,8 @@
           </p:pic>
         </mc:Fallback>
       </mc:AlternateContent>
-      <mc:AlternateContent xmlns:mc="http://schemas.openxmlformats.org/markup-compatibility/2006">
-        <mc:Choice xmlns:p14="http://schemas.microsoft.com/office/powerpoint/2010/main" Requires="p14">
+      <mc:AlternateContent xmlns:mc="http://schemas.openxmlformats.org/markup-compatibility/2006" xmlns:p14="http://schemas.microsoft.com/office/powerpoint/2010/main">
+        <mc:Choice Requires="p14">
           <p:contentPart p14:bwMode="auto" r:id="rId12">
             <p14:nvContentPartPr>
               <p14:cNvPr id="17" name="Ink 16">
@@ -19956,7 +20172,7 @@
             </p14:xfrm>
           </p:contentPart>
         </mc:Choice>
-        <mc:Fallback>
+        <mc:Fallback xmlns="">
           <p:pic>
             <p:nvPicPr>
               <p:cNvPr id="17" name="Ink 16">
@@ -19987,8 +20203,8 @@
           </p:pic>
         </mc:Fallback>
       </mc:AlternateContent>
-      <mc:AlternateContent xmlns:mc="http://schemas.openxmlformats.org/markup-compatibility/2006">
-        <mc:Choice xmlns:p14="http://schemas.microsoft.com/office/powerpoint/2010/main" Requires="p14">
+      <mc:AlternateContent xmlns:mc="http://schemas.openxmlformats.org/markup-compatibility/2006" xmlns:p14="http://schemas.microsoft.com/office/powerpoint/2010/main">
+        <mc:Choice Requires="p14">
           <p:contentPart p14:bwMode="auto" r:id="rId14">
             <p14:nvContentPartPr>
               <p14:cNvPr id="18" name="Ink 17">
@@ -20007,7 +20223,7 @@
             </p14:xfrm>
           </p:contentPart>
         </mc:Choice>
-        <mc:Fallback>
+        <mc:Fallback xmlns="">
           <p:pic>
             <p:nvPicPr>
               <p:cNvPr id="18" name="Ink 17">
@@ -20038,8 +20254,8 @@
           </p:pic>
         </mc:Fallback>
       </mc:AlternateContent>
-      <mc:AlternateContent xmlns:mc="http://schemas.openxmlformats.org/markup-compatibility/2006">
-        <mc:Choice xmlns:p14="http://schemas.microsoft.com/office/powerpoint/2010/main" Requires="p14">
+      <mc:AlternateContent xmlns:mc="http://schemas.openxmlformats.org/markup-compatibility/2006" xmlns:p14="http://schemas.microsoft.com/office/powerpoint/2010/main">
+        <mc:Choice Requires="p14">
           <p:contentPart p14:bwMode="auto" r:id="rId16">
             <p14:nvContentPartPr>
               <p14:cNvPr id="19" name="Ink 18">
@@ -20058,7 +20274,7 @@
             </p14:xfrm>
           </p:contentPart>
         </mc:Choice>
-        <mc:Fallback>
+        <mc:Fallback xmlns="">
           <p:pic>
             <p:nvPicPr>
               <p:cNvPr id="19" name="Ink 18">
@@ -20089,8 +20305,8 @@
           </p:pic>
         </mc:Fallback>
       </mc:AlternateContent>
-      <mc:AlternateContent xmlns:mc="http://schemas.openxmlformats.org/markup-compatibility/2006">
-        <mc:Choice xmlns:p14="http://schemas.microsoft.com/office/powerpoint/2010/main" Requires="p14">
+      <mc:AlternateContent xmlns:mc="http://schemas.openxmlformats.org/markup-compatibility/2006" xmlns:p14="http://schemas.microsoft.com/office/powerpoint/2010/main">
+        <mc:Choice Requires="p14">
           <p:contentPart p14:bwMode="auto" r:id="rId18">
             <p14:nvContentPartPr>
               <p14:cNvPr id="20" name="Ink 19">
@@ -20109,7 +20325,7 @@
             </p14:xfrm>
           </p:contentPart>
         </mc:Choice>
-        <mc:Fallback>
+        <mc:Fallback xmlns="">
           <p:pic>
             <p:nvPicPr>
               <p:cNvPr id="20" name="Ink 19">
@@ -20140,8 +20356,8 @@
           </p:pic>
         </mc:Fallback>
       </mc:AlternateContent>
-      <mc:AlternateContent xmlns:mc="http://schemas.openxmlformats.org/markup-compatibility/2006">
-        <mc:Choice xmlns:p14="http://schemas.microsoft.com/office/powerpoint/2010/main" Requires="p14">
+      <mc:AlternateContent xmlns:mc="http://schemas.openxmlformats.org/markup-compatibility/2006" xmlns:p14="http://schemas.microsoft.com/office/powerpoint/2010/main">
+        <mc:Choice Requires="p14">
           <p:contentPart p14:bwMode="auto" r:id="rId20">
             <p14:nvContentPartPr>
               <p14:cNvPr id="21" name="Ink 20">
@@ -20160,7 +20376,7 @@
             </p14:xfrm>
           </p:contentPart>
         </mc:Choice>
-        <mc:Fallback>
+        <mc:Fallback xmlns="">
           <p:pic>
             <p:nvPicPr>
               <p:cNvPr id="21" name="Ink 20">
@@ -20191,8 +20407,8 @@
           </p:pic>
         </mc:Fallback>
       </mc:AlternateContent>
-      <mc:AlternateContent xmlns:mc="http://schemas.openxmlformats.org/markup-compatibility/2006">
-        <mc:Choice xmlns:p14="http://schemas.microsoft.com/office/powerpoint/2010/main" Requires="p14">
+      <mc:AlternateContent xmlns:mc="http://schemas.openxmlformats.org/markup-compatibility/2006" xmlns:p14="http://schemas.microsoft.com/office/powerpoint/2010/main">
+        <mc:Choice Requires="p14">
           <p:contentPart p14:bwMode="auto" r:id="rId22">
             <p14:nvContentPartPr>
               <p14:cNvPr id="22" name="Ink 21">
@@ -20211,7 +20427,7 @@
             </p14:xfrm>
           </p:contentPart>
         </mc:Choice>
-        <mc:Fallback>
+        <mc:Fallback xmlns="">
           <p:pic>
             <p:nvPicPr>
               <p:cNvPr id="22" name="Ink 21">
@@ -20242,8 +20458,8 @@
           </p:pic>
         </mc:Fallback>
       </mc:AlternateContent>
-      <mc:AlternateContent xmlns:mc="http://schemas.openxmlformats.org/markup-compatibility/2006">
-        <mc:Choice xmlns:p14="http://schemas.microsoft.com/office/powerpoint/2010/main" Requires="p14">
+      <mc:AlternateContent xmlns:mc="http://schemas.openxmlformats.org/markup-compatibility/2006" xmlns:p14="http://schemas.microsoft.com/office/powerpoint/2010/main">
+        <mc:Choice Requires="p14">
           <p:contentPart p14:bwMode="auto" r:id="rId24">
             <p14:nvContentPartPr>
               <p14:cNvPr id="23" name="Ink 22">
@@ -20262,7 +20478,7 @@
             </p14:xfrm>
           </p:contentPart>
         </mc:Choice>
-        <mc:Fallback>
+        <mc:Fallback xmlns="">
           <p:pic>
             <p:nvPicPr>
               <p:cNvPr id="23" name="Ink 22">
@@ -20293,8 +20509,8 @@
           </p:pic>
         </mc:Fallback>
       </mc:AlternateContent>
-      <mc:AlternateContent xmlns:mc="http://schemas.openxmlformats.org/markup-compatibility/2006">
-        <mc:Choice xmlns:p14="http://schemas.microsoft.com/office/powerpoint/2010/main" Requires="p14">
+      <mc:AlternateContent xmlns:mc="http://schemas.openxmlformats.org/markup-compatibility/2006" xmlns:p14="http://schemas.microsoft.com/office/powerpoint/2010/main">
+        <mc:Choice Requires="p14">
           <p:contentPart p14:bwMode="auto" r:id="rId26">
             <p14:nvContentPartPr>
               <p14:cNvPr id="24" name="Ink 23">
@@ -20313,7 +20529,7 @@
             </p14:xfrm>
           </p:contentPart>
         </mc:Choice>
-        <mc:Fallback>
+        <mc:Fallback xmlns="">
           <p:pic>
             <p:nvPicPr>
               <p:cNvPr id="24" name="Ink 23">
@@ -20344,8 +20560,8 @@
           </p:pic>
         </mc:Fallback>
       </mc:AlternateContent>
-      <mc:AlternateContent xmlns:mc="http://schemas.openxmlformats.org/markup-compatibility/2006">
-        <mc:Choice xmlns:p14="http://schemas.microsoft.com/office/powerpoint/2010/main" Requires="p14">
+      <mc:AlternateContent xmlns:mc="http://schemas.openxmlformats.org/markup-compatibility/2006" xmlns:p14="http://schemas.microsoft.com/office/powerpoint/2010/main">
+        <mc:Choice Requires="p14">
           <p:contentPart p14:bwMode="auto" r:id="rId28">
             <p14:nvContentPartPr>
               <p14:cNvPr id="25" name="Ink 24">
@@ -20364,7 +20580,7 @@
             </p14:xfrm>
           </p:contentPart>
         </mc:Choice>
-        <mc:Fallback>
+        <mc:Fallback xmlns="">
           <p:pic>
             <p:nvPicPr>
               <p:cNvPr id="25" name="Ink 24">
@@ -20395,8 +20611,8 @@
           </p:pic>
         </mc:Fallback>
       </mc:AlternateContent>
-      <mc:AlternateContent xmlns:mc="http://schemas.openxmlformats.org/markup-compatibility/2006">
-        <mc:Choice xmlns:p14="http://schemas.microsoft.com/office/powerpoint/2010/main" Requires="p14">
+      <mc:AlternateContent xmlns:mc="http://schemas.openxmlformats.org/markup-compatibility/2006" xmlns:p14="http://schemas.microsoft.com/office/powerpoint/2010/main">
+        <mc:Choice Requires="p14">
           <p:contentPart p14:bwMode="auto" r:id="rId30">
             <p14:nvContentPartPr>
               <p14:cNvPr id="26" name="Ink 25">
@@ -20415,7 +20631,7 @@
             </p14:xfrm>
           </p:contentPart>
         </mc:Choice>
-        <mc:Fallback>
+        <mc:Fallback xmlns="">
           <p:pic>
             <p:nvPicPr>
               <p:cNvPr id="26" name="Ink 25">
@@ -20446,8 +20662,8 @@
           </p:pic>
         </mc:Fallback>
       </mc:AlternateContent>
-      <mc:AlternateContent xmlns:mc="http://schemas.openxmlformats.org/markup-compatibility/2006">
-        <mc:Choice xmlns:p14="http://schemas.microsoft.com/office/powerpoint/2010/main" Requires="p14">
+      <mc:AlternateContent xmlns:mc="http://schemas.openxmlformats.org/markup-compatibility/2006" xmlns:p14="http://schemas.microsoft.com/office/powerpoint/2010/main">
+        <mc:Choice Requires="p14">
           <p:contentPart p14:bwMode="auto" r:id="rId32">
             <p14:nvContentPartPr>
               <p14:cNvPr id="27" name="Ink 26">
@@ -20466,7 +20682,7 @@
             </p14:xfrm>
           </p:contentPart>
         </mc:Choice>
-        <mc:Fallback>
+        <mc:Fallback xmlns="">
           <p:pic>
             <p:nvPicPr>
               <p:cNvPr id="27" name="Ink 26">
@@ -20497,8 +20713,8 @@
           </p:pic>
         </mc:Fallback>
       </mc:AlternateContent>
-      <mc:AlternateContent xmlns:mc="http://schemas.openxmlformats.org/markup-compatibility/2006">
-        <mc:Choice xmlns:p14="http://schemas.microsoft.com/office/powerpoint/2010/main" Requires="p14">
+      <mc:AlternateContent xmlns:mc="http://schemas.openxmlformats.org/markup-compatibility/2006" xmlns:p14="http://schemas.microsoft.com/office/powerpoint/2010/main">
+        <mc:Choice Requires="p14">
           <p:contentPart p14:bwMode="auto" r:id="rId34">
             <p14:nvContentPartPr>
               <p14:cNvPr id="28" name="Ink 27">
@@ -20517,7 +20733,7 @@
             </p14:xfrm>
           </p:contentPart>
         </mc:Choice>
-        <mc:Fallback>
+        <mc:Fallback xmlns="">
           <p:pic>
             <p:nvPicPr>
               <p:cNvPr id="28" name="Ink 27">
@@ -20548,8 +20764,8 @@
           </p:pic>
         </mc:Fallback>
       </mc:AlternateContent>
-      <mc:AlternateContent xmlns:mc="http://schemas.openxmlformats.org/markup-compatibility/2006">
-        <mc:Choice xmlns:p14="http://schemas.microsoft.com/office/powerpoint/2010/main" Requires="p14">
+      <mc:AlternateContent xmlns:mc="http://schemas.openxmlformats.org/markup-compatibility/2006" xmlns:p14="http://schemas.microsoft.com/office/powerpoint/2010/main">
+        <mc:Choice Requires="p14">
           <p:contentPart p14:bwMode="auto" r:id="rId36">
             <p14:nvContentPartPr>
               <p14:cNvPr id="29" name="Ink 28">
@@ -20568,7 +20784,7 @@
             </p14:xfrm>
           </p:contentPart>
         </mc:Choice>
-        <mc:Fallback>
+        <mc:Fallback xmlns="">
           <p:pic>
             <p:nvPicPr>
               <p:cNvPr id="29" name="Ink 28">
@@ -20599,8 +20815,8 @@
           </p:pic>
         </mc:Fallback>
       </mc:AlternateContent>
-      <mc:AlternateContent xmlns:mc="http://schemas.openxmlformats.org/markup-compatibility/2006">
-        <mc:Choice xmlns:p14="http://schemas.microsoft.com/office/powerpoint/2010/main" Requires="p14">
+      <mc:AlternateContent xmlns:mc="http://schemas.openxmlformats.org/markup-compatibility/2006" xmlns:p14="http://schemas.microsoft.com/office/powerpoint/2010/main">
+        <mc:Choice Requires="p14">
           <p:contentPart p14:bwMode="auto" r:id="rId38">
             <p14:nvContentPartPr>
               <p14:cNvPr id="30" name="Ink 29">
@@ -20619,7 +20835,7 @@
             </p14:xfrm>
           </p:contentPart>
         </mc:Choice>
-        <mc:Fallback>
+        <mc:Fallback xmlns="">
           <p:pic>
             <p:nvPicPr>
               <p:cNvPr id="30" name="Ink 29">
@@ -20650,8 +20866,8 @@
           </p:pic>
         </mc:Fallback>
       </mc:AlternateContent>
-      <mc:AlternateContent xmlns:mc="http://schemas.openxmlformats.org/markup-compatibility/2006">
-        <mc:Choice xmlns:p14="http://schemas.microsoft.com/office/powerpoint/2010/main" Requires="p14">
+      <mc:AlternateContent xmlns:mc="http://schemas.openxmlformats.org/markup-compatibility/2006" xmlns:p14="http://schemas.microsoft.com/office/powerpoint/2010/main">
+        <mc:Choice Requires="p14">
           <p:contentPart p14:bwMode="auto" r:id="rId40">
             <p14:nvContentPartPr>
               <p14:cNvPr id="31" name="Ink 30">
@@ -20670,7 +20886,7 @@
             </p14:xfrm>
           </p:contentPart>
         </mc:Choice>
-        <mc:Fallback>
+        <mc:Fallback xmlns="">
           <p:pic>
             <p:nvPicPr>
               <p:cNvPr id="31" name="Ink 30">
@@ -20693,6 +20909,312 @@
               <a:xfrm>
                 <a:off x="2250432" y="3330072"/>
                 <a:ext cx="555120" cy="216000"/>
+              </a:xfrm>
+              <a:prstGeom prst="rect">
+                <a:avLst/>
+              </a:prstGeom>
+            </p:spPr>
+          </p:pic>
+        </mc:Fallback>
+      </mc:AlternateContent>
+      <mc:AlternateContent xmlns:mc="http://schemas.openxmlformats.org/markup-compatibility/2006" xmlns:p14="http://schemas.microsoft.com/office/powerpoint/2010/main">
+        <mc:Choice Requires="p14">
+          <p:contentPart p14:bwMode="auto" r:id="rId42">
+            <p14:nvContentPartPr>
+              <p14:cNvPr id="33" name="Ink 32">
+                <a:extLst>
+                  <a:ext uri="{FF2B5EF4-FFF2-40B4-BE49-F238E27FC236}">
+                    <a16:creationId xmlns:a16="http://schemas.microsoft.com/office/drawing/2014/main" id="{A78B15F5-F8BF-4681-8E6D-367CF51DEBF0}"/>
+                  </a:ext>
+                </a:extLst>
+              </p14:cNvPr>
+              <p14:cNvContentPartPr/>
+              <p14:nvPr/>
+            </p14:nvContentPartPr>
+            <p14:xfrm>
+              <a:off x="9701712" y="3081312"/>
+              <a:ext cx="794880" cy="360"/>
+            </p14:xfrm>
+          </p:contentPart>
+        </mc:Choice>
+        <mc:Fallback xmlns="">
+          <p:pic>
+            <p:nvPicPr>
+              <p:cNvPr id="33" name="Ink 32">
+                <a:extLst>
+                  <a:ext uri="{FF2B5EF4-FFF2-40B4-BE49-F238E27FC236}">
+                    <a16:creationId xmlns:a16="http://schemas.microsoft.com/office/drawing/2014/main" id="{A78B15F5-F8BF-4681-8E6D-367CF51DEBF0}"/>
+                  </a:ext>
+                </a:extLst>
+              </p:cNvPr>
+              <p:cNvPicPr/>
+              <p:nvPr/>
+            </p:nvPicPr>
+            <p:blipFill>
+              <a:blip r:embed="rId43"/>
+              <a:stretch>
+                <a:fillRect/>
+              </a:stretch>
+            </p:blipFill>
+            <p:spPr>
+              <a:xfrm>
+                <a:off x="9647712" y="2973672"/>
+                <a:ext cx="902520" cy="216000"/>
+              </a:xfrm>
+              <a:prstGeom prst="rect">
+                <a:avLst/>
+              </a:prstGeom>
+            </p:spPr>
+          </p:pic>
+        </mc:Fallback>
+      </mc:AlternateContent>
+      <mc:AlternateContent xmlns:mc="http://schemas.openxmlformats.org/markup-compatibility/2006">
+        <mc:Choice xmlns:p14="http://schemas.microsoft.com/office/powerpoint/2010/main" Requires="p14">
+          <p:contentPart p14:bwMode="auto" r:id="rId44">
+            <p14:nvContentPartPr>
+              <p14:cNvPr id="3" name="Ink 2">
+                <a:extLst>
+                  <a:ext uri="{FF2B5EF4-FFF2-40B4-BE49-F238E27FC236}">
+                    <a16:creationId xmlns:a16="http://schemas.microsoft.com/office/drawing/2014/main" id="{0DD5B1FE-CB9C-4814-8A3D-72B880453E0C}"/>
+                  </a:ext>
+                </a:extLst>
+              </p14:cNvPr>
+              <p14:cNvContentPartPr/>
+              <p14:nvPr/>
+            </p14:nvContentPartPr>
+            <p14:xfrm>
+              <a:off x="1289232" y="1590912"/>
+              <a:ext cx="484560" cy="360"/>
+            </p14:xfrm>
+          </p:contentPart>
+        </mc:Choice>
+        <mc:Fallback>
+          <p:pic>
+            <p:nvPicPr>
+              <p:cNvPr id="3" name="Ink 2">
+                <a:extLst>
+                  <a:ext uri="{FF2B5EF4-FFF2-40B4-BE49-F238E27FC236}">
+                    <a16:creationId xmlns:a16="http://schemas.microsoft.com/office/drawing/2014/main" id="{0DD5B1FE-CB9C-4814-8A3D-72B880453E0C}"/>
+                  </a:ext>
+                </a:extLst>
+              </p:cNvPr>
+              <p:cNvPicPr/>
+              <p:nvPr/>
+            </p:nvPicPr>
+            <p:blipFill>
+              <a:blip r:embed="rId45"/>
+              <a:stretch>
+                <a:fillRect/>
+              </a:stretch>
+            </p:blipFill>
+            <p:spPr>
+              <a:xfrm>
+                <a:off x="1235232" y="1482912"/>
+                <a:ext cx="592200" cy="216000"/>
+              </a:xfrm>
+              <a:prstGeom prst="rect">
+                <a:avLst/>
+              </a:prstGeom>
+            </p:spPr>
+          </p:pic>
+        </mc:Fallback>
+      </mc:AlternateContent>
+      <mc:AlternateContent xmlns:mc="http://schemas.openxmlformats.org/markup-compatibility/2006">
+        <mc:Choice xmlns:p14="http://schemas.microsoft.com/office/powerpoint/2010/main" Requires="p14">
+          <p:contentPart p14:bwMode="auto" r:id="rId46">
+            <p14:nvContentPartPr>
+              <p14:cNvPr id="12" name="Ink 11">
+                <a:extLst>
+                  <a:ext uri="{FF2B5EF4-FFF2-40B4-BE49-F238E27FC236}">
+                    <a16:creationId xmlns:a16="http://schemas.microsoft.com/office/drawing/2014/main" id="{FC546FB7-82B8-480B-BE4B-41B5CE0808A3}"/>
+                  </a:ext>
+                </a:extLst>
+              </p14:cNvPr>
+              <p14:cNvContentPartPr/>
+              <p14:nvPr/>
+            </p14:nvContentPartPr>
+            <p14:xfrm>
+              <a:off x="2450232" y="2529072"/>
+              <a:ext cx="306720" cy="3960"/>
+            </p14:xfrm>
+          </p:contentPart>
+        </mc:Choice>
+        <mc:Fallback>
+          <p:pic>
+            <p:nvPicPr>
+              <p:cNvPr id="12" name="Ink 11">
+                <a:extLst>
+                  <a:ext uri="{FF2B5EF4-FFF2-40B4-BE49-F238E27FC236}">
+                    <a16:creationId xmlns:a16="http://schemas.microsoft.com/office/drawing/2014/main" id="{FC546FB7-82B8-480B-BE4B-41B5CE0808A3}"/>
+                  </a:ext>
+                </a:extLst>
+              </p:cNvPr>
+              <p:cNvPicPr/>
+              <p:nvPr/>
+            </p:nvPicPr>
+            <p:blipFill>
+              <a:blip r:embed="rId47"/>
+              <a:stretch>
+                <a:fillRect/>
+              </a:stretch>
+            </p:blipFill>
+            <p:spPr>
+              <a:xfrm>
+                <a:off x="2396592" y="2421072"/>
+                <a:ext cx="414360" cy="219600"/>
+              </a:xfrm>
+              <a:prstGeom prst="rect">
+                <a:avLst/>
+              </a:prstGeom>
+            </p:spPr>
+          </p:pic>
+        </mc:Fallback>
+      </mc:AlternateContent>
+      <mc:AlternateContent xmlns:mc="http://schemas.openxmlformats.org/markup-compatibility/2006">
+        <mc:Choice xmlns:p14="http://schemas.microsoft.com/office/powerpoint/2010/main" Requires="p14">
+          <p:contentPart p14:bwMode="auto" r:id="rId48">
+            <p14:nvContentPartPr>
+              <p14:cNvPr id="32" name="Ink 31">
+                <a:extLst>
+                  <a:ext uri="{FF2B5EF4-FFF2-40B4-BE49-F238E27FC236}">
+                    <a16:creationId xmlns:a16="http://schemas.microsoft.com/office/drawing/2014/main" id="{377FAB9F-F5DE-4642-867A-8FCAD9C54147}"/>
+                  </a:ext>
+                </a:extLst>
+              </p14:cNvPr>
+              <p14:cNvContentPartPr/>
+              <p14:nvPr/>
+            </p14:nvContentPartPr>
+            <p14:xfrm>
+              <a:off x="9985032" y="4635792"/>
+              <a:ext cx="493200" cy="360"/>
+            </p14:xfrm>
+          </p:contentPart>
+        </mc:Choice>
+        <mc:Fallback>
+          <p:pic>
+            <p:nvPicPr>
+              <p:cNvPr id="32" name="Ink 31">
+                <a:extLst>
+                  <a:ext uri="{FF2B5EF4-FFF2-40B4-BE49-F238E27FC236}">
+                    <a16:creationId xmlns:a16="http://schemas.microsoft.com/office/drawing/2014/main" id="{377FAB9F-F5DE-4642-867A-8FCAD9C54147}"/>
+                  </a:ext>
+                </a:extLst>
+              </p:cNvPr>
+              <p:cNvPicPr/>
+              <p:nvPr/>
+            </p:nvPicPr>
+            <p:blipFill>
+              <a:blip r:embed="rId49"/>
+              <a:stretch>
+                <a:fillRect/>
+              </a:stretch>
+            </p:blipFill>
+            <p:spPr>
+              <a:xfrm>
+                <a:off x="9931392" y="4528152"/>
+                <a:ext cx="600840" cy="216000"/>
+              </a:xfrm>
+              <a:prstGeom prst="rect">
+                <a:avLst/>
+              </a:prstGeom>
+            </p:spPr>
+          </p:pic>
+        </mc:Fallback>
+      </mc:AlternateContent>
+      <mc:AlternateContent xmlns:mc="http://schemas.openxmlformats.org/markup-compatibility/2006">
+        <mc:Choice xmlns:p14="http://schemas.microsoft.com/office/powerpoint/2010/main" Requires="p14">
+          <p:contentPart p14:bwMode="auto" r:id="rId50">
+            <p14:nvContentPartPr>
+              <p14:cNvPr id="37" name="Ink 36">
+                <a:extLst>
+                  <a:ext uri="{FF2B5EF4-FFF2-40B4-BE49-F238E27FC236}">
+                    <a16:creationId xmlns:a16="http://schemas.microsoft.com/office/drawing/2014/main" id="{B868A2A1-E5C7-4B71-B7F8-92A7B6976891}"/>
+                  </a:ext>
+                </a:extLst>
+              </p14:cNvPr>
+              <p14:cNvContentPartPr/>
+              <p14:nvPr/>
+            </p14:nvContentPartPr>
+            <p14:xfrm>
+              <a:off x="1232712" y="3611232"/>
+              <a:ext cx="493200" cy="57960"/>
+            </p14:xfrm>
+          </p:contentPart>
+        </mc:Choice>
+        <mc:Fallback>
+          <p:pic>
+            <p:nvPicPr>
+              <p:cNvPr id="37" name="Ink 36">
+                <a:extLst>
+                  <a:ext uri="{FF2B5EF4-FFF2-40B4-BE49-F238E27FC236}">
+                    <a16:creationId xmlns:a16="http://schemas.microsoft.com/office/drawing/2014/main" id="{B868A2A1-E5C7-4B71-B7F8-92A7B6976891}"/>
+                  </a:ext>
+                </a:extLst>
+              </p:cNvPr>
+              <p:cNvPicPr/>
+              <p:nvPr/>
+            </p:nvPicPr>
+            <p:blipFill>
+              <a:blip r:embed="rId51"/>
+              <a:stretch>
+                <a:fillRect/>
+              </a:stretch>
+            </p:blipFill>
+            <p:spPr>
+              <a:xfrm>
+                <a:off x="1178712" y="3503232"/>
+                <a:ext cx="600840" cy="273600"/>
+              </a:xfrm>
+              <a:prstGeom prst="rect">
+                <a:avLst/>
+              </a:prstGeom>
+            </p:spPr>
+          </p:pic>
+        </mc:Fallback>
+      </mc:AlternateContent>
+      <mc:AlternateContent xmlns:mc="http://schemas.openxmlformats.org/markup-compatibility/2006">
+        <mc:Choice xmlns:p14="http://schemas.microsoft.com/office/powerpoint/2010/main" Requires="p14">
+          <p:contentPart p14:bwMode="auto" r:id="rId52">
+            <p14:nvContentPartPr>
+              <p14:cNvPr id="38" name="Ink 37">
+                <a:extLst>
+                  <a:ext uri="{FF2B5EF4-FFF2-40B4-BE49-F238E27FC236}">
+                    <a16:creationId xmlns:a16="http://schemas.microsoft.com/office/drawing/2014/main" id="{503054E4-ACB9-45B4-8B5C-3E5E79BC304C}"/>
+                  </a:ext>
+                </a:extLst>
+              </p14:cNvPr>
+              <p14:cNvContentPartPr/>
+              <p14:nvPr/>
+            </p14:nvContentPartPr>
+            <p14:xfrm>
+              <a:off x="2322792" y="4105512"/>
+              <a:ext cx="432000" cy="360"/>
+            </p14:xfrm>
+          </p:contentPart>
+        </mc:Choice>
+        <mc:Fallback>
+          <p:pic>
+            <p:nvPicPr>
+              <p:cNvPr id="38" name="Ink 37">
+                <a:extLst>
+                  <a:ext uri="{FF2B5EF4-FFF2-40B4-BE49-F238E27FC236}">
+                    <a16:creationId xmlns:a16="http://schemas.microsoft.com/office/drawing/2014/main" id="{503054E4-ACB9-45B4-8B5C-3E5E79BC304C}"/>
+                  </a:ext>
+                </a:extLst>
+              </p:cNvPr>
+              <p:cNvPicPr/>
+              <p:nvPr/>
+            </p:nvPicPr>
+            <p:blipFill>
+              <a:blip r:embed="rId53"/>
+              <a:stretch>
+                <a:fillRect/>
+              </a:stretch>
+            </p:blipFill>
+            <p:spPr>
+              <a:xfrm>
+                <a:off x="2269152" y="3997512"/>
+                <a:ext cx="539640" cy="216000"/>
               </a:xfrm>
               <a:prstGeom prst="rect">
                 <a:avLst/>
@@ -23341,15 +23863,6 @@
 </file>
 
 <file path=customXml/item1.xml><?xml version="1.0" encoding="utf-8"?>
-<?mso-contentType ?>
-<FormTemplates xmlns="http://schemas.microsoft.com/sharepoint/v3/contenttype/forms">
-  <Display>DocumentLibraryForm</Display>
-  <Edit>DocumentLibraryForm</Edit>
-  <New>DocumentLibraryForm</New>
-</FormTemplates>
-</file>
-
-<file path=customXml/item2.xml><?xml version="1.0" encoding="utf-8"?>
 <p:properties xmlns:p="http://schemas.microsoft.com/office/2006/metadata/properties" xmlns:xsi="http://www.w3.org/2001/XMLSchema-instance" xmlns:pc="http://schemas.microsoft.com/office/infopath/2007/PartnerControls">
   <documentManagement>
     <_ip_UnifiedCompliancePolicyUIAction xmlns="http://schemas.microsoft.com/sharepoint/v3" xsi:nil="true"/>
@@ -23366,6 +23879,15 @@
     <MediaServiceKeyPoints xmlns="71af3243-3dd4-4a8d-8c0d-dd76da1f02a5" xsi:nil="true"/>
   </documentManagement>
 </p:properties>
+</file>
+
+<file path=customXml/item2.xml><?xml version="1.0" encoding="utf-8"?>
+<?mso-contentType ?>
+<FormTemplates xmlns="http://schemas.microsoft.com/sharepoint/v3/contenttype/forms">
+  <Display>DocumentLibraryForm</Display>
+  <Edit>DocumentLibraryForm</Edit>
+  <New>DocumentLibraryForm</New>
+</FormTemplates>
 </file>
 
 <file path=customXml/item3.xml><?xml version="1.0" encoding="utf-8"?>
@@ -23651,14 +24173,6 @@
 </file>
 
 <file path=customXml/itemProps1.xml><?xml version="1.0" encoding="utf-8"?>
-<ds:datastoreItem xmlns:ds="http://schemas.openxmlformats.org/officeDocument/2006/customXml" ds:itemID="{85334180-0405-413B-834A-44FA9E05ADB7}">
-  <ds:schemaRefs>
-    <ds:schemaRef ds:uri="http://schemas.microsoft.com/sharepoint/v3/contenttype/forms"/>
-  </ds:schemaRefs>
-</ds:datastoreItem>
-</file>
-
-<file path=customXml/itemProps2.xml><?xml version="1.0" encoding="utf-8"?>
 <ds:datastoreItem xmlns:ds="http://schemas.openxmlformats.org/officeDocument/2006/customXml" ds:itemID="{4D5BAB77-79E1-4739-AA51-10C9079186D6}">
   <ds:schemaRefs>
     <ds:schemaRef ds:uri="http://schemas.microsoft.com/office/2006/metadata/properties"/>
@@ -23666,6 +24180,14 @@
     <ds:schemaRef ds:uri="http://schemas.microsoft.com/sharepoint/v3"/>
     <ds:schemaRef ds:uri="71af3243-3dd4-4a8d-8c0d-dd76da1f02a5"/>
     <ds:schemaRef ds:uri="230e9df3-be65-4c73-a93b-d1236ebd677e"/>
+  </ds:schemaRefs>
+</ds:datastoreItem>
+</file>
+
+<file path=customXml/itemProps2.xml><?xml version="1.0" encoding="utf-8"?>
+<ds:datastoreItem xmlns:ds="http://schemas.openxmlformats.org/officeDocument/2006/customXml" ds:itemID="{85334180-0405-413B-834A-44FA9E05ADB7}">
+  <ds:schemaRefs>
+    <ds:schemaRef ds:uri="http://schemas.microsoft.com/sharepoint/v3/contenttype/forms"/>
   </ds:schemaRefs>
 </ds:datastoreItem>
 </file>

--- a/ML_Project.pptx
+++ b/ML_Project.pptx
@@ -164,7 +164,36 @@
           <inkml:channelProperty channel="Y" name="resolution" value="1000" units="1/cm"/>
         </inkml:channelProperties>
       </inkml:inkSource>
-      <inkml:timestamp xml:id="ts0" timeString="2022-04-07T20:41:08.190"/>
+      <inkml:timestamp xml:id="ts0" timeString="2022-04-08T15:12:43.674"/>
+    </inkml:context>
+    <inkml:brush xml:id="br0">
+      <inkml:brushProperty name="width" value="0.3" units="cm"/>
+      <inkml:brushProperty name="height" value="0.6" units="cm"/>
+      <inkml:brushProperty name="color" value="#E6E6E6"/>
+      <inkml:brushProperty name="tip" value="rectangle"/>
+      <inkml:brushProperty name="rasterOp" value="maskPen"/>
+      <inkml:brushProperty name="ignorePressure" value="1"/>
+    </inkml:brush>
+  </inkml:definitions>
+  <inkml:trace contextRef="#ctx0" brushRef="#br0">1 0,'0'0</inkml:trace>
+</inkml:ink>
+</file>
+
+<file path=ppt/ink/ink10.xml><?xml version="1.0" encoding="utf-8"?>
+<inkml:ink xmlns:inkml="http://www.w3.org/2003/InkML">
+  <inkml:definitions>
+    <inkml:context xml:id="ctx0">
+      <inkml:inkSource xml:id="inkSrc0">
+        <inkml:traceFormat>
+          <inkml:channel name="X" type="integer" min="-2.14748E9" max="2.14748E9" units="cm"/>
+          <inkml:channel name="Y" type="integer" min="-2.14748E9" max="2.14748E9" units="cm"/>
+        </inkml:traceFormat>
+        <inkml:channelProperties>
+          <inkml:channelProperty channel="X" name="resolution" value="1000" units="1/cm"/>
+          <inkml:channelProperty channel="Y" name="resolution" value="1000" units="1/cm"/>
+        </inkml:channelProperties>
+      </inkml:inkSource>
+      <inkml:timestamp xml:id="ts0" timeString="2022-04-07T20:41:11.241"/>
     </inkml:context>
     <inkml:brush xml:id="br0">
       <inkml:brushProperty name="width" value="0.3" units="cm"/>
@@ -175,11 +204,214 @@
       <inkml:brushProperty name="ignorePressure" value="1"/>
     </inkml:brush>
   </inkml:definitions>
-  <inkml:trace contextRef="#ctx0" brushRef="#br0">1 53,'1606'0,"-1584"-1,0-2,-1 0,1-2,29-9,-28 7,-1 1,1 1,46-3,7 8,-54 0</inkml:trace>
+  <inkml:trace contextRef="#ctx0" brushRef="#br0">1 1,'1396'0,"-1373"0</inkml:trace>
 </inkml:ink>
 </file>
 
-<file path=ppt/ink/ink10.xml><?xml version="1.0" encoding="utf-8"?>
+<file path=ppt/ink/ink11.xml><?xml version="1.0" encoding="utf-8"?>
+<inkml:ink xmlns:inkml="http://www.w3.org/2003/InkML">
+  <inkml:definitions>
+    <inkml:context xml:id="ctx0">
+      <inkml:inkSource xml:id="inkSrc0">
+        <inkml:traceFormat>
+          <inkml:channel name="X" type="integer" min="-2.14748E9" max="2.14748E9" units="cm"/>
+          <inkml:channel name="Y" type="integer" min="-2.14748E9" max="2.14748E9" units="cm"/>
+        </inkml:traceFormat>
+        <inkml:channelProperties>
+          <inkml:channelProperty channel="X" name="resolution" value="1000" units="1/cm"/>
+          <inkml:channelProperty channel="Y" name="resolution" value="1000" units="1/cm"/>
+        </inkml:channelProperties>
+      </inkml:inkSource>
+      <inkml:timestamp xml:id="ts0" timeString="2022-04-07T20:41:14.341"/>
+    </inkml:context>
+    <inkml:brush xml:id="br0">
+      <inkml:brushProperty name="width" value="0.3" units="cm"/>
+      <inkml:brushProperty name="height" value="0.6" units="cm"/>
+      <inkml:brushProperty name="color" value="#FFFC00"/>
+      <inkml:brushProperty name="tip" value="rectangle"/>
+      <inkml:brushProperty name="rasterOp" value="maskPen"/>
+      <inkml:brushProperty name="ignorePressure" value="1"/>
+    </inkml:brush>
+  </inkml:definitions>
+  <inkml:trace contextRef="#ctx0" brushRef="#br0">0 0,'109'5,"0"5,129 28,-238-38,89 13,128 3,92-18,-99-1,426 3,-609 0</inkml:trace>
+</inkml:ink>
+</file>
+
+<file path=ppt/ink/ink12.xml><?xml version="1.0" encoding="utf-8"?>
+<inkml:ink xmlns:inkml="http://www.w3.org/2003/InkML">
+  <inkml:definitions>
+    <inkml:context xml:id="ctx0">
+      <inkml:inkSource xml:id="inkSrc0">
+        <inkml:traceFormat>
+          <inkml:channel name="X" type="integer" min="-2.14748E9" max="2.14748E9" units="cm"/>
+          <inkml:channel name="Y" type="integer" min="-2.14748E9" max="2.14748E9" units="cm"/>
+        </inkml:traceFormat>
+        <inkml:channelProperties>
+          <inkml:channelProperty channel="X" name="resolution" value="1000" units="1/cm"/>
+          <inkml:channelProperty channel="Y" name="resolution" value="1000" units="1/cm"/>
+        </inkml:channelProperties>
+      </inkml:inkSource>
+      <inkml:timestamp xml:id="ts0" timeString="2022-04-07T20:41:17.138"/>
+    </inkml:context>
+    <inkml:brush xml:id="br0">
+      <inkml:brushProperty name="width" value="0.3" units="cm"/>
+      <inkml:brushProperty name="height" value="0.6" units="cm"/>
+      <inkml:brushProperty name="color" value="#FFFC00"/>
+      <inkml:brushProperty name="tip" value="rectangle"/>
+      <inkml:brushProperty name="rasterOp" value="maskPen"/>
+      <inkml:brushProperty name="ignorePressure" value="1"/>
+    </inkml:brush>
+  </inkml:definitions>
+  <inkml:trace contextRef="#ctx0" brushRef="#br0">1 0,'224'12,"-45"0,592-8,-443-6,-305 4,-1 0,1 2,40 11,39 6,287-13,-231-10,-126 1,58-8,-60 4</inkml:trace>
+</inkml:ink>
+</file>
+
+<file path=ppt/ink/ink13.xml><?xml version="1.0" encoding="utf-8"?>
+<inkml:ink xmlns:inkml="http://www.w3.org/2003/InkML">
+  <inkml:definitions>
+    <inkml:context xml:id="ctx0">
+      <inkml:inkSource xml:id="inkSrc0">
+        <inkml:traceFormat>
+          <inkml:channel name="X" type="integer" min="-2.14748E9" max="2.14748E9" units="cm"/>
+          <inkml:channel name="Y" type="integer" min="-2.14748E9" max="2.14748E9" units="cm"/>
+        </inkml:traceFormat>
+        <inkml:channelProperties>
+          <inkml:channelProperty channel="X" name="resolution" value="1000" units="1/cm"/>
+          <inkml:channelProperty channel="Y" name="resolution" value="1000" units="1/cm"/>
+        </inkml:channelProperties>
+      </inkml:inkSource>
+      <inkml:timestamp xml:id="ts0" timeString="2022-04-07T20:41:29.415"/>
+    </inkml:context>
+    <inkml:brush xml:id="br0">
+      <inkml:brushProperty name="width" value="0.3" units="cm"/>
+      <inkml:brushProperty name="height" value="0.6" units="cm"/>
+      <inkml:brushProperty name="color" value="#FF8517"/>
+      <inkml:brushProperty name="tip" value="rectangle"/>
+      <inkml:brushProperty name="rasterOp" value="maskPen"/>
+      <inkml:brushProperty name="ignorePressure" value="1"/>
+    </inkml:brush>
+  </inkml:definitions>
+  <inkml:trace contextRef="#ctx0" brushRef="#br0">1 132,'1020'0,"-999"-2,-1-1,1-1,-1 0,0-2,0 0,-1-2,1 0,25-15,55-21,-83 38,1 1,0 1,1 1,-1 0,0 1,28 1,-26 2</inkml:trace>
+</inkml:ink>
+</file>
+
+<file path=ppt/ink/ink14.xml><?xml version="1.0" encoding="utf-8"?>
+<inkml:ink xmlns:inkml="http://www.w3.org/2003/InkML">
+  <inkml:definitions>
+    <inkml:context xml:id="ctx0">
+      <inkml:inkSource xml:id="inkSrc0">
+        <inkml:traceFormat>
+          <inkml:channel name="X" type="integer" min="-2.14748E9" max="2.14748E9" units="cm"/>
+          <inkml:channel name="Y" type="integer" min="-2.14748E9" max="2.14748E9" units="cm"/>
+        </inkml:traceFormat>
+        <inkml:channelProperties>
+          <inkml:channelProperty channel="X" name="resolution" value="1000" units="1/cm"/>
+          <inkml:channelProperty channel="Y" name="resolution" value="1000" units="1/cm"/>
+        </inkml:channelProperties>
+      </inkml:inkSource>
+      <inkml:timestamp xml:id="ts0" timeString="2022-04-07T20:41:30.807"/>
+    </inkml:context>
+    <inkml:brush xml:id="br0">
+      <inkml:brushProperty name="width" value="0.3" units="cm"/>
+      <inkml:brushProperty name="height" value="0.6" units="cm"/>
+      <inkml:brushProperty name="color" value="#FF8517"/>
+      <inkml:brushProperty name="tip" value="rectangle"/>
+      <inkml:brushProperty name="rasterOp" value="maskPen"/>
+      <inkml:brushProperty name="ignorePressure" value="1"/>
+    </inkml:brush>
+  </inkml:definitions>
+  <inkml:trace contextRef="#ctx0" brushRef="#br0">1 1,'712'0,"-691"0</inkml:trace>
+</inkml:ink>
+</file>
+
+<file path=ppt/ink/ink15.xml><?xml version="1.0" encoding="utf-8"?>
+<inkml:ink xmlns:inkml="http://www.w3.org/2003/InkML">
+  <inkml:definitions>
+    <inkml:context xml:id="ctx0">
+      <inkml:inkSource xml:id="inkSrc0">
+        <inkml:traceFormat>
+          <inkml:channel name="X" type="integer" min="-2.14748E9" max="2.14748E9" units="cm"/>
+          <inkml:channel name="Y" type="integer" min="-2.14748E9" max="2.14748E9" units="cm"/>
+        </inkml:traceFormat>
+        <inkml:channelProperties>
+          <inkml:channelProperty channel="X" name="resolution" value="1000" units="1/cm"/>
+          <inkml:channelProperty channel="Y" name="resolution" value="1000" units="1/cm"/>
+        </inkml:channelProperties>
+      </inkml:inkSource>
+      <inkml:timestamp xml:id="ts0" timeString="2022-04-07T20:41:33.589"/>
+    </inkml:context>
+    <inkml:brush xml:id="br0">
+      <inkml:brushProperty name="width" value="0.3" units="cm"/>
+      <inkml:brushProperty name="height" value="0.6" units="cm"/>
+      <inkml:brushProperty name="color" value="#FF8517"/>
+      <inkml:brushProperty name="tip" value="rectangle"/>
+      <inkml:brushProperty name="rasterOp" value="maskPen"/>
+      <inkml:brushProperty name="ignorePressure" value="1"/>
+    </inkml:brush>
+  </inkml:definitions>
+  <inkml:trace contextRef="#ctx0" brushRef="#br0">0 1,'12'1,"0"0,-1 1,1 1,-1 0,19 8,24 6,-11-10,0-3,0-1,74-5,56 3,-77 11,56 2,158-15,-288 1</inkml:trace>
+</inkml:ink>
+</file>
+
+<file path=ppt/ink/ink16.xml><?xml version="1.0" encoding="utf-8"?>
+<inkml:ink xmlns:inkml="http://www.w3.org/2003/InkML">
+  <inkml:definitions>
+    <inkml:context xml:id="ctx0">
+      <inkml:inkSource xml:id="inkSrc0">
+        <inkml:traceFormat>
+          <inkml:channel name="X" type="integer" min="-2.14748E9" max="2.14748E9" units="cm"/>
+          <inkml:channel name="Y" type="integer" min="-2.14748E9" max="2.14748E9" units="cm"/>
+        </inkml:traceFormat>
+        <inkml:channelProperties>
+          <inkml:channelProperty channel="X" name="resolution" value="1000" units="1/cm"/>
+          <inkml:channelProperty channel="Y" name="resolution" value="1000" units="1/cm"/>
+        </inkml:channelProperties>
+      </inkml:inkSource>
+      <inkml:timestamp xml:id="ts0" timeString="2022-04-07T20:41:35.858"/>
+    </inkml:context>
+    <inkml:brush xml:id="br0">
+      <inkml:brushProperty name="width" value="0.3" units="cm"/>
+      <inkml:brushProperty name="height" value="0.6" units="cm"/>
+      <inkml:brushProperty name="color" value="#FF8517"/>
+      <inkml:brushProperty name="tip" value="rectangle"/>
+      <inkml:brushProperty name="rasterOp" value="maskPen"/>
+      <inkml:brushProperty name="ignorePressure" value="1"/>
+    </inkml:brush>
+  </inkml:definitions>
+  <inkml:trace contextRef="#ctx0" brushRef="#br0">0 53,'122'2,"135"-4,-232-1,0-1,-1-1,25-8,-24 6,0 0,0 2,28-2,280 6,-161 3,-128 0,-1 2,66 16,-66-11,0-2,66 3,-88-10</inkml:trace>
+</inkml:ink>
+</file>
+
+<file path=ppt/ink/ink17.xml><?xml version="1.0" encoding="utf-8"?>
+<inkml:ink xmlns:inkml="http://www.w3.org/2003/InkML">
+  <inkml:definitions>
+    <inkml:context xml:id="ctx0">
+      <inkml:inkSource xml:id="inkSrc0">
+        <inkml:traceFormat>
+          <inkml:channel name="X" type="integer" min="-2.14748E9" max="2.14748E9" units="cm"/>
+          <inkml:channel name="Y" type="integer" min="-2.14748E9" max="2.14748E9" units="cm"/>
+        </inkml:traceFormat>
+        <inkml:channelProperties>
+          <inkml:channelProperty channel="X" name="resolution" value="1000" units="1/cm"/>
+          <inkml:channelProperty channel="Y" name="resolution" value="1000" units="1/cm"/>
+        </inkml:channelProperties>
+      </inkml:inkSource>
+      <inkml:timestamp xml:id="ts0" timeString="2022-04-07T20:41:39.999"/>
+    </inkml:context>
+    <inkml:brush xml:id="br0">
+      <inkml:brushProperty name="width" value="0.3" units="cm"/>
+      <inkml:brushProperty name="height" value="0.6" units="cm"/>
+      <inkml:brushProperty name="color" value="#FF8517"/>
+      <inkml:brushProperty name="tip" value="rectangle"/>
+      <inkml:brushProperty name="rasterOp" value="maskPen"/>
+      <inkml:brushProperty name="ignorePressure" value="1"/>
+    </inkml:brush>
+  </inkml:definitions>
+  <inkml:trace contextRef="#ctx0" brushRef="#br0">0 1,'3'4,"-1"1,1-1,0 0,0 0,1-1,-1 1,1-1,0 1,0-1,0 0,0-1,1 1,-1-1,9 4,7 1,0-1,28 5,4 1,-8 1,85 13,143-2,782-24,-1028-2,0 0,28-7,45-4,-18 1,-6-1,-49 12</inkml:trace>
+</inkml:ink>
+</file>
+
+<file path=ppt/ink/ink18.xml><?xml version="1.0" encoding="utf-8"?>
 <inkml:ink xmlns:inkml="http://www.w3.org/2003/InkML">
   <inkml:definitions>
     <inkml:context xml:id="ctx0">
@@ -208,7 +440,7 @@
 </inkml:ink>
 </file>
 
-<file path=ppt/ink/ink11.xml><?xml version="1.0" encoding="utf-8"?>
+<file path=ppt/ink/ink19.xml><?xml version="1.0" encoding="utf-8"?>
 <inkml:ink xmlns:inkml="http://www.w3.org/2003/InkML">
   <inkml:definitions>
     <inkml:context xml:id="ctx0">
@@ -237,7 +469,36 @@
 </inkml:ink>
 </file>
 
-<file path=ppt/ink/ink12.xml><?xml version="1.0" encoding="utf-8"?>
+<file path=ppt/ink/ink2.xml><?xml version="1.0" encoding="utf-8"?>
+<inkml:ink xmlns:inkml="http://www.w3.org/2003/InkML">
+  <inkml:definitions>
+    <inkml:context xml:id="ctx0">
+      <inkml:inkSource xml:id="inkSrc0">
+        <inkml:traceFormat>
+          <inkml:channel name="X" type="integer" min="-2.14748E9" max="2.14748E9" units="cm"/>
+          <inkml:channel name="Y" type="integer" min="-2.14748E9" max="2.14748E9" units="cm"/>
+        </inkml:traceFormat>
+        <inkml:channelProperties>
+          <inkml:channelProperty channel="X" name="resolution" value="1000" units="1/cm"/>
+          <inkml:channelProperty channel="Y" name="resolution" value="1000" units="1/cm"/>
+        </inkml:channelProperties>
+      </inkml:inkSource>
+      <inkml:timestamp xml:id="ts0" timeString="2022-04-08T15:12:44.727"/>
+    </inkml:context>
+    <inkml:brush xml:id="br0">
+      <inkml:brushProperty name="width" value="0.3" units="cm"/>
+      <inkml:brushProperty name="height" value="0.6" units="cm"/>
+      <inkml:brushProperty name="color" value="#E6E6E6"/>
+      <inkml:brushProperty name="tip" value="rectangle"/>
+      <inkml:brushProperty name="rasterOp" value="maskPen"/>
+      <inkml:brushProperty name="ignorePressure" value="1"/>
+    </inkml:brush>
+  </inkml:definitions>
+  <inkml:trace contextRef="#ctx0" brushRef="#br0">1 0,'1376'0,"-1348"0</inkml:trace>
+</inkml:ink>
+</file>
+
+<file path=ppt/ink/ink20.xml><?xml version="1.0" encoding="utf-8"?>
 <inkml:ink xmlns:inkml="http://www.w3.org/2003/InkML">
   <inkml:definitions>
     <inkml:context xml:id="ctx0">
@@ -266,7 +527,7 @@
 </inkml:ink>
 </file>
 
-<file path=ppt/ink/ink13.xml><?xml version="1.0" encoding="utf-8"?>
+<file path=ppt/ink/ink21.xml><?xml version="1.0" encoding="utf-8"?>
 <inkml:ink xmlns:inkml="http://www.w3.org/2003/InkML">
   <inkml:definitions>
     <inkml:context xml:id="ctx0">
@@ -295,7 +556,7 @@
 </inkml:ink>
 </file>
 
-<file path=ppt/ink/ink14.xml><?xml version="1.0" encoding="utf-8"?>
+<file path=ppt/ink/ink22.xml><?xml version="1.0" encoding="utf-8"?>
 <inkml:ink xmlns:inkml="http://www.w3.org/2003/InkML">
   <inkml:definitions>
     <inkml:context xml:id="ctx0">
@@ -324,7 +585,7 @@
 </inkml:ink>
 </file>
 
-<file path=ppt/ink/ink15.xml><?xml version="1.0" encoding="utf-8"?>
+<file path=ppt/ink/ink23.xml><?xml version="1.0" encoding="utf-8"?>
 <inkml:ink xmlns:inkml="http://www.w3.org/2003/InkML">
   <inkml:definitions>
     <inkml:context xml:id="ctx0">
@@ -353,7 +614,7 @@
 </inkml:ink>
 </file>
 
-<file path=ppt/ink/ink16.xml><?xml version="1.0" encoding="utf-8"?>
+<file path=ppt/ink/ink24.xml><?xml version="1.0" encoding="utf-8"?>
 <inkml:ink xmlns:inkml="http://www.w3.org/2003/InkML">
   <inkml:definitions>
     <inkml:context xml:id="ctx0">
@@ -382,7 +643,7 @@
 </inkml:ink>
 </file>
 
-<file path=ppt/ink/ink17.xml><?xml version="1.0" encoding="utf-8"?>
+<file path=ppt/ink/ink25.xml><?xml version="1.0" encoding="utf-8"?>
 <inkml:ink xmlns:inkml="http://www.w3.org/2003/InkML">
   <inkml:definitions>
     <inkml:context xml:id="ctx0">
@@ -411,7 +672,7 @@
 </inkml:ink>
 </file>
 
-<file path=ppt/ink/ink18.xml><?xml version="1.0" encoding="utf-8"?>
+<file path=ppt/ink/ink26.xml><?xml version="1.0" encoding="utf-8"?>
 <inkml:ink xmlns:inkml="http://www.w3.org/2003/InkML">
   <inkml:definitions>
     <inkml:context xml:id="ctx0">
@@ -440,7 +701,7 @@
 </inkml:ink>
 </file>
 
-<file path=ppt/ink/ink19.xml><?xml version="1.0" encoding="utf-8"?>
+<file path=ppt/ink/ink27.xml><?xml version="1.0" encoding="utf-8"?>
 <inkml:ink xmlns:inkml="http://www.w3.org/2003/InkML">
   <inkml:definitions>
     <inkml:context xml:id="ctx0">
@@ -469,36 +730,7 @@
 </inkml:ink>
 </file>
 
-<file path=ppt/ink/ink2.xml><?xml version="1.0" encoding="utf-8"?>
-<inkml:ink xmlns:inkml="http://www.w3.org/2003/InkML">
-  <inkml:definitions>
-    <inkml:context xml:id="ctx0">
-      <inkml:inkSource xml:id="inkSrc0">
-        <inkml:traceFormat>
-          <inkml:channel name="X" type="integer" min="-2.14748E9" max="2.14748E9" units="cm"/>
-          <inkml:channel name="Y" type="integer" min="-2.14748E9" max="2.14748E9" units="cm"/>
-        </inkml:traceFormat>
-        <inkml:channelProperties>
-          <inkml:channelProperty channel="X" name="resolution" value="1000" units="1/cm"/>
-          <inkml:channelProperty channel="Y" name="resolution" value="1000" units="1/cm"/>
-        </inkml:channelProperties>
-      </inkml:inkSource>
-      <inkml:timestamp xml:id="ts0" timeString="2022-04-07T20:41:11.241"/>
-    </inkml:context>
-    <inkml:brush xml:id="br0">
-      <inkml:brushProperty name="width" value="0.3" units="cm"/>
-      <inkml:brushProperty name="height" value="0.6" units="cm"/>
-      <inkml:brushProperty name="color" value="#FFFC00"/>
-      <inkml:brushProperty name="tip" value="rectangle"/>
-      <inkml:brushProperty name="rasterOp" value="maskPen"/>
-      <inkml:brushProperty name="ignorePressure" value="1"/>
-    </inkml:brush>
-  </inkml:definitions>
-  <inkml:trace contextRef="#ctx0" brushRef="#br0">1 1,'1396'0,"-1373"0</inkml:trace>
-</inkml:ink>
-</file>
-
-<file path=ppt/ink/ink20.xml><?xml version="1.0" encoding="utf-8"?>
+<file path=ppt/ink/ink28.xml><?xml version="1.0" encoding="utf-8"?>
 <inkml:ink xmlns:inkml="http://www.w3.org/2003/InkML">
   <inkml:definitions>
     <inkml:context xml:id="ctx0">
@@ -527,7 +759,7 @@
 </inkml:ink>
 </file>
 
-<file path=ppt/ink/ink21.xml><?xml version="1.0" encoding="utf-8"?>
+<file path=ppt/ink/ink29.xml><?xml version="1.0" encoding="utf-8"?>
 <inkml:ink xmlns:inkml="http://www.w3.org/2003/InkML">
   <inkml:definitions>
     <inkml:context xml:id="ctx0">
@@ -556,7 +788,36 @@
 </inkml:ink>
 </file>
 
-<file path=ppt/ink/ink22.xml><?xml version="1.0" encoding="utf-8"?>
+<file path=ppt/ink/ink3.xml><?xml version="1.0" encoding="utf-8"?>
+<inkml:ink xmlns:inkml="http://www.w3.org/2003/InkML">
+  <inkml:definitions>
+    <inkml:context xml:id="ctx0">
+      <inkml:inkSource xml:id="inkSrc0">
+        <inkml:traceFormat>
+          <inkml:channel name="X" type="integer" min="-2.14748E9" max="2.14748E9" units="cm"/>
+          <inkml:channel name="Y" type="integer" min="-2.14748E9" max="2.14748E9" units="cm"/>
+        </inkml:traceFormat>
+        <inkml:channelProperties>
+          <inkml:channelProperty channel="X" name="resolution" value="1000" units="1/cm"/>
+          <inkml:channelProperty channel="Y" name="resolution" value="1000" units="1/cm"/>
+        </inkml:channelProperties>
+      </inkml:inkSource>
+      <inkml:timestamp xml:id="ts0" timeString="2022-04-08T15:12:45.057"/>
+    </inkml:context>
+    <inkml:brush xml:id="br0">
+      <inkml:brushProperty name="width" value="0.3" units="cm"/>
+      <inkml:brushProperty name="height" value="0.6" units="cm"/>
+      <inkml:brushProperty name="color" value="#E6E6E6"/>
+      <inkml:brushProperty name="tip" value="rectangle"/>
+      <inkml:brushProperty name="rasterOp" value="maskPen"/>
+      <inkml:brushProperty name="ignorePressure" value="1"/>
+    </inkml:brush>
+  </inkml:definitions>
+  <inkml:trace contextRef="#ctx0" brushRef="#br0">1 1,'0'0</inkml:trace>
+</inkml:ink>
+</file>
+
+<file path=ppt/ink/ink30.xml><?xml version="1.0" encoding="utf-8"?>
 <inkml:ink xmlns:inkml="http://www.w3.org/2003/InkML">
   <inkml:definitions>
     <inkml:context xml:id="ctx0">
@@ -585,7 +846,7 @@
 </inkml:ink>
 </file>
 
-<file path=ppt/ink/ink23.xml><?xml version="1.0" encoding="utf-8"?>
+<file path=ppt/ink/ink31.xml><?xml version="1.0" encoding="utf-8"?>
 <inkml:ink xmlns:inkml="http://www.w3.org/2003/InkML">
   <inkml:definitions>
     <inkml:context xml:id="ctx0">
@@ -614,7 +875,7 @@
 </inkml:ink>
 </file>
 
-<file path=ppt/ink/ink24.xml><?xml version="1.0" encoding="utf-8"?>
+<file path=ppt/ink/ink32.xml><?xml version="1.0" encoding="utf-8"?>
 <inkml:ink xmlns:inkml="http://www.w3.org/2003/InkML">
   <inkml:definitions>
     <inkml:context xml:id="ctx0">
@@ -643,7 +904,7 @@
 </inkml:ink>
 </file>
 
-<file path=ppt/ink/ink3.xml><?xml version="1.0" encoding="utf-8"?>
+<file path=ppt/ink/ink33.xml><?xml version="1.0" encoding="utf-8"?>
 <inkml:ink xmlns:inkml="http://www.w3.org/2003/InkML">
   <inkml:definitions>
     <inkml:context xml:id="ctx0">
@@ -657,18 +918,47 @@
           <inkml:channelProperty channel="Y" name="resolution" value="1000" units="1/cm"/>
         </inkml:channelProperties>
       </inkml:inkSource>
-      <inkml:timestamp xml:id="ts0" timeString="2022-04-07T20:41:14.341"/>
+      <inkml:timestamp xml:id="ts0" timeString="2022-04-08T15:00:17.425"/>
     </inkml:context>
     <inkml:brush xml:id="br0">
       <inkml:brushProperty name="width" value="0.3" units="cm"/>
       <inkml:brushProperty name="height" value="0.6" units="cm"/>
-      <inkml:brushProperty name="color" value="#FFFC00"/>
+      <inkml:brushProperty name="color" value="#A2D762"/>
       <inkml:brushProperty name="tip" value="rectangle"/>
       <inkml:brushProperty name="rasterOp" value="maskPen"/>
       <inkml:brushProperty name="ignorePressure" value="1"/>
     </inkml:brush>
   </inkml:definitions>
-  <inkml:trace contextRef="#ctx0" brushRef="#br0">0 0,'109'5,"0"5,129 28,-238-38,89 13,128 3,92-18,-99-1,426 3,-609 0</inkml:trace>
+  <inkml:trace contextRef="#ctx0" brushRef="#br0">0 1,'2236'0,"-2214"0</inkml:trace>
+</inkml:ink>
+</file>
+
+<file path=ppt/ink/ink34.xml><?xml version="1.0" encoding="utf-8"?>
+<inkml:ink xmlns:inkml="http://www.w3.org/2003/InkML">
+  <inkml:definitions>
+    <inkml:context xml:id="ctx0">
+      <inkml:inkSource xml:id="inkSrc0">
+        <inkml:traceFormat>
+          <inkml:channel name="X" type="integer" min="-2.14748E9" max="2.14748E9" units="cm"/>
+          <inkml:channel name="Y" type="integer" min="-2.14748E9" max="2.14748E9" units="cm"/>
+        </inkml:traceFormat>
+        <inkml:channelProperties>
+          <inkml:channelProperty channel="X" name="resolution" value="1000" units="1/cm"/>
+          <inkml:channelProperty channel="Y" name="resolution" value="1000" units="1/cm"/>
+        </inkml:channelProperties>
+      </inkml:inkSource>
+      <inkml:timestamp xml:id="ts0" timeString="2022-04-08T15:00:27.551"/>
+    </inkml:context>
+    <inkml:brush xml:id="br0">
+      <inkml:brushProperty name="width" value="0.3" units="cm"/>
+      <inkml:brushProperty name="height" value="0.6" units="cm"/>
+      <inkml:brushProperty name="color" value="#E6E6E6"/>
+      <inkml:brushProperty name="tip" value="rectangle"/>
+      <inkml:brushProperty name="rasterOp" value="maskPen"/>
+      <inkml:brushProperty name="ignorePressure" value="1"/>
+    </inkml:brush>
+  </inkml:definitions>
+  <inkml:trace contextRef="#ctx0" brushRef="#br0">0 0,'32'2,"51"8,22 2,756-8,-440-7,-374 1,-30 1,-1 0,0 1,1 1,-1 0,25 6,-40-7,-1-1,0 1,0 0,1 0,-1 0,0 0,1 0,-1 0,0 1,1-1,-1 0,0 0,1 0,-1 0,0 0,0 0,1 0,-1 1,0-1,1 0,-1 0,0 0,0 1,0-1,1 0,-1 0,0 1,0-1,0 0,1 0,-1 1,0-1,0 0,0 1,0-1,0 0,0 1,0-1,0 0,0 1,0-1,0 0,0 0,0 1,0-1,0 1,-17 8,-29 3,-111 16,-306 13,352-40,-205-24,272 18,-51 0,55 5,-74-11,64 1,7 0,-1 3,-47-2,69 9</inkml:trace>
 </inkml:ink>
 </file>
 
@@ -686,18 +976,18 @@
           <inkml:channelProperty channel="Y" name="resolution" value="1000" units="1/cm"/>
         </inkml:channelProperties>
       </inkml:inkSource>
-      <inkml:timestamp xml:id="ts0" timeString="2022-04-07T20:41:17.138"/>
+      <inkml:timestamp xml:id="ts0" timeString="2022-04-08T15:12:45.418"/>
     </inkml:context>
     <inkml:brush xml:id="br0">
       <inkml:brushProperty name="width" value="0.3" units="cm"/>
       <inkml:brushProperty name="height" value="0.6" units="cm"/>
-      <inkml:brushProperty name="color" value="#FFFC00"/>
+      <inkml:brushProperty name="color" value="#E6E6E6"/>
       <inkml:brushProperty name="tip" value="rectangle"/>
       <inkml:brushProperty name="rasterOp" value="maskPen"/>
       <inkml:brushProperty name="ignorePressure" value="1"/>
     </inkml:brush>
   </inkml:definitions>
-  <inkml:trace contextRef="#ctx0" brushRef="#br0">1 0,'224'12,"-45"0,592-8,-443-6,-305 4,-1 0,1 2,40 11,39 6,287-13,-231-10,-126 1,58-8,-60 4</inkml:trace>
+  <inkml:trace contextRef="#ctx0" brushRef="#br0">0 1,'0'0</inkml:trace>
 </inkml:ink>
 </file>
 
@@ -715,18 +1005,18 @@
           <inkml:channelProperty channel="Y" name="resolution" value="1000" units="1/cm"/>
         </inkml:channelProperties>
       </inkml:inkSource>
-      <inkml:timestamp xml:id="ts0" timeString="2022-04-07T20:41:29.415"/>
+      <inkml:timestamp xml:id="ts0" timeString="2022-04-08T15:12:45.763"/>
     </inkml:context>
     <inkml:brush xml:id="br0">
       <inkml:brushProperty name="width" value="0.3" units="cm"/>
       <inkml:brushProperty name="height" value="0.6" units="cm"/>
-      <inkml:brushProperty name="color" value="#FF8517"/>
+      <inkml:brushProperty name="color" value="#E6E6E6"/>
       <inkml:brushProperty name="tip" value="rectangle"/>
       <inkml:brushProperty name="rasterOp" value="maskPen"/>
       <inkml:brushProperty name="ignorePressure" value="1"/>
     </inkml:brush>
   </inkml:definitions>
-  <inkml:trace contextRef="#ctx0" brushRef="#br0">1 132,'1020'0,"-999"-2,-1-1,1-1,-1 0,0-2,0 0,-1-2,1 0,25-15,55-21,-83 38,1 1,0 1,1 1,-1 0,0 1,28 1,-26 2</inkml:trace>
+  <inkml:trace contextRef="#ctx0" brushRef="#br0">0 1,'0'0</inkml:trace>
 </inkml:ink>
 </file>
 
@@ -744,18 +1034,18 @@
           <inkml:channelProperty channel="Y" name="resolution" value="1000" units="1/cm"/>
         </inkml:channelProperties>
       </inkml:inkSource>
-      <inkml:timestamp xml:id="ts0" timeString="2022-04-07T20:41:30.807"/>
+      <inkml:timestamp xml:id="ts0" timeString="2022-04-08T15:12:46.943"/>
     </inkml:context>
     <inkml:brush xml:id="br0">
       <inkml:brushProperty name="width" value="0.3" units="cm"/>
       <inkml:brushProperty name="height" value="0.6" units="cm"/>
-      <inkml:brushProperty name="color" value="#FF8517"/>
+      <inkml:brushProperty name="color" value="#E6E6E6"/>
       <inkml:brushProperty name="tip" value="rectangle"/>
       <inkml:brushProperty name="rasterOp" value="maskPen"/>
       <inkml:brushProperty name="ignorePressure" value="1"/>
     </inkml:brush>
   </inkml:definitions>
-  <inkml:trace contextRef="#ctx0" brushRef="#br0">1 1,'712'0,"-691"0</inkml:trace>
+  <inkml:trace contextRef="#ctx0" brushRef="#br0">0 1,'0'0</inkml:trace>
 </inkml:ink>
 </file>
 
@@ -773,18 +1063,18 @@
           <inkml:channelProperty channel="Y" name="resolution" value="1000" units="1/cm"/>
         </inkml:channelProperties>
       </inkml:inkSource>
-      <inkml:timestamp xml:id="ts0" timeString="2022-04-07T20:41:33.589"/>
+      <inkml:timestamp xml:id="ts0" timeString="2022-04-08T15:12:50.258"/>
     </inkml:context>
     <inkml:brush xml:id="br0">
       <inkml:brushProperty name="width" value="0.3" units="cm"/>
       <inkml:brushProperty name="height" value="0.6" units="cm"/>
-      <inkml:brushProperty name="color" value="#FF8517"/>
+      <inkml:brushProperty name="color" value="#E6E6E6"/>
       <inkml:brushProperty name="tip" value="rectangle"/>
       <inkml:brushProperty name="rasterOp" value="maskPen"/>
       <inkml:brushProperty name="ignorePressure" value="1"/>
     </inkml:brush>
   </inkml:definitions>
-  <inkml:trace contextRef="#ctx0" brushRef="#br0">0 1,'12'1,"0"0,-1 1,1 1,-1 0,19 8,24 6,-11-10,0-3,0-1,74-5,56 3,-77 11,56 2,158-15,-288 1</inkml:trace>
+  <inkml:trace contextRef="#ctx0" brushRef="#br0">1 0,'52'3,"76"12,-36-2,669 7,-498-23,-3 3,-238 0</inkml:trace>
 </inkml:ink>
 </file>
 
@@ -802,18 +1092,18 @@
           <inkml:channelProperty channel="Y" name="resolution" value="1000" units="1/cm"/>
         </inkml:channelProperties>
       </inkml:inkSource>
-      <inkml:timestamp xml:id="ts0" timeString="2022-04-07T20:41:35.858"/>
+      <inkml:timestamp xml:id="ts0" timeString="2022-04-08T14:48:35.204"/>
     </inkml:context>
     <inkml:brush xml:id="br0">
       <inkml:brushProperty name="width" value="0.3" units="cm"/>
       <inkml:brushProperty name="height" value="0.6" units="cm"/>
-      <inkml:brushProperty name="color" value="#FF8517"/>
+      <inkml:brushProperty name="color" value="#E6E6E6"/>
       <inkml:brushProperty name="tip" value="rectangle"/>
       <inkml:brushProperty name="rasterOp" value="maskPen"/>
       <inkml:brushProperty name="ignorePressure" value="1"/>
     </inkml:brush>
   </inkml:definitions>
-  <inkml:trace contextRef="#ctx0" brushRef="#br0">0 53,'122'2,"135"-4,-232-1,0-1,-1-1,25-8,-24 6,0 0,0 2,28-2,280 6,-161 3,-128 0,-1 2,66 16,-66-11,0-2,66 3,-88-10</inkml:trace>
+  <inkml:trace contextRef="#ctx0" brushRef="#br0">0 1,'0'0</inkml:trace>
 </inkml:ink>
 </file>
 
@@ -831,18 +1121,18 @@
           <inkml:channelProperty channel="Y" name="resolution" value="1000" units="1/cm"/>
         </inkml:channelProperties>
       </inkml:inkSource>
-      <inkml:timestamp xml:id="ts0" timeString="2022-04-07T20:41:39.999"/>
+      <inkml:timestamp xml:id="ts0" timeString="2022-04-07T20:41:08.190"/>
     </inkml:context>
     <inkml:brush xml:id="br0">
       <inkml:brushProperty name="width" value="0.3" units="cm"/>
       <inkml:brushProperty name="height" value="0.6" units="cm"/>
-      <inkml:brushProperty name="color" value="#FF8517"/>
+      <inkml:brushProperty name="color" value="#FFFC00"/>
       <inkml:brushProperty name="tip" value="rectangle"/>
       <inkml:brushProperty name="rasterOp" value="maskPen"/>
       <inkml:brushProperty name="ignorePressure" value="1"/>
     </inkml:brush>
   </inkml:definitions>
-  <inkml:trace contextRef="#ctx0" brushRef="#br0">0 1,'3'4,"-1"1,1-1,0 0,0 0,1-1,-1 1,1-1,0 1,0-1,0 0,0-1,1 1,-1-1,9 4,7 1,0-1,28 5,4 1,-8 1,85 13,143-2,782-24,-1028-2,0 0,28-7,45-4,-18 1,-6-1,-49 12</inkml:trace>
+  <inkml:trace contextRef="#ctx0" brushRef="#br0">1 53,'1606'0,"-1584"-1,0-2,-1 0,1-2,29-9,-28 7,-1 1,1 1,46-3,7 8,-54 0</inkml:trace>
 </inkml:ink>
 </file>
 
@@ -13747,8 +14037,8 @@
         </p:blipFill>
         <p:spPr>
           <a:xfrm>
-            <a:off x="2294626" y="1492370"/>
-            <a:ext cx="7082287" cy="4778255"/>
+            <a:off x="1932317" y="1492370"/>
+            <a:ext cx="7850037" cy="4778255"/>
           </a:xfrm>
         </p:spPr>
       </p:pic>
@@ -17575,7 +17865,7 @@
         </p:spPr>
         <p:txBody>
           <a:bodyPr vert="horz" lIns="91440" tIns="45720" rIns="91440" bIns="45720" rtlCol="0" anchor="t">
-            <a:normAutofit/>
+            <a:normAutofit fontScale="92500"/>
           </a:bodyPr>
           <a:lstStyle/>
           <a:p>
@@ -17601,7 +17891,7 @@
             </a:pPr>
             <a:r>
               <a:rPr lang="en-US" sz="2400" dirty="0"/>
-              <a:t>Several models will be developed, and one will be chosen to create an optimal price determination tool.</a:t>
+              <a:t>Several models were developed, and some were shortlisted to create an optimal price determination tool.</a:t>
             </a:r>
           </a:p>
           <a:p>
@@ -17614,7 +17904,7 @@
             </a:pPr>
             <a:r>
               <a:rPr lang="en-US" sz="2400" dirty="0"/>
-              <a:t>Let us start with listing some universal factors that affect house sales:</a:t>
+              <a:t>Let us start with listing some universal factors that affect house sales price:</a:t>
             </a:r>
           </a:p>
           <a:p>
@@ -19652,6 +19942,57 @@
           </a:p>
         </p:txBody>
       </p:sp>
+      <mc:AlternateContent xmlns:mc="http://schemas.openxmlformats.org/markup-compatibility/2006">
+        <mc:Choice xmlns:p14="http://schemas.microsoft.com/office/powerpoint/2010/main" Requires="p14">
+          <p:contentPart p14:bwMode="auto" r:id="rId2">
+            <p14:nvContentPartPr>
+              <p14:cNvPr id="3" name="Ink 2">
+                <a:extLst>
+                  <a:ext uri="{FF2B5EF4-FFF2-40B4-BE49-F238E27FC236}">
+                    <a16:creationId xmlns:a16="http://schemas.microsoft.com/office/drawing/2014/main" id="{92129810-9352-4B1A-B8E4-94F113882079}"/>
+                  </a:ext>
+                </a:extLst>
+              </p14:cNvPr>
+              <p14:cNvContentPartPr/>
+              <p14:nvPr/>
+            </p14:nvContentPartPr>
+            <p14:xfrm>
+              <a:off x="457272" y="5284872"/>
+              <a:ext cx="360" cy="360"/>
+            </p14:xfrm>
+          </p:contentPart>
+        </mc:Choice>
+        <mc:Fallback>
+          <p:pic>
+            <p:nvPicPr>
+              <p:cNvPr id="3" name="Ink 2">
+                <a:extLst>
+                  <a:ext uri="{FF2B5EF4-FFF2-40B4-BE49-F238E27FC236}">
+                    <a16:creationId xmlns:a16="http://schemas.microsoft.com/office/drawing/2014/main" id="{92129810-9352-4B1A-B8E4-94F113882079}"/>
+                  </a:ext>
+                </a:extLst>
+              </p:cNvPr>
+              <p:cNvPicPr/>
+              <p:nvPr/>
+            </p:nvPicPr>
+            <p:blipFill>
+              <a:blip r:embed="rId3"/>
+              <a:stretch>
+                <a:fillRect/>
+              </a:stretch>
+            </p:blipFill>
+            <p:spPr>
+              <a:xfrm>
+                <a:off x="403272" y="5177232"/>
+                <a:ext cx="108000" cy="216000"/>
+              </a:xfrm>
+              <a:prstGeom prst="rect">
+                <a:avLst/>
+              </a:prstGeom>
+            </p:spPr>
+          </p:pic>
+        </mc:Fallback>
+      </mc:AlternateContent>
     </p:spTree>
     <p:extLst>
       <p:ext uri="{BB962C8B-B14F-4D97-AF65-F5344CB8AC3E}">
@@ -21223,6 +21564,108 @@
           </p:pic>
         </mc:Fallback>
       </mc:AlternateContent>
+      <mc:AlternateContent xmlns:mc="http://schemas.openxmlformats.org/markup-compatibility/2006">
+        <mc:Choice xmlns:p14="http://schemas.microsoft.com/office/powerpoint/2010/main" Requires="p14">
+          <p:contentPart p14:bwMode="auto" r:id="rId54">
+            <p14:nvContentPartPr>
+              <p14:cNvPr id="39" name="Ink 38">
+                <a:extLst>
+                  <a:ext uri="{FF2B5EF4-FFF2-40B4-BE49-F238E27FC236}">
+                    <a16:creationId xmlns:a16="http://schemas.microsoft.com/office/drawing/2014/main" id="{9CD344B8-7E0A-4248-B731-ACC1B91543A2}"/>
+                  </a:ext>
+                </a:extLst>
+              </p14:cNvPr>
+              <p14:cNvContentPartPr/>
+              <p14:nvPr/>
+            </p14:nvContentPartPr>
+            <p14:xfrm>
+              <a:off x="9683352" y="3895272"/>
+              <a:ext cx="813240" cy="360"/>
+            </p14:xfrm>
+          </p:contentPart>
+        </mc:Choice>
+        <mc:Fallback>
+          <p:pic>
+            <p:nvPicPr>
+              <p:cNvPr id="39" name="Ink 38">
+                <a:extLst>
+                  <a:ext uri="{FF2B5EF4-FFF2-40B4-BE49-F238E27FC236}">
+                    <a16:creationId xmlns:a16="http://schemas.microsoft.com/office/drawing/2014/main" id="{9CD344B8-7E0A-4248-B731-ACC1B91543A2}"/>
+                  </a:ext>
+                </a:extLst>
+              </p:cNvPr>
+              <p:cNvPicPr/>
+              <p:nvPr/>
+            </p:nvPicPr>
+            <p:blipFill>
+              <a:blip r:embed="rId55"/>
+              <a:stretch>
+                <a:fillRect/>
+              </a:stretch>
+            </p:blipFill>
+            <p:spPr>
+              <a:xfrm>
+                <a:off x="9629352" y="3787632"/>
+                <a:ext cx="920880" cy="216000"/>
+              </a:xfrm>
+              <a:prstGeom prst="rect">
+                <a:avLst/>
+              </a:prstGeom>
+            </p:spPr>
+          </p:pic>
+        </mc:Fallback>
+      </mc:AlternateContent>
+      <mc:AlternateContent xmlns:mc="http://schemas.openxmlformats.org/markup-compatibility/2006">
+        <mc:Choice xmlns:p14="http://schemas.microsoft.com/office/powerpoint/2010/main" Requires="p14">
+          <p:contentPart p14:bwMode="auto" r:id="rId56">
+            <p14:nvContentPartPr>
+              <p14:cNvPr id="40" name="Ink 39">
+                <a:extLst>
+                  <a:ext uri="{FF2B5EF4-FFF2-40B4-BE49-F238E27FC236}">
+                    <a16:creationId xmlns:a16="http://schemas.microsoft.com/office/drawing/2014/main" id="{89D780FC-E418-44A7-BAD9-7A1145455EB8}"/>
+                  </a:ext>
+                </a:extLst>
+              </p14:cNvPr>
+              <p14:cNvContentPartPr/>
+              <p14:nvPr/>
+            </p14:nvContentPartPr>
+            <p14:xfrm>
+              <a:off x="9911952" y="4133232"/>
+              <a:ext cx="605520" cy="47160"/>
+            </p14:xfrm>
+          </p:contentPart>
+        </mc:Choice>
+        <mc:Fallback>
+          <p:pic>
+            <p:nvPicPr>
+              <p:cNvPr id="40" name="Ink 39">
+                <a:extLst>
+                  <a:ext uri="{FF2B5EF4-FFF2-40B4-BE49-F238E27FC236}">
+                    <a16:creationId xmlns:a16="http://schemas.microsoft.com/office/drawing/2014/main" id="{89D780FC-E418-44A7-BAD9-7A1145455EB8}"/>
+                  </a:ext>
+                </a:extLst>
+              </p:cNvPr>
+              <p:cNvPicPr/>
+              <p:nvPr/>
+            </p:nvPicPr>
+            <p:blipFill>
+              <a:blip r:embed="rId57"/>
+              <a:stretch>
+                <a:fillRect/>
+              </a:stretch>
+            </p:blipFill>
+            <p:spPr>
+              <a:xfrm>
+                <a:off x="9857952" y="4025232"/>
+                <a:ext cx="713160" cy="262800"/>
+              </a:xfrm>
+              <a:prstGeom prst="rect">
+                <a:avLst/>
+              </a:prstGeom>
+            </p:spPr>
+          </p:pic>
+        </mc:Fallback>
+      </mc:AlternateContent>
     </p:spTree>
     <p:extLst>
       <p:ext uri="{BB962C8B-B14F-4D97-AF65-F5344CB8AC3E}">
@@ -21344,7 +21787,7 @@
           <a:p>
             <a:r>
               <a:rPr lang="en-US" sz="3600" dirty="0"/>
-              <a:t>What does sales data from Ames, Iowa tell us?</a:t>
+              <a:t>What does house sales data from Ames, Iowa tell us?</a:t>
             </a:r>
           </a:p>
         </p:txBody>
@@ -21501,6 +21944,363 @@
           </a:p>
         </p:txBody>
       </p:sp>
+      <mc:AlternateContent xmlns:mc="http://schemas.openxmlformats.org/markup-compatibility/2006">
+        <mc:Choice xmlns:p14="http://schemas.microsoft.com/office/powerpoint/2010/main" Requires="p14">
+          <p:contentPart p14:bwMode="auto" r:id="rId2">
+            <p14:nvContentPartPr>
+              <p14:cNvPr id="7" name="Ink 6">
+                <a:extLst>
+                  <a:ext uri="{FF2B5EF4-FFF2-40B4-BE49-F238E27FC236}">
+                    <a16:creationId xmlns:a16="http://schemas.microsoft.com/office/drawing/2014/main" id="{29794B2E-BC54-477B-A8AE-DDE5B39460DF}"/>
+                  </a:ext>
+                </a:extLst>
+              </p14:cNvPr>
+              <p14:cNvContentPartPr/>
+              <p14:nvPr/>
+            </p14:nvContentPartPr>
+            <p14:xfrm>
+              <a:off x="6676465" y="3536857"/>
+              <a:ext cx="360" cy="360"/>
+            </p14:xfrm>
+          </p:contentPart>
+        </mc:Choice>
+        <mc:Fallback>
+          <p:pic>
+            <p:nvPicPr>
+              <p:cNvPr id="7" name="Ink 6">
+                <a:extLst>
+                  <a:ext uri="{FF2B5EF4-FFF2-40B4-BE49-F238E27FC236}">
+                    <a16:creationId xmlns:a16="http://schemas.microsoft.com/office/drawing/2014/main" id="{29794B2E-BC54-477B-A8AE-DDE5B39460DF}"/>
+                  </a:ext>
+                </a:extLst>
+              </p:cNvPr>
+              <p:cNvPicPr/>
+              <p:nvPr/>
+            </p:nvPicPr>
+            <p:blipFill>
+              <a:blip r:embed="rId3"/>
+              <a:stretch>
+                <a:fillRect/>
+              </a:stretch>
+            </p:blipFill>
+            <p:spPr>
+              <a:xfrm>
+                <a:off x="6622825" y="3428857"/>
+                <a:ext cx="108000" cy="216000"/>
+              </a:xfrm>
+              <a:prstGeom prst="rect">
+                <a:avLst/>
+              </a:prstGeom>
+            </p:spPr>
+          </p:pic>
+        </mc:Fallback>
+      </mc:AlternateContent>
+      <mc:AlternateContent xmlns:mc="http://schemas.openxmlformats.org/markup-compatibility/2006">
+        <mc:Choice xmlns:p14="http://schemas.microsoft.com/office/powerpoint/2010/main" Requires="p14">
+          <p:contentPart p14:bwMode="auto" r:id="rId4">
+            <p14:nvContentPartPr>
+              <p14:cNvPr id="8" name="Ink 7">
+                <a:extLst>
+                  <a:ext uri="{FF2B5EF4-FFF2-40B4-BE49-F238E27FC236}">
+                    <a16:creationId xmlns:a16="http://schemas.microsoft.com/office/drawing/2014/main" id="{68F3BDD3-BD31-4B8F-B614-F5C8217DD7CA}"/>
+                  </a:ext>
+                </a:extLst>
+              </p14:cNvPr>
+              <p14:cNvContentPartPr/>
+              <p14:nvPr/>
+            </p14:nvContentPartPr>
+            <p14:xfrm>
+              <a:off x="6676465" y="3554137"/>
+              <a:ext cx="505800" cy="360"/>
+            </p14:xfrm>
+          </p:contentPart>
+        </mc:Choice>
+        <mc:Fallback>
+          <p:pic>
+            <p:nvPicPr>
+              <p:cNvPr id="8" name="Ink 7">
+                <a:extLst>
+                  <a:ext uri="{FF2B5EF4-FFF2-40B4-BE49-F238E27FC236}">
+                    <a16:creationId xmlns:a16="http://schemas.microsoft.com/office/drawing/2014/main" id="{68F3BDD3-BD31-4B8F-B614-F5C8217DD7CA}"/>
+                  </a:ext>
+                </a:extLst>
+              </p:cNvPr>
+              <p:cNvPicPr/>
+              <p:nvPr/>
+            </p:nvPicPr>
+            <p:blipFill>
+              <a:blip r:embed="rId5"/>
+              <a:stretch>
+                <a:fillRect/>
+              </a:stretch>
+            </p:blipFill>
+            <p:spPr>
+              <a:xfrm>
+                <a:off x="6622825" y="3446137"/>
+                <a:ext cx="613440" cy="216000"/>
+              </a:xfrm>
+              <a:prstGeom prst="rect">
+                <a:avLst/>
+              </a:prstGeom>
+            </p:spPr>
+          </p:pic>
+        </mc:Fallback>
+      </mc:AlternateContent>
+      <mc:AlternateContent xmlns:mc="http://schemas.openxmlformats.org/markup-compatibility/2006">
+        <mc:Choice xmlns:p14="http://schemas.microsoft.com/office/powerpoint/2010/main" Requires="p14">
+          <p:contentPart p14:bwMode="auto" r:id="rId6">
+            <p14:nvContentPartPr>
+              <p14:cNvPr id="9" name="Ink 8">
+                <a:extLst>
+                  <a:ext uri="{FF2B5EF4-FFF2-40B4-BE49-F238E27FC236}">
+                    <a16:creationId xmlns:a16="http://schemas.microsoft.com/office/drawing/2014/main" id="{A6B415CF-C97E-4817-9C7A-E50DF4C1E803}"/>
+                  </a:ext>
+                </a:extLst>
+              </p14:cNvPr>
+              <p14:cNvContentPartPr/>
+              <p14:nvPr/>
+            </p14:nvContentPartPr>
+            <p14:xfrm>
+              <a:off x="6849265" y="3527857"/>
+              <a:ext cx="360" cy="360"/>
+            </p14:xfrm>
+          </p:contentPart>
+        </mc:Choice>
+        <mc:Fallback>
+          <p:pic>
+            <p:nvPicPr>
+              <p:cNvPr id="9" name="Ink 8">
+                <a:extLst>
+                  <a:ext uri="{FF2B5EF4-FFF2-40B4-BE49-F238E27FC236}">
+                    <a16:creationId xmlns:a16="http://schemas.microsoft.com/office/drawing/2014/main" id="{A6B415CF-C97E-4817-9C7A-E50DF4C1E803}"/>
+                  </a:ext>
+                </a:extLst>
+              </p:cNvPr>
+              <p:cNvPicPr/>
+              <p:nvPr/>
+            </p:nvPicPr>
+            <p:blipFill>
+              <a:blip r:embed="rId3"/>
+              <a:stretch>
+                <a:fillRect/>
+              </a:stretch>
+            </p:blipFill>
+            <p:spPr>
+              <a:xfrm>
+                <a:off x="6795625" y="3420217"/>
+                <a:ext cx="108000" cy="216000"/>
+              </a:xfrm>
+              <a:prstGeom prst="rect">
+                <a:avLst/>
+              </a:prstGeom>
+            </p:spPr>
+          </p:pic>
+        </mc:Fallback>
+      </mc:AlternateContent>
+      <mc:AlternateContent xmlns:mc="http://schemas.openxmlformats.org/markup-compatibility/2006">
+        <mc:Choice xmlns:p14="http://schemas.microsoft.com/office/powerpoint/2010/main" Requires="p14">
+          <p:contentPart p14:bwMode="auto" r:id="rId7">
+            <p14:nvContentPartPr>
+              <p14:cNvPr id="10" name="Ink 9">
+                <a:extLst>
+                  <a:ext uri="{FF2B5EF4-FFF2-40B4-BE49-F238E27FC236}">
+                    <a16:creationId xmlns:a16="http://schemas.microsoft.com/office/drawing/2014/main" id="{8B093326-C0C5-4B0D-9009-B4E403182497}"/>
+                  </a:ext>
+                </a:extLst>
+              </p14:cNvPr>
+              <p14:cNvContentPartPr/>
+              <p14:nvPr/>
+            </p14:nvContentPartPr>
+            <p14:xfrm>
+              <a:off x="6892465" y="3527857"/>
+              <a:ext cx="360" cy="360"/>
+            </p14:xfrm>
+          </p:contentPart>
+        </mc:Choice>
+        <mc:Fallback>
+          <p:pic>
+            <p:nvPicPr>
+              <p:cNvPr id="10" name="Ink 9">
+                <a:extLst>
+                  <a:ext uri="{FF2B5EF4-FFF2-40B4-BE49-F238E27FC236}">
+                    <a16:creationId xmlns:a16="http://schemas.microsoft.com/office/drawing/2014/main" id="{8B093326-C0C5-4B0D-9009-B4E403182497}"/>
+                  </a:ext>
+                </a:extLst>
+              </p:cNvPr>
+              <p:cNvPicPr/>
+              <p:nvPr/>
+            </p:nvPicPr>
+            <p:blipFill>
+              <a:blip r:embed="rId3"/>
+              <a:stretch>
+                <a:fillRect/>
+              </a:stretch>
+            </p:blipFill>
+            <p:spPr>
+              <a:xfrm>
+                <a:off x="6838465" y="3420217"/>
+                <a:ext cx="108000" cy="216000"/>
+              </a:xfrm>
+              <a:prstGeom prst="rect">
+                <a:avLst/>
+              </a:prstGeom>
+            </p:spPr>
+          </p:pic>
+        </mc:Fallback>
+      </mc:AlternateContent>
+      <mc:AlternateContent xmlns:mc="http://schemas.openxmlformats.org/markup-compatibility/2006">
+        <mc:Choice xmlns:p14="http://schemas.microsoft.com/office/powerpoint/2010/main" Requires="p14">
+          <p:contentPart p14:bwMode="auto" r:id="rId8">
+            <p14:nvContentPartPr>
+              <p14:cNvPr id="11" name="Ink 10">
+                <a:extLst>
+                  <a:ext uri="{FF2B5EF4-FFF2-40B4-BE49-F238E27FC236}">
+                    <a16:creationId xmlns:a16="http://schemas.microsoft.com/office/drawing/2014/main" id="{0ABF57AA-BC30-473B-8640-F9C9FCD74297}"/>
+                  </a:ext>
+                </a:extLst>
+              </p14:cNvPr>
+              <p14:cNvContentPartPr/>
+              <p14:nvPr/>
+            </p14:nvContentPartPr>
+            <p14:xfrm>
+              <a:off x="6892465" y="3527857"/>
+              <a:ext cx="360" cy="360"/>
+            </p14:xfrm>
+          </p:contentPart>
+        </mc:Choice>
+        <mc:Fallback>
+          <p:pic>
+            <p:nvPicPr>
+              <p:cNvPr id="11" name="Ink 10">
+                <a:extLst>
+                  <a:ext uri="{FF2B5EF4-FFF2-40B4-BE49-F238E27FC236}">
+                    <a16:creationId xmlns:a16="http://schemas.microsoft.com/office/drawing/2014/main" id="{0ABF57AA-BC30-473B-8640-F9C9FCD74297}"/>
+                  </a:ext>
+                </a:extLst>
+              </p:cNvPr>
+              <p:cNvPicPr/>
+              <p:nvPr/>
+            </p:nvPicPr>
+            <p:blipFill>
+              <a:blip r:embed="rId3"/>
+              <a:stretch>
+                <a:fillRect/>
+              </a:stretch>
+            </p:blipFill>
+            <p:spPr>
+              <a:xfrm>
+                <a:off x="6838465" y="3420217"/>
+                <a:ext cx="108000" cy="216000"/>
+              </a:xfrm>
+              <a:prstGeom prst="rect">
+                <a:avLst/>
+              </a:prstGeom>
+            </p:spPr>
+          </p:pic>
+        </mc:Fallback>
+      </mc:AlternateContent>
+      <mc:AlternateContent xmlns:mc="http://schemas.openxmlformats.org/markup-compatibility/2006">
+        <mc:Choice xmlns:p14="http://schemas.microsoft.com/office/powerpoint/2010/main" Requires="p14">
+          <p:contentPart p14:bwMode="auto" r:id="rId9">
+            <p14:nvContentPartPr>
+              <p14:cNvPr id="12" name="Ink 11">
+                <a:extLst>
+                  <a:ext uri="{FF2B5EF4-FFF2-40B4-BE49-F238E27FC236}">
+                    <a16:creationId xmlns:a16="http://schemas.microsoft.com/office/drawing/2014/main" id="{D63A491D-220A-41ED-91D9-F3127AF5CDCF}"/>
+                  </a:ext>
+                </a:extLst>
+              </p14:cNvPr>
+              <p14:cNvContentPartPr/>
+              <p14:nvPr/>
+            </p14:nvContentPartPr>
+            <p14:xfrm>
+              <a:off x="6038545" y="3527857"/>
+              <a:ext cx="360" cy="360"/>
+            </p14:xfrm>
+          </p:contentPart>
+        </mc:Choice>
+        <mc:Fallback>
+          <p:pic>
+            <p:nvPicPr>
+              <p:cNvPr id="12" name="Ink 11">
+                <a:extLst>
+                  <a:ext uri="{FF2B5EF4-FFF2-40B4-BE49-F238E27FC236}">
+                    <a16:creationId xmlns:a16="http://schemas.microsoft.com/office/drawing/2014/main" id="{D63A491D-220A-41ED-91D9-F3127AF5CDCF}"/>
+                  </a:ext>
+                </a:extLst>
+              </p:cNvPr>
+              <p:cNvPicPr/>
+              <p:nvPr/>
+            </p:nvPicPr>
+            <p:blipFill>
+              <a:blip r:embed="rId3"/>
+              <a:stretch>
+                <a:fillRect/>
+              </a:stretch>
+            </p:blipFill>
+            <p:spPr>
+              <a:xfrm>
+                <a:off x="5984545" y="3420217"/>
+                <a:ext cx="108000" cy="216000"/>
+              </a:xfrm>
+              <a:prstGeom prst="rect">
+                <a:avLst/>
+              </a:prstGeom>
+            </p:spPr>
+          </p:pic>
+        </mc:Fallback>
+      </mc:AlternateContent>
+      <mc:AlternateContent xmlns:mc="http://schemas.openxmlformats.org/markup-compatibility/2006">
+        <mc:Choice xmlns:p14="http://schemas.microsoft.com/office/powerpoint/2010/main" Requires="p14">
+          <p:contentPart p14:bwMode="auto" r:id="rId10">
+            <p14:nvContentPartPr>
+              <p14:cNvPr id="13" name="Ink 12">
+                <a:extLst>
+                  <a:ext uri="{FF2B5EF4-FFF2-40B4-BE49-F238E27FC236}">
+                    <a16:creationId xmlns:a16="http://schemas.microsoft.com/office/drawing/2014/main" id="{1A87422F-2ADD-45AD-9758-5CB7ACAEB456}"/>
+                  </a:ext>
+                </a:extLst>
+              </p14:cNvPr>
+              <p14:cNvContentPartPr/>
+              <p14:nvPr/>
+            </p14:nvContentPartPr>
+            <p14:xfrm>
+              <a:off x="6762865" y="3502297"/>
+              <a:ext cx="568800" cy="18720"/>
+            </p14:xfrm>
+          </p:contentPart>
+        </mc:Choice>
+        <mc:Fallback>
+          <p:pic>
+            <p:nvPicPr>
+              <p:cNvPr id="13" name="Ink 12">
+                <a:extLst>
+                  <a:ext uri="{FF2B5EF4-FFF2-40B4-BE49-F238E27FC236}">
+                    <a16:creationId xmlns:a16="http://schemas.microsoft.com/office/drawing/2014/main" id="{1A87422F-2ADD-45AD-9758-5CB7ACAEB456}"/>
+                  </a:ext>
+                </a:extLst>
+              </p:cNvPr>
+              <p:cNvPicPr/>
+              <p:nvPr/>
+            </p:nvPicPr>
+            <p:blipFill>
+              <a:blip r:embed="rId11"/>
+              <a:stretch>
+                <a:fillRect/>
+              </a:stretch>
+            </p:blipFill>
+            <p:spPr>
+              <a:xfrm>
+                <a:off x="6709225" y="3394297"/>
+                <a:ext cx="676440" cy="234360"/>
+              </a:xfrm>
+              <a:prstGeom prst="rect">
+                <a:avLst/>
+              </a:prstGeom>
+            </p:spPr>
+          </p:pic>
+        </mc:Fallback>
+      </mc:AlternateContent>
     </p:spTree>
     <p:extLst>
       <p:ext uri="{BB962C8B-B14F-4D97-AF65-F5344CB8AC3E}">
@@ -23232,8 +24032,8 @@
         </p:blipFill>
         <p:spPr>
           <a:xfrm>
-            <a:off x="381001" y="1663720"/>
-            <a:ext cx="5358788" cy="4142169"/>
+            <a:off x="2199735" y="1397479"/>
+            <a:ext cx="7634377" cy="4606505"/>
           </a:xfrm>
         </p:spPr>
       </p:pic>
@@ -23323,36 +24123,6 @@
           </a:p>
         </p:txBody>
       </p:sp>
-      <p:pic>
-        <p:nvPicPr>
-          <p:cNvPr id="10" name="Picture 9">
-            <a:extLst>
-              <a:ext uri="{FF2B5EF4-FFF2-40B4-BE49-F238E27FC236}">
-                <a16:creationId xmlns:a16="http://schemas.microsoft.com/office/drawing/2014/main" id="{DCC4B78C-7D77-4364-A70C-4A77F1D17E20}"/>
-              </a:ext>
-            </a:extLst>
-          </p:cNvPr>
-          <p:cNvPicPr>
-            <a:picLocks noChangeAspect="1"/>
-          </p:cNvPicPr>
-          <p:nvPr/>
-        </p:nvPicPr>
-        <p:blipFill>
-          <a:blip r:embed="rId3"/>
-          <a:stretch>
-            <a:fillRect/>
-          </a:stretch>
-        </p:blipFill>
-        <p:spPr>
-          <a:xfrm>
-            <a:off x="5938092" y="1663720"/>
-            <a:ext cx="5772838" cy="4142169"/>
-          </a:xfrm>
-          <a:prstGeom prst="rect">
-            <a:avLst/>
-          </a:prstGeom>
-        </p:spPr>
-      </p:pic>
     </p:spTree>
     <p:extLst>
       <p:ext uri="{BB962C8B-B14F-4D97-AF65-F5344CB8AC3E}">
